--- a/JoyCpp/rb_tree/rb_tree.pptx
+++ b/JoyCpp/rb_tree/rb_tree.pptx
@@ -9,15 +9,16 @@
     <p:sldId id="257" r:id="rId3"/>
     <p:sldId id="258" r:id="rId4"/>
     <p:sldId id="259" r:id="rId5"/>
-    <p:sldId id="260" r:id="rId6"/>
-    <p:sldId id="261" r:id="rId7"/>
-    <p:sldId id="262" r:id="rId8"/>
-    <p:sldId id="263" r:id="rId9"/>
-    <p:sldId id="264" r:id="rId10"/>
-    <p:sldId id="265" r:id="rId11"/>
-    <p:sldId id="266" r:id="rId12"/>
-    <p:sldId id="267" r:id="rId13"/>
-    <p:sldId id="268" r:id="rId14"/>
+    <p:sldId id="269" r:id="rId6"/>
+    <p:sldId id="260" r:id="rId7"/>
+    <p:sldId id="261" r:id="rId8"/>
+    <p:sldId id="262" r:id="rId9"/>
+    <p:sldId id="263" r:id="rId10"/>
+    <p:sldId id="264" r:id="rId11"/>
+    <p:sldId id="265" r:id="rId12"/>
+    <p:sldId id="266" r:id="rId13"/>
+    <p:sldId id="267" r:id="rId14"/>
+    <p:sldId id="268" r:id="rId15"/>
   </p:sldIdLst>
   <p:sldSz cx="9144000" cy="6858000" type="screen4x3"/>
   <p:notesSz cx="6858000" cy="9144000"/>
@@ -301,7 +302,7 @@
             <a:fld id="{530820CF-B880-4189-942D-D702A7CBA730}" type="datetimeFigureOut">
               <a:rPr lang="zh-CN" altLang="en-US" smtClean="0"/>
               <a:pPr/>
-              <a:t>2018/7/23</a:t>
+              <a:t>2018/7/24</a:t>
             </a:fld>
             <a:endParaRPr lang="zh-CN" altLang="en-US"/>
           </a:p>
@@ -468,7 +469,7 @@
             <a:fld id="{530820CF-B880-4189-942D-D702A7CBA730}" type="datetimeFigureOut">
               <a:rPr lang="zh-CN" altLang="en-US" smtClean="0"/>
               <a:pPr/>
-              <a:t>2018/7/23</a:t>
+              <a:t>2018/7/24</a:t>
             </a:fld>
             <a:endParaRPr lang="zh-CN" altLang="en-US"/>
           </a:p>
@@ -645,7 +646,7 @@
             <a:fld id="{530820CF-B880-4189-942D-D702A7CBA730}" type="datetimeFigureOut">
               <a:rPr lang="zh-CN" altLang="en-US" smtClean="0"/>
               <a:pPr/>
-              <a:t>2018/7/23</a:t>
+              <a:t>2018/7/24</a:t>
             </a:fld>
             <a:endParaRPr lang="zh-CN" altLang="en-US"/>
           </a:p>
@@ -812,7 +813,7 @@
             <a:fld id="{530820CF-B880-4189-942D-D702A7CBA730}" type="datetimeFigureOut">
               <a:rPr lang="zh-CN" altLang="en-US" smtClean="0"/>
               <a:pPr/>
-              <a:t>2018/7/23</a:t>
+              <a:t>2018/7/24</a:t>
             </a:fld>
             <a:endParaRPr lang="zh-CN" altLang="en-US"/>
           </a:p>
@@ -1055,7 +1056,7 @@
             <a:fld id="{530820CF-B880-4189-942D-D702A7CBA730}" type="datetimeFigureOut">
               <a:rPr lang="zh-CN" altLang="en-US" smtClean="0"/>
               <a:pPr/>
-              <a:t>2018/7/23</a:t>
+              <a:t>2018/7/24</a:t>
             </a:fld>
             <a:endParaRPr lang="zh-CN" altLang="en-US"/>
           </a:p>
@@ -1340,7 +1341,7 @@
             <a:fld id="{530820CF-B880-4189-942D-D702A7CBA730}" type="datetimeFigureOut">
               <a:rPr lang="zh-CN" altLang="en-US" smtClean="0"/>
               <a:pPr/>
-              <a:t>2018/7/23</a:t>
+              <a:t>2018/7/24</a:t>
             </a:fld>
             <a:endParaRPr lang="zh-CN" altLang="en-US"/>
           </a:p>
@@ -1759,7 +1760,7 @@
             <a:fld id="{530820CF-B880-4189-942D-D702A7CBA730}" type="datetimeFigureOut">
               <a:rPr lang="zh-CN" altLang="en-US" smtClean="0"/>
               <a:pPr/>
-              <a:t>2018/7/23</a:t>
+              <a:t>2018/7/24</a:t>
             </a:fld>
             <a:endParaRPr lang="zh-CN" altLang="en-US"/>
           </a:p>
@@ -1874,7 +1875,7 @@
             <a:fld id="{530820CF-B880-4189-942D-D702A7CBA730}" type="datetimeFigureOut">
               <a:rPr lang="zh-CN" altLang="en-US" smtClean="0"/>
               <a:pPr/>
-              <a:t>2018/7/23</a:t>
+              <a:t>2018/7/24</a:t>
             </a:fld>
             <a:endParaRPr lang="zh-CN" altLang="en-US"/>
           </a:p>
@@ -1966,7 +1967,7 @@
             <a:fld id="{530820CF-B880-4189-942D-D702A7CBA730}" type="datetimeFigureOut">
               <a:rPr lang="zh-CN" altLang="en-US" smtClean="0"/>
               <a:pPr/>
-              <a:t>2018/7/23</a:t>
+              <a:t>2018/7/24</a:t>
             </a:fld>
             <a:endParaRPr lang="zh-CN" altLang="en-US"/>
           </a:p>
@@ -2240,7 +2241,7 @@
             <a:fld id="{530820CF-B880-4189-942D-D702A7CBA730}" type="datetimeFigureOut">
               <a:rPr lang="zh-CN" altLang="en-US" smtClean="0"/>
               <a:pPr/>
-              <a:t>2018/7/23</a:t>
+              <a:t>2018/7/24</a:t>
             </a:fld>
             <a:endParaRPr lang="zh-CN" altLang="en-US"/>
           </a:p>
@@ -2490,7 +2491,7 @@
             <a:fld id="{530820CF-B880-4189-942D-D702A7CBA730}" type="datetimeFigureOut">
               <a:rPr lang="zh-CN" altLang="en-US" smtClean="0"/>
               <a:pPr/>
-              <a:t>2018/7/23</a:t>
+              <a:t>2018/7/24</a:t>
             </a:fld>
             <a:endParaRPr lang="zh-CN" altLang="en-US"/>
           </a:p>
@@ -2700,7 +2701,7 @@
             <a:fld id="{530820CF-B880-4189-942D-D702A7CBA730}" type="datetimeFigureOut">
               <a:rPr lang="zh-CN" altLang="en-US" smtClean="0"/>
               <a:pPr/>
-              <a:t>2018/7/23</a:t>
+              <a:t>2018/7/24</a:t>
             </a:fld>
             <a:endParaRPr lang="zh-CN" altLang="en-US"/>
           </a:p>
@@ -3090,23 +3091,11 @@
           <a:p>
             <a:r>
               <a:rPr lang="zh-CN" altLang="en-US" b="1" dirty="0" smtClean="0"/>
-              <a:t>红黑树与</a:t>
+              <a:t>红黑树与关联容</a:t>
             </a:r>
             <a:r>
               <a:rPr lang="zh-CN" altLang="en-US" b="1" dirty="0" smtClean="0"/>
-              <a:t>关</a:t>
-            </a:r>
-            <a:r>
-              <a:rPr lang="zh-CN" altLang="en-US" b="1" dirty="0" smtClean="0"/>
-              <a:t>联容器</a:t>
-            </a:r>
-            <a:r>
-              <a:rPr lang="en-US" altLang="zh-CN" b="1" dirty="0" smtClean="0"/>
-              <a:t>--</a:t>
-            </a:r>
-            <a:r>
-              <a:rPr lang="zh-CN" altLang="en-US" b="1" dirty="0" smtClean="0"/>
-              <a:t>解读</a:t>
+              <a:t>器</a:t>
             </a:r>
             <a:r>
               <a:rPr lang="zh-CN" altLang="en-US" b="1" dirty="0" smtClean="0"/>
@@ -3178,13 +3167,21 @@
           <a:bodyPr/>
           <a:lstStyle/>
           <a:p>
+            <a:r>
+              <a:rPr lang="en-US" altLang="zh-CN" dirty="0" smtClean="0"/>
+              <a:t>// -&gt; </a:t>
+            </a:r>
+            <a:r>
+              <a:rPr lang="en-US" altLang="zh-CN" dirty="0" err="1" smtClean="0"/>
+              <a:t>ldj</a:t>
+            </a:r>
             <a:endParaRPr lang="zh-CN" altLang="en-US" dirty="0"/>
           </a:p>
         </p:txBody>
       </p:sp>
       <p:pic>
         <p:nvPicPr>
-          <p:cNvPr id="4098" name="Picture 2" descr="D:\用户目录\下载\1258519-20171101104826998-2133273743.jpg"/>
+          <p:cNvPr id="3074" name="Picture 2" descr="D:\用户目录\下载\1258519-20171101104826138-904063732.jpg"/>
           <p:cNvPicPr>
             <a:picLocks noGrp="1" noChangeAspect="1" noChangeArrowheads="1"/>
           </p:cNvPicPr>
@@ -3201,8 +3198,8 @@
         </p:blipFill>
         <p:spPr bwMode="auto">
           <a:xfrm>
-            <a:off x="689620" y="1484784"/>
-            <a:ext cx="7770812" cy="4935703"/>
+            <a:off x="683568" y="1459862"/>
+            <a:ext cx="7704856" cy="4993474"/>
           </a:xfrm>
           <a:prstGeom prst="rect">
             <a:avLst/>
@@ -3256,7 +3253,7 @@
       </p:sp>
       <p:pic>
         <p:nvPicPr>
-          <p:cNvPr id="5122" name="Picture 2" descr="D:\用户目录\下载\1258519-20171101104826138-358742940.jpg"/>
+          <p:cNvPr id="4098" name="Picture 2" descr="D:\用户目录\下载\1258519-20171101104826998-2133273743.jpg"/>
           <p:cNvPicPr>
             <a:picLocks noGrp="1" noChangeAspect="1" noChangeArrowheads="1"/>
           </p:cNvPicPr>
@@ -3273,8 +3270,8 @@
         </p:blipFill>
         <p:spPr bwMode="auto">
           <a:xfrm>
-            <a:off x="683568" y="1484784"/>
-            <a:ext cx="7776864" cy="4896544"/>
+            <a:off x="689620" y="1484784"/>
+            <a:ext cx="7770812" cy="4935703"/>
           </a:xfrm>
           <a:prstGeom prst="rect">
             <a:avLst/>
@@ -3322,152 +3319,38 @@
           <a:bodyPr/>
           <a:lstStyle/>
           <a:p>
-            <a:r>
-              <a:rPr lang="zh-CN" altLang="en-US" dirty="0" smtClean="0"/>
-              <a:t>平</a:t>
-            </a:r>
-            <a:r>
-              <a:rPr lang="zh-CN" altLang="en-US" dirty="0" smtClean="0"/>
-              <a:t>衡二叉树</a:t>
-            </a:r>
             <a:endParaRPr lang="zh-CN" altLang="en-US" dirty="0"/>
           </a:p>
         </p:txBody>
       </p:sp>
-      <p:sp>
-        <p:nvSpPr>
-          <p:cNvPr id="3" name="内容占位符 2"/>
-          <p:cNvSpPr>
-            <a:spLocks noGrp="1"/>
-          </p:cNvSpPr>
+      <p:pic>
+        <p:nvPicPr>
+          <p:cNvPr id="5122" name="Picture 2" descr="D:\用户目录\下载\1258519-20171101104826138-358742940.jpg"/>
+          <p:cNvPicPr>
+            <a:picLocks noGrp="1" noChangeAspect="1" noChangeArrowheads="1"/>
+          </p:cNvPicPr>
           <p:nvPr>
             <p:ph idx="1"/>
           </p:nvPr>
-        </p:nvSpPr>
-        <p:spPr/>
-        <p:txBody>
-          <a:bodyPr>
-            <a:normAutofit fontScale="92500" lnSpcReduction="20000"/>
-          </a:bodyPr>
-          <a:lstStyle/>
-          <a:p>
-            <a:r>
-              <a:rPr lang="en-US" altLang="zh-CN" dirty="0" smtClean="0"/>
-              <a:t>1 AVL</a:t>
-            </a:r>
-          </a:p>
-          <a:p>
-            <a:r>
-              <a:rPr lang="en-US" altLang="zh-CN" dirty="0" smtClean="0"/>
-              <a:t>2 </a:t>
-            </a:r>
-            <a:r>
-              <a:rPr lang="en-US" altLang="zh-CN" dirty="0" smtClean="0">
-                <a:solidFill>
-                  <a:srgbClr val="FF0000"/>
-                </a:solidFill>
-              </a:rPr>
-              <a:t>RB</a:t>
-            </a:r>
-            <a:r>
-              <a:rPr lang="en-US" altLang="zh-CN" dirty="0" smtClean="0"/>
-              <a:t>-Tree</a:t>
-            </a:r>
-          </a:p>
-          <a:p>
-            <a:pPr>
-              <a:buNone/>
-            </a:pPr>
-            <a:r>
-              <a:rPr lang="zh-CN" altLang="en-US" sz="3000" dirty="0" smtClean="0"/>
-              <a:t>一</a:t>
-            </a:r>
-            <a:r>
-              <a:rPr lang="zh-CN" altLang="en-US" sz="3000" dirty="0" smtClean="0"/>
-              <a:t>个二叉查找树如满足下面的红黑性质，则为一颗红黑树：</a:t>
-            </a:r>
-            <a:endParaRPr lang="en-US" altLang="zh-CN" sz="3000" dirty="0" smtClean="0"/>
-          </a:p>
-          <a:p>
-            <a:pPr>
-              <a:buNone/>
-            </a:pPr>
-            <a:r>
-              <a:rPr lang="en-US" altLang="zh-CN" sz="3000" dirty="0" smtClean="0"/>
-              <a:t>1) </a:t>
-            </a:r>
-            <a:r>
-              <a:rPr lang="zh-CN" altLang="en-US" sz="3000" dirty="0" smtClean="0"/>
-              <a:t>每个结点非红即黑。</a:t>
-            </a:r>
-            <a:endParaRPr lang="en-US" altLang="zh-CN" sz="3000" dirty="0" smtClean="0"/>
-          </a:p>
-          <a:p>
-            <a:pPr>
-              <a:buNone/>
-            </a:pPr>
-            <a:r>
-              <a:rPr lang="en-US" altLang="zh-CN" sz="3000" dirty="0" smtClean="0"/>
-              <a:t>2) </a:t>
-            </a:r>
-            <a:r>
-              <a:rPr lang="zh-CN" altLang="en-US" sz="3000" dirty="0" smtClean="0"/>
-              <a:t>根节点是黑的。</a:t>
-            </a:r>
-            <a:endParaRPr lang="en-US" altLang="zh-CN" sz="3000" dirty="0" smtClean="0"/>
-          </a:p>
-          <a:p>
-            <a:pPr>
-              <a:buNone/>
-            </a:pPr>
-            <a:r>
-              <a:rPr lang="en-US" altLang="zh-CN" sz="3000" dirty="0" smtClean="0"/>
-              <a:t>3) </a:t>
-            </a:r>
-            <a:r>
-              <a:rPr lang="zh-CN" altLang="en-US" sz="3000" dirty="0" smtClean="0"/>
-              <a:t>每个叶结点</a:t>
-            </a:r>
-            <a:r>
-              <a:rPr lang="en-US" altLang="zh-CN" sz="3000" dirty="0" smtClean="0"/>
-              <a:t>(NIL)</a:t>
-            </a:r>
-            <a:r>
-              <a:rPr lang="zh-CN" altLang="en-US" sz="3000" dirty="0" smtClean="0"/>
-              <a:t>是黑的。</a:t>
-            </a:r>
-            <a:endParaRPr lang="en-US" altLang="zh-CN" sz="3000" dirty="0" smtClean="0"/>
-          </a:p>
-          <a:p>
-            <a:pPr>
-              <a:buNone/>
-            </a:pPr>
-            <a:r>
-              <a:rPr lang="en-US" altLang="zh-CN" sz="3000" dirty="0" smtClean="0"/>
-              <a:t>4) </a:t>
-            </a:r>
-            <a:r>
-              <a:rPr lang="zh-CN" altLang="en-US" sz="3000" dirty="0" smtClean="0"/>
-              <a:t>如果一个结点是红的，则它两个儿子都是黑的。</a:t>
-            </a:r>
-            <a:endParaRPr lang="en-US" altLang="zh-CN" sz="3000" dirty="0" smtClean="0"/>
-          </a:p>
-          <a:p>
-            <a:pPr>
-              <a:buNone/>
-            </a:pPr>
-            <a:r>
-              <a:rPr lang="en-US" altLang="zh-CN" sz="3000" dirty="0" smtClean="0"/>
-              <a:t>5) </a:t>
-            </a:r>
-            <a:r>
-              <a:rPr lang="zh-CN" altLang="en-US" sz="3000" dirty="0" smtClean="0"/>
-              <a:t>对每个结点，从该结点到其孙子结点的所有路径上包含相同数目的黑结点。</a:t>
-            </a:r>
-            <a:endParaRPr lang="zh-CN" altLang="en-US" sz="3000" dirty="0"/>
-          </a:p>
-        </p:txBody>
-      </p:sp>
+        </p:nvPicPr>
+        <p:blipFill>
+          <a:blip r:embed="rId2" cstate="print"/>
+          <a:srcRect/>
+          <a:stretch>
+            <a:fillRect/>
+          </a:stretch>
+        </p:blipFill>
+        <p:spPr bwMode="auto">
+          <a:xfrm>
+            <a:off x="683568" y="1484784"/>
+            <a:ext cx="7776864" cy="4896544"/>
+          </a:xfrm>
+          <a:prstGeom prst="rect">
+            <a:avLst/>
+          </a:prstGeom>
+          <a:noFill/>
+        </p:spPr>
+      </p:pic>
     </p:spTree>
   </p:cSld>
   <p:clrMapOvr>
@@ -3510,6 +3393,184 @@
           <a:p>
             <a:r>
               <a:rPr lang="zh-CN" altLang="en-US" dirty="0" smtClean="0"/>
+              <a:t>平衡二叉树</a:t>
+            </a:r>
+            <a:endParaRPr lang="zh-CN" altLang="en-US" dirty="0"/>
+          </a:p>
+        </p:txBody>
+      </p:sp>
+      <p:sp>
+        <p:nvSpPr>
+          <p:cNvPr id="3" name="内容占位符 2"/>
+          <p:cNvSpPr>
+            <a:spLocks noGrp="1"/>
+          </p:cNvSpPr>
+          <p:nvPr>
+            <p:ph idx="1"/>
+          </p:nvPr>
+        </p:nvSpPr>
+        <p:spPr/>
+        <p:txBody>
+          <a:bodyPr>
+            <a:normAutofit fontScale="92500" lnSpcReduction="20000"/>
+          </a:bodyPr>
+          <a:lstStyle/>
+          <a:p>
+            <a:r>
+              <a:rPr lang="en-US" altLang="zh-CN" dirty="0" smtClean="0"/>
+              <a:t>1 AVL</a:t>
+            </a:r>
+          </a:p>
+          <a:p>
+            <a:r>
+              <a:rPr lang="en-US" altLang="zh-CN" dirty="0" smtClean="0"/>
+              <a:t>2 </a:t>
+            </a:r>
+            <a:r>
+              <a:rPr lang="en-US" altLang="zh-CN" dirty="0" smtClean="0">
+                <a:solidFill>
+                  <a:srgbClr val="FF0000"/>
+                </a:solidFill>
+              </a:rPr>
+              <a:t>RB</a:t>
+            </a:r>
+            <a:r>
+              <a:rPr lang="en-US" altLang="zh-CN" dirty="0" smtClean="0"/>
+              <a:t>-Tree</a:t>
+            </a:r>
+          </a:p>
+          <a:p>
+            <a:pPr>
+              <a:buNone/>
+            </a:pPr>
+            <a:r>
+              <a:rPr lang="zh-CN" altLang="en-US" sz="3000" dirty="0" smtClean="0"/>
+              <a:t>一个二叉查找树如满足下面的红黑性质，则为一颗红黑树：</a:t>
+            </a:r>
+            <a:endParaRPr lang="en-US" altLang="zh-CN" sz="3000" dirty="0" smtClean="0"/>
+          </a:p>
+          <a:p>
+            <a:pPr>
+              <a:buNone/>
+            </a:pPr>
+            <a:r>
+              <a:rPr lang="en-US" altLang="zh-CN" sz="3000" dirty="0" smtClean="0"/>
+              <a:t>1) </a:t>
+            </a:r>
+            <a:r>
+              <a:rPr lang="zh-CN" altLang="en-US" sz="3000" dirty="0" smtClean="0"/>
+              <a:t>每个结点非红即黑。</a:t>
+            </a:r>
+            <a:endParaRPr lang="en-US" altLang="zh-CN" sz="3000" dirty="0" smtClean="0"/>
+          </a:p>
+          <a:p>
+            <a:pPr>
+              <a:buNone/>
+            </a:pPr>
+            <a:r>
+              <a:rPr lang="en-US" altLang="zh-CN" sz="3000" dirty="0" smtClean="0"/>
+              <a:t>2) </a:t>
+            </a:r>
+            <a:r>
+              <a:rPr lang="zh-CN" altLang="en-US" sz="3000" dirty="0" smtClean="0"/>
+              <a:t>根节点是黑的。</a:t>
+            </a:r>
+            <a:endParaRPr lang="en-US" altLang="zh-CN" sz="3000" dirty="0" smtClean="0"/>
+          </a:p>
+          <a:p>
+            <a:pPr>
+              <a:buNone/>
+            </a:pPr>
+            <a:r>
+              <a:rPr lang="en-US" altLang="zh-CN" sz="3000" dirty="0" smtClean="0"/>
+              <a:t>3) </a:t>
+            </a:r>
+            <a:r>
+              <a:rPr lang="zh-CN" altLang="en-US" sz="3000" dirty="0" smtClean="0"/>
+              <a:t>每个叶结点</a:t>
+            </a:r>
+            <a:r>
+              <a:rPr lang="en-US" altLang="zh-CN" sz="3000" dirty="0" smtClean="0"/>
+              <a:t>(NIL)</a:t>
+            </a:r>
+            <a:r>
+              <a:rPr lang="zh-CN" altLang="en-US" sz="3000" dirty="0" smtClean="0"/>
+              <a:t>是黑的。</a:t>
+            </a:r>
+            <a:endParaRPr lang="en-US" altLang="zh-CN" sz="3000" dirty="0" smtClean="0"/>
+          </a:p>
+          <a:p>
+            <a:pPr>
+              <a:buNone/>
+            </a:pPr>
+            <a:r>
+              <a:rPr lang="en-US" altLang="zh-CN" sz="3000" dirty="0" smtClean="0"/>
+              <a:t>4) </a:t>
+            </a:r>
+            <a:r>
+              <a:rPr lang="zh-CN" altLang="en-US" sz="3000" dirty="0" smtClean="0"/>
+              <a:t>如果一个结点是红的，则它两个儿子都是黑的。</a:t>
+            </a:r>
+            <a:endParaRPr lang="en-US" altLang="zh-CN" sz="3000" dirty="0" smtClean="0"/>
+          </a:p>
+          <a:p>
+            <a:pPr>
+              <a:buNone/>
+            </a:pPr>
+            <a:r>
+              <a:rPr lang="en-US" altLang="zh-CN" sz="3000" dirty="0" smtClean="0"/>
+              <a:t>5) </a:t>
+            </a:r>
+            <a:r>
+              <a:rPr lang="zh-CN" altLang="en-US" sz="3000" dirty="0" smtClean="0"/>
+              <a:t>对每个结点，从该结点到其孙子结点的所有路径上包含相同数目的黑结点。</a:t>
+            </a:r>
+            <a:endParaRPr lang="zh-CN" altLang="en-US" sz="3000" dirty="0"/>
+          </a:p>
+        </p:txBody>
+      </p:sp>
+    </p:spTree>
+  </p:cSld>
+  <p:clrMapOvr>
+    <a:masterClrMapping/>
+  </p:clrMapOvr>
+</p:sld>
+</file>
+
+<file path=ppt/slides/slide14.xml><?xml version="1.0" encoding="utf-8"?>
+<p:sld xmlns:a="http://schemas.openxmlformats.org/drawingml/2006/main" xmlns:r="http://schemas.openxmlformats.org/officeDocument/2006/relationships" xmlns:p="http://schemas.openxmlformats.org/presentationml/2006/main">
+  <p:cSld>
+    <p:spTree>
+      <p:nvGrpSpPr>
+        <p:cNvPr id="1" name=""/>
+        <p:cNvGrpSpPr/>
+        <p:nvPr/>
+      </p:nvGrpSpPr>
+      <p:grpSpPr>
+        <a:xfrm>
+          <a:off x="0" y="0"/>
+          <a:ext cx="0" cy="0"/>
+          <a:chOff x="0" y="0"/>
+          <a:chExt cx="0" cy="0"/>
+        </a:xfrm>
+      </p:grpSpPr>
+      <p:sp>
+        <p:nvSpPr>
+          <p:cNvPr id="2" name="标题 1"/>
+          <p:cNvSpPr>
+            <a:spLocks noGrp="1"/>
+          </p:cNvSpPr>
+          <p:nvPr>
+            <p:ph type="title"/>
+          </p:nvPr>
+        </p:nvSpPr>
+        <p:spPr/>
+        <p:txBody>
+          <a:bodyPr/>
+          <a:lstStyle/>
+          <a:p>
+            <a:r>
+              <a:rPr lang="zh-CN" altLang="en-US" dirty="0" smtClean="0"/>
               <a:t>红黑树的相关操作</a:t>
             </a:r>
             <a:r>
@@ -3541,15 +3602,7 @@
             </a:r>
             <a:r>
               <a:rPr lang="zh-CN" altLang="en-US" dirty="0" smtClean="0"/>
-              <a:t>先看</a:t>
-            </a:r>
-            <a:r>
-              <a:rPr lang="zh-CN" altLang="en-US" dirty="0" smtClean="0"/>
-              <a:t>树的初始</a:t>
-            </a:r>
-            <a:r>
-              <a:rPr lang="zh-CN" altLang="en-US" dirty="0" smtClean="0"/>
-              <a:t>化</a:t>
+              <a:t>先看树的初始化</a:t>
             </a:r>
             <a:endParaRPr lang="en-US" altLang="zh-CN" dirty="0" smtClean="0"/>
           </a:p>
@@ -3699,11 +3752,7 @@
             </a:r>
             <a:r>
               <a:rPr lang="zh-CN" altLang="en-US" dirty="0" smtClean="0"/>
-              <a:t>）个结点的有限集</a:t>
-            </a:r>
-            <a:r>
-              <a:rPr lang="zh-CN" altLang="en-US" dirty="0" smtClean="0"/>
-              <a:t>。</a:t>
+              <a:t>）个结点的有限集。</a:t>
             </a:r>
             <a:endParaRPr lang="en-US" altLang="zh-CN" dirty="0" smtClean="0"/>
           </a:p>
@@ -3879,11 +3928,7 @@
           <a:p>
             <a:r>
               <a:rPr lang="zh-CN" altLang="en-US" dirty="0" smtClean="0"/>
-              <a:t>基</a:t>
-            </a:r>
-            <a:r>
-              <a:rPr lang="zh-CN" altLang="en-US" dirty="0" smtClean="0"/>
-              <a:t>本概念及术语</a:t>
+              <a:t>基本概念及术语</a:t>
             </a:r>
             <a:endParaRPr lang="zh-CN" altLang="en-US" dirty="0"/>
           </a:p>
@@ -3915,15 +3960,7 @@
             <a:pPr latinLnBrk="1"/>
             <a:r>
               <a:rPr lang="zh-CN" altLang="en-US" dirty="0" smtClean="0"/>
-              <a:t>结点拥有的子</a:t>
-            </a:r>
-            <a:r>
-              <a:rPr lang="zh-CN" altLang="en-US" dirty="0" smtClean="0"/>
-              <a:t>树数称</a:t>
-            </a:r>
-            <a:r>
-              <a:rPr lang="zh-CN" altLang="en-US" dirty="0" smtClean="0"/>
-              <a:t>为</a:t>
+              <a:t>结点拥有的子树数称为</a:t>
             </a:r>
             <a:r>
               <a:rPr lang="zh-CN" altLang="en-US" b="1" dirty="0" smtClean="0"/>
@@ -3953,11 +3990,7 @@
             </a:r>
             <a:r>
               <a:rPr lang="zh-CN" altLang="en-US" dirty="0" smtClean="0"/>
-              <a:t>的结点</a:t>
-            </a:r>
-            <a:r>
-              <a:rPr lang="zh-CN" altLang="en-US" dirty="0" smtClean="0"/>
-              <a:t>称为</a:t>
+              <a:t>的结点称为</a:t>
             </a:r>
             <a:r>
               <a:rPr lang="zh-CN" altLang="en-US" b="1" dirty="0" smtClean="0"/>
@@ -3977,11 +4010,7 @@
             </a:r>
             <a:r>
               <a:rPr lang="zh-CN" altLang="en-US" b="1" dirty="0" smtClean="0"/>
-              <a:t>终端结</a:t>
-            </a:r>
-            <a:r>
-              <a:rPr lang="zh-CN" altLang="en-US" b="1" dirty="0" smtClean="0"/>
-              <a:t>点</a:t>
+              <a:t>终端结点</a:t>
             </a:r>
             <a:endParaRPr lang="en-US" altLang="zh-CN" b="1" dirty="0" smtClean="0"/>
           </a:p>
@@ -3996,39 +4025,19 @@
             </a:r>
             <a:r>
               <a:rPr lang="zh-CN" altLang="en-US" dirty="0" smtClean="0"/>
-              <a:t>的</a:t>
-            </a:r>
-            <a:r>
-              <a:rPr lang="zh-CN" altLang="en-US" dirty="0" smtClean="0"/>
-              <a:t>结点</a:t>
-            </a:r>
-            <a:r>
-              <a:rPr lang="zh-CN" altLang="en-US" dirty="0" smtClean="0"/>
-              <a:t>称</a:t>
-            </a:r>
-            <a:r>
-              <a:rPr lang="zh-CN" altLang="en-US" dirty="0" smtClean="0"/>
-              <a:t>为</a:t>
+              <a:t>的结点称为</a:t>
             </a:r>
             <a:r>
               <a:rPr lang="zh-CN" altLang="en-US" b="1" dirty="0" smtClean="0"/>
-              <a:t>分支结</a:t>
+              <a:t>分支结点</a:t>
+            </a:r>
+            <a:r>
+              <a:rPr lang="zh-CN" altLang="en-US" dirty="0" smtClean="0"/>
+              <a:t>或</a:t>
             </a:r>
             <a:r>
               <a:rPr lang="zh-CN" altLang="en-US" b="1" dirty="0" smtClean="0"/>
-              <a:t>点</a:t>
-            </a:r>
-            <a:r>
-              <a:rPr lang="zh-CN" altLang="en-US" dirty="0" smtClean="0"/>
-              <a:t>或</a:t>
-            </a:r>
-            <a:r>
-              <a:rPr lang="zh-CN" altLang="en-US" b="1" dirty="0" smtClean="0"/>
-              <a:t>非终端结</a:t>
-            </a:r>
-            <a:r>
-              <a:rPr lang="zh-CN" altLang="en-US" b="1" dirty="0" smtClean="0"/>
-              <a:t>点</a:t>
+              <a:t>非终端结点</a:t>
             </a:r>
             <a:endParaRPr lang="en-US" altLang="zh-CN" b="1" dirty="0" smtClean="0"/>
           </a:p>
@@ -4044,19 +4053,11 @@
             </a:pPr>
             <a:r>
               <a:rPr lang="zh-CN" altLang="en-US" b="1" dirty="0" smtClean="0"/>
-              <a:t>树</a:t>
-            </a:r>
-            <a:r>
-              <a:rPr lang="zh-CN" altLang="en-US" b="1" dirty="0" smtClean="0"/>
-              <a:t>的度</a:t>
-            </a:r>
-            <a:r>
-              <a:rPr lang="zh-CN" altLang="en-US" dirty="0" smtClean="0"/>
-              <a:t>是树内各节点的度的最大</a:t>
-            </a:r>
-            <a:r>
-              <a:rPr lang="zh-CN" altLang="en-US" dirty="0" smtClean="0"/>
-              <a:t>值。</a:t>
+              <a:t>树的度</a:t>
+            </a:r>
+            <a:r>
+              <a:rPr lang="zh-CN" altLang="en-US" dirty="0" smtClean="0"/>
+              <a:t>是树内各节点的度的最大值。</a:t>
             </a:r>
             <a:endParaRPr lang="en-US" altLang="zh-CN" dirty="0" smtClean="0"/>
           </a:p>
@@ -4118,11 +4119,7 @@
           <a:p>
             <a:r>
               <a:rPr lang="zh-CN" altLang="en-US" dirty="0" smtClean="0"/>
-              <a:t>二叉</a:t>
-            </a:r>
-            <a:r>
-              <a:rPr lang="zh-CN" altLang="en-US" dirty="0" smtClean="0"/>
-              <a:t>树</a:t>
+              <a:t>二叉树</a:t>
             </a:r>
             <a:r>
               <a:rPr lang="en-US" altLang="zh-CN" dirty="0" smtClean="0"/>
@@ -4158,11 +4155,7 @@
             </a:r>
             <a:r>
               <a:rPr lang="zh-CN" altLang="en-US" dirty="0" smtClean="0"/>
-              <a:t>是</a:t>
-            </a:r>
-            <a:r>
-              <a:rPr lang="zh-CN" altLang="en-US" dirty="0" smtClean="0"/>
-              <a:t>：</a:t>
+              <a:t>是：</a:t>
             </a:r>
             <a:endParaRPr lang="en-US" altLang="zh-CN" dirty="0" smtClean="0"/>
           </a:p>
@@ -4188,15 +4181,7 @@
             </a:r>
             <a:r>
               <a:rPr lang="zh-CN" altLang="en-US" dirty="0" smtClean="0"/>
-              <a:t>的结点</a:t>
-            </a:r>
-            <a:r>
-              <a:rPr lang="zh-CN" altLang="en-US" dirty="0" smtClean="0"/>
-              <a:t>）</a:t>
-            </a:r>
-            <a:r>
-              <a:rPr lang="zh-CN" altLang="en-US" dirty="0" smtClean="0"/>
-              <a:t>。</a:t>
+              <a:t>的结点）。</a:t>
             </a:r>
           </a:p>
           <a:p>
@@ -4213,11 +4198,7 @@
             </a:r>
             <a:r>
               <a:rPr lang="zh-CN" altLang="en-US" dirty="0" smtClean="0"/>
-              <a:t>）二叉树的子树有左右之分，其次序不能随意颠倒</a:t>
-            </a:r>
-            <a:r>
-              <a:rPr lang="zh-CN" altLang="en-US" dirty="0" smtClean="0"/>
-              <a:t>。</a:t>
+              <a:t>）二叉树的子树有左右之分，其次序不能随意颠倒。</a:t>
             </a:r>
             <a:endParaRPr lang="en-US" altLang="zh-CN" dirty="0" smtClean="0"/>
           </a:p>
@@ -4235,23 +4216,7 @@
             </a:r>
             <a:r>
               <a:rPr lang="zh-CN" altLang="en-US" dirty="0" smtClean="0"/>
-              <a:t>）二</a:t>
-            </a:r>
-            <a:r>
-              <a:rPr lang="zh-CN" altLang="en-US" dirty="0" smtClean="0"/>
-              <a:t>叉</a:t>
-            </a:r>
-            <a:r>
-              <a:rPr lang="zh-CN" altLang="en-US" dirty="0" smtClean="0"/>
-              <a:t>树可</a:t>
-            </a:r>
-            <a:r>
-              <a:rPr lang="zh-CN" altLang="en-US" dirty="0" smtClean="0"/>
-              <a:t>以</a:t>
-            </a:r>
-            <a:r>
-              <a:rPr lang="zh-CN" altLang="en-US" dirty="0" smtClean="0"/>
-              <a:t>为空。</a:t>
+              <a:t>）二叉树可以为空。</a:t>
             </a:r>
             <a:r>
               <a:rPr lang="en-US" altLang="zh-CN" dirty="0" smtClean="0"/>
@@ -4261,7 +4226,6 @@
               <a:rPr lang="zh-CN" altLang="en-US" dirty="0" smtClean="0"/>
               <a:t>对象的性与质</a:t>
             </a:r>
-            <a:endParaRPr lang="zh-CN" altLang="en-US" dirty="0" smtClean="0"/>
           </a:p>
           <a:p>
             <a:endParaRPr lang="zh-CN" altLang="en-US" dirty="0"/>
@@ -4305,15 +4269,14 @@
         </p:nvSpPr>
         <p:spPr/>
         <p:txBody>
-          <a:bodyPr>
-            <a:normAutofit/>
-          </a:bodyPr>
-          <a:lstStyle/>
-          <a:p>
-            <a:r>
-              <a:rPr lang="zh-CN" altLang="en-US" dirty="0" smtClean="0"/>
-              <a:t>满二叉树</a:t>
-            </a:r>
+          <a:bodyPr/>
+          <a:lstStyle/>
+          <a:p>
+            <a:r>
+              <a:rPr lang="zh-CN" altLang="en-US" dirty="0" smtClean="0"/>
+              <a:t>二叉排序树</a:t>
+            </a:r>
+            <a:endParaRPr lang="zh-CN" altLang="en-US" dirty="0"/>
           </a:p>
         </p:txBody>
       </p:sp>
@@ -4332,31 +4295,51 @@
           <a:bodyPr/>
           <a:lstStyle/>
           <a:p>
-            <a:r>
-              <a:rPr lang="zh-CN" altLang="en-US" dirty="0" smtClean="0"/>
-              <a:t>一棵深度为</a:t>
-            </a:r>
+            <a:pPr latinLnBrk="1"/>
+            <a:r>
+              <a:rPr lang="zh-CN" altLang="en-US" dirty="0" smtClean="0"/>
+              <a:t>二叉排序树又叫</a:t>
+            </a:r>
+            <a:r>
+              <a:rPr lang="zh-CN" altLang="en-US" b="1" dirty="0" smtClean="0"/>
+              <a:t>二叉查找树或者二叉搜索树</a:t>
+            </a:r>
+            <a:r>
+              <a:rPr lang="zh-CN" altLang="en-US" dirty="0" smtClean="0"/>
+              <a:t>，它首先是一个二叉树，而且必须满足下面的条件：</a:t>
+            </a:r>
+          </a:p>
+          <a:p>
+            <a:pPr latinLnBrk="1"/>
             <a:r>
               <a:rPr lang="en-US" altLang="zh-CN" dirty="0" smtClean="0"/>
-              <a:t>k</a:t>
-            </a:r>
-            <a:r>
-              <a:rPr lang="zh-CN" altLang="en-US" dirty="0" smtClean="0"/>
-              <a:t>，且有</a:t>
-            </a:r>
+              <a:t>1</a:t>
+            </a:r>
+            <a:r>
+              <a:rPr lang="zh-CN" altLang="en-US" dirty="0" smtClean="0"/>
+              <a:t>）若左子树不空，则左子树上所有结点的值均小于它的根节点的值；</a:t>
+            </a:r>
+          </a:p>
+          <a:p>
+            <a:pPr latinLnBrk="1"/>
             <a:r>
               <a:rPr lang="en-US" altLang="zh-CN" dirty="0" smtClean="0"/>
-              <a:t>2^k-1</a:t>
-            </a:r>
-            <a:r>
-              <a:rPr lang="zh-CN" altLang="en-US" dirty="0" smtClean="0"/>
-              <a:t>个节点的树是满二叉树。</a:t>
-            </a:r>
-          </a:p>
-          <a:p>
-            <a:r>
-              <a:rPr lang="zh-CN" altLang="en-US" dirty="0" smtClean="0"/>
-              <a:t>另一种定义：除了叶结点外每一个结点都有左右子叶且叶子结点都处在最底层的二叉树。</a:t>
+              <a:t>2</a:t>
+            </a:r>
+            <a:r>
+              <a:rPr lang="zh-CN" altLang="en-US" dirty="0" smtClean="0"/>
+              <a:t>）若右子树不空，则右子树上所有结点的值均大于它的根结点的值</a:t>
+            </a:r>
+          </a:p>
+          <a:p>
+            <a:pPr latinLnBrk="1"/>
+            <a:r>
+              <a:rPr lang="en-US" altLang="zh-CN" dirty="0" smtClean="0"/>
+              <a:t>3</a:t>
+            </a:r>
+            <a:r>
+              <a:rPr lang="zh-CN" altLang="en-US" dirty="0" smtClean="0"/>
+              <a:t>）左、右子树也分别为二叉排序树</a:t>
             </a:r>
           </a:p>
           <a:p>
@@ -4401,152 +4384,61 @@
         </p:nvSpPr>
         <p:spPr/>
         <p:txBody>
-          <a:bodyPr/>
-          <a:lstStyle/>
-          <a:p>
-            <a:r>
-              <a:rPr lang="zh-CN" altLang="en-US" dirty="0" smtClean="0"/>
-              <a:t>完全二叉树</a:t>
+          <a:bodyPr>
+            <a:normAutofit/>
+          </a:bodyPr>
+          <a:lstStyle/>
+          <a:p>
+            <a:r>
+              <a:rPr lang="zh-CN" altLang="en-US" dirty="0" smtClean="0"/>
+              <a:t>满二叉树</a:t>
+            </a:r>
+          </a:p>
+        </p:txBody>
+      </p:sp>
+      <p:sp>
+        <p:nvSpPr>
+          <p:cNvPr id="3" name="内容占位符 2"/>
+          <p:cNvSpPr>
+            <a:spLocks noGrp="1"/>
+          </p:cNvSpPr>
+          <p:nvPr>
+            <p:ph idx="1"/>
+          </p:nvPr>
+        </p:nvSpPr>
+        <p:spPr/>
+        <p:txBody>
+          <a:bodyPr/>
+          <a:lstStyle/>
+          <a:p>
+            <a:r>
+              <a:rPr lang="zh-CN" altLang="en-US" dirty="0" smtClean="0"/>
+              <a:t>一棵深度为</a:t>
             </a:r>
             <a:r>
               <a:rPr lang="en-US" altLang="zh-CN" dirty="0" smtClean="0"/>
-              <a:t>(Complete Binary Tree)</a:t>
-            </a:r>
-            <a:endParaRPr lang="zh-CN" altLang="en-US" dirty="0"/>
-          </a:p>
-        </p:txBody>
-      </p:sp>
-      <p:sp>
-        <p:nvSpPr>
-          <p:cNvPr id="3" name="内容占位符 2"/>
-          <p:cNvSpPr>
-            <a:spLocks noGrp="1"/>
-          </p:cNvSpPr>
-          <p:nvPr>
-            <p:ph idx="1"/>
-          </p:nvPr>
-        </p:nvSpPr>
-        <p:spPr/>
-        <p:txBody>
-          <a:bodyPr>
-            <a:normAutofit fontScale="85000" lnSpcReduction="10000"/>
-          </a:bodyPr>
-          <a:lstStyle/>
-          <a:p>
-            <a:r>
-              <a:rPr lang="zh-CN" altLang="en-US" dirty="0" smtClean="0"/>
-              <a:t>若设二叉树的深度为</a:t>
+              <a:t>k</a:t>
+            </a:r>
+            <a:r>
+              <a:rPr lang="zh-CN" altLang="en-US" dirty="0" smtClean="0"/>
+              <a:t>，且有</a:t>
             </a:r>
             <a:r>
               <a:rPr lang="en-US" altLang="zh-CN" dirty="0" smtClean="0"/>
-              <a:t>h</a:t>
-            </a:r>
-            <a:r>
-              <a:rPr lang="zh-CN" altLang="en-US" dirty="0" smtClean="0"/>
-              <a:t>，除第 </a:t>
-            </a:r>
-            <a:r>
-              <a:rPr lang="en-US" altLang="zh-CN" dirty="0" smtClean="0"/>
-              <a:t>h </a:t>
-            </a:r>
-            <a:r>
-              <a:rPr lang="zh-CN" altLang="en-US" dirty="0" smtClean="0"/>
-              <a:t>层外，其它各层 </a:t>
-            </a:r>
-            <a:r>
-              <a:rPr lang="en-US" altLang="zh-CN" dirty="0" smtClean="0"/>
-              <a:t>(1</a:t>
-            </a:r>
-            <a:r>
-              <a:rPr lang="zh-CN" altLang="en-US" dirty="0" smtClean="0"/>
-              <a:t>～</a:t>
-            </a:r>
-            <a:r>
-              <a:rPr lang="en-US" altLang="zh-CN" dirty="0" smtClean="0"/>
-              <a:t>h-1) </a:t>
-            </a:r>
-            <a:r>
-              <a:rPr lang="zh-CN" altLang="en-US" dirty="0" smtClean="0"/>
-              <a:t>的结点数都达到最大个数，第 </a:t>
-            </a:r>
-            <a:r>
-              <a:rPr lang="en-US" altLang="zh-CN" dirty="0" smtClean="0"/>
-              <a:t>h </a:t>
-            </a:r>
-            <a:r>
-              <a:rPr lang="zh-CN" altLang="en-US" dirty="0" smtClean="0"/>
-              <a:t>层所有的结点都连续集中在最左边，这就是完全二叉树。</a:t>
-            </a:r>
-          </a:p>
-          <a:p>
-            <a:r>
-              <a:rPr lang="zh-CN" altLang="en-US" dirty="0" smtClean="0"/>
-              <a:t>完全二叉树是由</a:t>
-            </a:r>
-            <a:r>
-              <a:rPr lang="zh-CN" altLang="en-US" dirty="0" smtClean="0">
-                <a:hlinkClick r:id="rId2"/>
-              </a:rPr>
-              <a:t>满二叉树</a:t>
-            </a:r>
-            <a:r>
-              <a:rPr lang="zh-CN" altLang="en-US" dirty="0" smtClean="0"/>
-              <a:t>而引出来的。对于深度为</a:t>
-            </a:r>
-            <a:r>
-              <a:rPr lang="en-US" altLang="zh-CN" dirty="0" smtClean="0"/>
-              <a:t>K</a:t>
-            </a:r>
-            <a:r>
-              <a:rPr lang="zh-CN" altLang="en-US" dirty="0" smtClean="0"/>
-              <a:t>的，有</a:t>
-            </a:r>
-            <a:r>
-              <a:rPr lang="en-US" altLang="zh-CN" dirty="0" smtClean="0"/>
-              <a:t>n</a:t>
-            </a:r>
-            <a:r>
-              <a:rPr lang="zh-CN" altLang="en-US" dirty="0" smtClean="0"/>
-              <a:t>个结点的二叉树，当且仅当其每一个结点都与深度为</a:t>
-            </a:r>
-            <a:r>
-              <a:rPr lang="en-US" altLang="zh-CN" dirty="0" smtClean="0"/>
-              <a:t>K</a:t>
-            </a:r>
-            <a:r>
-              <a:rPr lang="zh-CN" altLang="en-US" dirty="0" smtClean="0"/>
-              <a:t>的满二叉树中编号从</a:t>
-            </a:r>
-            <a:r>
-              <a:rPr lang="en-US" altLang="zh-CN" dirty="0" smtClean="0"/>
-              <a:t>1</a:t>
-            </a:r>
-            <a:r>
-              <a:rPr lang="zh-CN" altLang="en-US" dirty="0" smtClean="0"/>
-              <a:t>至</a:t>
-            </a:r>
-            <a:r>
-              <a:rPr lang="en-US" altLang="zh-CN" dirty="0" smtClean="0"/>
-              <a:t>n</a:t>
-            </a:r>
-            <a:r>
-              <a:rPr lang="zh-CN" altLang="en-US" dirty="0" smtClean="0"/>
-              <a:t>的结点一一对应时称之为完全二叉树。</a:t>
-            </a:r>
-          </a:p>
-          <a:p>
-            <a:r>
-              <a:rPr lang="zh-CN" altLang="en-US" dirty="0" smtClean="0"/>
-              <a:t>一棵二叉树至多只有最下面的一层上的结点的度数可以小于</a:t>
-            </a:r>
-            <a:r>
-              <a:rPr lang="en-US" altLang="zh-CN" dirty="0" smtClean="0"/>
-              <a:t>2</a:t>
-            </a:r>
-            <a:r>
-              <a:rPr lang="zh-CN" altLang="en-US" dirty="0" smtClean="0"/>
-              <a:t>，并且最下层上的结点都集中在该层最左边的若干位置上，而在最后一层上，右边的若干结点缺失的二叉树，则此二叉树成为完全二叉树。</a:t>
-            </a:r>
+              <a:t>2^k-1</a:t>
+            </a:r>
+            <a:r>
+              <a:rPr lang="zh-CN" altLang="en-US" dirty="0" smtClean="0"/>
+              <a:t>个节点的树是满二叉树。</a:t>
+            </a:r>
+          </a:p>
+          <a:p>
+            <a:r>
+              <a:rPr lang="zh-CN" altLang="en-US" dirty="0" smtClean="0"/>
+              <a:t>另一种定义：除了叶结点外每一个结点都有左右子叶且叶子结点都处在最底层的二叉树。</a:t>
+            </a:r>
+          </a:p>
+          <a:p>
             <a:endParaRPr lang="zh-CN" altLang="en-US" dirty="0"/>
           </a:p>
         </p:txBody>
@@ -4593,11 +4485,194 @@
           <a:p>
             <a:r>
               <a:rPr lang="zh-CN" altLang="en-US" dirty="0" smtClean="0"/>
-              <a:t>特</a:t>
-            </a:r>
-            <a:r>
-              <a:rPr lang="zh-CN" altLang="en-US" dirty="0" smtClean="0"/>
-              <a:t>殊形态的二叉树</a:t>
+              <a:t>完全二叉树</a:t>
+            </a:r>
+            <a:r>
+              <a:rPr lang="en-US" altLang="zh-CN" dirty="0" smtClean="0"/>
+              <a:t>(Complete Binary Tree)</a:t>
+            </a:r>
+            <a:endParaRPr lang="zh-CN" altLang="en-US" dirty="0"/>
+          </a:p>
+        </p:txBody>
+      </p:sp>
+      <p:sp>
+        <p:nvSpPr>
+          <p:cNvPr id="3" name="内容占位符 2"/>
+          <p:cNvSpPr>
+            <a:spLocks noGrp="1"/>
+          </p:cNvSpPr>
+          <p:nvPr>
+            <p:ph idx="1"/>
+          </p:nvPr>
+        </p:nvSpPr>
+        <p:spPr/>
+        <p:txBody>
+          <a:bodyPr>
+            <a:normAutofit fontScale="85000" lnSpcReduction="10000"/>
+          </a:bodyPr>
+          <a:lstStyle/>
+          <a:p>
+            <a:r>
+              <a:rPr lang="zh-CN" altLang="en-US" dirty="0" smtClean="0"/>
+              <a:t>若设二叉树的深度为</a:t>
+            </a:r>
+            <a:r>
+              <a:rPr lang="en-US" altLang="zh-CN" dirty="0" smtClean="0"/>
+              <a:t>h</a:t>
+            </a:r>
+            <a:r>
+              <a:rPr lang="zh-CN" altLang="en-US" dirty="0" smtClean="0"/>
+              <a:t>，除第 </a:t>
+            </a:r>
+            <a:r>
+              <a:rPr lang="en-US" altLang="zh-CN" dirty="0" smtClean="0"/>
+              <a:t>h </a:t>
+            </a:r>
+            <a:r>
+              <a:rPr lang="zh-CN" altLang="en-US" dirty="0" smtClean="0"/>
+              <a:t>层外，其它各层 </a:t>
+            </a:r>
+            <a:r>
+              <a:rPr lang="en-US" altLang="zh-CN" dirty="0" smtClean="0"/>
+              <a:t>(1</a:t>
+            </a:r>
+            <a:r>
+              <a:rPr lang="zh-CN" altLang="en-US" dirty="0" smtClean="0"/>
+              <a:t>～</a:t>
+            </a:r>
+            <a:r>
+              <a:rPr lang="en-US" altLang="zh-CN" dirty="0" smtClean="0"/>
+              <a:t>h-1) </a:t>
+            </a:r>
+            <a:r>
+              <a:rPr lang="zh-CN" altLang="en-US" dirty="0" smtClean="0"/>
+              <a:t>的结点数都达到最大个数，第 </a:t>
+            </a:r>
+            <a:r>
+              <a:rPr lang="en-US" altLang="zh-CN" dirty="0" smtClean="0"/>
+              <a:t>h </a:t>
+            </a:r>
+            <a:r>
+              <a:rPr lang="zh-CN" altLang="en-US" dirty="0" smtClean="0"/>
+              <a:t>层所有的结点都连续集中在最左边，这就是完全二叉树。</a:t>
+            </a:r>
+          </a:p>
+          <a:p>
+            <a:r>
+              <a:rPr lang="zh-CN" altLang="en-US" dirty="0" smtClean="0"/>
+              <a:t>完全二叉树是由</a:t>
+            </a:r>
+            <a:r>
+              <a:rPr lang="zh-CN" altLang="en-US" dirty="0" smtClean="0">
+                <a:hlinkClick r:id="rId2"/>
+              </a:rPr>
+              <a:t>满二叉树</a:t>
+            </a:r>
+            <a:r>
+              <a:rPr lang="zh-CN" altLang="en-US" dirty="0" smtClean="0"/>
+              <a:t>而引出来的。对于深度为</a:t>
+            </a:r>
+            <a:r>
+              <a:rPr lang="en-US" altLang="zh-CN" dirty="0" smtClean="0"/>
+              <a:t>K</a:t>
+            </a:r>
+            <a:r>
+              <a:rPr lang="zh-CN" altLang="en-US" dirty="0" smtClean="0"/>
+              <a:t>的，有</a:t>
+            </a:r>
+            <a:r>
+              <a:rPr lang="en-US" altLang="zh-CN" dirty="0" smtClean="0"/>
+              <a:t>n</a:t>
+            </a:r>
+            <a:r>
+              <a:rPr lang="zh-CN" altLang="en-US" dirty="0" smtClean="0"/>
+              <a:t>个结点的二叉树，当且仅当其每一个结点都与深度为</a:t>
+            </a:r>
+            <a:r>
+              <a:rPr lang="en-US" altLang="zh-CN" dirty="0" smtClean="0"/>
+              <a:t>K</a:t>
+            </a:r>
+            <a:r>
+              <a:rPr lang="zh-CN" altLang="en-US" dirty="0" smtClean="0"/>
+              <a:t>的满二叉树中编号从</a:t>
+            </a:r>
+            <a:r>
+              <a:rPr lang="en-US" altLang="zh-CN" dirty="0" smtClean="0"/>
+              <a:t>1</a:t>
+            </a:r>
+            <a:r>
+              <a:rPr lang="zh-CN" altLang="en-US" dirty="0" smtClean="0"/>
+              <a:t>至</a:t>
+            </a:r>
+            <a:r>
+              <a:rPr lang="en-US" altLang="zh-CN" dirty="0" smtClean="0"/>
+              <a:t>n</a:t>
+            </a:r>
+            <a:r>
+              <a:rPr lang="zh-CN" altLang="en-US" dirty="0" smtClean="0"/>
+              <a:t>的结点一一对应时称之为完全二叉树。</a:t>
+            </a:r>
+          </a:p>
+          <a:p>
+            <a:r>
+              <a:rPr lang="zh-CN" altLang="en-US" dirty="0" smtClean="0"/>
+              <a:t>一棵二叉树至多只有最下面的一层上的结点的度数可以小于</a:t>
+            </a:r>
+            <a:r>
+              <a:rPr lang="en-US" altLang="zh-CN" dirty="0" smtClean="0"/>
+              <a:t>2</a:t>
+            </a:r>
+            <a:r>
+              <a:rPr lang="zh-CN" altLang="en-US" dirty="0" smtClean="0"/>
+              <a:t>，并且最下层上的结点都集中在该层最左边的若干位置上，而在最后一层上，右边的若干结点缺失的二叉树，则此二叉树成为完全二叉树。</a:t>
+            </a:r>
+            <a:endParaRPr lang="zh-CN" altLang="en-US" dirty="0"/>
+          </a:p>
+        </p:txBody>
+      </p:sp>
+    </p:spTree>
+  </p:cSld>
+  <p:clrMapOvr>
+    <a:masterClrMapping/>
+  </p:clrMapOvr>
+</p:sld>
+</file>
+
+<file path=ppt/slides/slide8.xml><?xml version="1.0" encoding="utf-8"?>
+<p:sld xmlns:a="http://schemas.openxmlformats.org/drawingml/2006/main" xmlns:r="http://schemas.openxmlformats.org/officeDocument/2006/relationships" xmlns:p="http://schemas.openxmlformats.org/presentationml/2006/main">
+  <p:cSld>
+    <p:spTree>
+      <p:nvGrpSpPr>
+        <p:cNvPr id="1" name=""/>
+        <p:cNvGrpSpPr/>
+        <p:nvPr/>
+      </p:nvGrpSpPr>
+      <p:grpSpPr>
+        <a:xfrm>
+          <a:off x="0" y="0"/>
+          <a:ext cx="0" cy="0"/>
+          <a:chOff x="0" y="0"/>
+          <a:chExt cx="0" cy="0"/>
+        </a:xfrm>
+      </p:grpSpPr>
+      <p:sp>
+        <p:nvSpPr>
+          <p:cNvPr id="2" name="标题 1"/>
+          <p:cNvSpPr>
+            <a:spLocks noGrp="1"/>
+          </p:cNvSpPr>
+          <p:nvPr>
+            <p:ph type="title"/>
+          </p:nvPr>
+        </p:nvSpPr>
+        <p:spPr/>
+        <p:txBody>
+          <a:bodyPr/>
+          <a:lstStyle/>
+          <a:p>
+            <a:r>
+              <a:rPr lang="zh-CN" altLang="en-US" dirty="0" smtClean="0"/>
+              <a:t>特殊形态的二叉树</a:t>
             </a:r>
             <a:endParaRPr lang="zh-CN" altLang="en-US" dirty="0"/>
           </a:p>
@@ -4639,102 +4714,6 @@
 </p:sld>
 </file>
 
-<file path=ppt/slides/slide8.xml><?xml version="1.0" encoding="utf-8"?>
-<p:sld xmlns:a="http://schemas.openxmlformats.org/drawingml/2006/main" xmlns:r="http://schemas.openxmlformats.org/officeDocument/2006/relationships" xmlns:p="http://schemas.openxmlformats.org/presentationml/2006/main">
-  <p:cSld>
-    <p:spTree>
-      <p:nvGrpSpPr>
-        <p:cNvPr id="1" name=""/>
-        <p:cNvGrpSpPr/>
-        <p:nvPr/>
-      </p:nvGrpSpPr>
-      <p:grpSpPr>
-        <a:xfrm>
-          <a:off x="0" y="0"/>
-          <a:ext cx="0" cy="0"/>
-          <a:chOff x="0" y="0"/>
-          <a:chExt cx="0" cy="0"/>
-        </a:xfrm>
-      </p:grpSpPr>
-      <p:sp>
-        <p:nvSpPr>
-          <p:cNvPr id="2" name="标题 1"/>
-          <p:cNvSpPr>
-            <a:spLocks noGrp="1"/>
-          </p:cNvSpPr>
-          <p:nvPr>
-            <p:ph type="title"/>
-          </p:nvPr>
-        </p:nvSpPr>
-        <p:spPr/>
-        <p:txBody>
-          <a:bodyPr/>
-          <a:lstStyle/>
-          <a:p>
-            <a:r>
-              <a:rPr lang="zh-CN" altLang="en-US" dirty="0" smtClean="0"/>
-              <a:t>二叉树的遍历</a:t>
-            </a:r>
-            <a:endParaRPr lang="zh-CN" altLang="en-US" dirty="0"/>
-          </a:p>
-        </p:txBody>
-      </p:sp>
-      <p:sp>
-        <p:nvSpPr>
-          <p:cNvPr id="3" name="内容占位符 2"/>
-          <p:cNvSpPr>
-            <a:spLocks noGrp="1"/>
-          </p:cNvSpPr>
-          <p:nvPr>
-            <p:ph idx="1"/>
-          </p:nvPr>
-        </p:nvSpPr>
-        <p:spPr/>
-        <p:txBody>
-          <a:bodyPr/>
-          <a:lstStyle/>
-          <a:p>
-            <a:r>
-              <a:rPr lang="zh-CN" altLang="en-US" dirty="0" smtClean="0"/>
-              <a:t>前</a:t>
-            </a:r>
-            <a:r>
-              <a:rPr lang="zh-CN" altLang="en-US" dirty="0" smtClean="0"/>
-              <a:t>序 中 左 右 </a:t>
-            </a:r>
-            <a:endParaRPr lang="en-US" altLang="zh-CN" dirty="0" smtClean="0"/>
-          </a:p>
-          <a:p>
-            <a:r>
-              <a:rPr lang="zh-CN" altLang="en-US" dirty="0" smtClean="0"/>
-              <a:t>中序 左 中 右</a:t>
-            </a:r>
-            <a:endParaRPr lang="en-US" altLang="zh-CN" dirty="0" smtClean="0"/>
-          </a:p>
-          <a:p>
-            <a:r>
-              <a:rPr lang="zh-CN" altLang="en-US" dirty="0" smtClean="0"/>
-              <a:t>后序 左 右 中</a:t>
-            </a:r>
-            <a:r>
-              <a:rPr lang="zh-CN" altLang="en-US" dirty="0" smtClean="0"/>
-              <a:t/>
-            </a:r>
-            <a:br>
-              <a:rPr lang="zh-CN" altLang="en-US" dirty="0" smtClean="0"/>
-            </a:br>
-            <a:endParaRPr lang="zh-CN" altLang="en-US" dirty="0"/>
-          </a:p>
-        </p:txBody>
-      </p:sp>
-    </p:spTree>
-  </p:cSld>
-  <p:clrMapOvr>
-    <a:masterClrMapping/>
-  </p:clrMapOvr>
-</p:sld>
-</file>
-
 <file path=ppt/slides/slide9.xml><?xml version="1.0" encoding="utf-8"?>
 <p:sld xmlns:a="http://schemas.openxmlformats.org/drawingml/2006/main" xmlns:r="http://schemas.openxmlformats.org/officeDocument/2006/relationships" xmlns:p="http://schemas.openxmlformats.org/presentationml/2006/main">
   <p:cSld>
@@ -4768,45 +4747,53 @@
           <a:lstStyle/>
           <a:p>
             <a:r>
-              <a:rPr lang="en-US" altLang="zh-CN" dirty="0" smtClean="0"/>
-              <a:t>// -&gt; </a:t>
-            </a:r>
-            <a:r>
-              <a:rPr lang="en-US" altLang="zh-CN" dirty="0" err="1" smtClean="0"/>
-              <a:t>ldj</a:t>
+              <a:rPr lang="zh-CN" altLang="en-US" dirty="0" smtClean="0"/>
+              <a:t>二叉树的遍历</a:t>
             </a:r>
             <a:endParaRPr lang="zh-CN" altLang="en-US" dirty="0"/>
           </a:p>
         </p:txBody>
       </p:sp>
-      <p:pic>
-        <p:nvPicPr>
-          <p:cNvPr id="3074" name="Picture 2" descr="D:\用户目录\下载\1258519-20171101104826138-904063732.jpg"/>
-          <p:cNvPicPr>
-            <a:picLocks noGrp="1" noChangeAspect="1" noChangeArrowheads="1"/>
-          </p:cNvPicPr>
+      <p:sp>
+        <p:nvSpPr>
+          <p:cNvPr id="3" name="内容占位符 2"/>
+          <p:cNvSpPr>
+            <a:spLocks noGrp="1"/>
+          </p:cNvSpPr>
           <p:nvPr>
             <p:ph idx="1"/>
           </p:nvPr>
-        </p:nvPicPr>
-        <p:blipFill>
-          <a:blip r:embed="rId2" cstate="print"/>
-          <a:srcRect/>
-          <a:stretch>
-            <a:fillRect/>
-          </a:stretch>
-        </p:blipFill>
-        <p:spPr bwMode="auto">
-          <a:xfrm>
-            <a:off x="683568" y="1459862"/>
-            <a:ext cx="7704856" cy="4993474"/>
-          </a:xfrm>
-          <a:prstGeom prst="rect">
-            <a:avLst/>
-          </a:prstGeom>
-          <a:noFill/>
-        </p:spPr>
-      </p:pic>
+        </p:nvSpPr>
+        <p:spPr/>
+        <p:txBody>
+          <a:bodyPr/>
+          <a:lstStyle/>
+          <a:p>
+            <a:r>
+              <a:rPr lang="zh-CN" altLang="en-US" dirty="0" smtClean="0"/>
+              <a:t>前序 中 左 右 </a:t>
+            </a:r>
+            <a:endParaRPr lang="en-US" altLang="zh-CN" dirty="0" smtClean="0"/>
+          </a:p>
+          <a:p>
+            <a:r>
+              <a:rPr lang="zh-CN" altLang="en-US" dirty="0" smtClean="0"/>
+              <a:t>中序 左 中 右</a:t>
+            </a:r>
+            <a:endParaRPr lang="en-US" altLang="zh-CN" dirty="0" smtClean="0"/>
+          </a:p>
+          <a:p>
+            <a:r>
+              <a:rPr lang="zh-CN" altLang="en-US" dirty="0" smtClean="0"/>
+              <a:t>后序 左 右 中</a:t>
+            </a:r>
+            <a:br>
+              <a:rPr lang="zh-CN" altLang="en-US" dirty="0" smtClean="0"/>
+            </a:br>
+            <a:endParaRPr lang="zh-CN" altLang="en-US" dirty="0"/>
+          </a:p>
+        </p:txBody>
+      </p:sp>
     </p:spTree>
   </p:cSld>
   <p:clrMapOvr>

--- a/JoyCpp/rb_tree/rb_tree.pptx
+++ b/JoyCpp/rb_tree/rb_tree.pptx
@@ -19,6 +19,8 @@
     <p:sldId id="266" r:id="rId13"/>
     <p:sldId id="267" r:id="rId14"/>
     <p:sldId id="268" r:id="rId15"/>
+    <p:sldId id="270" r:id="rId16"/>
+    <p:sldId id="271" r:id="rId17"/>
   </p:sldIdLst>
   <p:sldSz cx="9144000" cy="6858000" type="screen4x3"/>
   <p:notesSz cx="6858000" cy="9144000"/>
@@ -3091,15 +3093,7 @@
           <a:p>
             <a:r>
               <a:rPr lang="zh-CN" altLang="en-US" b="1" dirty="0" smtClean="0"/>
-              <a:t>红黑树与关联容</a:t>
-            </a:r>
-            <a:r>
-              <a:rPr lang="zh-CN" altLang="en-US" b="1" dirty="0" smtClean="0"/>
-              <a:t>器</a:t>
-            </a:r>
-            <a:r>
-              <a:rPr lang="zh-CN" altLang="en-US" b="1" dirty="0" smtClean="0"/>
-              <a:t/>
+              <a:t>红黑树与关联容器</a:t>
             </a:r>
             <a:br>
               <a:rPr lang="zh-CN" altLang="en-US" b="1" dirty="0" smtClean="0"/>
@@ -3659,6 +3653,248 @@
           </a:p>
         </p:txBody>
       </p:sp>
+    </p:spTree>
+  </p:cSld>
+  <p:clrMapOvr>
+    <a:masterClrMapping/>
+  </p:clrMapOvr>
+</p:sld>
+</file>
+
+<file path=ppt/slides/slide15.xml><?xml version="1.0" encoding="utf-8"?>
+<p:sld xmlns:a="http://schemas.openxmlformats.org/drawingml/2006/main" xmlns:r="http://schemas.openxmlformats.org/officeDocument/2006/relationships" xmlns:p="http://schemas.openxmlformats.org/presentationml/2006/main">
+  <p:cSld>
+    <p:spTree>
+      <p:nvGrpSpPr>
+        <p:cNvPr id="1" name=""/>
+        <p:cNvGrpSpPr/>
+        <p:nvPr/>
+      </p:nvGrpSpPr>
+      <p:grpSpPr>
+        <a:xfrm>
+          <a:off x="0" y="0"/>
+          <a:ext cx="0" cy="0"/>
+          <a:chOff x="0" y="0"/>
+          <a:chExt cx="0" cy="0"/>
+        </a:xfrm>
+      </p:grpSpPr>
+      <p:sp>
+        <p:nvSpPr>
+          <p:cNvPr id="2" name="标题 1"/>
+          <p:cNvSpPr>
+            <a:spLocks noGrp="1"/>
+          </p:cNvSpPr>
+          <p:nvPr>
+            <p:ph type="title"/>
+          </p:nvPr>
+        </p:nvSpPr>
+        <p:spPr/>
+        <p:txBody>
+          <a:bodyPr/>
+          <a:lstStyle/>
+          <a:p>
+            <a:r>
+              <a:rPr lang="zh-CN" altLang="en-US" dirty="0" smtClean="0"/>
+              <a:t>插入操作时的几种情况</a:t>
+            </a:r>
+            <a:endParaRPr lang="zh-CN" altLang="en-US" dirty="0"/>
+          </a:p>
+        </p:txBody>
+      </p:sp>
+      <p:sp>
+        <p:nvSpPr>
+          <p:cNvPr id="3" name="内容占位符 2"/>
+          <p:cNvSpPr>
+            <a:spLocks noGrp="1"/>
+          </p:cNvSpPr>
+          <p:nvPr>
+            <p:ph idx="1"/>
+          </p:nvPr>
+        </p:nvSpPr>
+        <p:spPr>
+          <a:xfrm>
+            <a:off x="457200" y="1600201"/>
+            <a:ext cx="8229600" cy="1180728"/>
+          </a:xfrm>
+        </p:spPr>
+        <p:txBody>
+          <a:bodyPr/>
+          <a:lstStyle/>
+          <a:p>
+            <a:r>
+              <a:rPr lang="en-US" altLang="zh-CN" dirty="0" smtClean="0"/>
+              <a:t>Case 1</a:t>
+            </a:r>
+            <a:r>
+              <a:rPr lang="zh-CN" altLang="en-US" dirty="0" smtClean="0"/>
+              <a:t>：</a:t>
+            </a:r>
+            <a:endParaRPr lang="en-US" altLang="zh-CN" dirty="0" smtClean="0"/>
+          </a:p>
+          <a:p>
+            <a:endParaRPr lang="en-US" altLang="zh-CN" dirty="0" smtClean="0"/>
+          </a:p>
+          <a:p>
+            <a:pPr>
+              <a:buNone/>
+            </a:pPr>
+            <a:endParaRPr lang="en-US" altLang="zh-CN" dirty="0" smtClean="0"/>
+          </a:p>
+        </p:txBody>
+      </p:sp>
+      <p:pic>
+        <p:nvPicPr>
+          <p:cNvPr id="1029" name="Picture 5"/>
+          <p:cNvPicPr>
+            <a:picLocks noChangeAspect="1" noChangeArrowheads="1"/>
+          </p:cNvPicPr>
+          <p:nvPr/>
+        </p:nvPicPr>
+        <p:blipFill>
+          <a:blip r:embed="rId2" cstate="print"/>
+          <a:srcRect/>
+          <a:stretch>
+            <a:fillRect/>
+          </a:stretch>
+        </p:blipFill>
+        <p:spPr bwMode="auto">
+          <a:xfrm>
+            <a:off x="395536" y="2564904"/>
+            <a:ext cx="7920880" cy="2664296"/>
+          </a:xfrm>
+          <a:prstGeom prst="rect">
+            <a:avLst/>
+          </a:prstGeom>
+          <a:noFill/>
+          <a:ln w="9525">
+            <a:noFill/>
+            <a:miter lim="800000"/>
+            <a:headEnd/>
+            <a:tailEnd/>
+          </a:ln>
+        </p:spPr>
+      </p:pic>
+    </p:spTree>
+  </p:cSld>
+  <p:clrMapOvr>
+    <a:masterClrMapping/>
+  </p:clrMapOvr>
+</p:sld>
+</file>
+
+<file path=ppt/slides/slide16.xml><?xml version="1.0" encoding="utf-8"?>
+<p:sld xmlns:a="http://schemas.openxmlformats.org/drawingml/2006/main" xmlns:r="http://schemas.openxmlformats.org/officeDocument/2006/relationships" xmlns:p="http://schemas.openxmlformats.org/presentationml/2006/main">
+  <p:cSld>
+    <p:spTree>
+      <p:nvGrpSpPr>
+        <p:cNvPr id="1" name=""/>
+        <p:cNvGrpSpPr/>
+        <p:nvPr/>
+      </p:nvGrpSpPr>
+      <p:grpSpPr>
+        <a:xfrm>
+          <a:off x="0" y="0"/>
+          <a:ext cx="0" cy="0"/>
+          <a:chOff x="0" y="0"/>
+          <a:chExt cx="0" cy="0"/>
+        </a:xfrm>
+      </p:grpSpPr>
+      <p:sp>
+        <p:nvSpPr>
+          <p:cNvPr id="2" name="标题 1"/>
+          <p:cNvSpPr>
+            <a:spLocks noGrp="1"/>
+          </p:cNvSpPr>
+          <p:nvPr>
+            <p:ph type="title"/>
+          </p:nvPr>
+        </p:nvSpPr>
+        <p:spPr/>
+        <p:txBody>
+          <a:bodyPr/>
+          <a:lstStyle/>
+          <a:p>
+            <a:r>
+              <a:rPr lang="zh-CN" altLang="en-US" dirty="0" smtClean="0"/>
+              <a:t>插入操作时的几种情况</a:t>
+            </a:r>
+            <a:endParaRPr lang="zh-CN" altLang="en-US" dirty="0"/>
+          </a:p>
+        </p:txBody>
+      </p:sp>
+      <p:sp>
+        <p:nvSpPr>
+          <p:cNvPr id="3" name="内容占位符 2"/>
+          <p:cNvSpPr>
+            <a:spLocks noGrp="1"/>
+          </p:cNvSpPr>
+          <p:nvPr>
+            <p:ph idx="1"/>
+          </p:nvPr>
+        </p:nvSpPr>
+        <p:spPr>
+          <a:xfrm>
+            <a:off x="457200" y="1600201"/>
+            <a:ext cx="8229600" cy="1180728"/>
+          </a:xfrm>
+        </p:spPr>
+        <p:txBody>
+          <a:bodyPr/>
+          <a:lstStyle/>
+          <a:p>
+            <a:r>
+              <a:rPr lang="en-US" altLang="zh-CN" dirty="0" smtClean="0"/>
+              <a:t>Case 2 ,3</a:t>
+            </a:r>
+            <a:r>
+              <a:rPr lang="zh-CN" altLang="en-US" dirty="0" smtClean="0"/>
+              <a:t>：</a:t>
+            </a:r>
+            <a:endParaRPr lang="en-US" altLang="zh-CN" dirty="0" smtClean="0"/>
+          </a:p>
+          <a:p>
+            <a:endParaRPr lang="en-US" altLang="zh-CN" dirty="0" smtClean="0"/>
+          </a:p>
+          <a:p>
+            <a:pPr>
+              <a:buNone/>
+            </a:pPr>
+            <a:endParaRPr lang="en-US" altLang="zh-CN" dirty="0" smtClean="0"/>
+          </a:p>
+        </p:txBody>
+      </p:sp>
+      <p:pic>
+        <p:nvPicPr>
+          <p:cNvPr id="2050" name="Picture 2"/>
+          <p:cNvPicPr>
+            <a:picLocks noChangeAspect="1" noChangeArrowheads="1"/>
+          </p:cNvPicPr>
+          <p:nvPr/>
+        </p:nvPicPr>
+        <p:blipFill>
+          <a:blip r:embed="rId2" cstate="print"/>
+          <a:srcRect/>
+          <a:stretch>
+            <a:fillRect/>
+          </a:stretch>
+        </p:blipFill>
+        <p:spPr bwMode="auto">
+          <a:xfrm>
+            <a:off x="473488" y="2492896"/>
+            <a:ext cx="8274976" cy="2790529"/>
+          </a:xfrm>
+          <a:prstGeom prst="rect">
+            <a:avLst/>
+          </a:prstGeom>
+          <a:noFill/>
+          <a:ln w="9525">
+            <a:noFill/>
+            <a:miter lim="800000"/>
+            <a:headEnd/>
+            <a:tailEnd/>
+          </a:ln>
+        </p:spPr>
+      </p:pic>
     </p:spTree>
   </p:cSld>
   <p:clrMapOvr>

--- a/JoyCpp/rb_tree/rb_tree.pptx
+++ b/JoyCpp/rb_tree/rb_tree.pptx
@@ -6,21 +6,22 @@
   </p:sldMasterIdLst>
   <p:sldIdLst>
     <p:sldId id="256" r:id="rId2"/>
-    <p:sldId id="257" r:id="rId3"/>
-    <p:sldId id="258" r:id="rId4"/>
-    <p:sldId id="259" r:id="rId5"/>
-    <p:sldId id="269" r:id="rId6"/>
-    <p:sldId id="260" r:id="rId7"/>
-    <p:sldId id="261" r:id="rId8"/>
-    <p:sldId id="262" r:id="rId9"/>
-    <p:sldId id="263" r:id="rId10"/>
-    <p:sldId id="264" r:id="rId11"/>
-    <p:sldId id="265" r:id="rId12"/>
-    <p:sldId id="266" r:id="rId13"/>
-    <p:sldId id="267" r:id="rId14"/>
-    <p:sldId id="268" r:id="rId15"/>
-    <p:sldId id="270" r:id="rId16"/>
-    <p:sldId id="271" r:id="rId17"/>
+    <p:sldId id="272" r:id="rId3"/>
+    <p:sldId id="257" r:id="rId4"/>
+    <p:sldId id="258" r:id="rId5"/>
+    <p:sldId id="259" r:id="rId6"/>
+    <p:sldId id="269" r:id="rId7"/>
+    <p:sldId id="260" r:id="rId8"/>
+    <p:sldId id="261" r:id="rId9"/>
+    <p:sldId id="262" r:id="rId10"/>
+    <p:sldId id="263" r:id="rId11"/>
+    <p:sldId id="264" r:id="rId12"/>
+    <p:sldId id="265" r:id="rId13"/>
+    <p:sldId id="266" r:id="rId14"/>
+    <p:sldId id="267" r:id="rId15"/>
+    <p:sldId id="268" r:id="rId16"/>
+    <p:sldId id="270" r:id="rId17"/>
+    <p:sldId id="271" r:id="rId18"/>
   </p:sldIdLst>
   <p:sldSz cx="9144000" cy="6858000" type="screen4x3"/>
   <p:notesSz cx="6858000" cy="9144000"/>
@@ -304,7 +305,7 @@
             <a:fld id="{530820CF-B880-4189-942D-D702A7CBA730}" type="datetimeFigureOut">
               <a:rPr lang="zh-CN" altLang="en-US" smtClean="0"/>
               <a:pPr/>
-              <a:t>2018/7/24</a:t>
+              <a:t>2018/7/25</a:t>
             </a:fld>
             <a:endParaRPr lang="zh-CN" altLang="en-US"/>
           </a:p>
@@ -471,7 +472,7 @@
             <a:fld id="{530820CF-B880-4189-942D-D702A7CBA730}" type="datetimeFigureOut">
               <a:rPr lang="zh-CN" altLang="en-US" smtClean="0"/>
               <a:pPr/>
-              <a:t>2018/7/24</a:t>
+              <a:t>2018/7/25</a:t>
             </a:fld>
             <a:endParaRPr lang="zh-CN" altLang="en-US"/>
           </a:p>
@@ -648,7 +649,7 @@
             <a:fld id="{530820CF-B880-4189-942D-D702A7CBA730}" type="datetimeFigureOut">
               <a:rPr lang="zh-CN" altLang="en-US" smtClean="0"/>
               <a:pPr/>
-              <a:t>2018/7/24</a:t>
+              <a:t>2018/7/25</a:t>
             </a:fld>
             <a:endParaRPr lang="zh-CN" altLang="en-US"/>
           </a:p>
@@ -815,7 +816,7 @@
             <a:fld id="{530820CF-B880-4189-942D-D702A7CBA730}" type="datetimeFigureOut">
               <a:rPr lang="zh-CN" altLang="en-US" smtClean="0"/>
               <a:pPr/>
-              <a:t>2018/7/24</a:t>
+              <a:t>2018/7/25</a:t>
             </a:fld>
             <a:endParaRPr lang="zh-CN" altLang="en-US"/>
           </a:p>
@@ -1058,7 +1059,7 @@
             <a:fld id="{530820CF-B880-4189-942D-D702A7CBA730}" type="datetimeFigureOut">
               <a:rPr lang="zh-CN" altLang="en-US" smtClean="0"/>
               <a:pPr/>
-              <a:t>2018/7/24</a:t>
+              <a:t>2018/7/25</a:t>
             </a:fld>
             <a:endParaRPr lang="zh-CN" altLang="en-US"/>
           </a:p>
@@ -1343,7 +1344,7 @@
             <a:fld id="{530820CF-B880-4189-942D-D702A7CBA730}" type="datetimeFigureOut">
               <a:rPr lang="zh-CN" altLang="en-US" smtClean="0"/>
               <a:pPr/>
-              <a:t>2018/7/24</a:t>
+              <a:t>2018/7/25</a:t>
             </a:fld>
             <a:endParaRPr lang="zh-CN" altLang="en-US"/>
           </a:p>
@@ -1762,7 +1763,7 @@
             <a:fld id="{530820CF-B880-4189-942D-D702A7CBA730}" type="datetimeFigureOut">
               <a:rPr lang="zh-CN" altLang="en-US" smtClean="0"/>
               <a:pPr/>
-              <a:t>2018/7/24</a:t>
+              <a:t>2018/7/25</a:t>
             </a:fld>
             <a:endParaRPr lang="zh-CN" altLang="en-US"/>
           </a:p>
@@ -1877,7 +1878,7 @@
             <a:fld id="{530820CF-B880-4189-942D-D702A7CBA730}" type="datetimeFigureOut">
               <a:rPr lang="zh-CN" altLang="en-US" smtClean="0"/>
               <a:pPr/>
-              <a:t>2018/7/24</a:t>
+              <a:t>2018/7/25</a:t>
             </a:fld>
             <a:endParaRPr lang="zh-CN" altLang="en-US"/>
           </a:p>
@@ -1969,7 +1970,7 @@
             <a:fld id="{530820CF-B880-4189-942D-D702A7CBA730}" type="datetimeFigureOut">
               <a:rPr lang="zh-CN" altLang="en-US" smtClean="0"/>
               <a:pPr/>
-              <a:t>2018/7/24</a:t>
+              <a:t>2018/7/25</a:t>
             </a:fld>
             <a:endParaRPr lang="zh-CN" altLang="en-US"/>
           </a:p>
@@ -2243,7 +2244,7 @@
             <a:fld id="{530820CF-B880-4189-942D-D702A7CBA730}" type="datetimeFigureOut">
               <a:rPr lang="zh-CN" altLang="en-US" smtClean="0"/>
               <a:pPr/>
-              <a:t>2018/7/24</a:t>
+              <a:t>2018/7/25</a:t>
             </a:fld>
             <a:endParaRPr lang="zh-CN" altLang="en-US"/>
           </a:p>
@@ -2493,7 +2494,7 @@
             <a:fld id="{530820CF-B880-4189-942D-D702A7CBA730}" type="datetimeFigureOut">
               <a:rPr lang="zh-CN" altLang="en-US" smtClean="0"/>
               <a:pPr/>
-              <a:t>2018/7/24</a:t>
+              <a:t>2018/7/25</a:t>
             </a:fld>
             <a:endParaRPr lang="zh-CN" altLang="en-US"/>
           </a:p>
@@ -2703,7 +2704,7 @@
             <a:fld id="{530820CF-B880-4189-942D-D702A7CBA730}" type="datetimeFigureOut">
               <a:rPr lang="zh-CN" altLang="en-US" smtClean="0"/>
               <a:pPr/>
-              <a:t>2018/7/24</a:t>
+              <a:t>2018/7/25</a:t>
             </a:fld>
             <a:endParaRPr lang="zh-CN" altLang="en-US"/>
           </a:p>
@@ -3093,7 +3094,27 @@
           <a:p>
             <a:r>
               <a:rPr lang="zh-CN" altLang="en-US" b="1" dirty="0" smtClean="0"/>
-              <a:t>红黑树与关联容器</a:t>
+              <a:t>标</a:t>
+            </a:r>
+            <a:r>
+              <a:rPr lang="zh-CN" altLang="en-US" b="1" dirty="0" smtClean="0"/>
+              <a:t>准库</a:t>
+            </a:r>
+            <a:r>
+              <a:rPr lang="zh-CN" altLang="en-US" b="1" dirty="0" smtClean="0"/>
+              <a:t>关</a:t>
+            </a:r>
+            <a:r>
+              <a:rPr lang="zh-CN" altLang="en-US" b="1" dirty="0" smtClean="0"/>
+              <a:t>联容</a:t>
+            </a:r>
+            <a:r>
+              <a:rPr lang="zh-CN" altLang="en-US" b="1" dirty="0" smtClean="0"/>
+              <a:t>器解读</a:t>
+            </a:r>
+            <a:r>
+              <a:rPr lang="zh-CN" altLang="en-US" b="1" dirty="0" smtClean="0"/>
+              <a:t/>
             </a:r>
             <a:br>
               <a:rPr lang="zh-CN" altLang="en-US" b="1" dirty="0" smtClean="0"/>
@@ -3162,45 +3183,53 @@
           <a:lstStyle/>
           <a:p>
             <a:r>
-              <a:rPr lang="en-US" altLang="zh-CN" dirty="0" smtClean="0"/>
-              <a:t>// -&gt; </a:t>
-            </a:r>
-            <a:r>
-              <a:rPr lang="en-US" altLang="zh-CN" dirty="0" err="1" smtClean="0"/>
-              <a:t>ldj</a:t>
+              <a:rPr lang="zh-CN" altLang="en-US" dirty="0" smtClean="0"/>
+              <a:t>二叉树的遍历</a:t>
             </a:r>
             <a:endParaRPr lang="zh-CN" altLang="en-US" dirty="0"/>
           </a:p>
         </p:txBody>
       </p:sp>
-      <p:pic>
-        <p:nvPicPr>
-          <p:cNvPr id="3074" name="Picture 2" descr="D:\用户目录\下载\1258519-20171101104826138-904063732.jpg"/>
-          <p:cNvPicPr>
-            <a:picLocks noGrp="1" noChangeAspect="1" noChangeArrowheads="1"/>
-          </p:cNvPicPr>
+      <p:sp>
+        <p:nvSpPr>
+          <p:cNvPr id="3" name="内容占位符 2"/>
+          <p:cNvSpPr>
+            <a:spLocks noGrp="1"/>
+          </p:cNvSpPr>
           <p:nvPr>
             <p:ph idx="1"/>
           </p:nvPr>
-        </p:nvPicPr>
-        <p:blipFill>
-          <a:blip r:embed="rId2" cstate="print"/>
-          <a:srcRect/>
-          <a:stretch>
-            <a:fillRect/>
-          </a:stretch>
-        </p:blipFill>
-        <p:spPr bwMode="auto">
-          <a:xfrm>
-            <a:off x="683568" y="1459862"/>
-            <a:ext cx="7704856" cy="4993474"/>
-          </a:xfrm>
-          <a:prstGeom prst="rect">
-            <a:avLst/>
-          </a:prstGeom>
-          <a:noFill/>
-        </p:spPr>
-      </p:pic>
+        </p:nvSpPr>
+        <p:spPr/>
+        <p:txBody>
+          <a:bodyPr/>
+          <a:lstStyle/>
+          <a:p>
+            <a:r>
+              <a:rPr lang="zh-CN" altLang="en-US" dirty="0" smtClean="0"/>
+              <a:t>前序 中 左 右 </a:t>
+            </a:r>
+            <a:endParaRPr lang="en-US" altLang="zh-CN" dirty="0" smtClean="0"/>
+          </a:p>
+          <a:p>
+            <a:r>
+              <a:rPr lang="zh-CN" altLang="en-US" dirty="0" smtClean="0"/>
+              <a:t>中序 左 中 右</a:t>
+            </a:r>
+            <a:endParaRPr lang="en-US" altLang="zh-CN" dirty="0" smtClean="0"/>
+          </a:p>
+          <a:p>
+            <a:r>
+              <a:rPr lang="zh-CN" altLang="en-US" dirty="0" smtClean="0"/>
+              <a:t>后序 左 右 中</a:t>
+            </a:r>
+            <a:br>
+              <a:rPr lang="zh-CN" altLang="en-US" dirty="0" smtClean="0"/>
+            </a:br>
+            <a:endParaRPr lang="zh-CN" altLang="en-US" dirty="0"/>
+          </a:p>
+        </p:txBody>
+      </p:sp>
     </p:spTree>
   </p:cSld>
   <p:clrMapOvr>
@@ -3241,13 +3270,21 @@
           <a:bodyPr/>
           <a:lstStyle/>
           <a:p>
+            <a:r>
+              <a:rPr lang="en-US" altLang="zh-CN" dirty="0" smtClean="0"/>
+              <a:t>// -&gt; </a:t>
+            </a:r>
+            <a:r>
+              <a:rPr lang="en-US" altLang="zh-CN" dirty="0" err="1" smtClean="0"/>
+              <a:t>ldj</a:t>
+            </a:r>
             <a:endParaRPr lang="zh-CN" altLang="en-US" dirty="0"/>
           </a:p>
         </p:txBody>
       </p:sp>
       <p:pic>
         <p:nvPicPr>
-          <p:cNvPr id="4098" name="Picture 2" descr="D:\用户目录\下载\1258519-20171101104826998-2133273743.jpg"/>
+          <p:cNvPr id="3074" name="Picture 2" descr="D:\用户目录\下载\1258519-20171101104826138-904063732.jpg"/>
           <p:cNvPicPr>
             <a:picLocks noGrp="1" noChangeAspect="1" noChangeArrowheads="1"/>
           </p:cNvPicPr>
@@ -3264,8 +3301,8 @@
         </p:blipFill>
         <p:spPr bwMode="auto">
           <a:xfrm>
-            <a:off x="689620" y="1484784"/>
-            <a:ext cx="7770812" cy="4935703"/>
+            <a:off x="683568" y="1459862"/>
+            <a:ext cx="7704856" cy="4993474"/>
           </a:xfrm>
           <a:prstGeom prst="rect">
             <a:avLst/>
@@ -3319,7 +3356,7 @@
       </p:sp>
       <p:pic>
         <p:nvPicPr>
-          <p:cNvPr id="5122" name="Picture 2" descr="D:\用户目录\下载\1258519-20171101104826138-358742940.jpg"/>
+          <p:cNvPr id="4098" name="Picture 2" descr="D:\用户目录\下载\1258519-20171101104826998-2133273743.jpg"/>
           <p:cNvPicPr>
             <a:picLocks noGrp="1" noChangeAspect="1" noChangeArrowheads="1"/>
           </p:cNvPicPr>
@@ -3336,8 +3373,8 @@
         </p:blipFill>
         <p:spPr bwMode="auto">
           <a:xfrm>
-            <a:off x="683568" y="1484784"/>
-            <a:ext cx="7776864" cy="4896544"/>
+            <a:off x="689620" y="1484784"/>
+            <a:ext cx="7770812" cy="4935703"/>
           </a:xfrm>
           <a:prstGeom prst="rect">
             <a:avLst/>
@@ -3385,144 +3422,38 @@
           <a:bodyPr/>
           <a:lstStyle/>
           <a:p>
-            <a:r>
-              <a:rPr lang="zh-CN" altLang="en-US" dirty="0" smtClean="0"/>
-              <a:t>平衡二叉树</a:t>
-            </a:r>
             <a:endParaRPr lang="zh-CN" altLang="en-US" dirty="0"/>
           </a:p>
         </p:txBody>
       </p:sp>
-      <p:sp>
-        <p:nvSpPr>
-          <p:cNvPr id="3" name="内容占位符 2"/>
-          <p:cNvSpPr>
-            <a:spLocks noGrp="1"/>
-          </p:cNvSpPr>
+      <p:pic>
+        <p:nvPicPr>
+          <p:cNvPr id="5122" name="Picture 2" descr="D:\用户目录\下载\1258519-20171101104826138-358742940.jpg"/>
+          <p:cNvPicPr>
+            <a:picLocks noGrp="1" noChangeAspect="1" noChangeArrowheads="1"/>
+          </p:cNvPicPr>
           <p:nvPr>
             <p:ph idx="1"/>
           </p:nvPr>
-        </p:nvSpPr>
-        <p:spPr/>
-        <p:txBody>
-          <a:bodyPr>
-            <a:normAutofit fontScale="92500" lnSpcReduction="20000"/>
-          </a:bodyPr>
-          <a:lstStyle/>
-          <a:p>
-            <a:r>
-              <a:rPr lang="en-US" altLang="zh-CN" dirty="0" smtClean="0"/>
-              <a:t>1 AVL</a:t>
-            </a:r>
-          </a:p>
-          <a:p>
-            <a:r>
-              <a:rPr lang="en-US" altLang="zh-CN" dirty="0" smtClean="0"/>
-              <a:t>2 </a:t>
-            </a:r>
-            <a:r>
-              <a:rPr lang="en-US" altLang="zh-CN" dirty="0" smtClean="0">
-                <a:solidFill>
-                  <a:srgbClr val="FF0000"/>
-                </a:solidFill>
-              </a:rPr>
-              <a:t>RB</a:t>
-            </a:r>
-            <a:r>
-              <a:rPr lang="en-US" altLang="zh-CN" dirty="0" smtClean="0"/>
-              <a:t>-Tree</a:t>
-            </a:r>
-          </a:p>
-          <a:p>
-            <a:pPr>
-              <a:buNone/>
-            </a:pPr>
-            <a:r>
-              <a:rPr lang="zh-CN" altLang="en-US" sz="3000" dirty="0" smtClean="0"/>
-              <a:t>一个二叉查找树如满足下面的红黑性质，则为一颗红黑树：</a:t>
-            </a:r>
-            <a:endParaRPr lang="en-US" altLang="zh-CN" sz="3000" dirty="0" smtClean="0"/>
-          </a:p>
-          <a:p>
-            <a:pPr>
-              <a:buNone/>
-            </a:pPr>
-            <a:r>
-              <a:rPr lang="en-US" altLang="zh-CN" sz="3000" dirty="0" smtClean="0"/>
-              <a:t>1) </a:t>
-            </a:r>
-            <a:r>
-              <a:rPr lang="zh-CN" altLang="en-US" sz="3000" dirty="0" smtClean="0"/>
-              <a:t>每个结点非红即黑。</a:t>
-            </a:r>
-            <a:endParaRPr lang="en-US" altLang="zh-CN" sz="3000" dirty="0" smtClean="0"/>
-          </a:p>
-          <a:p>
-            <a:pPr>
-              <a:buNone/>
-            </a:pPr>
-            <a:r>
-              <a:rPr lang="en-US" altLang="zh-CN" sz="3000" dirty="0" smtClean="0"/>
-              <a:t>2) </a:t>
-            </a:r>
-            <a:r>
-              <a:rPr lang="zh-CN" altLang="en-US" sz="3000" dirty="0" smtClean="0"/>
-              <a:t>根节点是黑的。</a:t>
-            </a:r>
-            <a:endParaRPr lang="en-US" altLang="zh-CN" sz="3000" dirty="0" smtClean="0"/>
-          </a:p>
-          <a:p>
-            <a:pPr>
-              <a:buNone/>
-            </a:pPr>
-            <a:r>
-              <a:rPr lang="en-US" altLang="zh-CN" sz="3000" dirty="0" smtClean="0"/>
-              <a:t>3) </a:t>
-            </a:r>
-            <a:r>
-              <a:rPr lang="zh-CN" altLang="en-US" sz="3000" dirty="0" smtClean="0"/>
-              <a:t>每个叶结点</a:t>
-            </a:r>
-            <a:r>
-              <a:rPr lang="en-US" altLang="zh-CN" sz="3000" dirty="0" smtClean="0"/>
-              <a:t>(NIL)</a:t>
-            </a:r>
-            <a:r>
-              <a:rPr lang="zh-CN" altLang="en-US" sz="3000" dirty="0" smtClean="0"/>
-              <a:t>是黑的。</a:t>
-            </a:r>
-            <a:endParaRPr lang="en-US" altLang="zh-CN" sz="3000" dirty="0" smtClean="0"/>
-          </a:p>
-          <a:p>
-            <a:pPr>
-              <a:buNone/>
-            </a:pPr>
-            <a:r>
-              <a:rPr lang="en-US" altLang="zh-CN" sz="3000" dirty="0" smtClean="0"/>
-              <a:t>4) </a:t>
-            </a:r>
-            <a:r>
-              <a:rPr lang="zh-CN" altLang="en-US" sz="3000" dirty="0" smtClean="0"/>
-              <a:t>如果一个结点是红的，则它两个儿子都是黑的。</a:t>
-            </a:r>
-            <a:endParaRPr lang="en-US" altLang="zh-CN" sz="3000" dirty="0" smtClean="0"/>
-          </a:p>
-          <a:p>
-            <a:pPr>
-              <a:buNone/>
-            </a:pPr>
-            <a:r>
-              <a:rPr lang="en-US" altLang="zh-CN" sz="3000" dirty="0" smtClean="0"/>
-              <a:t>5) </a:t>
-            </a:r>
-            <a:r>
-              <a:rPr lang="zh-CN" altLang="en-US" sz="3000" dirty="0" smtClean="0"/>
-              <a:t>对每个结点，从该结点到其孙子结点的所有路径上包含相同数目的黑结点。</a:t>
-            </a:r>
-            <a:endParaRPr lang="zh-CN" altLang="en-US" sz="3000" dirty="0"/>
-          </a:p>
-        </p:txBody>
-      </p:sp>
+        </p:nvPicPr>
+        <p:blipFill>
+          <a:blip r:embed="rId2" cstate="print"/>
+          <a:srcRect/>
+          <a:stretch>
+            <a:fillRect/>
+          </a:stretch>
+        </p:blipFill>
+        <p:spPr bwMode="auto">
+          <a:xfrm>
+            <a:off x="683568" y="1484784"/>
+            <a:ext cx="7776864" cy="4896544"/>
+          </a:xfrm>
+          <a:prstGeom prst="rect">
+            <a:avLst/>
+          </a:prstGeom>
+          <a:noFill/>
+        </p:spPr>
+      </p:pic>
     </p:spTree>
   </p:cSld>
   <p:clrMapOvr>
@@ -3565,60 +3496,33 @@
           <a:p>
             <a:r>
               <a:rPr lang="zh-CN" altLang="en-US" dirty="0" smtClean="0"/>
-              <a:t>红黑树的相关操作</a:t>
-            </a:r>
+              <a:t>平衡二叉树</a:t>
+            </a:r>
+            <a:endParaRPr lang="zh-CN" altLang="en-US" dirty="0"/>
+          </a:p>
+        </p:txBody>
+      </p:sp>
+      <p:sp>
+        <p:nvSpPr>
+          <p:cNvPr id="3" name="内容占位符 2"/>
+          <p:cNvSpPr>
+            <a:spLocks noGrp="1"/>
+          </p:cNvSpPr>
+          <p:nvPr>
+            <p:ph idx="1"/>
+          </p:nvPr>
+        </p:nvSpPr>
+        <p:spPr/>
+        <p:txBody>
+          <a:bodyPr>
+            <a:normAutofit fontScale="92500" lnSpcReduction="20000"/>
+          </a:bodyPr>
+          <a:lstStyle/>
+          <a:p>
             <a:r>
               <a:rPr lang="en-US" altLang="zh-CN" dirty="0" smtClean="0"/>
-              <a:t>	</a:t>
-            </a:r>
-            <a:endParaRPr lang="zh-CN" altLang="en-US" dirty="0"/>
-          </a:p>
-        </p:txBody>
-      </p:sp>
-      <p:sp>
-        <p:nvSpPr>
-          <p:cNvPr id="3" name="内容占位符 2"/>
-          <p:cNvSpPr>
-            <a:spLocks noGrp="1"/>
-          </p:cNvSpPr>
-          <p:nvPr>
-            <p:ph idx="1"/>
-          </p:nvPr>
-        </p:nvSpPr>
-        <p:spPr/>
-        <p:txBody>
-          <a:bodyPr/>
-          <a:lstStyle/>
-          <a:p>
-            <a:r>
-              <a:rPr lang="en-US" altLang="zh-CN" dirty="0" smtClean="0"/>
-              <a:t>0 </a:t>
-            </a:r>
-            <a:r>
-              <a:rPr lang="zh-CN" altLang="en-US" dirty="0" smtClean="0"/>
-              <a:t>先看树的初始化</a:t>
-            </a:r>
-            <a:endParaRPr lang="en-US" altLang="zh-CN" dirty="0" smtClean="0"/>
-          </a:p>
-          <a:p>
-            <a:pPr>
-              <a:buNone/>
-            </a:pPr>
-            <a:endParaRPr lang="en-US" altLang="zh-CN" dirty="0" smtClean="0"/>
-          </a:p>
-          <a:p>
-            <a:r>
-              <a:rPr lang="en-US" altLang="zh-CN" dirty="0" smtClean="0"/>
-              <a:t>1 </a:t>
-            </a:r>
-            <a:r>
-              <a:rPr lang="zh-CN" altLang="en-US" dirty="0" smtClean="0"/>
-              <a:t>搜索</a:t>
-            </a:r>
-            <a:endParaRPr lang="en-US" altLang="zh-CN" dirty="0" smtClean="0"/>
-          </a:p>
-          <a:p>
-            <a:endParaRPr lang="en-US" altLang="zh-CN" dirty="0" smtClean="0"/>
+              <a:t>1 AVL</a:t>
+            </a:r>
           </a:p>
           <a:p>
             <a:r>
@@ -3626,30 +3530,105 @@
               <a:t>2 </a:t>
             </a:r>
             <a:r>
-              <a:rPr lang="zh-CN" altLang="en-US" dirty="0" smtClean="0"/>
-              <a:t>插入</a:t>
-            </a:r>
-            <a:endParaRPr lang="en-US" altLang="zh-CN" dirty="0" smtClean="0"/>
-          </a:p>
-          <a:p>
-            <a:endParaRPr lang="en-US" altLang="zh-CN" dirty="0" smtClean="0"/>
-          </a:p>
-          <a:p>
+              <a:rPr lang="en-US" altLang="zh-CN" dirty="0" smtClean="0">
+                <a:solidFill>
+                  <a:srgbClr val="FF0000"/>
+                </a:solidFill>
+              </a:rPr>
+              <a:t>RB</a:t>
+            </a:r>
             <a:r>
               <a:rPr lang="en-US" altLang="zh-CN" dirty="0" smtClean="0"/>
-              <a:t>3 </a:t>
-            </a:r>
-            <a:r>
-              <a:rPr lang="zh-CN" altLang="en-US" dirty="0" smtClean="0"/>
-              <a:t>删除</a:t>
-            </a:r>
-            <a:endParaRPr lang="en-US" altLang="zh-CN" dirty="0" smtClean="0"/>
+              <a:t>-Tree</a:t>
+            </a:r>
           </a:p>
           <a:p>
             <a:pPr>
               <a:buNone/>
             </a:pPr>
-            <a:endParaRPr lang="zh-CN" altLang="en-US" dirty="0"/>
+            <a:r>
+              <a:rPr lang="zh-CN" altLang="en-US" sz="3000" dirty="0" smtClean="0"/>
+              <a:t>一个二叉查找树如满足下面的红黑性质，则为一颗红黑树：</a:t>
+            </a:r>
+            <a:endParaRPr lang="en-US" altLang="zh-CN" sz="3000" dirty="0" smtClean="0"/>
+          </a:p>
+          <a:p>
+            <a:pPr>
+              <a:buNone/>
+            </a:pPr>
+            <a:r>
+              <a:rPr lang="en-US" altLang="zh-CN" sz="3000" dirty="0" smtClean="0"/>
+              <a:t>1) </a:t>
+            </a:r>
+            <a:r>
+              <a:rPr lang="zh-CN" altLang="en-US" sz="3000" dirty="0" smtClean="0"/>
+              <a:t>每个结点非红即黑。</a:t>
+            </a:r>
+            <a:endParaRPr lang="en-US" altLang="zh-CN" sz="3000" dirty="0" smtClean="0"/>
+          </a:p>
+          <a:p>
+            <a:pPr>
+              <a:buNone/>
+            </a:pPr>
+            <a:r>
+              <a:rPr lang="en-US" altLang="zh-CN" sz="3000" dirty="0" smtClean="0"/>
+              <a:t>2) </a:t>
+            </a:r>
+            <a:r>
+              <a:rPr lang="zh-CN" altLang="en-US" sz="3000" dirty="0" smtClean="0"/>
+              <a:t>根节点是黑的。</a:t>
+            </a:r>
+            <a:endParaRPr lang="en-US" altLang="zh-CN" sz="3000" dirty="0" smtClean="0"/>
+          </a:p>
+          <a:p>
+            <a:pPr>
+              <a:buNone/>
+            </a:pPr>
+            <a:r>
+              <a:rPr lang="en-US" altLang="zh-CN" sz="3000" dirty="0" smtClean="0"/>
+              <a:t>3) </a:t>
+            </a:r>
+            <a:r>
+              <a:rPr lang="zh-CN" altLang="en-US" sz="3000" dirty="0" smtClean="0"/>
+              <a:t>每个叶结点</a:t>
+            </a:r>
+            <a:r>
+              <a:rPr lang="en-US" altLang="zh-CN" sz="3000" dirty="0" smtClean="0"/>
+              <a:t>(NIL)</a:t>
+            </a:r>
+            <a:r>
+              <a:rPr lang="zh-CN" altLang="en-US" sz="3000" dirty="0" smtClean="0"/>
+              <a:t>是黑的。</a:t>
+            </a:r>
+            <a:endParaRPr lang="en-US" altLang="zh-CN" sz="3000" dirty="0" smtClean="0"/>
+          </a:p>
+          <a:p>
+            <a:pPr>
+              <a:buNone/>
+            </a:pPr>
+            <a:r>
+              <a:rPr lang="en-US" altLang="zh-CN" sz="3000" dirty="0" smtClean="0"/>
+              <a:t>4) </a:t>
+            </a:r>
+            <a:r>
+              <a:rPr lang="zh-CN" altLang="en-US" sz="3000" dirty="0" smtClean="0"/>
+              <a:t>如果一个结点是红的，则它两个儿子都是黑的。</a:t>
+            </a:r>
+            <a:endParaRPr lang="en-US" altLang="zh-CN" sz="3000" dirty="0" smtClean="0"/>
+          </a:p>
+          <a:p>
+            <a:pPr>
+              <a:buNone/>
+            </a:pPr>
+            <a:r>
+              <a:rPr lang="en-US" altLang="zh-CN" sz="3000" dirty="0" smtClean="0"/>
+              <a:t>5) </a:t>
+            </a:r>
+            <a:r>
+              <a:rPr lang="zh-CN" altLang="en-US" sz="3000" dirty="0" smtClean="0"/>
+              <a:t>对每个结点，从该结点到其孙子结点的所有路径上包含相同数目的黑结点。</a:t>
+            </a:r>
+            <a:endParaRPr lang="zh-CN" altLang="en-US" sz="3000" dirty="0"/>
           </a:p>
         </p:txBody>
       </p:sp>
@@ -3695,7 +3674,155 @@
           <a:p>
             <a:r>
               <a:rPr lang="zh-CN" altLang="en-US" dirty="0" smtClean="0"/>
-              <a:t>插入操作时的几种情况</a:t>
+              <a:t>红黑树的相关操作</a:t>
+            </a:r>
+            <a:r>
+              <a:rPr lang="en-US" altLang="zh-CN" dirty="0" smtClean="0"/>
+              <a:t>	</a:t>
+            </a:r>
+            <a:endParaRPr lang="zh-CN" altLang="en-US" dirty="0"/>
+          </a:p>
+        </p:txBody>
+      </p:sp>
+      <p:sp>
+        <p:nvSpPr>
+          <p:cNvPr id="3" name="内容占位符 2"/>
+          <p:cNvSpPr>
+            <a:spLocks noGrp="1"/>
+          </p:cNvSpPr>
+          <p:nvPr>
+            <p:ph idx="1"/>
+          </p:nvPr>
+        </p:nvSpPr>
+        <p:spPr/>
+        <p:txBody>
+          <a:bodyPr/>
+          <a:lstStyle/>
+          <a:p>
+            <a:r>
+              <a:rPr lang="en-US" altLang="zh-CN" dirty="0" smtClean="0"/>
+              <a:t>0 </a:t>
+            </a:r>
+            <a:r>
+              <a:rPr lang="zh-CN" altLang="en-US" dirty="0" smtClean="0"/>
+              <a:t>先看树的初始化</a:t>
+            </a:r>
+            <a:endParaRPr lang="en-US" altLang="zh-CN" dirty="0" smtClean="0"/>
+          </a:p>
+          <a:p>
+            <a:pPr>
+              <a:buNone/>
+            </a:pPr>
+            <a:endParaRPr lang="en-US" altLang="zh-CN" dirty="0" smtClean="0"/>
+          </a:p>
+          <a:p>
+            <a:r>
+              <a:rPr lang="en-US" altLang="zh-CN" dirty="0" smtClean="0"/>
+              <a:t>1 </a:t>
+            </a:r>
+            <a:r>
+              <a:rPr lang="zh-CN" altLang="en-US" dirty="0" smtClean="0"/>
+              <a:t>搜索</a:t>
+            </a:r>
+            <a:endParaRPr lang="en-US" altLang="zh-CN" dirty="0" smtClean="0"/>
+          </a:p>
+          <a:p>
+            <a:endParaRPr lang="en-US" altLang="zh-CN" dirty="0" smtClean="0"/>
+          </a:p>
+          <a:p>
+            <a:r>
+              <a:rPr lang="en-US" altLang="zh-CN" dirty="0" smtClean="0"/>
+              <a:t>2 </a:t>
+            </a:r>
+            <a:r>
+              <a:rPr lang="zh-CN" altLang="en-US" dirty="0" smtClean="0"/>
+              <a:t>插入</a:t>
+            </a:r>
+            <a:endParaRPr lang="en-US" altLang="zh-CN" dirty="0" smtClean="0"/>
+          </a:p>
+          <a:p>
+            <a:endParaRPr lang="en-US" altLang="zh-CN" dirty="0" smtClean="0"/>
+          </a:p>
+          <a:p>
+            <a:r>
+              <a:rPr lang="en-US" altLang="zh-CN" dirty="0" smtClean="0"/>
+              <a:t>3 </a:t>
+            </a:r>
+            <a:r>
+              <a:rPr lang="zh-CN" altLang="en-US" dirty="0" smtClean="0"/>
+              <a:t>删除</a:t>
+            </a:r>
+            <a:endParaRPr lang="en-US" altLang="zh-CN" dirty="0" smtClean="0"/>
+          </a:p>
+          <a:p>
+            <a:pPr>
+              <a:buNone/>
+            </a:pPr>
+            <a:endParaRPr lang="zh-CN" altLang="en-US" dirty="0"/>
+          </a:p>
+        </p:txBody>
+      </p:sp>
+    </p:spTree>
+  </p:cSld>
+  <p:clrMapOvr>
+    <a:masterClrMapping/>
+  </p:clrMapOvr>
+</p:sld>
+</file>
+
+<file path=ppt/slides/slide16.xml><?xml version="1.0" encoding="utf-8"?>
+<p:sld xmlns:a="http://schemas.openxmlformats.org/drawingml/2006/main" xmlns:r="http://schemas.openxmlformats.org/officeDocument/2006/relationships" xmlns:p="http://schemas.openxmlformats.org/presentationml/2006/main">
+  <p:cSld>
+    <p:spTree>
+      <p:nvGrpSpPr>
+        <p:cNvPr id="1" name=""/>
+        <p:cNvGrpSpPr/>
+        <p:nvPr/>
+      </p:nvGrpSpPr>
+      <p:grpSpPr>
+        <a:xfrm>
+          <a:off x="0" y="0"/>
+          <a:ext cx="0" cy="0"/>
+          <a:chOff x="0" y="0"/>
+          <a:chExt cx="0" cy="0"/>
+        </a:xfrm>
+      </p:grpSpPr>
+      <p:sp>
+        <p:nvSpPr>
+          <p:cNvPr id="2" name="标题 1"/>
+          <p:cNvSpPr>
+            <a:spLocks noGrp="1"/>
+          </p:cNvSpPr>
+          <p:nvPr>
+            <p:ph type="title"/>
+          </p:nvPr>
+        </p:nvSpPr>
+        <p:spPr/>
+        <p:txBody>
+          <a:bodyPr>
+            <a:normAutofit/>
+          </a:bodyPr>
+          <a:lstStyle/>
+          <a:p>
+            <a:r>
+              <a:rPr lang="zh-CN" altLang="en-US" dirty="0" smtClean="0"/>
+              <a:t>插入</a:t>
+            </a:r>
+            <a:r>
+              <a:rPr lang="zh-CN" altLang="en-US" smtClean="0"/>
+              <a:t>操</a:t>
+            </a:r>
+            <a:r>
+              <a:rPr lang="zh-CN" altLang="en-US" smtClean="0"/>
+              <a:t>作的</a:t>
+            </a:r>
+            <a:r>
+              <a:rPr lang="zh-CN" altLang="en-US" dirty="0" smtClean="0"/>
+              <a:t>情</a:t>
+            </a:r>
+            <a:r>
+              <a:rPr lang="zh-CN" altLang="en-US" dirty="0" smtClean="0"/>
+              <a:t>况</a:t>
             </a:r>
             <a:endParaRPr lang="zh-CN" altLang="en-US" dirty="0"/>
           </a:p>
@@ -3782,7 +3909,7 @@
 </p:sld>
 </file>
 
-<file path=ppt/slides/slide16.xml><?xml version="1.0" encoding="utf-8"?>
+<file path=ppt/slides/slide17.xml><?xml version="1.0" encoding="utf-8"?>
 <p:sld xmlns:a="http://schemas.openxmlformats.org/drawingml/2006/main" xmlns:r="http://schemas.openxmlformats.org/officeDocument/2006/relationships" xmlns:p="http://schemas.openxmlformats.org/presentationml/2006/main">
   <p:cSld>
     <p:spTree>
@@ -3816,7 +3943,15 @@
           <a:p>
             <a:r>
               <a:rPr lang="zh-CN" altLang="en-US" dirty="0" smtClean="0"/>
-              <a:t>插入操作时的几种情况</a:t>
+              <a:t>插入操</a:t>
+            </a:r>
+            <a:r>
+              <a:rPr lang="zh-CN" altLang="en-US" dirty="0" smtClean="0"/>
+              <a:t>作的情</a:t>
+            </a:r>
+            <a:r>
+              <a:rPr lang="zh-CN" altLang="en-US" dirty="0" smtClean="0"/>
+              <a:t>况</a:t>
             </a:r>
             <a:endParaRPr lang="zh-CN" altLang="en-US" dirty="0"/>
           </a:p>
@@ -3932,201 +4067,67 @@
         </p:nvSpPr>
         <p:spPr/>
         <p:txBody>
-          <a:bodyPr/>
-          <a:lstStyle/>
-          <a:p>
-            <a:r>
-              <a:rPr lang="zh-CN" altLang="en-US" dirty="0" smtClean="0"/>
-              <a:t>树的概念</a:t>
+          <a:bodyPr>
+            <a:normAutofit/>
+          </a:bodyPr>
+          <a:lstStyle/>
+          <a:p>
+            <a:r>
+              <a:rPr lang="zh-CN" altLang="en-US" dirty="0" smtClean="0"/>
+              <a:t>标</a:t>
+            </a:r>
+            <a:r>
+              <a:rPr lang="zh-CN" altLang="en-US" dirty="0" smtClean="0"/>
+              <a:t>准库组件概览</a:t>
             </a:r>
             <a:endParaRPr lang="zh-CN" altLang="en-US" dirty="0"/>
           </a:p>
         </p:txBody>
       </p:sp>
-      <p:sp>
-        <p:nvSpPr>
-          <p:cNvPr id="3" name="内容占位符 2"/>
-          <p:cNvSpPr>
-            <a:spLocks noGrp="1"/>
-          </p:cNvSpPr>
-          <p:nvPr>
-            <p:ph idx="1"/>
-          </p:nvPr>
-        </p:nvSpPr>
-        <p:spPr/>
-        <p:txBody>
-          <a:bodyPr/>
-          <a:lstStyle/>
-          <a:p>
-            <a:r>
-              <a:rPr lang="zh-CN" altLang="en-US" b="1" dirty="0" smtClean="0"/>
-              <a:t>树</a:t>
-            </a:r>
-            <a:r>
-              <a:rPr lang="zh-CN" altLang="en-US" dirty="0" smtClean="0"/>
-              <a:t>（</a:t>
-            </a:r>
-            <a:r>
-              <a:rPr lang="en-US" altLang="zh-CN" dirty="0" smtClean="0"/>
-              <a:t>Tree</a:t>
-            </a:r>
-            <a:r>
-              <a:rPr lang="zh-CN" altLang="en-US" dirty="0" smtClean="0"/>
-              <a:t>）是</a:t>
-            </a:r>
-            <a:r>
-              <a:rPr lang="en-US" altLang="zh-CN" dirty="0" smtClean="0"/>
-              <a:t>n</a:t>
-            </a:r>
-            <a:r>
-              <a:rPr lang="zh-CN" altLang="en-US" dirty="0" smtClean="0"/>
-              <a:t>（</a:t>
-            </a:r>
-            <a:r>
-              <a:rPr lang="en-US" altLang="zh-CN" dirty="0" smtClean="0"/>
-              <a:t>n&gt;=0</a:t>
-            </a:r>
-            <a:r>
-              <a:rPr lang="zh-CN" altLang="en-US" dirty="0" smtClean="0"/>
-              <a:t>）个结点的有限集。</a:t>
-            </a:r>
-            <a:endParaRPr lang="en-US" altLang="zh-CN" dirty="0" smtClean="0"/>
-          </a:p>
-          <a:p>
-            <a:pPr latinLnBrk="1"/>
-            <a:r>
-              <a:rPr lang="zh-CN" altLang="en-US" dirty="0" smtClean="0"/>
-              <a:t>在任意一棵非空树中：</a:t>
-            </a:r>
-          </a:p>
-          <a:p>
-            <a:pPr latinLnBrk="1"/>
-            <a:r>
-              <a:rPr lang="zh-CN" altLang="en-US" dirty="0" smtClean="0"/>
-              <a:t>（</a:t>
-            </a:r>
-            <a:r>
-              <a:rPr lang="en-US" altLang="zh-CN" dirty="0" smtClean="0"/>
-              <a:t>1</a:t>
-            </a:r>
-            <a:r>
-              <a:rPr lang="zh-CN" altLang="en-US" dirty="0" smtClean="0"/>
-              <a:t>）有且仅有一个特定的称为</a:t>
-            </a:r>
-            <a:r>
-              <a:rPr lang="zh-CN" altLang="en-US" b="1" dirty="0" smtClean="0"/>
-              <a:t>根</a:t>
-            </a:r>
-            <a:r>
-              <a:rPr lang="zh-CN" altLang="en-US" dirty="0" smtClean="0"/>
-              <a:t>（</a:t>
-            </a:r>
-            <a:r>
-              <a:rPr lang="en-US" altLang="zh-CN" dirty="0" smtClean="0"/>
-              <a:t>Root</a:t>
-            </a:r>
-            <a:r>
-              <a:rPr lang="zh-CN" altLang="en-US" dirty="0" smtClean="0"/>
-              <a:t>）的结点；</a:t>
-            </a:r>
-          </a:p>
-          <a:p>
-            <a:pPr latinLnBrk="1"/>
-            <a:r>
-              <a:rPr lang="zh-CN" altLang="en-US" dirty="0" smtClean="0"/>
-              <a:t>（</a:t>
-            </a:r>
-            <a:r>
-              <a:rPr lang="en-US" altLang="zh-CN" dirty="0" smtClean="0"/>
-              <a:t>2</a:t>
-            </a:r>
-            <a:r>
-              <a:rPr lang="zh-CN" altLang="en-US" dirty="0" smtClean="0"/>
-              <a:t>）当</a:t>
-            </a:r>
-            <a:r>
-              <a:rPr lang="en-US" altLang="zh-CN" dirty="0" smtClean="0"/>
-              <a:t>n&gt;1</a:t>
-            </a:r>
-            <a:r>
-              <a:rPr lang="zh-CN" altLang="en-US" dirty="0" smtClean="0"/>
-              <a:t>时，其余结点可分为</a:t>
-            </a:r>
-            <a:r>
-              <a:rPr lang="en-US" altLang="zh-CN" dirty="0" smtClean="0"/>
-              <a:t>m</a:t>
-            </a:r>
-            <a:r>
-              <a:rPr lang="zh-CN" altLang="en-US" dirty="0" smtClean="0"/>
-              <a:t>（</a:t>
-            </a:r>
-            <a:r>
-              <a:rPr lang="en-US" altLang="zh-CN" dirty="0" smtClean="0"/>
-              <a:t>m&gt;0</a:t>
-            </a:r>
-            <a:r>
-              <a:rPr lang="zh-CN" altLang="en-US" dirty="0" smtClean="0"/>
-              <a:t>）个互不相交的有限集</a:t>
-            </a:r>
-            <a:r>
-              <a:rPr lang="en-US" altLang="zh-CN" dirty="0" smtClean="0"/>
-              <a:t>T1</a:t>
-            </a:r>
-            <a:r>
-              <a:rPr lang="zh-CN" altLang="en-US" dirty="0" smtClean="0"/>
-              <a:t>，</a:t>
-            </a:r>
-            <a:r>
-              <a:rPr lang="en-US" altLang="zh-CN" dirty="0" smtClean="0"/>
-              <a:t>T2</a:t>
-            </a:r>
-            <a:r>
-              <a:rPr lang="zh-CN" altLang="en-US" dirty="0" smtClean="0"/>
-              <a:t>，</a:t>
-            </a:r>
-            <a:r>
-              <a:rPr lang="en-US" altLang="zh-CN" dirty="0" smtClean="0"/>
-              <a:t>...</a:t>
-            </a:r>
-            <a:r>
-              <a:rPr lang="zh-CN" altLang="en-US" dirty="0" smtClean="0"/>
-              <a:t>，</a:t>
-            </a:r>
-            <a:r>
-              <a:rPr lang="en-US" altLang="zh-CN" dirty="0" err="1" smtClean="0"/>
-              <a:t>Tn</a:t>
-            </a:r>
-            <a:r>
-              <a:rPr lang="zh-CN" altLang="en-US" dirty="0" smtClean="0"/>
-              <a:t>，其中每个集合本身又是一棵树，并称为根的</a:t>
-            </a:r>
-            <a:r>
-              <a:rPr lang="zh-CN" altLang="en-US" b="1" dirty="0" smtClean="0"/>
-              <a:t>子树</a:t>
-            </a:r>
-            <a:r>
-              <a:rPr lang="zh-CN" altLang="en-US" dirty="0" smtClean="0"/>
-              <a:t>（</a:t>
-            </a:r>
-            <a:r>
-              <a:rPr lang="en-US" altLang="zh-CN" dirty="0" err="1" smtClean="0"/>
-              <a:t>SubTree</a:t>
-            </a:r>
-            <a:r>
-              <a:rPr lang="zh-CN" altLang="en-US" dirty="0" smtClean="0"/>
-              <a:t>）</a:t>
-            </a:r>
-          </a:p>
-          <a:p>
-            <a:endParaRPr lang="zh-CN" altLang="en-US" dirty="0"/>
-          </a:p>
-        </p:txBody>
-      </p:sp>
+      <p:pic>
+        <p:nvPicPr>
+          <p:cNvPr id="1027" name="Picture 3"/>
+          <p:cNvPicPr>
+            <a:picLocks noChangeAspect="1" noChangeArrowheads="1"/>
+          </p:cNvPicPr>
+          <p:nvPr/>
+        </p:nvPicPr>
+        <p:blipFill>
+          <a:blip r:embed="rId2" cstate="print"/>
+          <a:srcRect/>
+          <a:stretch>
+            <a:fillRect/>
+          </a:stretch>
+        </p:blipFill>
+        <p:spPr bwMode="auto">
+          <a:xfrm>
+            <a:off x="899592" y="1556792"/>
+            <a:ext cx="6840760" cy="4752528"/>
+          </a:xfrm>
+          <a:prstGeom prst="rect">
+            <a:avLst/>
+          </a:prstGeom>
+          <a:noFill/>
+          <a:ln w="9525">
+            <a:noFill/>
+            <a:miter lim="800000"/>
+            <a:headEnd/>
+            <a:tailEnd/>
+          </a:ln>
+        </p:spPr>
+      </p:pic>
     </p:spTree>
   </p:cSld>
   <p:clrMapOvr>
     <a:masterClrMapping/>
   </p:clrMapOvr>
+  <p:timing>
+    <p:tnLst>
+      <p:par>
+        <p:cTn id="1" dur="indefinite" restart="never" nodeType="tmRoot"/>
+      </p:par>
+    </p:tnLst>
+  </p:timing>
 </p:sld>
 </file>
 
@@ -4164,7 +4165,7 @@
           <a:p>
             <a:r>
               <a:rPr lang="zh-CN" altLang="en-US" dirty="0" smtClean="0"/>
-              <a:t>基本概念及术语</a:t>
+              <a:t>树的概念</a:t>
             </a:r>
             <a:endParaRPr lang="zh-CN" altLang="en-US" dirty="0"/>
           </a:p>
@@ -4185,30 +4186,159 @@
           <a:bodyPr/>
           <a:lstStyle/>
           <a:p>
+            <a:r>
+              <a:rPr lang="zh-CN" altLang="en-US" b="1" dirty="0" smtClean="0"/>
+              <a:t>树</a:t>
+            </a:r>
+            <a:r>
+              <a:rPr lang="zh-CN" altLang="en-US" dirty="0" smtClean="0"/>
+              <a:t>（</a:t>
+            </a:r>
+            <a:r>
+              <a:rPr lang="en-US" altLang="zh-CN" dirty="0" smtClean="0"/>
+              <a:t>Tree</a:t>
+            </a:r>
+            <a:r>
+              <a:rPr lang="zh-CN" altLang="en-US" dirty="0" smtClean="0"/>
+              <a:t>）是</a:t>
+            </a:r>
+            <a:r>
+              <a:rPr lang="en-US" altLang="zh-CN" dirty="0" smtClean="0"/>
+              <a:t>n</a:t>
+            </a:r>
+            <a:r>
+              <a:rPr lang="zh-CN" altLang="en-US" dirty="0" smtClean="0"/>
+              <a:t>（</a:t>
+            </a:r>
+            <a:r>
+              <a:rPr lang="en-US" altLang="zh-CN" dirty="0" smtClean="0"/>
+              <a:t>n&gt;=0</a:t>
+            </a:r>
+            <a:r>
+              <a:rPr lang="zh-CN" altLang="en-US" dirty="0" smtClean="0"/>
+              <a:t>）个结点的有限集。</a:t>
+            </a:r>
+            <a:endParaRPr lang="en-US" altLang="zh-CN" dirty="0" smtClean="0"/>
+          </a:p>
+          <a:p>
             <a:pPr latinLnBrk="1"/>
             <a:r>
+              <a:rPr lang="zh-CN" altLang="en-US" dirty="0" smtClean="0"/>
+              <a:t>在任意一棵非空树中：</a:t>
+            </a:r>
+          </a:p>
+          <a:p>
+            <a:pPr latinLnBrk="1"/>
+            <a:r>
+              <a:rPr lang="zh-CN" altLang="en-US" dirty="0" smtClean="0"/>
+              <a:t>（</a:t>
+            </a:r>
+            <a:r>
+              <a:rPr lang="en-US" altLang="zh-CN" dirty="0" smtClean="0"/>
+              <a:t>1</a:t>
+            </a:r>
+            <a:r>
+              <a:rPr lang="zh-CN" altLang="en-US" dirty="0" smtClean="0"/>
+              <a:t>）有且仅有一个特定的称为</a:t>
+            </a:r>
+            <a:r>
               <a:rPr lang="zh-CN" altLang="en-US" b="1" dirty="0" smtClean="0"/>
-              <a:t>度</a:t>
-            </a:r>
-            <a:endParaRPr lang="zh-CN" altLang="en-US" dirty="0" smtClean="0"/>
+              <a:t>根</a:t>
+            </a:r>
+            <a:r>
+              <a:rPr lang="zh-CN" altLang="en-US" dirty="0" smtClean="0"/>
+              <a:t>（</a:t>
+            </a:r>
+            <a:r>
+              <a:rPr lang="en-US" altLang="zh-CN" dirty="0" smtClean="0"/>
+              <a:t>Root</a:t>
+            </a:r>
+            <a:r>
+              <a:rPr lang="zh-CN" altLang="en-US" dirty="0" smtClean="0"/>
+              <a:t>）的结点；</a:t>
+            </a:r>
           </a:p>
           <a:p>
             <a:pPr latinLnBrk="1"/>
             <a:r>
               <a:rPr lang="zh-CN" altLang="en-US" dirty="0" smtClean="0"/>
-              <a:t>结点拥有的子树数称为</a:t>
+              <a:t>（</a:t>
+            </a:r>
+            <a:r>
+              <a:rPr lang="en-US" altLang="zh-CN" dirty="0" smtClean="0"/>
+              <a:t>2</a:t>
+            </a:r>
+            <a:r>
+              <a:rPr lang="zh-CN" altLang="en-US" dirty="0" smtClean="0"/>
+              <a:t>）当</a:t>
+            </a:r>
+            <a:r>
+              <a:rPr lang="en-US" altLang="zh-CN" dirty="0" smtClean="0"/>
+              <a:t>n&gt;1</a:t>
+            </a:r>
+            <a:r>
+              <a:rPr lang="zh-CN" altLang="en-US" dirty="0" smtClean="0"/>
+              <a:t>时，其余结点可分为</a:t>
+            </a:r>
+            <a:r>
+              <a:rPr lang="en-US" altLang="zh-CN" dirty="0" smtClean="0"/>
+              <a:t>m</a:t>
+            </a:r>
+            <a:r>
+              <a:rPr lang="zh-CN" altLang="en-US" dirty="0" smtClean="0"/>
+              <a:t>（</a:t>
+            </a:r>
+            <a:r>
+              <a:rPr lang="en-US" altLang="zh-CN" dirty="0" smtClean="0"/>
+              <a:t>m&gt;0</a:t>
+            </a:r>
+            <a:r>
+              <a:rPr lang="zh-CN" altLang="en-US" dirty="0" smtClean="0"/>
+              <a:t>）个互不相交的有限集</a:t>
+            </a:r>
+            <a:r>
+              <a:rPr lang="en-US" altLang="zh-CN" dirty="0" smtClean="0"/>
+              <a:t>T1</a:t>
+            </a:r>
+            <a:r>
+              <a:rPr lang="zh-CN" altLang="en-US" dirty="0" smtClean="0"/>
+              <a:t>，</a:t>
+            </a:r>
+            <a:r>
+              <a:rPr lang="en-US" altLang="zh-CN" dirty="0" smtClean="0"/>
+              <a:t>T2</a:t>
+            </a:r>
+            <a:r>
+              <a:rPr lang="zh-CN" altLang="en-US" dirty="0" smtClean="0"/>
+              <a:t>，</a:t>
+            </a:r>
+            <a:r>
+              <a:rPr lang="en-US" altLang="zh-CN" dirty="0" smtClean="0"/>
+              <a:t>...</a:t>
+            </a:r>
+            <a:r>
+              <a:rPr lang="zh-CN" altLang="en-US" dirty="0" smtClean="0"/>
+              <a:t>，</a:t>
+            </a:r>
+            <a:r>
+              <a:rPr lang="en-US" altLang="zh-CN" dirty="0" err="1" smtClean="0"/>
+              <a:t>Tn</a:t>
+            </a:r>
+            <a:r>
+              <a:rPr lang="zh-CN" altLang="en-US" dirty="0" smtClean="0"/>
+              <a:t>，其中每个集合本身又是一棵树，并称为根的</a:t>
             </a:r>
             <a:r>
               <a:rPr lang="zh-CN" altLang="en-US" b="1" dirty="0" smtClean="0"/>
-              <a:t>结点的度</a:t>
+              <a:t>子树</a:t>
             </a:r>
             <a:r>
               <a:rPr lang="zh-CN" altLang="en-US" dirty="0" smtClean="0"/>
               <a:t>（</a:t>
             </a:r>
             <a:r>
-              <a:rPr lang="en-US" altLang="zh-CN" dirty="0" smtClean="0"/>
-              <a:t>Degree</a:t>
+              <a:rPr lang="en-US" altLang="zh-CN" dirty="0" err="1" smtClean="0"/>
+              <a:t>SubTree</a:t>
             </a:r>
             <a:r>
               <a:rPr lang="zh-CN" altLang="en-US" dirty="0" smtClean="0"/>
@@ -4216,99 +4346,6 @@
             </a:r>
           </a:p>
           <a:p>
-            <a:r>
-              <a:rPr lang="zh-CN" altLang="en-US" dirty="0" smtClean="0"/>
-              <a:t>度为</a:t>
-            </a:r>
-            <a:r>
-              <a:rPr lang="en-US" altLang="zh-CN" dirty="0" smtClean="0"/>
-              <a:t>0</a:t>
-            </a:r>
-            <a:r>
-              <a:rPr lang="zh-CN" altLang="en-US" dirty="0" smtClean="0"/>
-              <a:t>的结点称为</a:t>
-            </a:r>
-            <a:r>
-              <a:rPr lang="zh-CN" altLang="en-US" b="1" dirty="0" smtClean="0"/>
-              <a:t>叶子</a:t>
-            </a:r>
-            <a:r>
-              <a:rPr lang="zh-CN" altLang="en-US" dirty="0" smtClean="0"/>
-              <a:t>（</a:t>
-            </a:r>
-            <a:r>
-              <a:rPr lang="en-US" altLang="zh-CN" dirty="0" smtClean="0"/>
-              <a:t>Leaf</a:t>
-            </a:r>
-            <a:r>
-              <a:rPr lang="zh-CN" altLang="en-US" dirty="0" smtClean="0"/>
-              <a:t>）或</a:t>
-            </a:r>
-            <a:r>
-              <a:rPr lang="zh-CN" altLang="en-US" b="1" dirty="0" smtClean="0"/>
-              <a:t>终端结点</a:t>
-            </a:r>
-            <a:endParaRPr lang="en-US" altLang="zh-CN" b="1" dirty="0" smtClean="0"/>
-          </a:p>
-          <a:p>
-            <a:r>
-              <a:rPr lang="zh-CN" altLang="en-US" dirty="0" smtClean="0"/>
-              <a:t>度不为</a:t>
-            </a:r>
-            <a:r>
-              <a:rPr lang="en-US" altLang="zh-CN" dirty="0" smtClean="0"/>
-              <a:t>0</a:t>
-            </a:r>
-            <a:r>
-              <a:rPr lang="zh-CN" altLang="en-US" dirty="0" smtClean="0"/>
-              <a:t>的结点称为</a:t>
-            </a:r>
-            <a:r>
-              <a:rPr lang="zh-CN" altLang="en-US" b="1" dirty="0" smtClean="0"/>
-              <a:t>分支结点</a:t>
-            </a:r>
-            <a:r>
-              <a:rPr lang="zh-CN" altLang="en-US" dirty="0" smtClean="0"/>
-              <a:t>或</a:t>
-            </a:r>
-            <a:r>
-              <a:rPr lang="zh-CN" altLang="en-US" b="1" dirty="0" smtClean="0"/>
-              <a:t>非终端结点</a:t>
-            </a:r>
-            <a:endParaRPr lang="en-US" altLang="zh-CN" b="1" dirty="0" smtClean="0"/>
-          </a:p>
-          <a:p>
-            <a:pPr>
-              <a:buNone/>
-            </a:pPr>
-            <a:endParaRPr lang="en-US" altLang="zh-CN" dirty="0" smtClean="0"/>
-          </a:p>
-          <a:p>
-            <a:pPr>
-              <a:buNone/>
-            </a:pPr>
-            <a:r>
-              <a:rPr lang="zh-CN" altLang="en-US" b="1" dirty="0" smtClean="0"/>
-              <a:t>树的度</a:t>
-            </a:r>
-            <a:r>
-              <a:rPr lang="zh-CN" altLang="en-US" dirty="0" smtClean="0"/>
-              <a:t>是树内各节点的度的最大值。</a:t>
-            </a:r>
-            <a:endParaRPr lang="en-US" altLang="zh-CN" dirty="0" smtClean="0"/>
-          </a:p>
-          <a:p>
-            <a:pPr>
-              <a:buNone/>
-            </a:pPr>
-            <a:r>
-              <a:rPr lang="zh-CN" altLang="en-US" b="1" dirty="0" smtClean="0"/>
-              <a:t>孩子、双亲、祖先、叔伯</a:t>
-            </a:r>
-            <a:r>
-              <a:rPr lang="zh-CN" altLang="en-US" dirty="0" smtClean="0"/>
-              <a:t>节点。</a:t>
-            </a:r>
             <a:endParaRPr lang="zh-CN" altLang="en-US" dirty="0"/>
           </a:p>
         </p:txBody>
@@ -4318,6 +4355,13 @@
   <p:clrMapOvr>
     <a:masterClrMapping/>
   </p:clrMapOvr>
+  <p:timing>
+    <p:tnLst>
+      <p:par>
+        <p:cTn id="1" dur="indefinite" restart="never" nodeType="tmRoot"/>
+      </p:par>
+    </p:tnLst>
+  </p:timing>
 </p:sld>
 </file>
 
@@ -4355,115 +4399,151 @@
           <a:p>
             <a:r>
               <a:rPr lang="zh-CN" altLang="en-US" dirty="0" smtClean="0"/>
-              <a:t>二叉树</a:t>
+              <a:t>基本概念及术语</a:t>
+            </a:r>
+            <a:endParaRPr lang="zh-CN" altLang="en-US" dirty="0"/>
+          </a:p>
+        </p:txBody>
+      </p:sp>
+      <p:sp>
+        <p:nvSpPr>
+          <p:cNvPr id="3" name="内容占位符 2"/>
+          <p:cNvSpPr>
+            <a:spLocks noGrp="1"/>
+          </p:cNvSpPr>
+          <p:nvPr>
+            <p:ph idx="1"/>
+          </p:nvPr>
+        </p:nvSpPr>
+        <p:spPr/>
+        <p:txBody>
+          <a:bodyPr/>
+          <a:lstStyle/>
+          <a:p>
+            <a:pPr latinLnBrk="1"/>
+            <a:r>
+              <a:rPr lang="zh-CN" altLang="en-US" b="1" dirty="0" smtClean="0"/>
+              <a:t>度</a:t>
+            </a:r>
+            <a:endParaRPr lang="zh-CN" altLang="en-US" dirty="0" smtClean="0"/>
+          </a:p>
+          <a:p>
+            <a:pPr latinLnBrk="1"/>
+            <a:r>
+              <a:rPr lang="zh-CN" altLang="en-US" dirty="0" smtClean="0"/>
+              <a:t>结点拥有的子树数称为</a:t>
+            </a:r>
+            <a:r>
+              <a:rPr lang="zh-CN" altLang="en-US" b="1" dirty="0" smtClean="0"/>
+              <a:t>结点的度</a:t>
+            </a:r>
+            <a:r>
+              <a:rPr lang="zh-CN" altLang="en-US" dirty="0" smtClean="0"/>
+              <a:t>（</a:t>
             </a:r>
             <a:r>
               <a:rPr lang="en-US" altLang="zh-CN" dirty="0" smtClean="0"/>
-              <a:t>(Binary Tree)</a:t>
-            </a:r>
-            <a:endParaRPr lang="zh-CN" altLang="en-US" dirty="0"/>
-          </a:p>
-        </p:txBody>
-      </p:sp>
-      <p:sp>
-        <p:nvSpPr>
-          <p:cNvPr id="3" name="内容占位符 2"/>
-          <p:cNvSpPr>
-            <a:spLocks noGrp="1"/>
-          </p:cNvSpPr>
-          <p:nvPr>
-            <p:ph idx="1"/>
-          </p:nvPr>
-        </p:nvSpPr>
-        <p:spPr/>
-        <p:txBody>
-          <a:bodyPr/>
-          <a:lstStyle/>
-          <a:p>
-            <a:pPr latinLnBrk="1"/>
-            <a:r>
-              <a:rPr lang="zh-CN" altLang="en-US" dirty="0" smtClean="0"/>
-              <a:t>二叉树的</a:t>
+              <a:t>Degree</a:t>
+            </a:r>
+            <a:r>
+              <a:rPr lang="zh-CN" altLang="en-US" dirty="0" smtClean="0"/>
+              <a:t>）</a:t>
+            </a:r>
+          </a:p>
+          <a:p>
+            <a:r>
+              <a:rPr lang="zh-CN" altLang="en-US" dirty="0" smtClean="0"/>
+              <a:t>度为</a:t>
+            </a:r>
+            <a:r>
+              <a:rPr lang="en-US" altLang="zh-CN" dirty="0" smtClean="0"/>
+              <a:t>0</a:t>
+            </a:r>
+            <a:r>
+              <a:rPr lang="zh-CN" altLang="en-US" dirty="0" smtClean="0"/>
+              <a:t>的结点称为</a:t>
             </a:r>
             <a:r>
               <a:rPr lang="zh-CN" altLang="en-US" b="1" dirty="0" smtClean="0"/>
-              <a:t>特点</a:t>
-            </a:r>
-            <a:r>
-              <a:rPr lang="zh-CN" altLang="en-US" dirty="0" smtClean="0"/>
-              <a:t>是：</a:t>
-            </a:r>
+              <a:t>叶子</a:t>
+            </a:r>
+            <a:r>
+              <a:rPr lang="zh-CN" altLang="en-US" dirty="0" smtClean="0"/>
+              <a:t>（</a:t>
+            </a:r>
+            <a:r>
+              <a:rPr lang="en-US" altLang="zh-CN" dirty="0" smtClean="0"/>
+              <a:t>Leaf</a:t>
+            </a:r>
+            <a:r>
+              <a:rPr lang="zh-CN" altLang="en-US" dirty="0" smtClean="0"/>
+              <a:t>）或</a:t>
+            </a:r>
+            <a:r>
+              <a:rPr lang="zh-CN" altLang="en-US" b="1" dirty="0" smtClean="0"/>
+              <a:t>终端结点</a:t>
+            </a:r>
+            <a:endParaRPr lang="en-US" altLang="zh-CN" b="1" dirty="0" smtClean="0"/>
+          </a:p>
+          <a:p>
+            <a:r>
+              <a:rPr lang="zh-CN" altLang="en-US" dirty="0" smtClean="0"/>
+              <a:t>度不为</a:t>
+            </a:r>
+            <a:r>
+              <a:rPr lang="en-US" altLang="zh-CN" dirty="0" smtClean="0"/>
+              <a:t>0</a:t>
+            </a:r>
+            <a:r>
+              <a:rPr lang="zh-CN" altLang="en-US" dirty="0" smtClean="0"/>
+              <a:t>的结点称为</a:t>
+            </a:r>
+            <a:r>
+              <a:rPr lang="zh-CN" altLang="en-US" b="1" dirty="0" smtClean="0"/>
+              <a:t>分支结点</a:t>
+            </a:r>
+            <a:r>
+              <a:rPr lang="zh-CN" altLang="en-US" dirty="0" smtClean="0"/>
+              <a:t>或</a:t>
+            </a:r>
+            <a:r>
+              <a:rPr lang="zh-CN" altLang="en-US" b="1" dirty="0" smtClean="0"/>
+              <a:t>非终端结点</a:t>
+            </a:r>
+            <a:endParaRPr lang="en-US" altLang="zh-CN" b="1" dirty="0" smtClean="0"/>
+          </a:p>
+          <a:p>
+            <a:pPr>
+              <a:buNone/>
+            </a:pPr>
             <a:endParaRPr lang="en-US" altLang="zh-CN" dirty="0" smtClean="0"/>
           </a:p>
           <a:p>
-            <a:pPr latinLnBrk="1">
+            <a:pPr>
               <a:buNone/>
             </a:pPr>
             <a:r>
-              <a:rPr lang="zh-CN" altLang="en-US" dirty="0" smtClean="0"/>
-              <a:t>（</a:t>
-            </a:r>
-            <a:r>
-              <a:rPr lang="en-US" altLang="zh-CN" dirty="0" smtClean="0"/>
-              <a:t>1</a:t>
-            </a:r>
-            <a:r>
-              <a:rPr lang="zh-CN" altLang="en-US" dirty="0" smtClean="0"/>
-              <a:t>）每个结点至多只有两棵子树（即二叉树中不存在度大于</a:t>
-            </a:r>
-            <a:r>
-              <a:rPr lang="en-US" altLang="zh-CN" dirty="0" smtClean="0"/>
-              <a:t>2</a:t>
-            </a:r>
-            <a:r>
-              <a:rPr lang="zh-CN" altLang="en-US" dirty="0" smtClean="0"/>
-              <a:t>的结点）。</a:t>
-            </a:r>
-          </a:p>
-          <a:p>
-            <a:pPr latinLnBrk="1">
+              <a:rPr lang="zh-CN" altLang="en-US" b="1" dirty="0" smtClean="0"/>
+              <a:t>树的度</a:t>
+            </a:r>
+            <a:r>
+              <a:rPr lang="zh-CN" altLang="en-US" dirty="0" smtClean="0"/>
+              <a:t>是树内各节点的度的最大值。</a:t>
+            </a:r>
+            <a:endParaRPr lang="en-US" altLang="zh-CN" dirty="0" smtClean="0"/>
+          </a:p>
+          <a:p>
+            <a:pPr>
               <a:buNone/>
             </a:pPr>
             <a:r>
-              <a:rPr lang="zh-CN" altLang="en-US" dirty="0" smtClean="0"/>
-              <a:t>（</a:t>
-            </a:r>
-            <a:r>
-              <a:rPr lang="en-US" altLang="zh-CN" dirty="0" smtClean="0"/>
-              <a:t>2</a:t>
-            </a:r>
-            <a:r>
-              <a:rPr lang="zh-CN" altLang="en-US" dirty="0" smtClean="0"/>
-              <a:t>）二叉树的子树有左右之分，其次序不能随意颠倒。</a:t>
-            </a:r>
-            <a:endParaRPr lang="en-US" altLang="zh-CN" dirty="0" smtClean="0"/>
-          </a:p>
-          <a:p>
-            <a:pPr latinLnBrk="1">
-              <a:buNone/>
-            </a:pPr>
-            <a:r>
-              <a:rPr lang="zh-CN" altLang="en-US" dirty="0" smtClean="0"/>
-              <a:t>（</a:t>
-            </a:r>
-            <a:r>
-              <a:rPr lang="en-US" altLang="zh-CN" dirty="0" smtClean="0"/>
-              <a:t>3</a:t>
-            </a:r>
-            <a:r>
-              <a:rPr lang="zh-CN" altLang="en-US" dirty="0" smtClean="0"/>
-              <a:t>）二叉树可以为空。</a:t>
-            </a:r>
-            <a:r>
-              <a:rPr lang="en-US" altLang="zh-CN" dirty="0" smtClean="0"/>
-              <a:t>// -&gt; </a:t>
-            </a:r>
-            <a:r>
-              <a:rPr lang="zh-CN" altLang="en-US" dirty="0" smtClean="0"/>
-              <a:t>对象的性与质</a:t>
-            </a:r>
-          </a:p>
-          <a:p>
+              <a:rPr lang="zh-CN" altLang="en-US" b="1" dirty="0" smtClean="0"/>
+              <a:t>孩子、双亲、祖先、叔伯</a:t>
+            </a:r>
+            <a:r>
+              <a:rPr lang="zh-CN" altLang="en-US" dirty="0" smtClean="0"/>
+              <a:t>节点。</a:t>
+            </a:r>
             <a:endParaRPr lang="zh-CN" altLang="en-US" dirty="0"/>
           </a:p>
         </p:txBody>
@@ -4510,7 +4590,11 @@
           <a:p>
             <a:r>
               <a:rPr lang="zh-CN" altLang="en-US" dirty="0" smtClean="0"/>
-              <a:t>二叉排序树</a:t>
+              <a:t>二叉树</a:t>
+            </a:r>
+            <a:r>
+              <a:rPr lang="en-US" altLang="zh-CN" dirty="0" smtClean="0"/>
+              <a:t>(Binary Tree)</a:t>
             </a:r>
             <a:endParaRPr lang="zh-CN" altLang="en-US" dirty="0"/>
           </a:p>
@@ -4534,48 +4618,84 @@
             <a:pPr latinLnBrk="1"/>
             <a:r>
               <a:rPr lang="zh-CN" altLang="en-US" dirty="0" smtClean="0"/>
-              <a:t>二叉排序树又叫</a:t>
+              <a:t>二叉树的</a:t>
             </a:r>
             <a:r>
               <a:rPr lang="zh-CN" altLang="en-US" b="1" dirty="0" smtClean="0"/>
-              <a:t>二叉查找树或者二叉搜索树</a:t>
-            </a:r>
-            <a:r>
-              <a:rPr lang="zh-CN" altLang="en-US" dirty="0" smtClean="0"/>
-              <a:t>，它首先是一个二叉树，而且必须满足下面的条件：</a:t>
-            </a:r>
-          </a:p>
-          <a:p>
-            <a:pPr latinLnBrk="1"/>
+              <a:t>特点</a:t>
+            </a:r>
+            <a:r>
+              <a:rPr lang="zh-CN" altLang="en-US" dirty="0" smtClean="0"/>
+              <a:t>是：</a:t>
+            </a:r>
+            <a:endParaRPr lang="en-US" altLang="zh-CN" dirty="0" smtClean="0"/>
+          </a:p>
+          <a:p>
+            <a:pPr latinLnBrk="1">
+              <a:buNone/>
+            </a:pPr>
+            <a:r>
+              <a:rPr lang="zh-CN" altLang="en-US" dirty="0" smtClean="0"/>
+              <a:t>（</a:t>
+            </a:r>
             <a:r>
               <a:rPr lang="en-US" altLang="zh-CN" dirty="0" smtClean="0"/>
               <a:t>1</a:t>
             </a:r>
             <a:r>
               <a:rPr lang="zh-CN" altLang="en-US" dirty="0" smtClean="0"/>
-              <a:t>）若左子树不空，则左子树上所有结点的值均小于它的根节点的值；</a:t>
-            </a:r>
-          </a:p>
-          <a:p>
-            <a:pPr latinLnBrk="1"/>
+              <a:t>）每个结点至多只有两棵子树（即二叉树中不存在度大于</a:t>
+            </a:r>
             <a:r>
               <a:rPr lang="en-US" altLang="zh-CN" dirty="0" smtClean="0"/>
               <a:t>2</a:t>
             </a:r>
             <a:r>
               <a:rPr lang="zh-CN" altLang="en-US" dirty="0" smtClean="0"/>
-              <a:t>）若右子树不空，则右子树上所有结点的值均大于它的根结点的值</a:t>
-            </a:r>
-          </a:p>
-          <a:p>
-            <a:pPr latinLnBrk="1"/>
+              <a:t>的结点）。</a:t>
+            </a:r>
+          </a:p>
+          <a:p>
+            <a:pPr latinLnBrk="1">
+              <a:buNone/>
+            </a:pPr>
+            <a:r>
+              <a:rPr lang="zh-CN" altLang="en-US" dirty="0" smtClean="0"/>
+              <a:t>（</a:t>
+            </a:r>
+            <a:r>
+              <a:rPr lang="en-US" altLang="zh-CN" dirty="0" smtClean="0"/>
+              <a:t>2</a:t>
+            </a:r>
+            <a:r>
+              <a:rPr lang="zh-CN" altLang="en-US" dirty="0" smtClean="0"/>
+              <a:t>）二叉树的子树有左右之分，其次序不能随意颠倒。</a:t>
+            </a:r>
+            <a:endParaRPr lang="en-US" altLang="zh-CN" dirty="0" smtClean="0"/>
+          </a:p>
+          <a:p>
+            <a:pPr latinLnBrk="1">
+              <a:buNone/>
+            </a:pPr>
+            <a:r>
+              <a:rPr lang="zh-CN" altLang="en-US" dirty="0" smtClean="0"/>
+              <a:t>（</a:t>
+            </a:r>
             <a:r>
               <a:rPr lang="en-US" altLang="zh-CN" dirty="0" smtClean="0"/>
               <a:t>3</a:t>
             </a:r>
             <a:r>
               <a:rPr lang="zh-CN" altLang="en-US" dirty="0" smtClean="0"/>
-              <a:t>）左、右子树也分别为二叉排序树</a:t>
+              <a:t>）二叉树可以为空。</a:t>
+            </a:r>
+            <a:r>
+              <a:rPr lang="en-US" altLang="zh-CN" dirty="0" smtClean="0"/>
+              <a:t>// -&gt; </a:t>
+            </a:r>
+            <a:r>
+              <a:rPr lang="zh-CN" altLang="en-US" dirty="0" smtClean="0"/>
+              <a:t>对象的性与质</a:t>
             </a:r>
           </a:p>
           <a:p>
@@ -4620,15 +4740,14 @@
         </p:nvSpPr>
         <p:spPr/>
         <p:txBody>
-          <a:bodyPr>
-            <a:normAutofit/>
-          </a:bodyPr>
-          <a:lstStyle/>
-          <a:p>
-            <a:r>
-              <a:rPr lang="zh-CN" altLang="en-US" dirty="0" smtClean="0"/>
-              <a:t>满二叉树</a:t>
-            </a:r>
+          <a:bodyPr/>
+          <a:lstStyle/>
+          <a:p>
+            <a:r>
+              <a:rPr lang="zh-CN" altLang="en-US" dirty="0" smtClean="0"/>
+              <a:t>二叉排序树</a:t>
+            </a:r>
+            <a:endParaRPr lang="zh-CN" altLang="en-US" dirty="0"/>
           </a:p>
         </p:txBody>
       </p:sp>
@@ -4647,31 +4766,51 @@
           <a:bodyPr/>
           <a:lstStyle/>
           <a:p>
-            <a:r>
-              <a:rPr lang="zh-CN" altLang="en-US" dirty="0" smtClean="0"/>
-              <a:t>一棵深度为</a:t>
-            </a:r>
+            <a:pPr latinLnBrk="1"/>
+            <a:r>
+              <a:rPr lang="zh-CN" altLang="en-US" dirty="0" smtClean="0"/>
+              <a:t>二叉排序树又叫</a:t>
+            </a:r>
+            <a:r>
+              <a:rPr lang="zh-CN" altLang="en-US" b="1" dirty="0" smtClean="0"/>
+              <a:t>二叉查找树或者二叉搜索树</a:t>
+            </a:r>
+            <a:r>
+              <a:rPr lang="zh-CN" altLang="en-US" dirty="0" smtClean="0"/>
+              <a:t>，它首先是一个二叉树，而且必须满足下面的条件：</a:t>
+            </a:r>
+          </a:p>
+          <a:p>
+            <a:pPr latinLnBrk="1"/>
             <a:r>
               <a:rPr lang="en-US" altLang="zh-CN" dirty="0" smtClean="0"/>
-              <a:t>k</a:t>
-            </a:r>
-            <a:r>
-              <a:rPr lang="zh-CN" altLang="en-US" dirty="0" smtClean="0"/>
-              <a:t>，且有</a:t>
-            </a:r>
+              <a:t>1</a:t>
+            </a:r>
+            <a:r>
+              <a:rPr lang="zh-CN" altLang="en-US" dirty="0" smtClean="0"/>
+              <a:t>）若左子树不空，则左子树上所有结点的值均小于它的根节点的值；</a:t>
+            </a:r>
+          </a:p>
+          <a:p>
+            <a:pPr latinLnBrk="1"/>
             <a:r>
               <a:rPr lang="en-US" altLang="zh-CN" dirty="0" smtClean="0"/>
-              <a:t>2^k-1</a:t>
-            </a:r>
-            <a:r>
-              <a:rPr lang="zh-CN" altLang="en-US" dirty="0" smtClean="0"/>
-              <a:t>个节点的树是满二叉树。</a:t>
-            </a:r>
-          </a:p>
-          <a:p>
-            <a:r>
-              <a:rPr lang="zh-CN" altLang="en-US" dirty="0" smtClean="0"/>
-              <a:t>另一种定义：除了叶结点外每一个结点都有左右子叶且叶子结点都处在最底层的二叉树。</a:t>
+              <a:t>2</a:t>
+            </a:r>
+            <a:r>
+              <a:rPr lang="zh-CN" altLang="en-US" dirty="0" smtClean="0"/>
+              <a:t>）若右子树不空，则右子树上所有结点的值均大于它的根结点的值</a:t>
+            </a:r>
+          </a:p>
+          <a:p>
+            <a:pPr latinLnBrk="1"/>
+            <a:r>
+              <a:rPr lang="en-US" altLang="zh-CN" dirty="0" smtClean="0"/>
+              <a:t>3</a:t>
+            </a:r>
+            <a:r>
+              <a:rPr lang="zh-CN" altLang="en-US" dirty="0" smtClean="0"/>
+              <a:t>）左、右子树也分别为二叉排序树</a:t>
             </a:r>
           </a:p>
           <a:p>
@@ -4716,152 +4855,61 @@
         </p:nvSpPr>
         <p:spPr/>
         <p:txBody>
-          <a:bodyPr/>
-          <a:lstStyle/>
-          <a:p>
-            <a:r>
-              <a:rPr lang="zh-CN" altLang="en-US" dirty="0" smtClean="0"/>
-              <a:t>完全二叉树</a:t>
+          <a:bodyPr>
+            <a:normAutofit/>
+          </a:bodyPr>
+          <a:lstStyle/>
+          <a:p>
+            <a:r>
+              <a:rPr lang="zh-CN" altLang="en-US" dirty="0" smtClean="0"/>
+              <a:t>满二叉树</a:t>
+            </a:r>
+          </a:p>
+        </p:txBody>
+      </p:sp>
+      <p:sp>
+        <p:nvSpPr>
+          <p:cNvPr id="3" name="内容占位符 2"/>
+          <p:cNvSpPr>
+            <a:spLocks noGrp="1"/>
+          </p:cNvSpPr>
+          <p:nvPr>
+            <p:ph idx="1"/>
+          </p:nvPr>
+        </p:nvSpPr>
+        <p:spPr/>
+        <p:txBody>
+          <a:bodyPr/>
+          <a:lstStyle/>
+          <a:p>
+            <a:r>
+              <a:rPr lang="zh-CN" altLang="en-US" dirty="0" smtClean="0"/>
+              <a:t>一棵深度为</a:t>
             </a:r>
             <a:r>
               <a:rPr lang="en-US" altLang="zh-CN" dirty="0" smtClean="0"/>
-              <a:t>(Complete Binary Tree)</a:t>
-            </a:r>
-            <a:endParaRPr lang="zh-CN" altLang="en-US" dirty="0"/>
-          </a:p>
-        </p:txBody>
-      </p:sp>
-      <p:sp>
-        <p:nvSpPr>
-          <p:cNvPr id="3" name="内容占位符 2"/>
-          <p:cNvSpPr>
-            <a:spLocks noGrp="1"/>
-          </p:cNvSpPr>
-          <p:nvPr>
-            <p:ph idx="1"/>
-          </p:nvPr>
-        </p:nvSpPr>
-        <p:spPr/>
-        <p:txBody>
-          <a:bodyPr>
-            <a:normAutofit fontScale="85000" lnSpcReduction="10000"/>
-          </a:bodyPr>
-          <a:lstStyle/>
-          <a:p>
-            <a:r>
-              <a:rPr lang="zh-CN" altLang="en-US" dirty="0" smtClean="0"/>
-              <a:t>若设二叉树的深度为</a:t>
+              <a:t>k</a:t>
+            </a:r>
+            <a:r>
+              <a:rPr lang="zh-CN" altLang="en-US" dirty="0" smtClean="0"/>
+              <a:t>，且有</a:t>
             </a:r>
             <a:r>
               <a:rPr lang="en-US" altLang="zh-CN" dirty="0" smtClean="0"/>
-              <a:t>h</a:t>
-            </a:r>
-            <a:r>
-              <a:rPr lang="zh-CN" altLang="en-US" dirty="0" smtClean="0"/>
-              <a:t>，除第 </a:t>
-            </a:r>
-            <a:r>
-              <a:rPr lang="en-US" altLang="zh-CN" dirty="0" smtClean="0"/>
-              <a:t>h </a:t>
-            </a:r>
-            <a:r>
-              <a:rPr lang="zh-CN" altLang="en-US" dirty="0" smtClean="0"/>
-              <a:t>层外，其它各层 </a:t>
-            </a:r>
-            <a:r>
-              <a:rPr lang="en-US" altLang="zh-CN" dirty="0" smtClean="0"/>
-              <a:t>(1</a:t>
-            </a:r>
-            <a:r>
-              <a:rPr lang="zh-CN" altLang="en-US" dirty="0" smtClean="0"/>
-              <a:t>～</a:t>
-            </a:r>
-            <a:r>
-              <a:rPr lang="en-US" altLang="zh-CN" dirty="0" smtClean="0"/>
-              <a:t>h-1) </a:t>
-            </a:r>
-            <a:r>
-              <a:rPr lang="zh-CN" altLang="en-US" dirty="0" smtClean="0"/>
-              <a:t>的结点数都达到最大个数，第 </a:t>
-            </a:r>
-            <a:r>
-              <a:rPr lang="en-US" altLang="zh-CN" dirty="0" smtClean="0"/>
-              <a:t>h </a:t>
-            </a:r>
-            <a:r>
-              <a:rPr lang="zh-CN" altLang="en-US" dirty="0" smtClean="0"/>
-              <a:t>层所有的结点都连续集中在最左边，这就是完全二叉树。</a:t>
-            </a:r>
-          </a:p>
-          <a:p>
-            <a:r>
-              <a:rPr lang="zh-CN" altLang="en-US" dirty="0" smtClean="0"/>
-              <a:t>完全二叉树是由</a:t>
-            </a:r>
-            <a:r>
-              <a:rPr lang="zh-CN" altLang="en-US" dirty="0" smtClean="0">
-                <a:hlinkClick r:id="rId2"/>
-              </a:rPr>
-              <a:t>满二叉树</a:t>
-            </a:r>
-            <a:r>
-              <a:rPr lang="zh-CN" altLang="en-US" dirty="0" smtClean="0"/>
-              <a:t>而引出来的。对于深度为</a:t>
-            </a:r>
-            <a:r>
-              <a:rPr lang="en-US" altLang="zh-CN" dirty="0" smtClean="0"/>
-              <a:t>K</a:t>
-            </a:r>
-            <a:r>
-              <a:rPr lang="zh-CN" altLang="en-US" dirty="0" smtClean="0"/>
-              <a:t>的，有</a:t>
-            </a:r>
-            <a:r>
-              <a:rPr lang="en-US" altLang="zh-CN" dirty="0" smtClean="0"/>
-              <a:t>n</a:t>
-            </a:r>
-            <a:r>
-              <a:rPr lang="zh-CN" altLang="en-US" dirty="0" smtClean="0"/>
-              <a:t>个结点的二叉树，当且仅当其每一个结点都与深度为</a:t>
-            </a:r>
-            <a:r>
-              <a:rPr lang="en-US" altLang="zh-CN" dirty="0" smtClean="0"/>
-              <a:t>K</a:t>
-            </a:r>
-            <a:r>
-              <a:rPr lang="zh-CN" altLang="en-US" dirty="0" smtClean="0"/>
-              <a:t>的满二叉树中编号从</a:t>
-            </a:r>
-            <a:r>
-              <a:rPr lang="en-US" altLang="zh-CN" dirty="0" smtClean="0"/>
-              <a:t>1</a:t>
-            </a:r>
-            <a:r>
-              <a:rPr lang="zh-CN" altLang="en-US" dirty="0" smtClean="0"/>
-              <a:t>至</a:t>
-            </a:r>
-            <a:r>
-              <a:rPr lang="en-US" altLang="zh-CN" dirty="0" smtClean="0"/>
-              <a:t>n</a:t>
-            </a:r>
-            <a:r>
-              <a:rPr lang="zh-CN" altLang="en-US" dirty="0" smtClean="0"/>
-              <a:t>的结点一一对应时称之为完全二叉树。</a:t>
-            </a:r>
-          </a:p>
-          <a:p>
-            <a:r>
-              <a:rPr lang="zh-CN" altLang="en-US" dirty="0" smtClean="0"/>
-              <a:t>一棵二叉树至多只有最下面的一层上的结点的度数可以小于</a:t>
-            </a:r>
-            <a:r>
-              <a:rPr lang="en-US" altLang="zh-CN" dirty="0" smtClean="0"/>
-              <a:t>2</a:t>
-            </a:r>
-            <a:r>
-              <a:rPr lang="zh-CN" altLang="en-US" dirty="0" smtClean="0"/>
-              <a:t>，并且最下层上的结点都集中在该层最左边的若干位置上，而在最后一层上，右边的若干结点缺失的二叉树，则此二叉树成为完全二叉树。</a:t>
-            </a:r>
+              <a:t>2^k-1</a:t>
+            </a:r>
+            <a:r>
+              <a:rPr lang="zh-CN" altLang="en-US" dirty="0" smtClean="0"/>
+              <a:t>个节点的树是满二叉树。</a:t>
+            </a:r>
+          </a:p>
+          <a:p>
+            <a:r>
+              <a:rPr lang="zh-CN" altLang="en-US" dirty="0" smtClean="0"/>
+              <a:t>另一种定义：除了叶结点外每一个结点都有左右子叶且叶子结点都处在最底层的二叉树。</a:t>
+            </a:r>
+          </a:p>
+          <a:p>
             <a:endParaRPr lang="zh-CN" altLang="en-US" dirty="0"/>
           </a:p>
         </p:txBody>
@@ -4908,40 +4956,151 @@
           <a:p>
             <a:r>
               <a:rPr lang="zh-CN" altLang="en-US" dirty="0" smtClean="0"/>
-              <a:t>特殊形态的二叉树</a:t>
+              <a:t>完全二叉树</a:t>
+            </a:r>
+            <a:r>
+              <a:rPr lang="en-US" altLang="zh-CN" dirty="0" smtClean="0"/>
+              <a:t>(Complete Binary Tree)</a:t>
             </a:r>
             <a:endParaRPr lang="zh-CN" altLang="en-US" dirty="0"/>
           </a:p>
         </p:txBody>
       </p:sp>
-      <p:pic>
-        <p:nvPicPr>
-          <p:cNvPr id="4" name="Picture 2" descr="D:\用户目录\下载\b03533fa828ba61e0a41f8d24b34970a314e599b.jpg"/>
-          <p:cNvPicPr>
-            <a:picLocks noGrp="1" noChangeAspect="1" noChangeArrowheads="1"/>
-          </p:cNvPicPr>
+      <p:sp>
+        <p:nvSpPr>
+          <p:cNvPr id="3" name="内容占位符 2"/>
+          <p:cNvSpPr>
+            <a:spLocks noGrp="1"/>
+          </p:cNvSpPr>
           <p:nvPr>
             <p:ph idx="1"/>
           </p:nvPr>
-        </p:nvPicPr>
-        <p:blipFill>
-          <a:blip r:embed="rId2" cstate="print"/>
-          <a:srcRect/>
-          <a:stretch>
-            <a:fillRect/>
-          </a:stretch>
-        </p:blipFill>
-        <p:spPr bwMode="auto">
-          <a:xfrm>
-            <a:off x="827584" y="1340768"/>
-            <a:ext cx="7272808" cy="5112568"/>
-          </a:xfrm>
-          <a:prstGeom prst="rect">
-            <a:avLst/>
-          </a:prstGeom>
-          <a:noFill/>
-        </p:spPr>
-      </p:pic>
+        </p:nvSpPr>
+        <p:spPr/>
+        <p:txBody>
+          <a:bodyPr>
+            <a:normAutofit fontScale="85000" lnSpcReduction="10000"/>
+          </a:bodyPr>
+          <a:lstStyle/>
+          <a:p>
+            <a:r>
+              <a:rPr lang="zh-CN" altLang="en-US" dirty="0" smtClean="0"/>
+              <a:t>若设二叉树的深度为</a:t>
+            </a:r>
+            <a:r>
+              <a:rPr lang="en-US" altLang="zh-CN" dirty="0" smtClean="0"/>
+              <a:t>h</a:t>
+            </a:r>
+            <a:r>
+              <a:rPr lang="zh-CN" altLang="en-US" dirty="0" smtClean="0"/>
+              <a:t>，除第 </a:t>
+            </a:r>
+            <a:r>
+              <a:rPr lang="en-US" altLang="zh-CN" dirty="0" smtClean="0"/>
+              <a:t>h </a:t>
+            </a:r>
+            <a:r>
+              <a:rPr lang="zh-CN" altLang="en-US" dirty="0" smtClean="0"/>
+              <a:t>层外，其它各层 </a:t>
+            </a:r>
+            <a:r>
+              <a:rPr lang="en-US" altLang="zh-CN" dirty="0" smtClean="0"/>
+              <a:t>(1</a:t>
+            </a:r>
+            <a:r>
+              <a:rPr lang="zh-CN" altLang="en-US" dirty="0" smtClean="0"/>
+              <a:t>～</a:t>
+            </a:r>
+            <a:r>
+              <a:rPr lang="en-US" altLang="zh-CN" dirty="0" smtClean="0"/>
+              <a:t>h-1) </a:t>
+            </a:r>
+            <a:r>
+              <a:rPr lang="zh-CN" altLang="en-US" dirty="0" smtClean="0"/>
+              <a:t>的结点数都达到最大个数，第 </a:t>
+            </a:r>
+            <a:r>
+              <a:rPr lang="en-US" altLang="zh-CN" dirty="0" smtClean="0"/>
+              <a:t>h </a:t>
+            </a:r>
+            <a:r>
+              <a:rPr lang="zh-CN" altLang="en-US" dirty="0" smtClean="0"/>
+              <a:t>层所有的结点都连续集中在最左边，这就是完全二叉树。</a:t>
+            </a:r>
+          </a:p>
+          <a:p>
+            <a:r>
+              <a:rPr lang="zh-CN" altLang="en-US" dirty="0" smtClean="0"/>
+              <a:t>完全二叉树是由</a:t>
+            </a:r>
+            <a:r>
+              <a:rPr lang="zh-CN" altLang="en-US" dirty="0" smtClean="0">
+                <a:hlinkClick r:id="rId2"/>
+              </a:rPr>
+              <a:t>满二叉树</a:t>
+            </a:r>
+            <a:r>
+              <a:rPr lang="zh-CN" altLang="en-US" dirty="0" smtClean="0"/>
+              <a:t>而引出来的。对于深度为</a:t>
+            </a:r>
+            <a:r>
+              <a:rPr lang="en-US" altLang="zh-CN" dirty="0" smtClean="0"/>
+              <a:t>K</a:t>
+            </a:r>
+            <a:r>
+              <a:rPr lang="zh-CN" altLang="en-US" dirty="0" smtClean="0"/>
+              <a:t>的，有</a:t>
+            </a:r>
+            <a:r>
+              <a:rPr lang="en-US" altLang="zh-CN" dirty="0" smtClean="0"/>
+              <a:t>n</a:t>
+            </a:r>
+            <a:r>
+              <a:rPr lang="zh-CN" altLang="en-US" dirty="0" smtClean="0"/>
+              <a:t>个结点的二叉树，当且仅当其每一个结点都与深度为</a:t>
+            </a:r>
+            <a:r>
+              <a:rPr lang="en-US" altLang="zh-CN" dirty="0" smtClean="0"/>
+              <a:t>K</a:t>
+            </a:r>
+            <a:r>
+              <a:rPr lang="zh-CN" altLang="en-US" dirty="0" smtClean="0"/>
+              <a:t>的满二叉树中编号从</a:t>
+            </a:r>
+            <a:r>
+              <a:rPr lang="en-US" altLang="zh-CN" dirty="0" smtClean="0"/>
+              <a:t>1</a:t>
+            </a:r>
+            <a:r>
+              <a:rPr lang="zh-CN" altLang="en-US" dirty="0" smtClean="0"/>
+              <a:t>至</a:t>
+            </a:r>
+            <a:r>
+              <a:rPr lang="en-US" altLang="zh-CN" dirty="0" smtClean="0"/>
+              <a:t>n</a:t>
+            </a:r>
+            <a:r>
+              <a:rPr lang="zh-CN" altLang="en-US" dirty="0" smtClean="0"/>
+              <a:t>的结点一一对应时称之为完全二叉树。</a:t>
+            </a:r>
+          </a:p>
+          <a:p>
+            <a:r>
+              <a:rPr lang="zh-CN" altLang="en-US" dirty="0" smtClean="0"/>
+              <a:t>一棵二叉树至多只有最下面的一层上的结点的度数可以小于</a:t>
+            </a:r>
+            <a:r>
+              <a:rPr lang="en-US" altLang="zh-CN" dirty="0" smtClean="0"/>
+              <a:t>2</a:t>
+            </a:r>
+            <a:r>
+              <a:rPr lang="zh-CN" altLang="en-US" dirty="0" smtClean="0"/>
+              <a:t>，并且最下层上的结点都集中在该层最左边的若干位置上，而在最后一层上，右边的若干结点缺失的二叉树，则此二叉树成为完全二叉树。</a:t>
+            </a:r>
+            <a:endParaRPr lang="zh-CN" altLang="en-US" dirty="0"/>
+          </a:p>
+        </p:txBody>
+      </p:sp>
     </p:spTree>
   </p:cSld>
   <p:clrMapOvr>
@@ -4984,52 +5143,40 @@
           <a:p>
             <a:r>
               <a:rPr lang="zh-CN" altLang="en-US" dirty="0" smtClean="0"/>
-              <a:t>二叉树的遍历</a:t>
+              <a:t>特殊形态的二叉树</a:t>
             </a:r>
             <a:endParaRPr lang="zh-CN" altLang="en-US" dirty="0"/>
           </a:p>
         </p:txBody>
       </p:sp>
-      <p:sp>
-        <p:nvSpPr>
-          <p:cNvPr id="3" name="内容占位符 2"/>
-          <p:cNvSpPr>
-            <a:spLocks noGrp="1"/>
-          </p:cNvSpPr>
+      <p:pic>
+        <p:nvPicPr>
+          <p:cNvPr id="4" name="Picture 2" descr="D:\用户目录\下载\b03533fa828ba61e0a41f8d24b34970a314e599b.jpg"/>
+          <p:cNvPicPr>
+            <a:picLocks noGrp="1" noChangeAspect="1" noChangeArrowheads="1"/>
+          </p:cNvPicPr>
           <p:nvPr>
             <p:ph idx="1"/>
           </p:nvPr>
-        </p:nvSpPr>
-        <p:spPr/>
-        <p:txBody>
-          <a:bodyPr/>
-          <a:lstStyle/>
-          <a:p>
-            <a:r>
-              <a:rPr lang="zh-CN" altLang="en-US" dirty="0" smtClean="0"/>
-              <a:t>前序 中 左 右 </a:t>
-            </a:r>
-            <a:endParaRPr lang="en-US" altLang="zh-CN" dirty="0" smtClean="0"/>
-          </a:p>
-          <a:p>
-            <a:r>
-              <a:rPr lang="zh-CN" altLang="en-US" dirty="0" smtClean="0"/>
-              <a:t>中序 左 中 右</a:t>
-            </a:r>
-            <a:endParaRPr lang="en-US" altLang="zh-CN" dirty="0" smtClean="0"/>
-          </a:p>
-          <a:p>
-            <a:r>
-              <a:rPr lang="zh-CN" altLang="en-US" dirty="0" smtClean="0"/>
-              <a:t>后序 左 右 中</a:t>
-            </a:r>
-            <a:br>
-              <a:rPr lang="zh-CN" altLang="en-US" dirty="0" smtClean="0"/>
-            </a:br>
-            <a:endParaRPr lang="zh-CN" altLang="en-US" dirty="0"/>
-          </a:p>
-        </p:txBody>
-      </p:sp>
+        </p:nvPicPr>
+        <p:blipFill>
+          <a:blip r:embed="rId2" cstate="print"/>
+          <a:srcRect/>
+          <a:stretch>
+            <a:fillRect/>
+          </a:stretch>
+        </p:blipFill>
+        <p:spPr bwMode="auto">
+          <a:xfrm>
+            <a:off x="827584" y="1340768"/>
+            <a:ext cx="7272808" cy="5112568"/>
+          </a:xfrm>
+          <a:prstGeom prst="rect">
+            <a:avLst/>
+          </a:prstGeom>
+          <a:noFill/>
+        </p:spPr>
+      </p:pic>
     </p:spTree>
   </p:cSld>
   <p:clrMapOvr>

--- a/JoyCpp/rb_tree/rb_tree.pptx
+++ b/JoyCpp/rb_tree/rb_tree.pptx
@@ -2,26 +2,29 @@
 <file path=ppt/presentation.xml><?xml version="1.0" encoding="utf-8"?>
 <p:presentation xmlns:a="http://schemas.openxmlformats.org/drawingml/2006/main" xmlns:r="http://schemas.openxmlformats.org/officeDocument/2006/relationships" xmlns:p="http://schemas.openxmlformats.org/presentationml/2006/main" saveSubsetFonts="1">
   <p:sldMasterIdLst>
-    <p:sldMasterId id="2147483648" r:id="rId1"/>
+    <p:sldMasterId id="2147483660" r:id="rId1"/>
   </p:sldMasterIdLst>
   <p:sldIdLst>
     <p:sldId id="256" r:id="rId2"/>
     <p:sldId id="272" r:id="rId3"/>
-    <p:sldId id="257" r:id="rId4"/>
-    <p:sldId id="258" r:id="rId5"/>
-    <p:sldId id="259" r:id="rId6"/>
-    <p:sldId id="269" r:id="rId7"/>
-    <p:sldId id="260" r:id="rId8"/>
-    <p:sldId id="261" r:id="rId9"/>
-    <p:sldId id="262" r:id="rId10"/>
-    <p:sldId id="263" r:id="rId11"/>
-    <p:sldId id="264" r:id="rId12"/>
-    <p:sldId id="265" r:id="rId13"/>
-    <p:sldId id="266" r:id="rId14"/>
-    <p:sldId id="267" r:id="rId15"/>
-    <p:sldId id="268" r:id="rId16"/>
-    <p:sldId id="270" r:id="rId17"/>
-    <p:sldId id="271" r:id="rId18"/>
+    <p:sldId id="274" r:id="rId4"/>
+    <p:sldId id="257" r:id="rId5"/>
+    <p:sldId id="258" r:id="rId6"/>
+    <p:sldId id="259" r:id="rId7"/>
+    <p:sldId id="269" r:id="rId8"/>
+    <p:sldId id="260" r:id="rId9"/>
+    <p:sldId id="261" r:id="rId10"/>
+    <p:sldId id="262" r:id="rId11"/>
+    <p:sldId id="263" r:id="rId12"/>
+    <p:sldId id="264" r:id="rId13"/>
+    <p:sldId id="265" r:id="rId14"/>
+    <p:sldId id="266" r:id="rId15"/>
+    <p:sldId id="267" r:id="rId16"/>
+    <p:sldId id="268" r:id="rId17"/>
+    <p:sldId id="275" r:id="rId18"/>
+    <p:sldId id="270" r:id="rId19"/>
+    <p:sldId id="271" r:id="rId20"/>
+    <p:sldId id="273" r:id="rId21"/>
   </p:sldIdLst>
   <p:sldSz cx="9144000" cy="6858000" type="screen4x3"/>
   <p:notesSz cx="6858000" cy="9144000"/>
@@ -126,6 +129,11 @@
 <file path=ppt/slideLayouts/slideLayout1.xml><?xml version="1.0" encoding="utf-8"?>
 <p:sldLayout xmlns:a="http://schemas.openxmlformats.org/drawingml/2006/main" xmlns:r="http://schemas.openxmlformats.org/officeDocument/2006/relationships" xmlns:p="http://schemas.openxmlformats.org/presentationml/2006/main" type="title" preserve="1">
   <p:cSld name="标题幻灯片">
+    <p:bg>
+      <p:bgRef idx="1002">
+        <a:schemeClr val="bg2"/>
+      </p:bgRef>
+    </p:bg>
     <p:spTree>
       <p:nvGrpSpPr>
         <p:cNvPr id="1" name=""/>
@@ -142,7 +150,7 @@
       </p:grpSpPr>
       <p:sp>
         <p:nvSpPr>
-          <p:cNvPr id="2" name="标题 1"/>
+          <p:cNvPr id="9" name="标题 8"/>
           <p:cNvSpPr>
             <a:spLocks noGrp="1"/>
           </p:cNvSpPr>
@@ -152,144 +160,131 @@
         </p:nvSpPr>
         <p:spPr>
           <a:xfrm>
-            <a:off x="685800" y="2130425"/>
-            <a:ext cx="7772400" cy="1470025"/>
+            <a:off x="533400" y="1371600"/>
+            <a:ext cx="7851648" cy="1828800"/>
+          </a:xfrm>
+          <a:ln>
+            <a:noFill/>
+          </a:ln>
+        </p:spPr>
+        <p:txBody>
+          <a:bodyPr vert="horz" tIns="0" rIns="18288" bIns="0" anchor="b">
+            <a:normAutofit/>
+            <a:scene3d>
+              <a:camera prst="orthographicFront"/>
+              <a:lightRig rig="freezing" dir="t">
+                <a:rot lat="0" lon="0" rev="5640000"/>
+              </a:lightRig>
+            </a:scene3d>
+            <a:sp3d prstMaterial="flat">
+              <a:bevelT w="38100" h="38100"/>
+              <a:contourClr>
+                <a:schemeClr val="tx2"/>
+              </a:contourClr>
+            </a:sp3d>
+          </a:bodyPr>
+          <a:lstStyle>
+            <a:lvl1pPr algn="r" rtl="0">
+              <a:spcBef>
+                <a:spcPct val="0"/>
+              </a:spcBef>
+              <a:buNone/>
+              <a:defRPr sz="5600" b="1">
+                <a:ln>
+                  <a:noFill/>
+                </a:ln>
+                <a:solidFill>
+                  <a:schemeClr val="accent3">
+                    <a:tint val="90000"/>
+                    <a:satMod val="120000"/>
+                  </a:schemeClr>
+                </a:solidFill>
+                <a:effectLst>
+                  <a:outerShdw blurRad="38100" dist="25400" dir="5400000" algn="tl" rotWithShape="0">
+                    <a:srgbClr val="000000">
+                      <a:alpha val="43000"/>
+                    </a:srgbClr>
+                  </a:outerShdw>
+                </a:effectLst>
+                <a:latin typeface="+mj-lt"/>
+                <a:ea typeface="+mj-ea"/>
+                <a:cs typeface="+mj-cs"/>
+              </a:defRPr>
+            </a:lvl1pPr>
+          </a:lstStyle>
+          <a:p>
+            <a:r>
+              <a:rPr kumimoji="0" lang="zh-CN" altLang="en-US" smtClean="0"/>
+              <a:t>单击此处编辑母版标题样式</a:t>
+            </a:r>
+            <a:endParaRPr kumimoji="0" lang="en-US"/>
+          </a:p>
+        </p:txBody>
+      </p:sp>
+      <p:sp>
+        <p:nvSpPr>
+          <p:cNvPr id="17" name="副标题 16"/>
+          <p:cNvSpPr>
+            <a:spLocks noGrp="1"/>
+          </p:cNvSpPr>
+          <p:nvPr>
+            <p:ph type="subTitle" idx="1"/>
+          </p:nvPr>
+        </p:nvSpPr>
+        <p:spPr>
+          <a:xfrm>
+            <a:off x="533400" y="3228536"/>
+            <a:ext cx="7854696" cy="1752600"/>
           </a:xfrm>
         </p:spPr>
         <p:txBody>
-          <a:bodyPr/>
-          <a:lstStyle/>
-          <a:p>
-            <a:r>
-              <a:rPr lang="zh-CN" altLang="en-US" smtClean="0"/>
-              <a:t>单击此处编辑母版标题样式</a:t>
-            </a:r>
-            <a:endParaRPr lang="zh-CN" altLang="en-US"/>
-          </a:p>
-        </p:txBody>
-      </p:sp>
-      <p:sp>
-        <p:nvSpPr>
-          <p:cNvPr id="3" name="副标题 2"/>
-          <p:cNvSpPr>
-            <a:spLocks noGrp="1"/>
-          </p:cNvSpPr>
-          <p:nvPr>
-            <p:ph type="subTitle" idx="1"/>
-          </p:nvPr>
-        </p:nvSpPr>
-        <p:spPr>
-          <a:xfrm>
-            <a:off x="1371600" y="3886200"/>
-            <a:ext cx="6400800" cy="1752600"/>
-          </a:xfrm>
-        </p:spPr>
-        <p:txBody>
-          <a:bodyPr/>
+          <a:bodyPr lIns="0" rIns="18288"/>
           <a:lstStyle>
-            <a:lvl1pPr marL="0" indent="0" algn="ctr">
+            <a:lvl1pPr marL="0" marR="45720" indent="0" algn="r">
               <a:buNone/>
               <a:defRPr>
                 <a:solidFill>
-                  <a:schemeClr val="tx1">
-                    <a:tint val="75000"/>
-                  </a:schemeClr>
+                  <a:schemeClr val="tx1"/>
                 </a:solidFill>
               </a:defRPr>
             </a:lvl1pPr>
             <a:lvl2pPr marL="457200" indent="0" algn="ctr">
               <a:buNone/>
-              <a:defRPr>
-                <a:solidFill>
-                  <a:schemeClr val="tx1">
-                    <a:tint val="75000"/>
-                  </a:schemeClr>
-                </a:solidFill>
-              </a:defRPr>
             </a:lvl2pPr>
             <a:lvl3pPr marL="914400" indent="0" algn="ctr">
               <a:buNone/>
-              <a:defRPr>
-                <a:solidFill>
-                  <a:schemeClr val="tx1">
-                    <a:tint val="75000"/>
-                  </a:schemeClr>
-                </a:solidFill>
-              </a:defRPr>
             </a:lvl3pPr>
             <a:lvl4pPr marL="1371600" indent="0" algn="ctr">
               <a:buNone/>
-              <a:defRPr>
-                <a:solidFill>
-                  <a:schemeClr val="tx1">
-                    <a:tint val="75000"/>
-                  </a:schemeClr>
-                </a:solidFill>
-              </a:defRPr>
             </a:lvl4pPr>
             <a:lvl5pPr marL="1828800" indent="0" algn="ctr">
               <a:buNone/>
-              <a:defRPr>
-                <a:solidFill>
-                  <a:schemeClr val="tx1">
-                    <a:tint val="75000"/>
-                  </a:schemeClr>
-                </a:solidFill>
-              </a:defRPr>
             </a:lvl5pPr>
             <a:lvl6pPr marL="2286000" indent="0" algn="ctr">
               <a:buNone/>
-              <a:defRPr>
-                <a:solidFill>
-                  <a:schemeClr val="tx1">
-                    <a:tint val="75000"/>
-                  </a:schemeClr>
-                </a:solidFill>
-              </a:defRPr>
             </a:lvl6pPr>
             <a:lvl7pPr marL="2743200" indent="0" algn="ctr">
               <a:buNone/>
-              <a:defRPr>
-                <a:solidFill>
-                  <a:schemeClr val="tx1">
-                    <a:tint val="75000"/>
-                  </a:schemeClr>
-                </a:solidFill>
-              </a:defRPr>
             </a:lvl7pPr>
             <a:lvl8pPr marL="3200400" indent="0" algn="ctr">
               <a:buNone/>
-              <a:defRPr>
-                <a:solidFill>
-                  <a:schemeClr val="tx1">
-                    <a:tint val="75000"/>
-                  </a:schemeClr>
-                </a:solidFill>
-              </a:defRPr>
             </a:lvl8pPr>
             <a:lvl9pPr marL="3657600" indent="0" algn="ctr">
               <a:buNone/>
-              <a:defRPr>
-                <a:solidFill>
-                  <a:schemeClr val="tx1">
-                    <a:tint val="75000"/>
-                  </a:schemeClr>
-                </a:solidFill>
-              </a:defRPr>
             </a:lvl9pPr>
           </a:lstStyle>
           <a:p>
             <a:r>
-              <a:rPr lang="zh-CN" altLang="en-US" smtClean="0"/>
+              <a:rPr kumimoji="0" lang="zh-CN" altLang="en-US" smtClean="0"/>
               <a:t>单击此处编辑母版副标题样式</a:t>
             </a:r>
-            <a:endParaRPr lang="zh-CN" altLang="en-US"/>
-          </a:p>
-        </p:txBody>
-      </p:sp>
-      <p:sp>
-        <p:nvSpPr>
-          <p:cNvPr id="4" name="日期占位符 3"/>
+            <a:endParaRPr kumimoji="0" lang="en-US"/>
+          </a:p>
+        </p:txBody>
+      </p:sp>
+      <p:sp>
+        <p:nvSpPr>
+          <p:cNvPr id="30" name="日期占位符 29"/>
           <p:cNvSpPr>
             <a:spLocks noGrp="1"/>
           </p:cNvSpPr>
@@ -313,7 +308,7 @@
       </p:sp>
       <p:sp>
         <p:nvSpPr>
-          <p:cNvPr id="5" name="页脚占位符 4"/>
+          <p:cNvPr id="19" name="页脚占位符 18"/>
           <p:cNvSpPr>
             <a:spLocks noGrp="1"/>
           </p:cNvSpPr>
@@ -332,7 +327,7 @@
       </p:sp>
       <p:sp>
         <p:nvSpPr>
-          <p:cNvPr id="6" name="灯片编号占位符 5"/>
+          <p:cNvPr id="27" name="灯片编号占位符 26"/>
           <p:cNvSpPr>
             <a:spLocks noGrp="1"/>
           </p:cNvSpPr>
@@ -357,7 +352,7 @@
     </p:spTree>
   </p:cSld>
   <p:clrMapOvr>
-    <a:masterClrMapping/>
+    <a:overrideClrMapping bg1="dk1" tx1="lt1" bg2="dk2" tx2="lt2" accent1="accent1" accent2="accent2" accent3="accent3" accent4="accent4" accent5="accent5" accent6="accent6" hlink="hlink" folHlink="folHlink"/>
   </p:clrMapOvr>
 </p:sldLayout>
 </file>
@@ -395,10 +390,10 @@
           <a:lstStyle/>
           <a:p>
             <a:r>
-              <a:rPr lang="zh-CN" altLang="en-US" smtClean="0"/>
+              <a:rPr kumimoji="0" lang="zh-CN" altLang="en-US" smtClean="0"/>
               <a:t>单击此处编辑母版标题样式</a:t>
             </a:r>
-            <a:endParaRPr lang="zh-CN" altLang="en-US"/>
+            <a:endParaRPr kumimoji="0" lang="en-US"/>
           </a:p>
         </p:txBody>
       </p:sp>
@@ -417,40 +412,40 @@
           <a:bodyPr vert="eaVert"/>
           <a:lstStyle/>
           <a:p>
-            <a:pPr lvl="0"/>
+            <a:pPr lvl="0" eaLnBrk="1" latinLnBrk="0" hangingPunct="1"/>
             <a:r>
               <a:rPr lang="zh-CN" altLang="en-US" smtClean="0"/>
               <a:t>单击此处编辑母版文本样式</a:t>
             </a:r>
           </a:p>
           <a:p>
-            <a:pPr lvl="1"/>
+            <a:pPr lvl="1" eaLnBrk="1" latinLnBrk="0" hangingPunct="1"/>
             <a:r>
               <a:rPr lang="zh-CN" altLang="en-US" smtClean="0"/>
               <a:t>第二级</a:t>
             </a:r>
           </a:p>
           <a:p>
-            <a:pPr lvl="2"/>
+            <a:pPr lvl="2" eaLnBrk="1" latinLnBrk="0" hangingPunct="1"/>
             <a:r>
               <a:rPr lang="zh-CN" altLang="en-US" smtClean="0"/>
               <a:t>第三级</a:t>
             </a:r>
           </a:p>
           <a:p>
-            <a:pPr lvl="3"/>
+            <a:pPr lvl="3" eaLnBrk="1" latinLnBrk="0" hangingPunct="1"/>
             <a:r>
               <a:rPr lang="zh-CN" altLang="en-US" smtClean="0"/>
               <a:t>第四级</a:t>
             </a:r>
           </a:p>
           <a:p>
-            <a:pPr lvl="4"/>
+            <a:pPr lvl="4" eaLnBrk="1" latinLnBrk="0" hangingPunct="1"/>
             <a:r>
               <a:rPr lang="zh-CN" altLang="en-US" smtClean="0"/>
               <a:t>第五级</a:t>
             </a:r>
-            <a:endParaRPr lang="zh-CN" altLang="en-US"/>
+            <a:endParaRPr kumimoji="0" lang="en-US"/>
           </a:p>
         </p:txBody>
       </p:sp>
@@ -558,8 +553,8 @@
         </p:nvSpPr>
         <p:spPr>
           <a:xfrm>
-            <a:off x="6629400" y="274638"/>
-            <a:ext cx="2057400" cy="5851525"/>
+            <a:off x="6629400" y="914401"/>
+            <a:ext cx="2057400" cy="5211763"/>
           </a:xfrm>
         </p:spPr>
         <p:txBody>
@@ -567,10 +562,10 @@
           <a:lstStyle/>
           <a:p>
             <a:r>
-              <a:rPr lang="zh-CN" altLang="en-US" smtClean="0"/>
+              <a:rPr kumimoji="0" lang="zh-CN" altLang="en-US" smtClean="0"/>
               <a:t>单击此处编辑母版标题样式</a:t>
             </a:r>
-            <a:endParaRPr lang="zh-CN" altLang="en-US"/>
+            <a:endParaRPr kumimoji="0" lang="en-US"/>
           </a:p>
         </p:txBody>
       </p:sp>
@@ -586,48 +581,48 @@
         </p:nvSpPr>
         <p:spPr>
           <a:xfrm>
-            <a:off x="457200" y="274638"/>
-            <a:ext cx="6019800" cy="5851525"/>
+            <a:off x="457200" y="914401"/>
+            <a:ext cx="6019800" cy="5211763"/>
           </a:xfrm>
         </p:spPr>
         <p:txBody>
           <a:bodyPr vert="eaVert"/>
           <a:lstStyle/>
           <a:p>
-            <a:pPr lvl="0"/>
+            <a:pPr lvl="0" eaLnBrk="1" latinLnBrk="0" hangingPunct="1"/>
             <a:r>
               <a:rPr lang="zh-CN" altLang="en-US" smtClean="0"/>
               <a:t>单击此处编辑母版文本样式</a:t>
             </a:r>
           </a:p>
           <a:p>
-            <a:pPr lvl="1"/>
+            <a:pPr lvl="1" eaLnBrk="1" latinLnBrk="0" hangingPunct="1"/>
             <a:r>
               <a:rPr lang="zh-CN" altLang="en-US" smtClean="0"/>
               <a:t>第二级</a:t>
             </a:r>
           </a:p>
           <a:p>
-            <a:pPr lvl="2"/>
+            <a:pPr lvl="2" eaLnBrk="1" latinLnBrk="0" hangingPunct="1"/>
             <a:r>
               <a:rPr lang="zh-CN" altLang="en-US" smtClean="0"/>
               <a:t>第三级</a:t>
             </a:r>
           </a:p>
           <a:p>
-            <a:pPr lvl="3"/>
+            <a:pPr lvl="3" eaLnBrk="1" latinLnBrk="0" hangingPunct="1"/>
             <a:r>
               <a:rPr lang="zh-CN" altLang="en-US" smtClean="0"/>
               <a:t>第四级</a:t>
             </a:r>
           </a:p>
           <a:p>
-            <a:pPr lvl="4"/>
+            <a:pPr lvl="4" eaLnBrk="1" latinLnBrk="0" hangingPunct="1"/>
             <a:r>
               <a:rPr lang="zh-CN" altLang="en-US" smtClean="0"/>
               <a:t>第五级</a:t>
             </a:r>
-            <a:endParaRPr lang="zh-CN" altLang="en-US"/>
+            <a:endParaRPr kumimoji="0" lang="en-US"/>
           </a:p>
         </p:txBody>
       </p:sp>
@@ -739,10 +734,10 @@
           <a:lstStyle/>
           <a:p>
             <a:r>
-              <a:rPr lang="zh-CN" altLang="en-US" smtClean="0"/>
+              <a:rPr kumimoji="0" lang="zh-CN" altLang="en-US" smtClean="0"/>
               <a:t>单击此处编辑母版标题样式</a:t>
             </a:r>
-            <a:endParaRPr lang="zh-CN" altLang="en-US"/>
+            <a:endParaRPr kumimoji="0" lang="en-US"/>
           </a:p>
         </p:txBody>
       </p:sp>
@@ -761,40 +756,40 @@
           <a:bodyPr/>
           <a:lstStyle/>
           <a:p>
-            <a:pPr lvl="0"/>
+            <a:pPr lvl="0" eaLnBrk="1" latinLnBrk="0" hangingPunct="1"/>
             <a:r>
               <a:rPr lang="zh-CN" altLang="en-US" smtClean="0"/>
               <a:t>单击此处编辑母版文本样式</a:t>
             </a:r>
           </a:p>
           <a:p>
-            <a:pPr lvl="1"/>
+            <a:pPr lvl="1" eaLnBrk="1" latinLnBrk="0" hangingPunct="1"/>
             <a:r>
               <a:rPr lang="zh-CN" altLang="en-US" smtClean="0"/>
               <a:t>第二级</a:t>
             </a:r>
           </a:p>
           <a:p>
-            <a:pPr lvl="2"/>
+            <a:pPr lvl="2" eaLnBrk="1" latinLnBrk="0" hangingPunct="1"/>
             <a:r>
               <a:rPr lang="zh-CN" altLang="en-US" smtClean="0"/>
               <a:t>第三级</a:t>
             </a:r>
           </a:p>
           <a:p>
-            <a:pPr lvl="3"/>
+            <a:pPr lvl="3" eaLnBrk="1" latinLnBrk="0" hangingPunct="1"/>
             <a:r>
               <a:rPr lang="zh-CN" altLang="en-US" smtClean="0"/>
               <a:t>第四级</a:t>
             </a:r>
           </a:p>
           <a:p>
-            <a:pPr lvl="4"/>
+            <a:pPr lvl="4" eaLnBrk="1" latinLnBrk="0" hangingPunct="1"/>
             <a:r>
               <a:rPr lang="zh-CN" altLang="en-US" smtClean="0"/>
               <a:t>第五级</a:t>
             </a:r>
-            <a:endParaRPr lang="zh-CN" altLang="en-US"/>
+            <a:endParaRPr kumimoji="0" lang="en-US"/>
           </a:p>
         </p:txBody>
       </p:sp>
@@ -876,6 +871,11 @@
 <file path=ppt/slideLayouts/slideLayout3.xml><?xml version="1.0" encoding="utf-8"?>
 <p:sldLayout xmlns:a="http://schemas.openxmlformats.org/drawingml/2006/main" xmlns:r="http://schemas.openxmlformats.org/officeDocument/2006/relationships" xmlns:p="http://schemas.openxmlformats.org/presentationml/2006/main" type="secHead" preserve="1">
   <p:cSld name="节标题">
+    <p:bg>
+      <p:bgRef idx="1002">
+        <a:schemeClr val="bg2"/>
+      </p:bgRef>
+    </p:bg>
     <p:spTree>
       <p:nvGrpSpPr>
         <p:cNvPr id="1" name=""/>
@@ -902,56 +902,92 @@
         </p:nvSpPr>
         <p:spPr>
           <a:xfrm>
-            <a:off x="722313" y="4406900"/>
-            <a:ext cx="7772400" cy="1362075"/>
+            <a:off x="530352" y="1316736"/>
+            <a:ext cx="7772400" cy="1362456"/>
+          </a:xfrm>
+          <a:ln>
+            <a:noFill/>
+          </a:ln>
+        </p:spPr>
+        <p:txBody>
+          <a:bodyPr vert="horz" tIns="0" bIns="0" anchor="b">
+            <a:noAutofit/>
+            <a:scene3d>
+              <a:camera prst="orthographicFront"/>
+              <a:lightRig rig="freezing" dir="t">
+                <a:rot lat="0" lon="0" rev="5640000"/>
+              </a:lightRig>
+            </a:scene3d>
+            <a:sp3d prstMaterial="flat">
+              <a:bevelT w="38100" h="38100"/>
+            </a:sp3d>
+          </a:bodyPr>
+          <a:lstStyle>
+            <a:lvl1pPr algn="l" rtl="0">
+              <a:spcBef>
+                <a:spcPct val="0"/>
+              </a:spcBef>
+              <a:buNone/>
+              <a:defRPr lang="en-US" sz="5600" b="1" cap="none" baseline="0" dirty="0">
+                <a:ln w="635">
+                  <a:noFill/>
+                </a:ln>
+                <a:solidFill>
+                  <a:schemeClr val="accent4">
+                    <a:tint val="90000"/>
+                    <a:satMod val="125000"/>
+                  </a:schemeClr>
+                </a:solidFill>
+                <a:effectLst>
+                  <a:outerShdw blurRad="38100" dist="25400" dir="5400000" algn="tl" rotWithShape="0">
+                    <a:srgbClr val="000000">
+                      <a:alpha val="43000"/>
+                    </a:srgbClr>
+                  </a:outerShdw>
+                </a:effectLst>
+                <a:latin typeface="+mj-lt"/>
+                <a:ea typeface="+mj-ea"/>
+                <a:cs typeface="+mj-cs"/>
+              </a:defRPr>
+            </a:lvl1pPr>
+          </a:lstStyle>
+          <a:p>
+            <a:r>
+              <a:rPr kumimoji="0" lang="zh-CN" altLang="en-US" smtClean="0"/>
+              <a:t>单击此处编辑母版标题样式</a:t>
+            </a:r>
+            <a:endParaRPr kumimoji="0" lang="en-US"/>
+          </a:p>
+        </p:txBody>
+      </p:sp>
+      <p:sp>
+        <p:nvSpPr>
+          <p:cNvPr id="3" name="文本占位符 2"/>
+          <p:cNvSpPr>
+            <a:spLocks noGrp="1"/>
+          </p:cNvSpPr>
+          <p:nvPr>
+            <p:ph type="body" idx="1"/>
+          </p:nvPr>
+        </p:nvSpPr>
+        <p:spPr>
+          <a:xfrm>
+            <a:off x="530352" y="2704664"/>
+            <a:ext cx="7772400" cy="1509712"/>
           </a:xfrm>
         </p:spPr>
         <p:txBody>
-          <a:bodyPr anchor="t"/>
-          <a:lstStyle>
-            <a:lvl1pPr algn="l">
-              <a:defRPr sz="4000" b="1" cap="all"/>
-            </a:lvl1pPr>
-          </a:lstStyle>
-          <a:p>
-            <a:r>
-              <a:rPr lang="zh-CN" altLang="en-US" smtClean="0"/>
-              <a:t>单击此处编辑母版标题样式</a:t>
-            </a:r>
-            <a:endParaRPr lang="zh-CN" altLang="en-US"/>
-          </a:p>
-        </p:txBody>
-      </p:sp>
-      <p:sp>
-        <p:nvSpPr>
-          <p:cNvPr id="3" name="文本占位符 2"/>
-          <p:cNvSpPr>
-            <a:spLocks noGrp="1"/>
-          </p:cNvSpPr>
-          <p:nvPr>
-            <p:ph type="body" idx="1"/>
-          </p:nvPr>
-        </p:nvSpPr>
-        <p:spPr>
-          <a:xfrm>
-            <a:off x="722313" y="2906713"/>
-            <a:ext cx="7772400" cy="1500187"/>
-          </a:xfrm>
-        </p:spPr>
-        <p:txBody>
-          <a:bodyPr anchor="b"/>
+          <a:bodyPr lIns="45720" rIns="45720" anchor="t"/>
           <a:lstStyle>
             <a:lvl1pPr marL="0" indent="0">
               <a:buNone/>
-              <a:defRPr sz="2000">
+              <a:defRPr sz="2200">
                 <a:solidFill>
-                  <a:schemeClr val="tx1">
-                    <a:tint val="75000"/>
-                  </a:schemeClr>
+                  <a:schemeClr val="tx1"/>
                 </a:solidFill>
               </a:defRPr>
             </a:lvl1pPr>
-            <a:lvl2pPr marL="457200" indent="0">
+            <a:lvl2pPr>
               <a:buNone/>
               <a:defRPr sz="1800">
                 <a:solidFill>
@@ -961,7 +997,7 @@
                 </a:solidFill>
               </a:defRPr>
             </a:lvl2pPr>
-            <a:lvl3pPr marL="914400" indent="0">
+            <a:lvl3pPr>
               <a:buNone/>
               <a:defRPr sz="1600">
                 <a:solidFill>
@@ -971,7 +1007,7 @@
                 </a:solidFill>
               </a:defRPr>
             </a:lvl3pPr>
-            <a:lvl4pPr marL="1371600" indent="0">
+            <a:lvl4pPr>
               <a:buNone/>
               <a:defRPr sz="1400">
                 <a:solidFill>
@@ -981,7 +1017,7 @@
                 </a:solidFill>
               </a:defRPr>
             </a:lvl4pPr>
-            <a:lvl5pPr marL="1828800" indent="0">
+            <a:lvl5pPr>
               <a:buNone/>
               <a:defRPr sz="1400">
                 <a:solidFill>
@@ -991,51 +1027,11 @@
                 </a:solidFill>
               </a:defRPr>
             </a:lvl5pPr>
-            <a:lvl6pPr marL="2286000" indent="0">
-              <a:buNone/>
-              <a:defRPr sz="1400">
-                <a:solidFill>
-                  <a:schemeClr val="tx1">
-                    <a:tint val="75000"/>
-                  </a:schemeClr>
-                </a:solidFill>
-              </a:defRPr>
-            </a:lvl6pPr>
-            <a:lvl7pPr marL="2743200" indent="0">
-              <a:buNone/>
-              <a:defRPr sz="1400">
-                <a:solidFill>
-                  <a:schemeClr val="tx1">
-                    <a:tint val="75000"/>
-                  </a:schemeClr>
-                </a:solidFill>
-              </a:defRPr>
-            </a:lvl7pPr>
-            <a:lvl8pPr marL="3200400" indent="0">
-              <a:buNone/>
-              <a:defRPr sz="1400">
-                <a:solidFill>
-                  <a:schemeClr val="tx1">
-                    <a:tint val="75000"/>
-                  </a:schemeClr>
-                </a:solidFill>
-              </a:defRPr>
-            </a:lvl8pPr>
-            <a:lvl9pPr marL="3657600" indent="0">
-              <a:buNone/>
-              <a:defRPr sz="1400">
-                <a:solidFill>
-                  <a:schemeClr val="tx1">
-                    <a:tint val="75000"/>
-                  </a:schemeClr>
-                </a:solidFill>
-              </a:defRPr>
-            </a:lvl9pPr>
           </a:lstStyle>
           <a:p>
-            <a:pPr lvl="0"/>
-            <a:r>
-              <a:rPr lang="zh-CN" altLang="en-US" smtClean="0"/>
+            <a:pPr lvl="0" eaLnBrk="1" latinLnBrk="0" hangingPunct="1"/>
+            <a:r>
+              <a:rPr kumimoji="0" lang="zh-CN" altLang="en-US" smtClean="0"/>
               <a:t>单击此处编辑母版文本样式</a:t>
             </a:r>
           </a:p>
@@ -1111,7 +1107,7 @@
     </p:spTree>
   </p:cSld>
   <p:clrMapOvr>
-    <a:masterClrMapping/>
+    <a:overrideClrMapping bg1="dk1" tx1="lt1" bg2="dk2" tx2="lt2" accent1="accent1" accent2="accent2" accent3="accent3" accent4="accent4" accent5="accent5" accent6="accent6" hlink="hlink" folHlink="folHlink"/>
   </p:clrMapOvr>
 </p:sldLayout>
 </file>
@@ -1143,40 +1139,45 @@
             <p:ph type="title"/>
           </p:nvPr>
         </p:nvSpPr>
-        <p:spPr/>
-        <p:txBody>
-          <a:bodyPr/>
-          <a:lstStyle/>
-          <a:p>
-            <a:r>
-              <a:rPr lang="zh-CN" altLang="en-US" smtClean="0"/>
-              <a:t>单击此处编辑母版标题样式</a:t>
-            </a:r>
-            <a:endParaRPr lang="zh-CN" altLang="en-US"/>
-          </a:p>
-        </p:txBody>
-      </p:sp>
-      <p:sp>
-        <p:nvSpPr>
-          <p:cNvPr id="3" name="内容占位符 2"/>
-          <p:cNvSpPr>
-            <a:spLocks noGrp="1"/>
-          </p:cNvSpPr>
-          <p:nvPr>
-            <p:ph sz="half" idx="1"/>
-          </p:nvPr>
-        </p:nvSpPr>
         <p:spPr>
           <a:xfrm>
-            <a:off x="457200" y="1600200"/>
-            <a:ext cx="4038600" cy="4525963"/>
+            <a:off x="457200" y="704088"/>
+            <a:ext cx="8229600" cy="1143000"/>
+          </a:xfrm>
+        </p:spPr>
+        <p:txBody>
+          <a:bodyPr/>
+          <a:lstStyle/>
+          <a:p>
+            <a:r>
+              <a:rPr kumimoji="0" lang="zh-CN" altLang="en-US" smtClean="0"/>
+              <a:t>单击此处编辑母版标题样式</a:t>
+            </a:r>
+            <a:endParaRPr kumimoji="0" lang="en-US"/>
+          </a:p>
+        </p:txBody>
+      </p:sp>
+      <p:sp>
+        <p:nvSpPr>
+          <p:cNvPr id="3" name="内容占位符 2"/>
+          <p:cNvSpPr>
+            <a:spLocks noGrp="1"/>
+          </p:cNvSpPr>
+          <p:nvPr>
+            <p:ph sz="half" idx="1"/>
+          </p:nvPr>
+        </p:nvSpPr>
+        <p:spPr>
+          <a:xfrm>
+            <a:off x="457200" y="1920085"/>
+            <a:ext cx="4038600" cy="4434840"/>
           </a:xfrm>
         </p:spPr>
         <p:txBody>
           <a:bodyPr/>
           <a:lstStyle>
             <a:lvl1pPr>
-              <a:defRPr sz="2800"/>
+              <a:defRPr sz="2600"/>
             </a:lvl1pPr>
             <a:lvl2pPr>
               <a:defRPr sz="2400"/>
@@ -1190,54 +1191,42 @@
             <a:lvl5pPr>
               <a:defRPr sz="1800"/>
             </a:lvl5pPr>
-            <a:lvl6pPr>
-              <a:defRPr sz="1800"/>
-            </a:lvl6pPr>
-            <a:lvl7pPr>
-              <a:defRPr sz="1800"/>
-            </a:lvl7pPr>
-            <a:lvl8pPr>
-              <a:defRPr sz="1800"/>
-            </a:lvl8pPr>
-            <a:lvl9pPr>
-              <a:defRPr sz="1800"/>
-            </a:lvl9pPr>
           </a:lstStyle>
           <a:p>
-            <a:pPr lvl="0"/>
+            <a:pPr lvl="0" eaLnBrk="1" latinLnBrk="0" hangingPunct="1"/>
             <a:r>
               <a:rPr lang="zh-CN" altLang="en-US" smtClean="0"/>
               <a:t>单击此处编辑母版文本样式</a:t>
             </a:r>
           </a:p>
           <a:p>
-            <a:pPr lvl="1"/>
+            <a:pPr lvl="1" eaLnBrk="1" latinLnBrk="0" hangingPunct="1"/>
             <a:r>
               <a:rPr lang="zh-CN" altLang="en-US" smtClean="0"/>
               <a:t>第二级</a:t>
             </a:r>
           </a:p>
           <a:p>
-            <a:pPr lvl="2"/>
+            <a:pPr lvl="2" eaLnBrk="1" latinLnBrk="0" hangingPunct="1"/>
             <a:r>
               <a:rPr lang="zh-CN" altLang="en-US" smtClean="0"/>
               <a:t>第三级</a:t>
             </a:r>
           </a:p>
           <a:p>
-            <a:pPr lvl="3"/>
+            <a:pPr lvl="3" eaLnBrk="1" latinLnBrk="0" hangingPunct="1"/>
             <a:r>
               <a:rPr lang="zh-CN" altLang="en-US" smtClean="0"/>
               <a:t>第四级</a:t>
             </a:r>
           </a:p>
           <a:p>
-            <a:pPr lvl="4"/>
+            <a:pPr lvl="4" eaLnBrk="1" latinLnBrk="0" hangingPunct="1"/>
             <a:r>
               <a:rPr lang="zh-CN" altLang="en-US" smtClean="0"/>
               <a:t>第五级</a:t>
             </a:r>
-            <a:endParaRPr lang="zh-CN" altLang="en-US"/>
+            <a:endParaRPr kumimoji="0" lang="en-US"/>
           </a:p>
         </p:txBody>
       </p:sp>
@@ -1253,15 +1242,15 @@
         </p:nvSpPr>
         <p:spPr>
           <a:xfrm>
-            <a:off x="4648200" y="1600200"/>
-            <a:ext cx="4038600" cy="4525963"/>
+            <a:off x="4648200" y="1920085"/>
+            <a:ext cx="4038600" cy="4434840"/>
           </a:xfrm>
         </p:spPr>
         <p:txBody>
           <a:bodyPr/>
           <a:lstStyle>
             <a:lvl1pPr>
-              <a:defRPr sz="2800"/>
+              <a:defRPr sz="2600"/>
             </a:lvl1pPr>
             <a:lvl2pPr>
               <a:defRPr sz="2400"/>
@@ -1275,54 +1264,42 @@
             <a:lvl5pPr>
               <a:defRPr sz="1800"/>
             </a:lvl5pPr>
-            <a:lvl6pPr>
-              <a:defRPr sz="1800"/>
-            </a:lvl6pPr>
-            <a:lvl7pPr>
-              <a:defRPr sz="1800"/>
-            </a:lvl7pPr>
-            <a:lvl8pPr>
-              <a:defRPr sz="1800"/>
-            </a:lvl8pPr>
-            <a:lvl9pPr>
-              <a:defRPr sz="1800"/>
-            </a:lvl9pPr>
           </a:lstStyle>
           <a:p>
-            <a:pPr lvl="0"/>
+            <a:pPr lvl="0" eaLnBrk="1" latinLnBrk="0" hangingPunct="1"/>
             <a:r>
               <a:rPr lang="zh-CN" altLang="en-US" smtClean="0"/>
               <a:t>单击此处编辑母版文本样式</a:t>
             </a:r>
           </a:p>
           <a:p>
-            <a:pPr lvl="1"/>
+            <a:pPr lvl="1" eaLnBrk="1" latinLnBrk="0" hangingPunct="1"/>
             <a:r>
               <a:rPr lang="zh-CN" altLang="en-US" smtClean="0"/>
               <a:t>第二级</a:t>
             </a:r>
           </a:p>
           <a:p>
-            <a:pPr lvl="2"/>
+            <a:pPr lvl="2" eaLnBrk="1" latinLnBrk="0" hangingPunct="1"/>
             <a:r>
               <a:rPr lang="zh-CN" altLang="en-US" smtClean="0"/>
               <a:t>第三级</a:t>
             </a:r>
           </a:p>
           <a:p>
-            <a:pPr lvl="3"/>
+            <a:pPr lvl="3" eaLnBrk="1" latinLnBrk="0" hangingPunct="1"/>
             <a:r>
               <a:rPr lang="zh-CN" altLang="en-US" smtClean="0"/>
               <a:t>第四级</a:t>
             </a:r>
           </a:p>
           <a:p>
-            <a:pPr lvl="4"/>
+            <a:pPr lvl="4" eaLnBrk="1" latinLnBrk="0" hangingPunct="1"/>
             <a:r>
               <a:rPr lang="zh-CN" altLang="en-US" smtClean="0"/>
               <a:t>第五级</a:t>
             </a:r>
-            <a:endParaRPr lang="zh-CN" altLang="en-US"/>
+            <a:endParaRPr kumimoji="0" lang="en-US"/>
           </a:p>
         </p:txBody>
       </p:sp>
@@ -1428,9 +1405,14 @@
             <p:ph type="title"/>
           </p:nvPr>
         </p:nvSpPr>
-        <p:spPr/>
-        <p:txBody>
-          <a:bodyPr/>
+        <p:spPr>
+          <a:xfrm>
+            <a:off x="457200" y="704088"/>
+            <a:ext cx="8229600" cy="1143000"/>
+          </a:xfrm>
+        </p:spPr>
+        <p:txBody>
+          <a:bodyPr tIns="45720" anchor="b"/>
           <a:lstStyle>
             <a:lvl1pPr>
               <a:defRPr/>
@@ -1438,10 +1420,10 @@
           </a:lstStyle>
           <a:p>
             <a:r>
-              <a:rPr lang="zh-CN" altLang="en-US" smtClean="0"/>
+              <a:rPr kumimoji="0" lang="zh-CN" altLang="en-US" smtClean="0"/>
               <a:t>单击此处编辑母版标题样式</a:t>
             </a:r>
-            <a:endParaRPr lang="zh-CN" altLang="en-US"/>
+            <a:endParaRPr kumimoji="0" lang="en-US"/>
           </a:p>
         </p:txBody>
       </p:sp>
@@ -1457,54 +1439,99 @@
         </p:nvSpPr>
         <p:spPr>
           <a:xfrm>
-            <a:off x="457200" y="1535113"/>
-            <a:ext cx="4040188" cy="639762"/>
+            <a:off x="457200" y="1855248"/>
+            <a:ext cx="4040188" cy="659352"/>
           </a:xfrm>
         </p:spPr>
         <p:txBody>
-          <a:bodyPr anchor="b"/>
+          <a:bodyPr lIns="45720" tIns="0" rIns="45720" bIns="0" anchor="ctr">
+            <a:noAutofit/>
+          </a:bodyPr>
           <a:lstStyle>
             <a:lvl1pPr marL="0" indent="0">
               <a:buNone/>
-              <a:defRPr sz="2400" b="1"/>
+              <a:defRPr sz="2400" b="1" cap="none" baseline="0">
+                <a:solidFill>
+                  <a:schemeClr val="tx2"/>
+                </a:solidFill>
+                <a:effectLst/>
+              </a:defRPr>
             </a:lvl1pPr>
-            <a:lvl2pPr marL="457200" indent="0">
+            <a:lvl2pPr>
               <a:buNone/>
               <a:defRPr sz="2000" b="1"/>
             </a:lvl2pPr>
-            <a:lvl3pPr marL="914400" indent="0">
+            <a:lvl3pPr>
               <a:buNone/>
               <a:defRPr sz="1800" b="1"/>
             </a:lvl3pPr>
-            <a:lvl4pPr marL="1371600" indent="0">
+            <a:lvl4pPr>
               <a:buNone/>
               <a:defRPr sz="1600" b="1"/>
             </a:lvl4pPr>
-            <a:lvl5pPr marL="1828800" indent="0">
+            <a:lvl5pPr>
               <a:buNone/>
               <a:defRPr sz="1600" b="1"/>
             </a:lvl5pPr>
-            <a:lvl6pPr marL="2286000" indent="0">
+          </a:lstStyle>
+          <a:p>
+            <a:pPr lvl="0" eaLnBrk="1" latinLnBrk="0" hangingPunct="1"/>
+            <a:r>
+              <a:rPr kumimoji="0" lang="zh-CN" altLang="en-US" smtClean="0"/>
+              <a:t>单击此处编辑母版文本样式</a:t>
+            </a:r>
+          </a:p>
+        </p:txBody>
+      </p:sp>
+      <p:sp>
+        <p:nvSpPr>
+          <p:cNvPr id="4" name="文本占位符 3"/>
+          <p:cNvSpPr>
+            <a:spLocks noGrp="1"/>
+          </p:cNvSpPr>
+          <p:nvPr>
+            <p:ph type="body" sz="half" idx="3"/>
+          </p:nvPr>
+        </p:nvSpPr>
+        <p:spPr>
+          <a:xfrm>
+            <a:off x="4645025" y="1859757"/>
+            <a:ext cx="4041775" cy="654843"/>
+          </a:xfrm>
+        </p:spPr>
+        <p:txBody>
+          <a:bodyPr lIns="45720" tIns="0" rIns="45720" bIns="0" anchor="ctr"/>
+          <a:lstStyle>
+            <a:lvl1pPr marL="0" indent="0">
+              <a:buNone/>
+              <a:defRPr sz="2400" b="1" cap="none" baseline="0">
+                <a:solidFill>
+                  <a:schemeClr val="tx2"/>
+                </a:solidFill>
+                <a:effectLst/>
+              </a:defRPr>
+            </a:lvl1pPr>
+            <a:lvl2pPr>
+              <a:buNone/>
+              <a:defRPr sz="2000" b="1"/>
+            </a:lvl2pPr>
+            <a:lvl3pPr>
+              <a:buNone/>
+              <a:defRPr sz="1800" b="1"/>
+            </a:lvl3pPr>
+            <a:lvl4pPr>
               <a:buNone/>
               <a:defRPr sz="1600" b="1"/>
-            </a:lvl6pPr>
-            <a:lvl7pPr marL="2743200" indent="0">
+            </a:lvl4pPr>
+            <a:lvl5pPr>
               <a:buNone/>
               <a:defRPr sz="1600" b="1"/>
-            </a:lvl7pPr>
-            <a:lvl8pPr marL="3200400" indent="0">
-              <a:buNone/>
-              <a:defRPr sz="1600" b="1"/>
-            </a:lvl8pPr>
-            <a:lvl9pPr marL="3657600" indent="0">
-              <a:buNone/>
-              <a:defRPr sz="1600" b="1"/>
-            </a:lvl9pPr>
+            </a:lvl5pPr>
           </a:lstStyle>
           <a:p>
-            <a:pPr lvl="0"/>
-            <a:r>
-              <a:rPr lang="zh-CN" altLang="en-US" smtClean="0"/>
+            <a:pPr lvl="0" eaLnBrk="1" latinLnBrk="0" hangingPunct="1"/>
+            <a:r>
+              <a:rPr kumimoji="0" lang="zh-CN" altLang="en-US" smtClean="0"/>
               <a:t>单击此处编辑母版文本样式</a:t>
             </a:r>
           </a:p>
@@ -1512,25 +1539,25 @@
       </p:sp>
       <p:sp>
         <p:nvSpPr>
-          <p:cNvPr id="4" name="内容占位符 3"/>
-          <p:cNvSpPr>
-            <a:spLocks noGrp="1"/>
-          </p:cNvSpPr>
-          <p:nvPr>
-            <p:ph sz="half" idx="2"/>
+          <p:cNvPr id="5" name="内容占位符 4"/>
+          <p:cNvSpPr>
+            <a:spLocks noGrp="1"/>
+          </p:cNvSpPr>
+          <p:nvPr>
+            <p:ph sz="quarter" idx="2"/>
           </p:nvPr>
         </p:nvSpPr>
         <p:spPr>
           <a:xfrm>
-            <a:off x="457200" y="2174875"/>
-            <a:ext cx="4040188" cy="3951288"/>
+            <a:off x="457200" y="2514600"/>
+            <a:ext cx="4040188" cy="3845720"/>
           </a:xfrm>
         </p:spPr>
         <p:txBody>
-          <a:bodyPr/>
+          <a:bodyPr tIns="0"/>
           <a:lstStyle>
             <a:lvl1pPr>
-              <a:defRPr sz="2400"/>
+              <a:defRPr sz="2200"/>
             </a:lvl1pPr>
             <a:lvl2pPr>
               <a:defRPr sz="2000"/>
@@ -1544,143 +1571,66 @@
             <a:lvl5pPr>
               <a:defRPr sz="1600"/>
             </a:lvl5pPr>
-            <a:lvl6pPr>
-              <a:defRPr sz="1600"/>
-            </a:lvl6pPr>
-            <a:lvl7pPr>
-              <a:defRPr sz="1600"/>
-            </a:lvl7pPr>
-            <a:lvl8pPr>
-              <a:defRPr sz="1600"/>
-            </a:lvl8pPr>
-            <a:lvl9pPr>
-              <a:defRPr sz="1600"/>
-            </a:lvl9pPr>
           </a:lstStyle>
           <a:p>
-            <a:pPr lvl="0"/>
+            <a:pPr lvl="0" eaLnBrk="1" latinLnBrk="0" hangingPunct="1"/>
             <a:r>
               <a:rPr lang="zh-CN" altLang="en-US" smtClean="0"/>
               <a:t>单击此处编辑母版文本样式</a:t>
             </a:r>
           </a:p>
           <a:p>
-            <a:pPr lvl="1"/>
+            <a:pPr lvl="1" eaLnBrk="1" latinLnBrk="0" hangingPunct="1"/>
             <a:r>
               <a:rPr lang="zh-CN" altLang="en-US" smtClean="0"/>
               <a:t>第二级</a:t>
             </a:r>
           </a:p>
           <a:p>
-            <a:pPr lvl="2"/>
+            <a:pPr lvl="2" eaLnBrk="1" latinLnBrk="0" hangingPunct="1"/>
             <a:r>
               <a:rPr lang="zh-CN" altLang="en-US" smtClean="0"/>
               <a:t>第三级</a:t>
             </a:r>
           </a:p>
           <a:p>
-            <a:pPr lvl="3"/>
+            <a:pPr lvl="3" eaLnBrk="1" latinLnBrk="0" hangingPunct="1"/>
             <a:r>
               <a:rPr lang="zh-CN" altLang="en-US" smtClean="0"/>
               <a:t>第四级</a:t>
             </a:r>
           </a:p>
           <a:p>
-            <a:pPr lvl="4"/>
+            <a:pPr lvl="4" eaLnBrk="1" latinLnBrk="0" hangingPunct="1"/>
             <a:r>
               <a:rPr lang="zh-CN" altLang="en-US" smtClean="0"/>
               <a:t>第五级</a:t>
             </a:r>
-            <a:endParaRPr lang="zh-CN" altLang="en-US"/>
-          </a:p>
-        </p:txBody>
-      </p:sp>
-      <p:sp>
-        <p:nvSpPr>
-          <p:cNvPr id="5" name="文本占位符 4"/>
-          <p:cNvSpPr>
-            <a:spLocks noGrp="1"/>
-          </p:cNvSpPr>
-          <p:nvPr>
-            <p:ph type="body" sz="quarter" idx="3"/>
+            <a:endParaRPr kumimoji="0" lang="en-US"/>
+          </a:p>
+        </p:txBody>
+      </p:sp>
+      <p:sp>
+        <p:nvSpPr>
+          <p:cNvPr id="6" name="内容占位符 5"/>
+          <p:cNvSpPr>
+            <a:spLocks noGrp="1"/>
+          </p:cNvSpPr>
+          <p:nvPr>
+            <p:ph sz="quarter" idx="4"/>
           </p:nvPr>
         </p:nvSpPr>
         <p:spPr>
           <a:xfrm>
-            <a:off x="4645025" y="1535113"/>
-            <a:ext cx="4041775" cy="639762"/>
+            <a:off x="4645025" y="2514600"/>
+            <a:ext cx="4041775" cy="3845720"/>
           </a:xfrm>
         </p:spPr>
         <p:txBody>
-          <a:bodyPr anchor="b"/>
-          <a:lstStyle>
-            <a:lvl1pPr marL="0" indent="0">
-              <a:buNone/>
-              <a:defRPr sz="2400" b="1"/>
-            </a:lvl1pPr>
-            <a:lvl2pPr marL="457200" indent="0">
-              <a:buNone/>
-              <a:defRPr sz="2000" b="1"/>
-            </a:lvl2pPr>
-            <a:lvl3pPr marL="914400" indent="0">
-              <a:buNone/>
-              <a:defRPr sz="1800" b="1"/>
-            </a:lvl3pPr>
-            <a:lvl4pPr marL="1371600" indent="0">
-              <a:buNone/>
-              <a:defRPr sz="1600" b="1"/>
-            </a:lvl4pPr>
-            <a:lvl5pPr marL="1828800" indent="0">
-              <a:buNone/>
-              <a:defRPr sz="1600" b="1"/>
-            </a:lvl5pPr>
-            <a:lvl6pPr marL="2286000" indent="0">
-              <a:buNone/>
-              <a:defRPr sz="1600" b="1"/>
-            </a:lvl6pPr>
-            <a:lvl7pPr marL="2743200" indent="0">
-              <a:buNone/>
-              <a:defRPr sz="1600" b="1"/>
-            </a:lvl7pPr>
-            <a:lvl8pPr marL="3200400" indent="0">
-              <a:buNone/>
-              <a:defRPr sz="1600" b="1"/>
-            </a:lvl8pPr>
-            <a:lvl9pPr marL="3657600" indent="0">
-              <a:buNone/>
-              <a:defRPr sz="1600" b="1"/>
-            </a:lvl9pPr>
-          </a:lstStyle>
-          <a:p>
-            <a:pPr lvl="0"/>
-            <a:r>
-              <a:rPr lang="zh-CN" altLang="en-US" smtClean="0"/>
-              <a:t>单击此处编辑母版文本样式</a:t>
-            </a:r>
-          </a:p>
-        </p:txBody>
-      </p:sp>
-      <p:sp>
-        <p:nvSpPr>
-          <p:cNvPr id="6" name="内容占位符 5"/>
-          <p:cNvSpPr>
-            <a:spLocks noGrp="1"/>
-          </p:cNvSpPr>
-          <p:nvPr>
-            <p:ph sz="quarter" idx="4"/>
-          </p:nvPr>
-        </p:nvSpPr>
-        <p:spPr>
-          <a:xfrm>
-            <a:off x="4645025" y="2174875"/>
-            <a:ext cx="4041775" cy="3951288"/>
-          </a:xfrm>
-        </p:spPr>
-        <p:txBody>
-          <a:bodyPr/>
+          <a:bodyPr tIns="0"/>
           <a:lstStyle>
             <a:lvl1pPr>
-              <a:defRPr sz="2400"/>
+              <a:defRPr sz="2200"/>
             </a:lvl1pPr>
             <a:lvl2pPr>
               <a:defRPr sz="2000"/>
@@ -1694,54 +1644,42 @@
             <a:lvl5pPr>
               <a:defRPr sz="1600"/>
             </a:lvl5pPr>
-            <a:lvl6pPr>
-              <a:defRPr sz="1600"/>
-            </a:lvl6pPr>
-            <a:lvl7pPr>
-              <a:defRPr sz="1600"/>
-            </a:lvl7pPr>
-            <a:lvl8pPr>
-              <a:defRPr sz="1600"/>
-            </a:lvl8pPr>
-            <a:lvl9pPr>
-              <a:defRPr sz="1600"/>
-            </a:lvl9pPr>
           </a:lstStyle>
           <a:p>
-            <a:pPr lvl="0"/>
+            <a:pPr lvl="0" eaLnBrk="1" latinLnBrk="0" hangingPunct="1"/>
             <a:r>
               <a:rPr lang="zh-CN" altLang="en-US" smtClean="0"/>
               <a:t>单击此处编辑母版文本样式</a:t>
             </a:r>
           </a:p>
           <a:p>
-            <a:pPr lvl="1"/>
+            <a:pPr lvl="1" eaLnBrk="1" latinLnBrk="0" hangingPunct="1"/>
             <a:r>
               <a:rPr lang="zh-CN" altLang="en-US" smtClean="0"/>
               <a:t>第二级</a:t>
             </a:r>
           </a:p>
           <a:p>
-            <a:pPr lvl="2"/>
+            <a:pPr lvl="2" eaLnBrk="1" latinLnBrk="0" hangingPunct="1"/>
             <a:r>
               <a:rPr lang="zh-CN" altLang="en-US" smtClean="0"/>
               <a:t>第三级</a:t>
             </a:r>
           </a:p>
           <a:p>
-            <a:pPr lvl="3"/>
+            <a:pPr lvl="3" eaLnBrk="1" latinLnBrk="0" hangingPunct="1"/>
             <a:r>
               <a:rPr lang="zh-CN" altLang="en-US" smtClean="0"/>
               <a:t>第四级</a:t>
             </a:r>
           </a:p>
           <a:p>
-            <a:pPr lvl="4"/>
+            <a:pPr lvl="4" eaLnBrk="1" latinLnBrk="0" hangingPunct="1"/>
             <a:r>
               <a:rPr lang="zh-CN" altLang="en-US" smtClean="0"/>
               <a:t>第五级</a:t>
             </a:r>
-            <a:endParaRPr lang="zh-CN" altLang="en-US"/>
+            <a:endParaRPr kumimoji="0" lang="en-US"/>
           </a:p>
         </p:txBody>
       </p:sp>
@@ -1847,16 +1785,53 @@
             <p:ph type="title"/>
           </p:nvPr>
         </p:nvSpPr>
-        <p:spPr/>
-        <p:txBody>
-          <a:bodyPr/>
-          <a:lstStyle/>
-          <a:p>
-            <a:r>
-              <a:rPr lang="zh-CN" altLang="en-US" smtClean="0"/>
+        <p:spPr>
+          <a:xfrm>
+            <a:off x="457200" y="704088"/>
+            <a:ext cx="8305800" cy="1143000"/>
+          </a:xfrm>
+        </p:spPr>
+        <p:txBody>
+          <a:bodyPr vert="horz" tIns="45720" bIns="0" anchor="b">
+            <a:normAutofit/>
+            <a:scene3d>
+              <a:camera prst="orthographicFront"/>
+              <a:lightRig rig="freezing" dir="t">
+                <a:rot lat="0" lon="0" rev="5640000"/>
+              </a:lightRig>
+            </a:scene3d>
+            <a:sp3d prstMaterial="flat">
+              <a:contourClr>
+                <a:schemeClr val="tx2"/>
+              </a:contourClr>
+            </a:sp3d>
+          </a:bodyPr>
+          <a:lstStyle>
+            <a:lvl1pPr algn="l" rtl="0">
+              <a:spcBef>
+                <a:spcPct val="0"/>
+              </a:spcBef>
+              <a:buNone/>
+              <a:defRPr sz="5000" b="0">
+                <a:ln>
+                  <a:noFill/>
+                </a:ln>
+                <a:solidFill>
+                  <a:schemeClr val="tx2"/>
+                </a:solidFill>
+                <a:effectLst/>
+                <a:latin typeface="+mj-lt"/>
+                <a:ea typeface="+mj-ea"/>
+                <a:cs typeface="+mj-cs"/>
+              </a:defRPr>
+            </a:lvl1pPr>
+          </a:lstStyle>
+          <a:p>
+            <a:r>
+              <a:rPr kumimoji="0" lang="zh-CN" altLang="en-US" smtClean="0"/>
               <a:t>单击此处编辑母版标题样式</a:t>
             </a:r>
-            <a:endParaRPr lang="zh-CN" altLang="en-US"/>
+            <a:endParaRPr kumimoji="0" lang="en-US"/>
           </a:p>
         </p:txBody>
       </p:sp>
@@ -2056,50 +2031,116 @@
         </p:nvSpPr>
         <p:spPr>
           <a:xfrm>
-            <a:off x="457200" y="273050"/>
-            <a:ext cx="3008313" cy="1162050"/>
+            <a:off x="685800" y="514352"/>
+            <a:ext cx="2743200" cy="1162050"/>
           </a:xfrm>
         </p:spPr>
         <p:txBody>
-          <a:bodyPr anchor="b"/>
+          <a:bodyPr lIns="0" anchor="b">
+            <a:noAutofit/>
+          </a:bodyPr>
           <a:lstStyle>
-            <a:lvl1pPr algn="l">
-              <a:defRPr sz="2000" b="1"/>
+            <a:lvl1pPr algn="l" rtl="0">
+              <a:spcBef>
+                <a:spcPct val="0"/>
+              </a:spcBef>
+              <a:buNone/>
+              <a:defRPr sz="2600" b="0">
+                <a:ln>
+                  <a:noFill/>
+                </a:ln>
+                <a:solidFill>
+                  <a:schemeClr val="tx2"/>
+                </a:solidFill>
+                <a:effectLst/>
+                <a:latin typeface="+mj-lt"/>
+                <a:ea typeface="+mj-ea"/>
+                <a:cs typeface="+mj-cs"/>
+              </a:defRPr>
             </a:lvl1pPr>
           </a:lstStyle>
           <a:p>
             <a:r>
-              <a:rPr lang="zh-CN" altLang="en-US" smtClean="0"/>
+              <a:rPr kumimoji="0" lang="zh-CN" altLang="en-US" smtClean="0"/>
               <a:t>单击此处编辑母版标题样式</a:t>
             </a:r>
-            <a:endParaRPr lang="zh-CN" altLang="en-US"/>
-          </a:p>
-        </p:txBody>
-      </p:sp>
-      <p:sp>
-        <p:nvSpPr>
-          <p:cNvPr id="3" name="内容占位符 2"/>
-          <p:cNvSpPr>
-            <a:spLocks noGrp="1"/>
-          </p:cNvSpPr>
-          <p:nvPr>
-            <p:ph idx="1"/>
+            <a:endParaRPr kumimoji="0" lang="en-US"/>
+          </a:p>
+        </p:txBody>
+      </p:sp>
+      <p:sp>
+        <p:nvSpPr>
+          <p:cNvPr id="3" name="文本占位符 2"/>
+          <p:cNvSpPr>
+            <a:spLocks noGrp="1"/>
+          </p:cNvSpPr>
+          <p:nvPr>
+            <p:ph type="body" idx="2"/>
           </p:nvPr>
         </p:nvSpPr>
         <p:spPr>
           <a:xfrm>
-            <a:off x="3575050" y="273050"/>
-            <a:ext cx="5111750" cy="5853113"/>
+            <a:off x="685800" y="1676400"/>
+            <a:ext cx="2743200" cy="4572000"/>
           </a:xfrm>
         </p:spPr>
         <p:txBody>
-          <a:bodyPr/>
+          <a:bodyPr lIns="18288" rIns="18288"/>
+          <a:lstStyle>
+            <a:lvl1pPr marL="0" indent="0" algn="l">
+              <a:buNone/>
+              <a:defRPr sz="1400"/>
+            </a:lvl1pPr>
+            <a:lvl2pPr indent="0" algn="l">
+              <a:buNone/>
+              <a:defRPr sz="1200"/>
+            </a:lvl2pPr>
+            <a:lvl3pPr indent="0" algn="l">
+              <a:buNone/>
+              <a:defRPr sz="1000"/>
+            </a:lvl3pPr>
+            <a:lvl4pPr indent="0" algn="l">
+              <a:buNone/>
+              <a:defRPr sz="900"/>
+            </a:lvl4pPr>
+            <a:lvl5pPr indent="0" algn="l">
+              <a:buNone/>
+              <a:defRPr sz="900"/>
+            </a:lvl5pPr>
+          </a:lstStyle>
+          <a:p>
+            <a:pPr lvl="0" eaLnBrk="1" latinLnBrk="0" hangingPunct="1"/>
+            <a:r>
+              <a:rPr kumimoji="0" lang="zh-CN" altLang="en-US" smtClean="0"/>
+              <a:t>单击此处编辑母版文本样式</a:t>
+            </a:r>
+          </a:p>
+        </p:txBody>
+      </p:sp>
+      <p:sp>
+        <p:nvSpPr>
+          <p:cNvPr id="4" name="内容占位符 3"/>
+          <p:cNvSpPr>
+            <a:spLocks noGrp="1"/>
+          </p:cNvSpPr>
+          <p:nvPr>
+            <p:ph sz="half" idx="1"/>
+          </p:nvPr>
+        </p:nvSpPr>
+        <p:spPr>
+          <a:xfrm>
+            <a:off x="3575050" y="1676400"/>
+            <a:ext cx="5111750" cy="4572000"/>
+          </a:xfrm>
+        </p:spPr>
+        <p:txBody>
+          <a:bodyPr tIns="0"/>
           <a:lstStyle>
             <a:lvl1pPr>
-              <a:defRPr sz="3200"/>
+              <a:defRPr sz="2800"/>
             </a:lvl1pPr>
             <a:lvl2pPr>
-              <a:defRPr sz="2800"/>
+              <a:defRPr sz="2600"/>
             </a:lvl2pPr>
             <a:lvl3pPr>
               <a:defRPr sz="2400"/>
@@ -2108,121 +2149,44 @@
               <a:defRPr sz="2000"/>
             </a:lvl4pPr>
             <a:lvl5pPr>
-              <a:defRPr sz="2000"/>
+              <a:defRPr sz="1800"/>
             </a:lvl5pPr>
-            <a:lvl6pPr>
-              <a:defRPr sz="2000"/>
-            </a:lvl6pPr>
-            <a:lvl7pPr>
-              <a:defRPr sz="2000"/>
-            </a:lvl7pPr>
-            <a:lvl8pPr>
-              <a:defRPr sz="2000"/>
-            </a:lvl8pPr>
-            <a:lvl9pPr>
-              <a:defRPr sz="2000"/>
-            </a:lvl9pPr>
           </a:lstStyle>
           <a:p>
-            <a:pPr lvl="0"/>
+            <a:pPr lvl="0" eaLnBrk="1" latinLnBrk="0" hangingPunct="1"/>
             <a:r>
               <a:rPr lang="zh-CN" altLang="en-US" smtClean="0"/>
               <a:t>单击此处编辑母版文本样式</a:t>
             </a:r>
           </a:p>
           <a:p>
-            <a:pPr lvl="1"/>
+            <a:pPr lvl="1" eaLnBrk="1" latinLnBrk="0" hangingPunct="1"/>
             <a:r>
               <a:rPr lang="zh-CN" altLang="en-US" smtClean="0"/>
               <a:t>第二级</a:t>
             </a:r>
           </a:p>
           <a:p>
-            <a:pPr lvl="2"/>
+            <a:pPr lvl="2" eaLnBrk="1" latinLnBrk="0" hangingPunct="1"/>
             <a:r>
               <a:rPr lang="zh-CN" altLang="en-US" smtClean="0"/>
               <a:t>第三级</a:t>
             </a:r>
           </a:p>
           <a:p>
-            <a:pPr lvl="3"/>
+            <a:pPr lvl="3" eaLnBrk="1" latinLnBrk="0" hangingPunct="1"/>
             <a:r>
               <a:rPr lang="zh-CN" altLang="en-US" smtClean="0"/>
               <a:t>第四级</a:t>
             </a:r>
           </a:p>
           <a:p>
-            <a:pPr lvl="4"/>
+            <a:pPr lvl="4" eaLnBrk="1" latinLnBrk="0" hangingPunct="1"/>
             <a:r>
               <a:rPr lang="zh-CN" altLang="en-US" smtClean="0"/>
               <a:t>第五级</a:t>
             </a:r>
-            <a:endParaRPr lang="zh-CN" altLang="en-US"/>
-          </a:p>
-        </p:txBody>
-      </p:sp>
-      <p:sp>
-        <p:nvSpPr>
-          <p:cNvPr id="4" name="文本占位符 3"/>
-          <p:cNvSpPr>
-            <a:spLocks noGrp="1"/>
-          </p:cNvSpPr>
-          <p:nvPr>
-            <p:ph type="body" sz="half" idx="2"/>
-          </p:nvPr>
-        </p:nvSpPr>
-        <p:spPr>
-          <a:xfrm>
-            <a:off x="457200" y="1435100"/>
-            <a:ext cx="3008313" cy="4691063"/>
-          </a:xfrm>
-        </p:spPr>
-        <p:txBody>
-          <a:bodyPr/>
-          <a:lstStyle>
-            <a:lvl1pPr marL="0" indent="0">
-              <a:buNone/>
-              <a:defRPr sz="1400"/>
-            </a:lvl1pPr>
-            <a:lvl2pPr marL="457200" indent="0">
-              <a:buNone/>
-              <a:defRPr sz="1200"/>
-            </a:lvl2pPr>
-            <a:lvl3pPr marL="914400" indent="0">
-              <a:buNone/>
-              <a:defRPr sz="1000"/>
-            </a:lvl3pPr>
-            <a:lvl4pPr marL="1371600" indent="0">
-              <a:buNone/>
-              <a:defRPr sz="900"/>
-            </a:lvl4pPr>
-            <a:lvl5pPr marL="1828800" indent="0">
-              <a:buNone/>
-              <a:defRPr sz="900"/>
-            </a:lvl5pPr>
-            <a:lvl6pPr marL="2286000" indent="0">
-              <a:buNone/>
-              <a:defRPr sz="900"/>
-            </a:lvl6pPr>
-            <a:lvl7pPr marL="2743200" indent="0">
-              <a:buNone/>
-              <a:defRPr sz="900"/>
-            </a:lvl7pPr>
-            <a:lvl8pPr marL="3200400" indent="0">
-              <a:buNone/>
-              <a:defRPr sz="900"/>
-            </a:lvl8pPr>
-            <a:lvl9pPr marL="3657600" indent="0">
-              <a:buNone/>
-              <a:defRPr sz="900"/>
-            </a:lvl9pPr>
-          </a:lstStyle>
-          <a:p>
-            <a:pPr lvl="0"/>
-            <a:r>
-              <a:rPr lang="zh-CN" altLang="en-US" smtClean="0"/>
-              <a:t>单击此处编辑母版文本样式</a:t>
-            </a:r>
+            <a:endParaRPr kumimoji="0" lang="en-US"/>
           </a:p>
         </p:txBody>
       </p:sp>
@@ -2302,7 +2266,7 @@
 </file>
 
 <file path=ppt/slideLayouts/slideLayout9.xml><?xml version="1.0" encoding="utf-8"?>
-<p:sldLayout xmlns:a="http://schemas.openxmlformats.org/drawingml/2006/main" xmlns:r="http://schemas.openxmlformats.org/officeDocument/2006/relationships" xmlns:p="http://schemas.openxmlformats.org/presentationml/2006/main" type="picTx" preserve="1">
+<p:sldLayout xmlns:a="http://schemas.openxmlformats.org/drawingml/2006/main" xmlns:r="http://schemas.openxmlformats.org/officeDocument/2006/relationships" xmlns:p="http://schemas.openxmlformats.org/presentationml/2006/main" showMasterSp="0" type="picTx" preserve="1">
   <p:cSld name="图片与标题">
     <p:spTree>
       <p:nvGrpSpPr>
@@ -2320,6 +2284,118 @@
       </p:grpSpPr>
       <p:sp>
         <p:nvSpPr>
+          <p:cNvPr id="9" name="单圆角矩形 8"/>
+          <p:cNvSpPr/>
+          <p:nvPr/>
+        </p:nvSpPr>
+        <p:spPr>
+          <a:xfrm rot="420000" flipV="1">
+            <a:off x="3165753" y="1108077"/>
+            <a:ext cx="5257800" cy="4114800"/>
+          </a:xfrm>
+          <a:prstGeom prst="snipRoundRect">
+            <a:avLst>
+              <a:gd name="adj1" fmla="val 0"/>
+              <a:gd name="adj2" fmla="val 3646"/>
+            </a:avLst>
+          </a:prstGeom>
+          <a:solidFill>
+            <a:srgbClr val="FFFFFF"/>
+          </a:solidFill>
+          <a:ln w="3175" cap="rnd" cmpd="sng" algn="ctr">
+            <a:solidFill>
+              <a:srgbClr val="C0C0C0"/>
+            </a:solidFill>
+            <a:prstDash val="solid"/>
+          </a:ln>
+          <a:effectLst>
+            <a:outerShdw blurRad="63500" dist="38500" dir="7500000" sx="98500" sy="100080" kx="100000" algn="tl" rotWithShape="0">
+              <a:srgbClr val="000000">
+                <a:alpha val="25000"/>
+              </a:srgbClr>
+            </a:outerShdw>
+          </a:effectLst>
+        </p:spPr>
+        <p:style>
+          <a:lnRef idx="2">
+            <a:schemeClr val="accent1"/>
+          </a:lnRef>
+          <a:fillRef idx="1">
+            <a:schemeClr val="accent1"/>
+          </a:fillRef>
+          <a:effectRef idx="0">
+            <a:schemeClr val="accent1"/>
+          </a:effectRef>
+          <a:fontRef idx="minor">
+            <a:schemeClr val="lt1"/>
+          </a:fontRef>
+        </p:style>
+        <p:txBody>
+          <a:bodyPr rtlCol="0" anchor="ctr"/>
+          <a:lstStyle/>
+          <a:p>
+            <a:pPr algn="ctr" eaLnBrk="1" latinLnBrk="0" hangingPunct="1"/>
+            <a:endParaRPr kumimoji="0" lang="en-US"/>
+          </a:p>
+        </p:txBody>
+      </p:sp>
+      <p:sp>
+        <p:nvSpPr>
+          <p:cNvPr id="12" name="直角三角形 11"/>
+          <p:cNvSpPr/>
+          <p:nvPr/>
+        </p:nvSpPr>
+        <p:spPr>
+          <a:xfrm rot="420000" flipV="1">
+            <a:off x="8004134" y="5359769"/>
+            <a:ext cx="155448" cy="155448"/>
+          </a:xfrm>
+          <a:prstGeom prst="rtTriangle">
+            <a:avLst/>
+          </a:prstGeom>
+          <a:solidFill>
+            <a:srgbClr val="FFFFFF"/>
+          </a:solidFill>
+          <a:ln w="12700" cap="flat" cmpd="sng" algn="ctr">
+            <a:solidFill>
+              <a:srgbClr val="FFFFFF"/>
+            </a:solidFill>
+            <a:prstDash val="solid"/>
+            <a:bevel/>
+          </a:ln>
+          <a:effectLst>
+            <a:outerShdw blurRad="19685" dist="6350" dir="12900000" algn="tl" rotWithShape="0">
+              <a:srgbClr val="000000">
+                <a:alpha val="47000"/>
+              </a:srgbClr>
+            </a:outerShdw>
+          </a:effectLst>
+        </p:spPr>
+        <p:style>
+          <a:lnRef idx="2">
+            <a:schemeClr val="accent1"/>
+          </a:lnRef>
+          <a:fillRef idx="1">
+            <a:schemeClr val="accent1"/>
+          </a:fillRef>
+          <a:effectRef idx="0">
+            <a:schemeClr val="accent1"/>
+          </a:effectRef>
+          <a:fontRef idx="minor">
+            <a:schemeClr val="lt1"/>
+          </a:fontRef>
+        </p:style>
+        <p:txBody>
+          <a:bodyPr rtlCol="0" anchor="ctr"/>
+          <a:lstStyle/>
+          <a:p>
+            <a:pPr algn="ctr" eaLnBrk="1" latinLnBrk="0" hangingPunct="1"/>
+            <a:endParaRPr kumimoji="0" lang="en-US"/>
+          </a:p>
+        </p:txBody>
+      </p:sp>
+      <p:sp>
+        <p:nvSpPr>
           <p:cNvPr id="2" name="标题 1"/>
           <p:cNvSpPr>
             <a:spLocks noGrp="1"/>
@@ -2330,41 +2406,180 @@
         </p:nvSpPr>
         <p:spPr>
           <a:xfrm>
-            <a:off x="1792288" y="4800600"/>
-            <a:ext cx="5486400" cy="566738"/>
+            <a:off x="609600" y="1176996"/>
+            <a:ext cx="2212848" cy="1582621"/>
           </a:xfrm>
         </p:spPr>
         <p:txBody>
-          <a:bodyPr anchor="b"/>
+          <a:bodyPr vert="horz" lIns="45720" tIns="45720" rIns="45720" bIns="45720" anchor="b"/>
           <a:lstStyle>
             <a:lvl1pPr algn="l">
-              <a:defRPr sz="2000" b="1"/>
+              <a:buNone/>
+              <a:defRPr sz="2000" b="1">
+                <a:solidFill>
+                  <a:schemeClr val="tx2"/>
+                </a:solidFill>
+              </a:defRPr>
             </a:lvl1pPr>
           </a:lstStyle>
           <a:p>
             <a:r>
-              <a:rPr lang="zh-CN" altLang="en-US" smtClean="0"/>
+              <a:rPr kumimoji="0" lang="zh-CN" altLang="en-US" smtClean="0"/>
               <a:t>单击此处编辑母版标题样式</a:t>
             </a:r>
-            <a:endParaRPr lang="zh-CN" altLang="en-US"/>
-          </a:p>
-        </p:txBody>
-      </p:sp>
-      <p:sp>
-        <p:nvSpPr>
-          <p:cNvPr id="3" name="图片占位符 2"/>
-          <p:cNvSpPr>
-            <a:spLocks noGrp="1"/>
-          </p:cNvSpPr>
-          <p:nvPr>
-            <p:ph type="pic" idx="1"/>
+            <a:endParaRPr kumimoji="0" lang="en-US"/>
+          </a:p>
+        </p:txBody>
+      </p:sp>
+      <p:sp>
+        <p:nvSpPr>
+          <p:cNvPr id="4" name="文本占位符 3"/>
+          <p:cNvSpPr>
+            <a:spLocks noGrp="1"/>
+          </p:cNvSpPr>
+          <p:nvPr>
+            <p:ph type="body" sz="half" idx="2"/>
           </p:nvPr>
         </p:nvSpPr>
         <p:spPr>
           <a:xfrm>
-            <a:off x="1792288" y="612775"/>
-            <a:ext cx="5486400" cy="4114800"/>
+            <a:off x="609600" y="2828785"/>
+            <a:ext cx="2209800" cy="2179320"/>
           </a:xfrm>
+        </p:spPr>
+        <p:txBody>
+          <a:bodyPr lIns="64008" rIns="45720" bIns="45720" anchor="t"/>
+          <a:lstStyle>
+            <a:lvl1pPr marL="0" indent="0" algn="l">
+              <a:spcBef>
+                <a:spcPts val="250"/>
+              </a:spcBef>
+              <a:buFontTx/>
+              <a:buNone/>
+              <a:defRPr sz="1300"/>
+            </a:lvl1pPr>
+            <a:lvl2pPr>
+              <a:defRPr sz="1200"/>
+            </a:lvl2pPr>
+            <a:lvl3pPr>
+              <a:defRPr sz="1000"/>
+            </a:lvl3pPr>
+            <a:lvl4pPr>
+              <a:defRPr sz="900"/>
+            </a:lvl4pPr>
+            <a:lvl5pPr>
+              <a:defRPr sz="900"/>
+            </a:lvl5pPr>
+          </a:lstStyle>
+          <a:p>
+            <a:pPr lvl="0" eaLnBrk="1" latinLnBrk="0" hangingPunct="1"/>
+            <a:r>
+              <a:rPr kumimoji="0" lang="zh-CN" altLang="en-US" smtClean="0"/>
+              <a:t>单击此处编辑母版文本样式</a:t>
+            </a:r>
+          </a:p>
+        </p:txBody>
+      </p:sp>
+      <p:sp>
+        <p:nvSpPr>
+          <p:cNvPr id="5" name="日期占位符 4"/>
+          <p:cNvSpPr>
+            <a:spLocks noGrp="1"/>
+          </p:cNvSpPr>
+          <p:nvPr>
+            <p:ph type="dt" sz="half" idx="10"/>
+          </p:nvPr>
+        </p:nvSpPr>
+        <p:spPr/>
+        <p:txBody>
+          <a:bodyPr/>
+          <a:lstStyle/>
+          <a:p>
+            <a:fld id="{530820CF-B880-4189-942D-D702A7CBA730}" type="datetimeFigureOut">
+              <a:rPr lang="zh-CN" altLang="en-US" smtClean="0"/>
+              <a:pPr/>
+              <a:t>2018/7/25</a:t>
+            </a:fld>
+            <a:endParaRPr lang="zh-CN" altLang="en-US"/>
+          </a:p>
+        </p:txBody>
+      </p:sp>
+      <p:sp>
+        <p:nvSpPr>
+          <p:cNvPr id="6" name="页脚占位符 5"/>
+          <p:cNvSpPr>
+            <a:spLocks noGrp="1"/>
+          </p:cNvSpPr>
+          <p:nvPr>
+            <p:ph type="ftr" sz="quarter" idx="11"/>
+          </p:nvPr>
+        </p:nvSpPr>
+        <p:spPr/>
+        <p:txBody>
+          <a:bodyPr/>
+          <a:lstStyle/>
+          <a:p>
+            <a:endParaRPr lang="zh-CN" altLang="en-US"/>
+          </a:p>
+        </p:txBody>
+      </p:sp>
+      <p:sp>
+        <p:nvSpPr>
+          <p:cNvPr id="7" name="灯片编号占位符 6"/>
+          <p:cNvSpPr>
+            <a:spLocks noGrp="1"/>
+          </p:cNvSpPr>
+          <p:nvPr>
+            <p:ph type="sldNum" sz="quarter" idx="12"/>
+          </p:nvPr>
+        </p:nvSpPr>
+        <p:spPr>
+          <a:xfrm>
+            <a:off x="8077200" y="6356350"/>
+            <a:ext cx="609600" cy="365125"/>
+          </a:xfrm>
+        </p:spPr>
+        <p:txBody>
+          <a:bodyPr/>
+          <a:lstStyle/>
+          <a:p>
+            <a:fld id="{0C913308-F349-4B6D-A68A-DD1791B4A57B}" type="slidenum">
+              <a:rPr lang="zh-CN" altLang="en-US" smtClean="0"/>
+              <a:pPr/>
+              <a:t>‹#›</a:t>
+            </a:fld>
+            <a:endParaRPr lang="zh-CN" altLang="en-US"/>
+          </a:p>
+        </p:txBody>
+      </p:sp>
+      <p:sp>
+        <p:nvSpPr>
+          <p:cNvPr id="3" name="图片占位符 2"/>
+          <p:cNvSpPr>
+            <a:spLocks noGrp="1"/>
+          </p:cNvSpPr>
+          <p:nvPr>
+            <p:ph type="pic" idx="1"/>
+          </p:nvPr>
+        </p:nvSpPr>
+        <p:spPr>
+          <a:xfrm rot="420000">
+            <a:off x="3485793" y="1199517"/>
+            <a:ext cx="4617720" cy="3931920"/>
+          </a:xfrm>
+          <a:prstGeom prst="rect">
+            <a:avLst/>
+          </a:prstGeom>
+          <a:solidFill>
+            <a:schemeClr val="bg2"/>
+          </a:solidFill>
+          <a:ln w="3000" cap="rnd">
+            <a:solidFill>
+              <a:srgbClr val="C0C0C0"/>
+            </a:solidFill>
+            <a:round/>
+          </a:ln>
+          <a:effectLst/>
         </p:spPr>
         <p:txBody>
           <a:bodyPr/>
@@ -2373,173 +2588,269 @@
               <a:buNone/>
               <a:defRPr sz="3200"/>
             </a:lvl1pPr>
-            <a:lvl2pPr marL="457200" indent="0">
-              <a:buNone/>
-              <a:defRPr sz="2800"/>
-            </a:lvl2pPr>
-            <a:lvl3pPr marL="914400" indent="0">
-              <a:buNone/>
-              <a:defRPr sz="2400"/>
-            </a:lvl3pPr>
-            <a:lvl4pPr marL="1371600" indent="0">
-              <a:buNone/>
-              <a:defRPr sz="2000"/>
-            </a:lvl4pPr>
-            <a:lvl5pPr marL="1828800" indent="0">
-              <a:buNone/>
-              <a:defRPr sz="2000"/>
-            </a:lvl5pPr>
-            <a:lvl6pPr marL="2286000" indent="0">
-              <a:buNone/>
-              <a:defRPr sz="2000"/>
-            </a:lvl6pPr>
-            <a:lvl7pPr marL="2743200" indent="0">
-              <a:buNone/>
-              <a:defRPr sz="2000"/>
-            </a:lvl7pPr>
-            <a:lvl8pPr marL="3200400" indent="0">
-              <a:buNone/>
-              <a:defRPr sz="2000"/>
-            </a:lvl8pPr>
-            <a:lvl9pPr marL="3657600" indent="0">
-              <a:buNone/>
-              <a:defRPr sz="2000"/>
-            </a:lvl9pPr>
           </a:lstStyle>
           <a:p>
-            <a:endParaRPr lang="zh-CN" altLang="en-US"/>
-          </a:p>
-        </p:txBody>
-      </p:sp>
-      <p:sp>
-        <p:nvSpPr>
-          <p:cNvPr id="4" name="文本占位符 3"/>
-          <p:cNvSpPr>
-            <a:spLocks noGrp="1"/>
-          </p:cNvSpPr>
-          <p:nvPr>
-            <p:ph type="body" sz="half" idx="2"/>
-          </p:nvPr>
-        </p:nvSpPr>
-        <p:spPr>
-          <a:xfrm>
-            <a:off x="1792288" y="5367338"/>
-            <a:ext cx="5486400" cy="804862"/>
+            <a:r>
+              <a:rPr kumimoji="0" lang="zh-CN" altLang="en-US" smtClean="0"/>
+              <a:t>单击图标添加图片</a:t>
+            </a:r>
+            <a:endParaRPr kumimoji="0" lang="en-US" dirty="0"/>
+          </a:p>
+        </p:txBody>
+      </p:sp>
+      <p:sp>
+        <p:nvSpPr>
+          <p:cNvPr id="10" name="任意多边形 9"/>
+          <p:cNvSpPr>
+            <a:spLocks/>
+          </p:cNvSpPr>
+          <p:nvPr/>
+        </p:nvSpPr>
+        <p:spPr bwMode="auto">
+          <a:xfrm flipV="1">
+            <a:off x="-9525" y="5816600"/>
+            <a:ext cx="9163050" cy="1041400"/>
           </a:xfrm>
+          <a:custGeom>
+            <a:avLst>
+              <a:gd name="A1" fmla="val 0"/>
+              <a:gd name="A2" fmla="val 0"/>
+              <a:gd name="A3" fmla="val 0"/>
+              <a:gd name="A4" fmla="val 0"/>
+              <a:gd name="A5" fmla="val 0"/>
+              <a:gd name="A6" fmla="val 0"/>
+              <a:gd name="A7" fmla="val 0"/>
+              <a:gd name="A8" fmla="val 0"/>
+            </a:avLst>
+            <a:gdLst/>
+            <a:ahLst/>
+            <a:cxnLst>
+              <a:cxn ang="0">
+                <a:pos x="6" y="2"/>
+              </a:cxn>
+              <a:cxn ang="0">
+                <a:pos x="2542" y="0"/>
+              </a:cxn>
+              <a:cxn ang="0">
+                <a:pos x="4374" y="367"/>
+              </a:cxn>
+              <a:cxn ang="0">
+                <a:pos x="5766" y="55"/>
+              </a:cxn>
+              <a:cxn ang="0">
+                <a:pos x="5772" y="213"/>
+              </a:cxn>
+              <a:cxn ang="0">
+                <a:pos x="4302" y="439"/>
+              </a:cxn>
+              <a:cxn ang="0">
+                <a:pos x="1488" y="201"/>
+              </a:cxn>
+              <a:cxn ang="0">
+                <a:pos x="0" y="656"/>
+              </a:cxn>
+              <a:cxn ang="0">
+                <a:pos x="6" y="2"/>
+              </a:cxn>
+            </a:cxnLst>
+            <a:rect l="0" t="0" r="0" b="0"/>
+            <a:pathLst>
+              <a:path w="5772" h="656">
+                <a:moveTo>
+                  <a:pt x="6" y="2"/>
+                </a:moveTo>
+                <a:lnTo>
+                  <a:pt x="2542" y="0"/>
+                </a:lnTo>
+                <a:cubicBezTo>
+                  <a:pt x="2746" y="101"/>
+                  <a:pt x="3828" y="367"/>
+                  <a:pt x="4374" y="367"/>
+                </a:cubicBezTo>
+                <a:cubicBezTo>
+                  <a:pt x="4920" y="367"/>
+                  <a:pt x="5526" y="152"/>
+                  <a:pt x="5766" y="55"/>
+                </a:cubicBezTo>
+                <a:lnTo>
+                  <a:pt x="5772" y="213"/>
+                </a:lnTo>
+                <a:cubicBezTo>
+                  <a:pt x="5670" y="257"/>
+                  <a:pt x="5016" y="441"/>
+                  <a:pt x="4302" y="439"/>
+                </a:cubicBezTo>
+                <a:cubicBezTo>
+                  <a:pt x="3588" y="437"/>
+                  <a:pt x="2205" y="165"/>
+                  <a:pt x="1488" y="201"/>
+                </a:cubicBezTo>
+                <a:cubicBezTo>
+                  <a:pt x="750" y="209"/>
+                  <a:pt x="270" y="482"/>
+                  <a:pt x="0" y="656"/>
+                </a:cubicBezTo>
+                <a:lnTo>
+                  <a:pt x="6" y="2"/>
+                </a:lnTo>
+                <a:close/>
+              </a:path>
+            </a:pathLst>
+          </a:custGeom>
+          <a:gradFill>
+            <a:gsLst>
+              <a:gs pos="0">
+                <a:schemeClr val="accent2">
+                  <a:shade val="50000"/>
+                  <a:alpha val="45000"/>
+                  <a:satMod val="120000"/>
+                </a:schemeClr>
+              </a:gs>
+              <a:gs pos="100000">
+                <a:schemeClr val="accent3">
+                  <a:shade val="80000"/>
+                  <a:alpha val="55000"/>
+                  <a:satMod val="155000"/>
+                </a:schemeClr>
+              </a:gs>
+            </a:gsLst>
+            <a:lin ang="5400000" scaled="1"/>
+          </a:gradFill>
+          <a:ln w="9525" cap="flat" cmpd="sng" algn="ctr">
+            <a:noFill/>
+            <a:prstDash val="solid"/>
+            <a:round/>
+            <a:headEnd type="none" w="med" len="med"/>
+            <a:tailEnd type="none" w="med" len="med"/>
+          </a:ln>
+          <a:effectLst/>
         </p:spPr>
         <p:txBody>
-          <a:bodyPr/>
-          <a:lstStyle>
-            <a:lvl1pPr marL="0" indent="0">
-              <a:buNone/>
-              <a:defRPr sz="1400"/>
-            </a:lvl1pPr>
-            <a:lvl2pPr marL="457200" indent="0">
-              <a:buNone/>
-              <a:defRPr sz="1200"/>
-            </a:lvl2pPr>
-            <a:lvl3pPr marL="914400" indent="0">
-              <a:buNone/>
-              <a:defRPr sz="1000"/>
-            </a:lvl3pPr>
-            <a:lvl4pPr marL="1371600" indent="0">
-              <a:buNone/>
-              <a:defRPr sz="900"/>
-            </a:lvl4pPr>
-            <a:lvl5pPr marL="1828800" indent="0">
-              <a:buNone/>
-              <a:defRPr sz="900"/>
-            </a:lvl5pPr>
-            <a:lvl6pPr marL="2286000" indent="0">
-              <a:buNone/>
-              <a:defRPr sz="900"/>
-            </a:lvl6pPr>
-            <a:lvl7pPr marL="2743200" indent="0">
-              <a:buNone/>
-              <a:defRPr sz="900"/>
-            </a:lvl7pPr>
-            <a:lvl8pPr marL="3200400" indent="0">
-              <a:buNone/>
-              <a:defRPr sz="900"/>
-            </a:lvl8pPr>
-            <a:lvl9pPr marL="3657600" indent="0">
-              <a:buNone/>
-              <a:defRPr sz="900"/>
-            </a:lvl9pPr>
-          </a:lstStyle>
-          <a:p>
-            <a:pPr lvl="0"/>
-            <a:r>
-              <a:rPr lang="zh-CN" altLang="en-US" smtClean="0"/>
-              <a:t>单击此处编辑母版文本样式</a:t>
-            </a:r>
-          </a:p>
-        </p:txBody>
-      </p:sp>
-      <p:sp>
-        <p:nvSpPr>
-          <p:cNvPr id="5" name="日期占位符 4"/>
-          <p:cNvSpPr>
-            <a:spLocks noGrp="1"/>
-          </p:cNvSpPr>
-          <p:nvPr>
-            <p:ph type="dt" sz="half" idx="10"/>
-          </p:nvPr>
-        </p:nvSpPr>
-        <p:spPr/>
-        <p:txBody>
-          <a:bodyPr/>
-          <a:lstStyle/>
-          <a:p>
-            <a:fld id="{530820CF-B880-4189-942D-D702A7CBA730}" type="datetimeFigureOut">
-              <a:rPr lang="zh-CN" altLang="en-US" smtClean="0"/>
-              <a:pPr/>
-              <a:t>2018/7/25</a:t>
-            </a:fld>
-            <a:endParaRPr lang="zh-CN" altLang="en-US"/>
-          </a:p>
-        </p:txBody>
-      </p:sp>
-      <p:sp>
-        <p:nvSpPr>
-          <p:cNvPr id="6" name="页脚占位符 5"/>
-          <p:cNvSpPr>
-            <a:spLocks noGrp="1"/>
-          </p:cNvSpPr>
-          <p:nvPr>
-            <p:ph type="ftr" sz="quarter" idx="11"/>
-          </p:nvPr>
-        </p:nvSpPr>
-        <p:spPr/>
-        <p:txBody>
-          <a:bodyPr/>
-          <a:lstStyle/>
-          <a:p>
-            <a:endParaRPr lang="zh-CN" altLang="en-US"/>
-          </a:p>
-        </p:txBody>
-      </p:sp>
-      <p:sp>
-        <p:nvSpPr>
-          <p:cNvPr id="7" name="灯片编号占位符 6"/>
-          <p:cNvSpPr>
-            <a:spLocks noGrp="1"/>
-          </p:cNvSpPr>
-          <p:nvPr>
-            <p:ph type="sldNum" sz="quarter" idx="12"/>
-          </p:nvPr>
-        </p:nvSpPr>
-        <p:spPr/>
-        <p:txBody>
-          <a:bodyPr/>
-          <a:lstStyle/>
-          <a:p>
-            <a:fld id="{0C913308-F349-4B6D-A68A-DD1791B4A57B}" type="slidenum">
-              <a:rPr lang="zh-CN" altLang="en-US" smtClean="0"/>
-              <a:pPr/>
-              <a:t>‹#›</a:t>
-            </a:fld>
-            <a:endParaRPr lang="zh-CN" altLang="en-US"/>
+          <a:bodyPr vert="horz" wrap="square" lIns="91440" tIns="45720" rIns="91440" bIns="45720" anchor="t" compatLnSpc="1"/>
+          <a:lstStyle/>
+          <a:p>
+            <a:pPr marL="0" algn="l" rtl="0" eaLnBrk="1" latinLnBrk="0" hangingPunct="1"/>
+            <a:endParaRPr kumimoji="0" lang="en-US">
+              <a:solidFill>
+                <a:schemeClr val="tx1"/>
+              </a:solidFill>
+              <a:latin typeface="+mn-lt"/>
+              <a:ea typeface="+mn-ea"/>
+              <a:cs typeface="+mn-cs"/>
+            </a:endParaRPr>
+          </a:p>
+        </p:txBody>
+      </p:sp>
+      <p:sp>
+        <p:nvSpPr>
+          <p:cNvPr id="11" name="任意多边形 10"/>
+          <p:cNvSpPr>
+            <a:spLocks/>
+          </p:cNvSpPr>
+          <p:nvPr/>
+        </p:nvSpPr>
+        <p:spPr bwMode="auto">
+          <a:xfrm flipV="1">
+            <a:off x="4381500" y="6219825"/>
+            <a:ext cx="4762500" cy="638175"/>
+          </a:xfrm>
+          <a:custGeom>
+            <a:avLst>
+              <a:gd name="A1" fmla="val 0"/>
+              <a:gd name="A2" fmla="val 0"/>
+              <a:gd name="A3" fmla="val 0"/>
+              <a:gd name="A4" fmla="val 0"/>
+              <a:gd name="A5" fmla="val 0"/>
+              <a:gd name="A6" fmla="val 0"/>
+              <a:gd name="A7" fmla="val 0"/>
+              <a:gd name="A8" fmla="val 0"/>
+            </a:avLst>
+            <a:gdLst/>
+            <a:ahLst/>
+            <a:cxnLst>
+              <a:cxn ang="0">
+                <a:pos x="0" y="0"/>
+              </a:cxn>
+              <a:cxn ang="0">
+                <a:pos x="1668" y="564"/>
+              </a:cxn>
+              <a:cxn ang="0">
+                <a:pos x="3000" y="186"/>
+              </a:cxn>
+              <a:cxn ang="0">
+                <a:pos x="3000" y="6"/>
+              </a:cxn>
+              <a:cxn ang="0">
+                <a:pos x="0" y="0"/>
+              </a:cxn>
+            </a:cxnLst>
+            <a:rect l="0" t="0" r="0" b="0"/>
+            <a:pathLst>
+              <a:path w="3000" h="595">
+                <a:moveTo>
+                  <a:pt x="0" y="0"/>
+                </a:moveTo>
+                <a:cubicBezTo>
+                  <a:pt x="174" y="102"/>
+                  <a:pt x="1168" y="533"/>
+                  <a:pt x="1668" y="564"/>
+                </a:cubicBezTo>
+                <a:cubicBezTo>
+                  <a:pt x="2168" y="595"/>
+                  <a:pt x="2778" y="279"/>
+                  <a:pt x="3000" y="186"/>
+                </a:cubicBezTo>
+                <a:lnTo>
+                  <a:pt x="3000" y="6"/>
+                </a:lnTo>
+                <a:lnTo>
+                  <a:pt x="0" y="0"/>
+                </a:lnTo>
+                <a:close/>
+              </a:path>
+            </a:pathLst>
+          </a:custGeom>
+          <a:gradFill>
+            <a:gsLst>
+              <a:gs pos="0">
+                <a:schemeClr val="accent3">
+                  <a:shade val="50000"/>
+                  <a:alpha val="30000"/>
+                  <a:satMod val="130000"/>
+                </a:schemeClr>
+              </a:gs>
+              <a:gs pos="80000">
+                <a:schemeClr val="accent2">
+                  <a:shade val="75000"/>
+                  <a:alpha val="45000"/>
+                  <a:satMod val="140000"/>
+                </a:schemeClr>
+              </a:gs>
+            </a:gsLst>
+            <a:lin ang="5400000" scaled="1"/>
+          </a:gradFill>
+          <a:ln w="9525" cap="flat" cmpd="sng" algn="ctr">
+            <a:noFill/>
+            <a:prstDash val="solid"/>
+            <a:round/>
+            <a:headEnd type="none" w="med" len="med"/>
+            <a:tailEnd type="none" w="med" len="med"/>
+          </a:ln>
+          <a:effectLst/>
+        </p:spPr>
+        <p:txBody>
+          <a:bodyPr vert="horz" wrap="square" lIns="91440" tIns="45720" rIns="91440" bIns="45720" anchor="t" compatLnSpc="1"/>
+          <a:lstStyle/>
+          <a:p>
+            <a:pPr marL="0" algn="l" rtl="0" eaLnBrk="1" latinLnBrk="0" hangingPunct="1"/>
+            <a:endParaRPr kumimoji="0" lang="en-US">
+              <a:solidFill>
+                <a:schemeClr val="tx1"/>
+              </a:solidFill>
+              <a:latin typeface="+mn-lt"/>
+              <a:ea typeface="+mn-ea"/>
+              <a:cs typeface="+mn-cs"/>
+            </a:endParaRPr>
           </a:p>
         </p:txBody>
       </p:sp>
@@ -2555,7 +2866,7 @@
 <p:sldMaster xmlns:a="http://schemas.openxmlformats.org/drawingml/2006/main" xmlns:r="http://schemas.openxmlformats.org/officeDocument/2006/relationships" xmlns:p="http://schemas.openxmlformats.org/presentationml/2006/main">
   <p:cSld>
     <p:bg>
-      <p:bgRef idx="1001">
+      <p:bgRef idx="1003">
         <a:schemeClr val="bg1"/>
       </p:bgRef>
     </p:bg>
@@ -2575,7 +2886,263 @@
       </p:grpSpPr>
       <p:sp>
         <p:nvSpPr>
-          <p:cNvPr id="2" name="标题占位符 1"/>
+          <p:cNvPr id="7" name="任意多边形 6"/>
+          <p:cNvSpPr>
+            <a:spLocks/>
+          </p:cNvSpPr>
+          <p:nvPr/>
+        </p:nvSpPr>
+        <p:spPr bwMode="auto">
+          <a:xfrm>
+            <a:off x="-9525" y="-7144"/>
+            <a:ext cx="9163050" cy="1041400"/>
+          </a:xfrm>
+          <a:custGeom>
+            <a:avLst>
+              <a:gd name="A1" fmla="val 0"/>
+              <a:gd name="A2" fmla="val 0"/>
+              <a:gd name="A3" fmla="val 0"/>
+              <a:gd name="A4" fmla="val 0"/>
+              <a:gd name="A5" fmla="val 0"/>
+              <a:gd name="A6" fmla="val 0"/>
+              <a:gd name="A7" fmla="val 0"/>
+              <a:gd name="A8" fmla="val 0"/>
+            </a:avLst>
+            <a:gdLst/>
+            <a:ahLst/>
+            <a:cxnLst>
+              <a:cxn ang="0">
+                <a:pos x="6" y="2"/>
+              </a:cxn>
+              <a:cxn ang="0">
+                <a:pos x="2542" y="0"/>
+              </a:cxn>
+              <a:cxn ang="0">
+                <a:pos x="4374" y="367"/>
+              </a:cxn>
+              <a:cxn ang="0">
+                <a:pos x="5766" y="55"/>
+              </a:cxn>
+              <a:cxn ang="0">
+                <a:pos x="5772" y="213"/>
+              </a:cxn>
+              <a:cxn ang="0">
+                <a:pos x="4302" y="439"/>
+              </a:cxn>
+              <a:cxn ang="0">
+                <a:pos x="1488" y="201"/>
+              </a:cxn>
+              <a:cxn ang="0">
+                <a:pos x="0" y="656"/>
+              </a:cxn>
+              <a:cxn ang="0">
+                <a:pos x="6" y="2"/>
+              </a:cxn>
+            </a:cxnLst>
+            <a:rect l="0" t="0" r="0" b="0"/>
+            <a:pathLst>
+              <a:path w="5772" h="656">
+                <a:moveTo>
+                  <a:pt x="6" y="2"/>
+                </a:moveTo>
+                <a:lnTo>
+                  <a:pt x="2542" y="0"/>
+                </a:lnTo>
+                <a:cubicBezTo>
+                  <a:pt x="2746" y="101"/>
+                  <a:pt x="3828" y="367"/>
+                  <a:pt x="4374" y="367"/>
+                </a:cubicBezTo>
+                <a:cubicBezTo>
+                  <a:pt x="4920" y="367"/>
+                  <a:pt x="5526" y="152"/>
+                  <a:pt x="5766" y="55"/>
+                </a:cubicBezTo>
+                <a:lnTo>
+                  <a:pt x="5772" y="213"/>
+                </a:lnTo>
+                <a:cubicBezTo>
+                  <a:pt x="5670" y="257"/>
+                  <a:pt x="5016" y="441"/>
+                  <a:pt x="4302" y="439"/>
+                </a:cubicBezTo>
+                <a:cubicBezTo>
+                  <a:pt x="3588" y="437"/>
+                  <a:pt x="2205" y="165"/>
+                  <a:pt x="1488" y="201"/>
+                </a:cubicBezTo>
+                <a:cubicBezTo>
+                  <a:pt x="750" y="209"/>
+                  <a:pt x="270" y="482"/>
+                  <a:pt x="0" y="656"/>
+                </a:cubicBezTo>
+                <a:lnTo>
+                  <a:pt x="6" y="2"/>
+                </a:lnTo>
+                <a:close/>
+              </a:path>
+            </a:pathLst>
+          </a:custGeom>
+          <a:gradFill>
+            <a:gsLst>
+              <a:gs pos="0">
+                <a:schemeClr val="accent2">
+                  <a:shade val="50000"/>
+                  <a:alpha val="45000"/>
+                  <a:satMod val="120000"/>
+                </a:schemeClr>
+              </a:gs>
+              <a:gs pos="100000">
+                <a:schemeClr val="accent3">
+                  <a:shade val="80000"/>
+                  <a:alpha val="55000"/>
+                  <a:satMod val="155000"/>
+                </a:schemeClr>
+              </a:gs>
+            </a:gsLst>
+            <a:lin ang="5400000" scaled="1"/>
+          </a:gradFill>
+          <a:ln w="9525" cap="flat" cmpd="sng" algn="ctr">
+            <a:noFill/>
+            <a:prstDash val="solid"/>
+            <a:round/>
+            <a:headEnd type="none" w="med" len="med"/>
+            <a:tailEnd type="none" w="med" len="med"/>
+          </a:ln>
+          <a:effectLst/>
+        </p:spPr>
+        <p:txBody>
+          <a:bodyPr vert="horz" wrap="square" lIns="91440" tIns="45720" rIns="91440" bIns="45720" anchor="t" compatLnSpc="1"/>
+          <a:lstStyle/>
+          <a:p>
+            <a:pPr marL="0" algn="l" rtl="0" eaLnBrk="1" latinLnBrk="0" hangingPunct="1"/>
+            <a:endParaRPr kumimoji="0" lang="en-US">
+              <a:solidFill>
+                <a:schemeClr val="tx1"/>
+              </a:solidFill>
+              <a:latin typeface="+mn-lt"/>
+              <a:ea typeface="+mn-ea"/>
+              <a:cs typeface="+mn-cs"/>
+            </a:endParaRPr>
+          </a:p>
+        </p:txBody>
+      </p:sp>
+      <p:sp>
+        <p:nvSpPr>
+          <p:cNvPr id="8" name="任意多边形 7"/>
+          <p:cNvSpPr>
+            <a:spLocks/>
+          </p:cNvSpPr>
+          <p:nvPr/>
+        </p:nvSpPr>
+        <p:spPr bwMode="auto">
+          <a:xfrm>
+            <a:off x="4381500" y="-7144"/>
+            <a:ext cx="4762500" cy="638175"/>
+          </a:xfrm>
+          <a:custGeom>
+            <a:avLst>
+              <a:gd name="A1" fmla="val 0"/>
+              <a:gd name="A2" fmla="val 0"/>
+              <a:gd name="A3" fmla="val 0"/>
+              <a:gd name="A4" fmla="val 0"/>
+              <a:gd name="A5" fmla="val 0"/>
+              <a:gd name="A6" fmla="val 0"/>
+              <a:gd name="A7" fmla="val 0"/>
+              <a:gd name="A8" fmla="val 0"/>
+            </a:avLst>
+            <a:gdLst/>
+            <a:ahLst/>
+            <a:cxnLst>
+              <a:cxn ang="0">
+                <a:pos x="0" y="0"/>
+              </a:cxn>
+              <a:cxn ang="0">
+                <a:pos x="1668" y="564"/>
+              </a:cxn>
+              <a:cxn ang="0">
+                <a:pos x="3000" y="186"/>
+              </a:cxn>
+              <a:cxn ang="0">
+                <a:pos x="3000" y="6"/>
+              </a:cxn>
+              <a:cxn ang="0">
+                <a:pos x="0" y="0"/>
+              </a:cxn>
+            </a:cxnLst>
+            <a:rect l="0" t="0" r="0" b="0"/>
+            <a:pathLst>
+              <a:path w="3000" h="595">
+                <a:moveTo>
+                  <a:pt x="0" y="0"/>
+                </a:moveTo>
+                <a:cubicBezTo>
+                  <a:pt x="174" y="102"/>
+                  <a:pt x="1168" y="533"/>
+                  <a:pt x="1668" y="564"/>
+                </a:cubicBezTo>
+                <a:cubicBezTo>
+                  <a:pt x="2168" y="595"/>
+                  <a:pt x="2778" y="279"/>
+                  <a:pt x="3000" y="186"/>
+                </a:cubicBezTo>
+                <a:lnTo>
+                  <a:pt x="3000" y="6"/>
+                </a:lnTo>
+                <a:lnTo>
+                  <a:pt x="0" y="0"/>
+                </a:lnTo>
+                <a:close/>
+              </a:path>
+            </a:pathLst>
+          </a:custGeom>
+          <a:gradFill>
+            <a:gsLst>
+              <a:gs pos="0">
+                <a:schemeClr val="accent3">
+                  <a:shade val="50000"/>
+                  <a:alpha val="30000"/>
+                  <a:satMod val="130000"/>
+                </a:schemeClr>
+              </a:gs>
+              <a:gs pos="80000">
+                <a:schemeClr val="accent2">
+                  <a:shade val="75000"/>
+                  <a:alpha val="45000"/>
+                  <a:satMod val="140000"/>
+                </a:schemeClr>
+              </a:gs>
+            </a:gsLst>
+            <a:lin ang="5400000" scaled="1"/>
+          </a:gradFill>
+          <a:ln w="9525" cap="flat" cmpd="sng" algn="ctr">
+            <a:noFill/>
+            <a:prstDash val="solid"/>
+            <a:round/>
+            <a:headEnd type="none" w="med" len="med"/>
+            <a:tailEnd type="none" w="med" len="med"/>
+          </a:ln>
+          <a:effectLst/>
+        </p:spPr>
+        <p:txBody>
+          <a:bodyPr vert="horz" wrap="square" lIns="91440" tIns="45720" rIns="91440" bIns="45720" anchor="t" compatLnSpc="1"/>
+          <a:lstStyle/>
+          <a:p>
+            <a:pPr marL="0" algn="l" rtl="0" eaLnBrk="1" latinLnBrk="0" hangingPunct="1"/>
+            <a:endParaRPr kumimoji="0" lang="en-US">
+              <a:solidFill>
+                <a:schemeClr val="tx1"/>
+              </a:solidFill>
+              <a:latin typeface="+mn-lt"/>
+              <a:ea typeface="+mn-ea"/>
+              <a:cs typeface="+mn-cs"/>
+            </a:endParaRPr>
+          </a:p>
+        </p:txBody>
+      </p:sp>
+      <p:sp>
+        <p:nvSpPr>
+          <p:cNvPr id="9" name="标题占位符 8"/>
           <p:cNvSpPr>
             <a:spLocks noGrp="1"/>
           </p:cNvSpPr>
@@ -2585,7 +3152,7 @@
         </p:nvSpPr>
         <p:spPr>
           <a:xfrm>
-            <a:off x="457200" y="274638"/>
+            <a:off x="457200" y="704088"/>
             <a:ext cx="8229600" cy="1143000"/>
           </a:xfrm>
           <a:prstGeom prst="rect">
@@ -2593,22 +3160,22 @@
           </a:prstGeom>
         </p:spPr>
         <p:txBody>
-          <a:bodyPr vert="horz" lIns="91440" tIns="45720" rIns="91440" bIns="45720" rtlCol="0" anchor="ctr">
+          <a:bodyPr vert="horz" lIns="0" rIns="0" bIns="0" anchor="b">
             <a:normAutofit/>
           </a:bodyPr>
           <a:lstStyle/>
           <a:p>
             <a:r>
-              <a:rPr lang="zh-CN" altLang="en-US" smtClean="0"/>
+              <a:rPr kumimoji="0" lang="zh-CN" altLang="en-US" smtClean="0"/>
               <a:t>单击此处编辑母版标题样式</a:t>
             </a:r>
-            <a:endParaRPr lang="zh-CN" altLang="en-US"/>
-          </a:p>
-        </p:txBody>
-      </p:sp>
-      <p:sp>
-        <p:nvSpPr>
-          <p:cNvPr id="3" name="文本占位符 2"/>
+            <a:endParaRPr kumimoji="0" lang="en-US"/>
+          </a:p>
+        </p:txBody>
+      </p:sp>
+      <p:sp>
+        <p:nvSpPr>
+          <p:cNvPr id="30" name="文本占位符 29"/>
           <p:cNvSpPr>
             <a:spLocks noGrp="1"/>
           </p:cNvSpPr>
@@ -2618,59 +3185,59 @@
         </p:nvSpPr>
         <p:spPr>
           <a:xfrm>
-            <a:off x="457200" y="1600200"/>
-            <a:ext cx="8229600" cy="4525963"/>
+            <a:off x="457200" y="1935480"/>
+            <a:ext cx="8229600" cy="4389120"/>
           </a:xfrm>
           <a:prstGeom prst="rect">
             <a:avLst/>
           </a:prstGeom>
         </p:spPr>
         <p:txBody>
-          <a:bodyPr vert="horz" lIns="91440" tIns="45720" rIns="91440" bIns="45720" rtlCol="0">
+          <a:bodyPr vert="horz">
             <a:normAutofit/>
           </a:bodyPr>
           <a:lstStyle/>
           <a:p>
-            <a:pPr lvl="0"/>
-            <a:r>
-              <a:rPr lang="zh-CN" altLang="en-US" smtClean="0"/>
+            <a:pPr lvl="0" eaLnBrk="1" latinLnBrk="0" hangingPunct="1"/>
+            <a:r>
+              <a:rPr kumimoji="0" lang="zh-CN" altLang="en-US" smtClean="0"/>
               <a:t>单击此处编辑母版文本样式</a:t>
             </a:r>
           </a:p>
           <a:p>
-            <a:pPr lvl="1"/>
-            <a:r>
-              <a:rPr lang="zh-CN" altLang="en-US" smtClean="0"/>
+            <a:pPr lvl="1" eaLnBrk="1" latinLnBrk="0" hangingPunct="1"/>
+            <a:r>
+              <a:rPr kumimoji="0" lang="zh-CN" altLang="en-US" smtClean="0"/>
               <a:t>第二级</a:t>
             </a:r>
           </a:p>
           <a:p>
-            <a:pPr lvl="2"/>
-            <a:r>
-              <a:rPr lang="zh-CN" altLang="en-US" smtClean="0"/>
+            <a:pPr lvl="2" eaLnBrk="1" latinLnBrk="0" hangingPunct="1"/>
+            <a:r>
+              <a:rPr kumimoji="0" lang="zh-CN" altLang="en-US" smtClean="0"/>
               <a:t>第三级</a:t>
             </a:r>
           </a:p>
           <a:p>
-            <a:pPr lvl="3"/>
-            <a:r>
-              <a:rPr lang="zh-CN" altLang="en-US" smtClean="0"/>
+            <a:pPr lvl="3" eaLnBrk="1" latinLnBrk="0" hangingPunct="1"/>
+            <a:r>
+              <a:rPr kumimoji="0" lang="zh-CN" altLang="en-US" smtClean="0"/>
               <a:t>第四级</a:t>
             </a:r>
           </a:p>
           <a:p>
-            <a:pPr lvl="4"/>
-            <a:r>
-              <a:rPr lang="zh-CN" altLang="en-US" smtClean="0"/>
+            <a:pPr lvl="4" eaLnBrk="1" latinLnBrk="0" hangingPunct="1"/>
+            <a:r>
+              <a:rPr kumimoji="0" lang="zh-CN" altLang="en-US" smtClean="0"/>
               <a:t>第五级</a:t>
             </a:r>
-            <a:endParaRPr lang="zh-CN" altLang="en-US"/>
-          </a:p>
-        </p:txBody>
-      </p:sp>
-      <p:sp>
-        <p:nvSpPr>
-          <p:cNvPr id="4" name="日期占位符 3"/>
+            <a:endParaRPr kumimoji="0" lang="en-US"/>
+          </a:p>
+        </p:txBody>
+      </p:sp>
+      <p:sp>
+        <p:nvSpPr>
+          <p:cNvPr id="10" name="日期占位符 9"/>
           <p:cNvSpPr>
             <a:spLocks noGrp="1"/>
           </p:cNvSpPr>
@@ -2688,13 +3255,13 @@
           </a:prstGeom>
         </p:spPr>
         <p:txBody>
-          <a:bodyPr vert="horz" lIns="91440" tIns="45720" rIns="91440" bIns="45720" rtlCol="0" anchor="ctr"/>
+          <a:bodyPr vert="horz" lIns="0" tIns="0" rIns="0" bIns="0" anchor="b"/>
           <a:lstStyle>
-            <a:lvl1pPr algn="l">
-              <a:defRPr sz="1200">
+            <a:lvl1pPr algn="l" eaLnBrk="1" latinLnBrk="0" hangingPunct="1">
+              <a:defRPr kumimoji="0" sz="1200">
                 <a:solidFill>
-                  <a:schemeClr val="tx1">
-                    <a:tint val="75000"/>
+                  <a:schemeClr val="tx2">
+                    <a:shade val="90000"/>
                   </a:schemeClr>
                 </a:solidFill>
               </a:defRPr>
@@ -2712,7 +3279,7 @@
       </p:sp>
       <p:sp>
         <p:nvSpPr>
-          <p:cNvPr id="5" name="页脚占位符 4"/>
+          <p:cNvPr id="22" name="页脚占位符 21"/>
           <p:cNvSpPr>
             <a:spLocks noGrp="1"/>
           </p:cNvSpPr>
@@ -2722,21 +3289,21 @@
         </p:nvSpPr>
         <p:spPr>
           <a:xfrm>
-            <a:off x="3124200" y="6356350"/>
-            <a:ext cx="2895600" cy="365125"/>
+            <a:off x="2667000" y="6356350"/>
+            <a:ext cx="3352800" cy="365125"/>
           </a:xfrm>
           <a:prstGeom prst="rect">
             <a:avLst/>
           </a:prstGeom>
         </p:spPr>
         <p:txBody>
-          <a:bodyPr vert="horz" lIns="91440" tIns="45720" rIns="91440" bIns="45720" rtlCol="0" anchor="ctr"/>
+          <a:bodyPr vert="horz" lIns="0" tIns="0" rIns="0" bIns="0" anchor="b"/>
           <a:lstStyle>
-            <a:lvl1pPr algn="ctr">
-              <a:defRPr sz="1200">
+            <a:lvl1pPr algn="l" eaLnBrk="1" latinLnBrk="0" hangingPunct="1">
+              <a:defRPr kumimoji="0" sz="1200">
                 <a:solidFill>
-                  <a:schemeClr val="tx1">
-                    <a:tint val="75000"/>
+                  <a:schemeClr val="tx2">
+                    <a:shade val="90000"/>
                   </a:schemeClr>
                 </a:solidFill>
               </a:defRPr>
@@ -2749,7 +3316,7 @@
       </p:sp>
       <p:sp>
         <p:nvSpPr>
-          <p:cNvPr id="6" name="灯片编号占位符 5"/>
+          <p:cNvPr id="18" name="灯片编号占位符 17"/>
           <p:cNvSpPr>
             <a:spLocks noGrp="1"/>
           </p:cNvSpPr>
@@ -2759,21 +3326,21 @@
         </p:nvSpPr>
         <p:spPr>
           <a:xfrm>
-            <a:off x="6553200" y="6356350"/>
-            <a:ext cx="2133600" cy="365125"/>
+            <a:off x="7924800" y="6356350"/>
+            <a:ext cx="762000" cy="365125"/>
           </a:xfrm>
           <a:prstGeom prst="rect">
             <a:avLst/>
           </a:prstGeom>
         </p:spPr>
         <p:txBody>
-          <a:bodyPr vert="horz" lIns="91440" tIns="45720" rIns="91440" bIns="45720" rtlCol="0" anchor="ctr"/>
+          <a:bodyPr vert="horz" lIns="0" tIns="0" rIns="0" bIns="0" anchor="b"/>
           <a:lstStyle>
-            <a:lvl1pPr algn="r">
-              <a:defRPr sz="1200">
+            <a:lvl1pPr algn="r" eaLnBrk="1" latinLnBrk="0" hangingPunct="1">
+              <a:defRPr kumimoji="0" sz="1200">
                 <a:solidFill>
-                  <a:schemeClr val="tx1">
-                    <a:tint val="75000"/>
+                  <a:schemeClr val="tx2">
+                    <a:shade val="90000"/>
                   </a:schemeClr>
                 </a:solidFill>
               </a:defRPr>
@@ -2789,33 +3356,251 @@
           </a:p>
         </p:txBody>
       </p:sp>
+      <p:grpSp>
+        <p:nvGrpSpPr>
+          <p:cNvPr id="2" name="组合 1"/>
+          <p:cNvGrpSpPr/>
+          <p:nvPr/>
+        </p:nvGrpSpPr>
+        <p:grpSpPr>
+          <a:xfrm>
+            <a:off x="-19017" y="202408"/>
+            <a:ext cx="9180548" cy="649224"/>
+            <a:chOff x="-19045" y="216550"/>
+            <a:chExt cx="9180548" cy="649224"/>
+          </a:xfrm>
+        </p:grpSpPr>
+        <p:sp>
+          <p:nvSpPr>
+            <p:cNvPr id="12" name="任意多边形 11"/>
+            <p:cNvSpPr>
+              <a:spLocks/>
+            </p:cNvSpPr>
+            <p:nvPr/>
+          </p:nvSpPr>
+          <p:spPr bwMode="auto">
+            <a:xfrm rot="21435692">
+              <a:off x="-19045" y="216550"/>
+              <a:ext cx="9163050" cy="649224"/>
+            </a:xfrm>
+            <a:custGeom>
+              <a:avLst>
+                <a:gd name="A1" fmla="val 0"/>
+                <a:gd name="A2" fmla="val 0"/>
+                <a:gd name="A3" fmla="val 0"/>
+                <a:gd name="A4" fmla="val 0"/>
+                <a:gd name="A5" fmla="val 0"/>
+                <a:gd name="A6" fmla="val 0"/>
+                <a:gd name="A7" fmla="val 0"/>
+                <a:gd name="A8" fmla="val 0"/>
+              </a:avLst>
+              <a:gdLst/>
+              <a:ahLst/>
+              <a:cxnLst>
+                <a:cxn ang="0">
+                  <a:pos x="0" y="966"/>
+                </a:cxn>
+                <a:cxn ang="0">
+                  <a:pos x="1608" y="282"/>
+                </a:cxn>
+                <a:cxn ang="0">
+                  <a:pos x="4110" y="1008"/>
+                </a:cxn>
+                <a:cxn ang="0">
+                  <a:pos x="5772" y="0"/>
+                </a:cxn>
+              </a:cxnLst>
+              <a:rect l="0" t="0" r="0" b="0"/>
+              <a:pathLst>
+                <a:path w="5772" h="1055">
+                  <a:moveTo>
+                    <a:pt x="0" y="966"/>
+                  </a:moveTo>
+                  <a:cubicBezTo>
+                    <a:pt x="282" y="738"/>
+                    <a:pt x="923" y="275"/>
+                    <a:pt x="1608" y="282"/>
+                  </a:cubicBezTo>
+                  <a:cubicBezTo>
+                    <a:pt x="2293" y="289"/>
+                    <a:pt x="3416" y="1055"/>
+                    <a:pt x="4110" y="1008"/>
+                  </a:cubicBezTo>
+                  <a:cubicBezTo>
+                    <a:pt x="4804" y="961"/>
+                    <a:pt x="5426" y="210"/>
+                    <a:pt x="5772" y="0"/>
+                  </a:cubicBezTo>
+                </a:path>
+              </a:pathLst>
+            </a:custGeom>
+            <a:noFill/>
+            <a:ln w="10795" cap="flat" cmpd="sng" algn="ctr">
+              <a:gradFill>
+                <a:gsLst>
+                  <a:gs pos="74000">
+                    <a:schemeClr val="accent3">
+                      <a:shade val="75000"/>
+                    </a:schemeClr>
+                  </a:gs>
+                  <a:gs pos="86000">
+                    <a:schemeClr val="tx1">
+                      <a:alpha val="29000"/>
+                    </a:schemeClr>
+                  </a:gs>
+                  <a:gs pos="16000">
+                    <a:schemeClr val="accent2">
+                      <a:shade val="75000"/>
+                      <a:alpha val="56000"/>
+                    </a:schemeClr>
+                  </a:gs>
+                </a:gsLst>
+                <a:lin ang="5400000" scaled="1"/>
+              </a:gradFill>
+              <a:prstDash val="solid"/>
+              <a:round/>
+              <a:headEnd type="none" w="med" len="med"/>
+              <a:tailEnd type="none" w="med" len="med"/>
+            </a:ln>
+            <a:effectLst/>
+          </p:spPr>
+          <p:txBody>
+            <a:bodyPr vert="horz" wrap="square" lIns="91440" tIns="45720" rIns="91440" bIns="45720" anchor="t" compatLnSpc="1"/>
+            <a:lstStyle/>
+            <a:p>
+              <a:endParaRPr kumimoji="0" lang="en-US"/>
+            </a:p>
+          </p:txBody>
+        </p:sp>
+        <p:sp>
+          <p:nvSpPr>
+            <p:cNvPr id="13" name="任意多边形 12"/>
+            <p:cNvSpPr>
+              <a:spLocks/>
+            </p:cNvSpPr>
+            <p:nvPr/>
+          </p:nvSpPr>
+          <p:spPr bwMode="auto">
+            <a:xfrm rot="21435692">
+              <a:off x="-14309" y="290003"/>
+              <a:ext cx="9175812" cy="530352"/>
+            </a:xfrm>
+            <a:custGeom>
+              <a:avLst>
+                <a:gd name="A1" fmla="val 0"/>
+                <a:gd name="A2" fmla="val 0"/>
+                <a:gd name="A3" fmla="val 0"/>
+                <a:gd name="A4" fmla="val 0"/>
+                <a:gd name="A5" fmla="val 0"/>
+                <a:gd name="A6" fmla="val 0"/>
+                <a:gd name="A7" fmla="val 0"/>
+                <a:gd name="A8" fmla="val 0"/>
+              </a:avLst>
+              <a:gdLst/>
+              <a:ahLst/>
+              <a:cxnLst>
+                <a:cxn ang="0">
+                  <a:pos x="0" y="732"/>
+                </a:cxn>
+                <a:cxn ang="0">
+                  <a:pos x="1638" y="228"/>
+                </a:cxn>
+                <a:cxn ang="0">
+                  <a:pos x="4122" y="816"/>
+                </a:cxn>
+                <a:cxn ang="0">
+                  <a:pos x="5766" y="0"/>
+                </a:cxn>
+              </a:cxnLst>
+              <a:rect l="0" t="0" r="0" b="0"/>
+              <a:pathLst>
+                <a:path w="5766" h="854">
+                  <a:moveTo>
+                    <a:pt x="0" y="732"/>
+                  </a:moveTo>
+                  <a:cubicBezTo>
+                    <a:pt x="273" y="647"/>
+                    <a:pt x="951" y="214"/>
+                    <a:pt x="1638" y="228"/>
+                  </a:cubicBezTo>
+                  <a:cubicBezTo>
+                    <a:pt x="2325" y="242"/>
+                    <a:pt x="3434" y="854"/>
+                    <a:pt x="4122" y="816"/>
+                  </a:cubicBezTo>
+                  <a:cubicBezTo>
+                    <a:pt x="4810" y="778"/>
+                    <a:pt x="5424" y="170"/>
+                    <a:pt x="5766" y="0"/>
+                  </a:cubicBezTo>
+                </a:path>
+              </a:pathLst>
+            </a:custGeom>
+            <a:noFill/>
+            <a:ln w="9525" cap="flat" cmpd="sng" algn="ctr">
+              <a:gradFill>
+                <a:gsLst>
+                  <a:gs pos="74000">
+                    <a:schemeClr val="accent4"/>
+                  </a:gs>
+                  <a:gs pos="44000">
+                    <a:schemeClr val="accent1"/>
+                  </a:gs>
+                  <a:gs pos="33000">
+                    <a:schemeClr val="accent2">
+                      <a:alpha val="56000"/>
+                    </a:schemeClr>
+                  </a:gs>
+                </a:gsLst>
+                <a:lin ang="5400000" scaled="1"/>
+              </a:gradFill>
+              <a:prstDash val="solid"/>
+              <a:round/>
+              <a:headEnd type="none" w="med" len="med"/>
+              <a:tailEnd type="none" w="med" len="med"/>
+            </a:ln>
+            <a:effectLst/>
+          </p:spPr>
+          <p:txBody>
+            <a:bodyPr vert="horz" wrap="square" lIns="91440" tIns="45720" rIns="91440" bIns="45720" anchor="t" compatLnSpc="1"/>
+            <a:lstStyle/>
+            <a:p>
+              <a:endParaRPr kumimoji="0" lang="en-US"/>
+            </a:p>
+          </p:txBody>
+        </p:sp>
+      </p:grpSp>
     </p:spTree>
   </p:cSld>
   <p:clrMap bg1="lt1" tx1="dk1" bg2="lt2" tx2="dk2" accent1="accent1" accent2="accent2" accent3="accent3" accent4="accent4" accent5="accent5" accent6="accent6" hlink="hlink" folHlink="folHlink"/>
   <p:sldLayoutIdLst>
-    <p:sldLayoutId id="2147483649" r:id="rId1"/>
-    <p:sldLayoutId id="2147483650" r:id="rId2"/>
-    <p:sldLayoutId id="2147483651" r:id="rId3"/>
-    <p:sldLayoutId id="2147483652" r:id="rId4"/>
-    <p:sldLayoutId id="2147483653" r:id="rId5"/>
-    <p:sldLayoutId id="2147483654" r:id="rId6"/>
-    <p:sldLayoutId id="2147483655" r:id="rId7"/>
-    <p:sldLayoutId id="2147483656" r:id="rId8"/>
-    <p:sldLayoutId id="2147483657" r:id="rId9"/>
-    <p:sldLayoutId id="2147483658" r:id="rId10"/>
-    <p:sldLayoutId id="2147483659" r:id="rId11"/>
+    <p:sldLayoutId id="2147483661" r:id="rId1"/>
+    <p:sldLayoutId id="2147483662" r:id="rId2"/>
+    <p:sldLayoutId id="2147483663" r:id="rId3"/>
+    <p:sldLayoutId id="2147483664" r:id="rId4"/>
+    <p:sldLayoutId id="2147483665" r:id="rId5"/>
+    <p:sldLayoutId id="2147483666" r:id="rId6"/>
+    <p:sldLayoutId id="2147483667" r:id="rId7"/>
+    <p:sldLayoutId id="2147483668" r:id="rId8"/>
+    <p:sldLayoutId id="2147483669" r:id="rId9"/>
+    <p:sldLayoutId id="2147483670" r:id="rId10"/>
+    <p:sldLayoutId id="2147483671" r:id="rId11"/>
   </p:sldLayoutIdLst>
   <p:txStyles>
     <p:titleStyle>
-      <a:lvl1pPr algn="ctr" defTabSz="914400" rtl="0" eaLnBrk="1" latinLnBrk="0" hangingPunct="1">
+      <a:lvl1pPr algn="l" rtl="0" eaLnBrk="1" latinLnBrk="0" hangingPunct="1">
         <a:spcBef>
           <a:spcPct val="0"/>
         </a:spcBef>
         <a:buNone/>
-        <a:defRPr sz="4400" kern="1200">
+        <a:defRPr kumimoji="0" sz="5000" b="0" kern="1200">
+          <a:ln>
+            <a:noFill/>
+          </a:ln>
           <a:solidFill>
-            <a:schemeClr val="tx1"/>
+            <a:schemeClr val="tx2"/>
           </a:solidFill>
+          <a:effectLst/>
           <a:latin typeface="+mj-lt"/>
           <a:ea typeface="+mj-ea"/>
           <a:cs typeface="+mj-cs"/>
@@ -2823,13 +3608,17 @@
       </a:lvl1pPr>
     </p:titleStyle>
     <p:bodyStyle>
-      <a:lvl1pPr marL="342900" indent="-342900" algn="l" defTabSz="914400" rtl="0" eaLnBrk="1" latinLnBrk="0" hangingPunct="1">
+      <a:lvl1pPr marL="274320" indent="-274320" algn="l" rtl="0" eaLnBrk="1" latinLnBrk="0" hangingPunct="1">
         <a:spcBef>
           <a:spcPct val="20000"/>
         </a:spcBef>
-        <a:buFont typeface="Arial" pitchFamily="34" charset="0"/>
-        <a:buChar char="•"/>
-        <a:defRPr sz="3200" kern="1200">
+        <a:buClr>
+          <a:schemeClr val="accent3"/>
+        </a:buClr>
+        <a:buSzPct val="95000"/>
+        <a:buFont typeface="Wingdings 2"/>
+        <a:buChar char=""/>
+        <a:defRPr kumimoji="0" sz="2600" kern="1200">
           <a:solidFill>
             <a:schemeClr val="tx1"/>
           </a:solidFill>
@@ -2838,13 +3627,17 @@
           <a:cs typeface="+mn-cs"/>
         </a:defRPr>
       </a:lvl1pPr>
-      <a:lvl2pPr marL="742950" indent="-285750" algn="l" defTabSz="914400" rtl="0" eaLnBrk="1" latinLnBrk="0" hangingPunct="1">
+      <a:lvl2pPr marL="640080" indent="-246888" algn="l" rtl="0" eaLnBrk="1" latinLnBrk="0" hangingPunct="1">
         <a:spcBef>
           <a:spcPct val="20000"/>
         </a:spcBef>
-        <a:buFont typeface="Arial" pitchFamily="34" charset="0"/>
-        <a:buChar char="–"/>
-        <a:defRPr sz="2800" kern="1200">
+        <a:buClr>
+          <a:schemeClr val="accent1"/>
+        </a:buClr>
+        <a:buSzPct val="85000"/>
+        <a:buFont typeface="Wingdings 2"/>
+        <a:buChar char=""/>
+        <a:defRPr kumimoji="0" sz="2400" kern="1200">
           <a:solidFill>
             <a:schemeClr val="tx1"/>
           </a:solidFill>
@@ -2853,13 +3646,17 @@
           <a:cs typeface="+mn-cs"/>
         </a:defRPr>
       </a:lvl2pPr>
-      <a:lvl3pPr marL="1143000" indent="-228600" algn="l" defTabSz="914400" rtl="0" eaLnBrk="1" latinLnBrk="0" hangingPunct="1">
+      <a:lvl3pPr marL="914400" indent="-246888" algn="l" rtl="0" eaLnBrk="1" latinLnBrk="0" hangingPunct="1">
         <a:spcBef>
           <a:spcPct val="20000"/>
         </a:spcBef>
-        <a:buFont typeface="Arial" pitchFamily="34" charset="0"/>
-        <a:buChar char="•"/>
-        <a:defRPr sz="2400" kern="1200">
+        <a:buClr>
+          <a:schemeClr val="accent2"/>
+        </a:buClr>
+        <a:buSzPct val="70000"/>
+        <a:buFont typeface="Wingdings 2"/>
+        <a:buChar char=""/>
+        <a:defRPr kumimoji="0" sz="2100" kern="1200">
           <a:solidFill>
             <a:schemeClr val="tx1"/>
           </a:solidFill>
@@ -2868,13 +3665,17 @@
           <a:cs typeface="+mn-cs"/>
         </a:defRPr>
       </a:lvl3pPr>
-      <a:lvl4pPr marL="1600200" indent="-228600" algn="l" defTabSz="914400" rtl="0" eaLnBrk="1" latinLnBrk="0" hangingPunct="1">
+      <a:lvl4pPr marL="1188720" indent="-210312" algn="l" rtl="0" eaLnBrk="1" latinLnBrk="0" hangingPunct="1">
         <a:spcBef>
           <a:spcPct val="20000"/>
         </a:spcBef>
-        <a:buFont typeface="Arial" pitchFamily="34" charset="0"/>
-        <a:buChar char="–"/>
-        <a:defRPr sz="2000" kern="1200">
+        <a:buClr>
+          <a:schemeClr val="accent3"/>
+        </a:buClr>
+        <a:buSzPct val="65000"/>
+        <a:buFont typeface="Wingdings 2"/>
+        <a:buChar char=""/>
+        <a:defRPr kumimoji="0" sz="2000" kern="1200">
           <a:solidFill>
             <a:schemeClr val="tx1"/>
           </a:solidFill>
@@ -2883,13 +3684,17 @@
           <a:cs typeface="+mn-cs"/>
         </a:defRPr>
       </a:lvl4pPr>
-      <a:lvl5pPr marL="2057400" indent="-228600" algn="l" defTabSz="914400" rtl="0" eaLnBrk="1" latinLnBrk="0" hangingPunct="1">
+      <a:lvl5pPr marL="1463040" indent="-210312" algn="l" rtl="0" eaLnBrk="1" latinLnBrk="0" hangingPunct="1">
         <a:spcBef>
           <a:spcPct val="20000"/>
         </a:spcBef>
-        <a:buFont typeface="Arial" pitchFamily="34" charset="0"/>
-        <a:buChar char="»"/>
-        <a:defRPr sz="2000" kern="1200">
+        <a:buClr>
+          <a:schemeClr val="accent4"/>
+        </a:buClr>
+        <a:buSzPct val="65000"/>
+        <a:buFont typeface="Wingdings 2"/>
+        <a:buChar char=""/>
+        <a:defRPr kumimoji="0" sz="2000" kern="1200">
           <a:solidFill>
             <a:schemeClr val="tx1"/>
           </a:solidFill>
@@ -2898,13 +3703,17 @@
           <a:cs typeface="+mn-cs"/>
         </a:defRPr>
       </a:lvl5pPr>
-      <a:lvl6pPr marL="2514600" indent="-228600" algn="l" defTabSz="914400" rtl="0" eaLnBrk="1" latinLnBrk="0" hangingPunct="1">
+      <a:lvl6pPr marL="1737360" indent="-210312" algn="l" rtl="0" eaLnBrk="1" latinLnBrk="0" hangingPunct="1">
         <a:spcBef>
           <a:spcPct val="20000"/>
         </a:spcBef>
-        <a:buFont typeface="Arial" pitchFamily="34" charset="0"/>
-        <a:buChar char="•"/>
-        <a:defRPr sz="2000" kern="1200">
+        <a:buClr>
+          <a:schemeClr val="accent5"/>
+        </a:buClr>
+        <a:buSzPct val="80000"/>
+        <a:buFont typeface="Wingdings 2"/>
+        <a:buChar char=""/>
+        <a:defRPr kumimoji="0" sz="1800" kern="1200">
           <a:solidFill>
             <a:schemeClr val="tx1"/>
           </a:solidFill>
@@ -2913,13 +3722,17 @@
           <a:cs typeface="+mn-cs"/>
         </a:defRPr>
       </a:lvl6pPr>
-      <a:lvl7pPr marL="2971800" indent="-228600" algn="l" defTabSz="914400" rtl="0" eaLnBrk="1" latinLnBrk="0" hangingPunct="1">
+      <a:lvl7pPr marL="1920240" indent="-182880" algn="l" rtl="0" eaLnBrk="1" latinLnBrk="0" hangingPunct="1">
         <a:spcBef>
           <a:spcPct val="20000"/>
         </a:spcBef>
-        <a:buFont typeface="Arial" pitchFamily="34" charset="0"/>
-        <a:buChar char="•"/>
-        <a:defRPr sz="2000" kern="1200">
+        <a:buClr>
+          <a:schemeClr val="accent6"/>
+        </a:buClr>
+        <a:buSzPct val="80000"/>
+        <a:buFont typeface="Wingdings 2"/>
+        <a:buChar char=""/>
+        <a:defRPr kumimoji="0" sz="1600" kern="1200" baseline="0">
           <a:solidFill>
             <a:schemeClr val="tx1"/>
           </a:solidFill>
@@ -2928,13 +3741,15 @@
           <a:cs typeface="+mn-cs"/>
         </a:defRPr>
       </a:lvl7pPr>
-      <a:lvl8pPr marL="3429000" indent="-228600" algn="l" defTabSz="914400" rtl="0" eaLnBrk="1" latinLnBrk="0" hangingPunct="1">
+      <a:lvl8pPr marL="2194560" indent="-182880" algn="l" rtl="0" eaLnBrk="1" latinLnBrk="0" hangingPunct="1">
         <a:spcBef>
           <a:spcPct val="20000"/>
         </a:spcBef>
-        <a:buFont typeface="Arial" pitchFamily="34" charset="0"/>
+        <a:buClr>
+          <a:schemeClr val="tx2"/>
+        </a:buClr>
         <a:buChar char="•"/>
-        <a:defRPr sz="2000" kern="1200">
+        <a:defRPr kumimoji="0" sz="1600" kern="1200">
           <a:solidFill>
             <a:schemeClr val="tx1"/>
           </a:solidFill>
@@ -2943,13 +3758,16 @@
           <a:cs typeface="+mn-cs"/>
         </a:defRPr>
       </a:lvl8pPr>
-      <a:lvl9pPr marL="3886200" indent="-228600" algn="l" defTabSz="914400" rtl="0" eaLnBrk="1" latinLnBrk="0" hangingPunct="1">
+      <a:lvl9pPr marL="2468880" indent="-182880" algn="l" rtl="0" eaLnBrk="1" latinLnBrk="0" hangingPunct="1">
         <a:spcBef>
           <a:spcPct val="20000"/>
         </a:spcBef>
-        <a:buFont typeface="Arial" pitchFamily="34" charset="0"/>
+        <a:buClr>
+          <a:schemeClr val="tx2"/>
+        </a:buClr>
+        <a:buFontTx/>
         <a:buChar char="•"/>
-        <a:defRPr sz="2000" kern="1200">
+        <a:defRPr kumimoji="0" sz="1400" kern="1200" baseline="0">
           <a:solidFill>
             <a:schemeClr val="tx1"/>
           </a:solidFill>
@@ -2960,11 +3778,8 @@
       </a:lvl9pPr>
     </p:bodyStyle>
     <p:otherStyle>
-      <a:defPPr>
-        <a:defRPr lang="zh-CN"/>
-      </a:defPPr>
-      <a:lvl1pPr marL="0" algn="l" defTabSz="914400" rtl="0" eaLnBrk="1" latinLnBrk="0" hangingPunct="1">
-        <a:defRPr sz="1800" kern="1200">
+      <a:lvl1pPr marL="0" algn="l" rtl="0" eaLnBrk="1" latinLnBrk="0" hangingPunct="1">
+        <a:defRPr kumimoji="0" kern="1200">
           <a:solidFill>
             <a:schemeClr val="tx1"/>
           </a:solidFill>
@@ -2973,8 +3788,8 @@
           <a:cs typeface="+mn-cs"/>
         </a:defRPr>
       </a:lvl1pPr>
-      <a:lvl2pPr marL="457200" algn="l" defTabSz="914400" rtl="0" eaLnBrk="1" latinLnBrk="0" hangingPunct="1">
-        <a:defRPr sz="1800" kern="1200">
+      <a:lvl2pPr marL="457200" algn="l" rtl="0" eaLnBrk="1" latinLnBrk="0" hangingPunct="1">
+        <a:defRPr kumimoji="0" kern="1200">
           <a:solidFill>
             <a:schemeClr val="tx1"/>
           </a:solidFill>
@@ -2983,8 +3798,8 @@
           <a:cs typeface="+mn-cs"/>
         </a:defRPr>
       </a:lvl2pPr>
-      <a:lvl3pPr marL="914400" algn="l" defTabSz="914400" rtl="0" eaLnBrk="1" latinLnBrk="0" hangingPunct="1">
-        <a:defRPr sz="1800" kern="1200">
+      <a:lvl3pPr marL="914400" algn="l" rtl="0" eaLnBrk="1" latinLnBrk="0" hangingPunct="1">
+        <a:defRPr kumimoji="0" kern="1200">
           <a:solidFill>
             <a:schemeClr val="tx1"/>
           </a:solidFill>
@@ -2993,8 +3808,8 @@
           <a:cs typeface="+mn-cs"/>
         </a:defRPr>
       </a:lvl3pPr>
-      <a:lvl4pPr marL="1371600" algn="l" defTabSz="914400" rtl="0" eaLnBrk="1" latinLnBrk="0" hangingPunct="1">
-        <a:defRPr sz="1800" kern="1200">
+      <a:lvl4pPr marL="1371600" algn="l" rtl="0" eaLnBrk="1" latinLnBrk="0" hangingPunct="1">
+        <a:defRPr kumimoji="0" kern="1200">
           <a:solidFill>
             <a:schemeClr val="tx1"/>
           </a:solidFill>
@@ -3003,8 +3818,8 @@
           <a:cs typeface="+mn-cs"/>
         </a:defRPr>
       </a:lvl4pPr>
-      <a:lvl5pPr marL="1828800" algn="l" defTabSz="914400" rtl="0" eaLnBrk="1" latinLnBrk="0" hangingPunct="1">
-        <a:defRPr sz="1800" kern="1200">
+      <a:lvl5pPr marL="1828800" algn="l" rtl="0" eaLnBrk="1" latinLnBrk="0" hangingPunct="1">
+        <a:defRPr kumimoji="0" kern="1200">
           <a:solidFill>
             <a:schemeClr val="tx1"/>
           </a:solidFill>
@@ -3013,8 +3828,8 @@
           <a:cs typeface="+mn-cs"/>
         </a:defRPr>
       </a:lvl5pPr>
-      <a:lvl6pPr marL="2286000" algn="l" defTabSz="914400" rtl="0" eaLnBrk="1" latinLnBrk="0" hangingPunct="1">
-        <a:defRPr sz="1800" kern="1200">
+      <a:lvl6pPr marL="2286000" algn="l" rtl="0" eaLnBrk="1" latinLnBrk="0" hangingPunct="1">
+        <a:defRPr kumimoji="0" kern="1200">
           <a:solidFill>
             <a:schemeClr val="tx1"/>
           </a:solidFill>
@@ -3023,8 +3838,8 @@
           <a:cs typeface="+mn-cs"/>
         </a:defRPr>
       </a:lvl6pPr>
-      <a:lvl7pPr marL="2743200" algn="l" defTabSz="914400" rtl="0" eaLnBrk="1" latinLnBrk="0" hangingPunct="1">
-        <a:defRPr sz="1800" kern="1200">
+      <a:lvl7pPr marL="2743200" algn="l" rtl="0" eaLnBrk="1" latinLnBrk="0" hangingPunct="1">
+        <a:defRPr kumimoji="0" kern="1200">
           <a:solidFill>
             <a:schemeClr val="tx1"/>
           </a:solidFill>
@@ -3033,8 +3848,8 @@
           <a:cs typeface="+mn-cs"/>
         </a:defRPr>
       </a:lvl7pPr>
-      <a:lvl8pPr marL="3200400" algn="l" defTabSz="914400" rtl="0" eaLnBrk="1" latinLnBrk="0" hangingPunct="1">
-        <a:defRPr sz="1800" kern="1200">
+      <a:lvl8pPr marL="3200400" algn="l" rtl="0" eaLnBrk="1" latinLnBrk="0" hangingPunct="1">
+        <a:defRPr kumimoji="0" kern="1200">
           <a:solidFill>
             <a:schemeClr val="tx1"/>
           </a:solidFill>
@@ -3043,8 +3858,8 @@
           <a:cs typeface="+mn-cs"/>
         </a:defRPr>
       </a:lvl8pPr>
-      <a:lvl9pPr marL="3657600" algn="l" defTabSz="914400" rtl="0" eaLnBrk="1" latinLnBrk="0" hangingPunct="1">
-        <a:defRPr sz="1800" kern="1200">
+      <a:lvl9pPr marL="3657600" algn="l" rtl="0" eaLnBrk="1" latinLnBrk="0" hangingPunct="1">
+        <a:defRPr kumimoji="0" kern="1200">
           <a:solidFill>
             <a:schemeClr val="tx1"/>
           </a:solidFill>
@@ -3094,27 +3909,7 @@
           <a:p>
             <a:r>
               <a:rPr lang="zh-CN" altLang="en-US" b="1" dirty="0" smtClean="0"/>
-              <a:t>标</a:t>
-            </a:r>
-            <a:r>
-              <a:rPr lang="zh-CN" altLang="en-US" b="1" dirty="0" smtClean="0"/>
-              <a:t>准库</a:t>
-            </a:r>
-            <a:r>
-              <a:rPr lang="zh-CN" altLang="en-US" b="1" dirty="0" smtClean="0"/>
-              <a:t>关</a:t>
-            </a:r>
-            <a:r>
-              <a:rPr lang="zh-CN" altLang="en-US" b="1" dirty="0" smtClean="0"/>
-              <a:t>联容</a:t>
-            </a:r>
-            <a:r>
-              <a:rPr lang="zh-CN" altLang="en-US" b="1" dirty="0" smtClean="0"/>
-              <a:t>器解读</a:t>
-            </a:r>
-            <a:r>
-              <a:rPr lang="zh-CN" altLang="en-US" b="1" dirty="0" smtClean="0"/>
-              <a:t/>
+              <a:t>标准库关联容器解读</a:t>
             </a:r>
             <a:br>
               <a:rPr lang="zh-CN" altLang="en-US" b="1" dirty="0" smtClean="0"/>
@@ -3138,6 +3933,21 @@
           <a:bodyPr/>
           <a:lstStyle/>
           <a:p>
+            <a:r>
+              <a:rPr lang="en-US" altLang="zh-CN" dirty="0" smtClean="0"/>
+              <a:t>By </a:t>
+            </a:r>
+            <a:r>
+              <a:rPr lang="zh-CN" altLang="en-US" dirty="0" smtClean="0"/>
+              <a:t>蒋鑫登</a:t>
+            </a:r>
+            <a:endParaRPr lang="en-US" altLang="zh-CN" dirty="0" smtClean="0"/>
+          </a:p>
+          <a:p>
+            <a:r>
+              <a:rPr lang="en-US" altLang="zh-CN" dirty="0" smtClean="0"/>
+              <a:t>2018.7.25</a:t>
+            </a:r>
             <a:endParaRPr lang="zh-CN" altLang="en-US" dirty="0"/>
           </a:p>
         </p:txBody>
@@ -3147,6 +3957,13 @@
   <p:clrMapOvr>
     <a:masterClrMapping/>
   </p:clrMapOvr>
+  <p:timing>
+    <p:tnLst>
+      <p:par>
+        <p:cTn id="1" dur="indefinite" restart="never" nodeType="tmRoot"/>
+      </p:par>
+    </p:tnLst>
+  </p:timing>
 </p:sld>
 </file>
 
@@ -3184,57 +4001,52 @@
           <a:p>
             <a:r>
               <a:rPr lang="zh-CN" altLang="en-US" dirty="0" smtClean="0"/>
-              <a:t>二叉树的遍历</a:t>
+              <a:t>特殊形态的二叉树</a:t>
             </a:r>
             <a:endParaRPr lang="zh-CN" altLang="en-US" dirty="0"/>
           </a:p>
         </p:txBody>
       </p:sp>
-      <p:sp>
-        <p:nvSpPr>
-          <p:cNvPr id="3" name="内容占位符 2"/>
-          <p:cNvSpPr>
-            <a:spLocks noGrp="1"/>
-          </p:cNvSpPr>
+      <p:pic>
+        <p:nvPicPr>
+          <p:cNvPr id="4" name="Picture 2" descr="D:\用户目录\下载\b03533fa828ba61e0a41f8d24b34970a314e599b.jpg"/>
+          <p:cNvPicPr>
+            <a:picLocks noGrp="1" noChangeAspect="1" noChangeArrowheads="1"/>
+          </p:cNvPicPr>
           <p:nvPr>
             <p:ph idx="1"/>
           </p:nvPr>
-        </p:nvSpPr>
-        <p:spPr/>
-        <p:txBody>
-          <a:bodyPr/>
-          <a:lstStyle/>
-          <a:p>
-            <a:r>
-              <a:rPr lang="zh-CN" altLang="en-US" dirty="0" smtClean="0"/>
-              <a:t>前序 中 左 右 </a:t>
-            </a:r>
-            <a:endParaRPr lang="en-US" altLang="zh-CN" dirty="0" smtClean="0"/>
-          </a:p>
-          <a:p>
-            <a:r>
-              <a:rPr lang="zh-CN" altLang="en-US" dirty="0" smtClean="0"/>
-              <a:t>中序 左 中 右</a:t>
-            </a:r>
-            <a:endParaRPr lang="en-US" altLang="zh-CN" dirty="0" smtClean="0"/>
-          </a:p>
-          <a:p>
-            <a:r>
-              <a:rPr lang="zh-CN" altLang="en-US" dirty="0" smtClean="0"/>
-              <a:t>后序 左 右 中</a:t>
-            </a:r>
-            <a:br>
-              <a:rPr lang="zh-CN" altLang="en-US" dirty="0" smtClean="0"/>
-            </a:br>
-            <a:endParaRPr lang="zh-CN" altLang="en-US" dirty="0"/>
-          </a:p>
-        </p:txBody>
-      </p:sp>
+        </p:nvPicPr>
+        <p:blipFill>
+          <a:blip r:embed="rId2" cstate="print"/>
+          <a:srcRect/>
+          <a:stretch>
+            <a:fillRect/>
+          </a:stretch>
+        </p:blipFill>
+        <p:spPr bwMode="auto">
+          <a:xfrm>
+            <a:off x="827584" y="2060848"/>
+            <a:ext cx="7272808" cy="4392488"/>
+          </a:xfrm>
+          <a:prstGeom prst="rect">
+            <a:avLst/>
+          </a:prstGeom>
+          <a:noFill/>
+        </p:spPr>
+      </p:pic>
     </p:spTree>
   </p:cSld>
   <p:clrMapOvr>
     <a:masterClrMapping/>
   </p:clrMapOvr>
+  <p:timing>
+    <p:tnLst>
+      <p:par>
+        <p:cTn id="1" dur="indefinite" restart="never" nodeType="tmRoot"/>
+      </p:par>
+    </p:tnLst>
+  </p:timing>
 </p:sld>
 </file>
 
@@ -3271,50 +4083,65 @@
           <a:lstStyle/>
           <a:p>
             <a:r>
-              <a:rPr lang="en-US" altLang="zh-CN" dirty="0" smtClean="0"/>
-              <a:t>// -&gt; </a:t>
-            </a:r>
-            <a:r>
-              <a:rPr lang="en-US" altLang="zh-CN" dirty="0" err="1" smtClean="0"/>
-              <a:t>ldj</a:t>
+              <a:rPr lang="zh-CN" altLang="en-US" dirty="0" smtClean="0"/>
+              <a:t>二叉树的遍历</a:t>
             </a:r>
             <a:endParaRPr lang="zh-CN" altLang="en-US" dirty="0"/>
           </a:p>
         </p:txBody>
       </p:sp>
-      <p:pic>
-        <p:nvPicPr>
-          <p:cNvPr id="3074" name="Picture 2" descr="D:\用户目录\下载\1258519-20171101104826138-904063732.jpg"/>
-          <p:cNvPicPr>
-            <a:picLocks noGrp="1" noChangeAspect="1" noChangeArrowheads="1"/>
-          </p:cNvPicPr>
+      <p:sp>
+        <p:nvSpPr>
+          <p:cNvPr id="3" name="内容占位符 2"/>
+          <p:cNvSpPr>
+            <a:spLocks noGrp="1"/>
+          </p:cNvSpPr>
           <p:nvPr>
             <p:ph idx="1"/>
           </p:nvPr>
-        </p:nvPicPr>
-        <p:blipFill>
-          <a:blip r:embed="rId2" cstate="print"/>
-          <a:srcRect/>
-          <a:stretch>
-            <a:fillRect/>
-          </a:stretch>
-        </p:blipFill>
-        <p:spPr bwMode="auto">
-          <a:xfrm>
-            <a:off x="683568" y="1459862"/>
-            <a:ext cx="7704856" cy="4993474"/>
-          </a:xfrm>
-          <a:prstGeom prst="rect">
-            <a:avLst/>
-          </a:prstGeom>
-          <a:noFill/>
-        </p:spPr>
-      </p:pic>
+        </p:nvSpPr>
+        <p:spPr/>
+        <p:txBody>
+          <a:bodyPr/>
+          <a:lstStyle/>
+          <a:p>
+            <a:r>
+              <a:rPr lang="zh-CN" altLang="en-US" dirty="0" smtClean="0"/>
+              <a:t>前序 中 左 右 </a:t>
+            </a:r>
+            <a:endParaRPr lang="en-US" altLang="zh-CN" dirty="0" smtClean="0"/>
+          </a:p>
+          <a:p>
+            <a:r>
+              <a:rPr lang="zh-CN" altLang="en-US" dirty="0" smtClean="0"/>
+              <a:t>中序 左 中 右</a:t>
+            </a:r>
+            <a:endParaRPr lang="en-US" altLang="zh-CN" dirty="0" smtClean="0"/>
+          </a:p>
+          <a:p>
+            <a:r>
+              <a:rPr lang="zh-CN" altLang="en-US" dirty="0" smtClean="0"/>
+              <a:t>后序 左 右 中</a:t>
+            </a:r>
+            <a:br>
+              <a:rPr lang="zh-CN" altLang="en-US" dirty="0" smtClean="0"/>
+            </a:br>
+            <a:endParaRPr lang="zh-CN" altLang="en-US" dirty="0"/>
+          </a:p>
+        </p:txBody>
+      </p:sp>
     </p:spTree>
   </p:cSld>
   <p:clrMapOvr>
     <a:masterClrMapping/>
   </p:clrMapOvr>
+  <p:timing>
+    <p:tnLst>
+      <p:par>
+        <p:cTn id="1" dur="indefinite" restart="never" nodeType="tmRoot"/>
+      </p:par>
+    </p:tnLst>
+  </p:timing>
 </p:sld>
 </file>
 
@@ -3350,13 +4177,21 @@
           <a:bodyPr/>
           <a:lstStyle/>
           <a:p>
+            <a:r>
+              <a:rPr lang="en-US" altLang="zh-CN" dirty="0" smtClean="0"/>
+              <a:t>// -&gt; </a:t>
+            </a:r>
+            <a:r>
+              <a:rPr lang="en-US" altLang="zh-CN" dirty="0" err="1" smtClean="0"/>
+              <a:t>ldj</a:t>
+            </a:r>
             <a:endParaRPr lang="zh-CN" altLang="en-US" dirty="0"/>
           </a:p>
         </p:txBody>
       </p:sp>
       <p:pic>
         <p:nvPicPr>
-          <p:cNvPr id="4098" name="Picture 2" descr="D:\用户目录\下载\1258519-20171101104826998-2133273743.jpg"/>
+          <p:cNvPr id="3074" name="Picture 2" descr="D:\用户目录\下载\1258519-20171101104826138-904063732.jpg"/>
           <p:cNvPicPr>
             <a:picLocks noGrp="1" noChangeAspect="1" noChangeArrowheads="1"/>
           </p:cNvPicPr>
@@ -3373,8 +4208,8 @@
         </p:blipFill>
         <p:spPr bwMode="auto">
           <a:xfrm>
-            <a:off x="689620" y="1484784"/>
-            <a:ext cx="7770812" cy="4935703"/>
+            <a:off x="1187624" y="2060848"/>
+            <a:ext cx="6840760" cy="4392488"/>
           </a:xfrm>
           <a:prstGeom prst="rect">
             <a:avLst/>
@@ -3387,6 +4222,13 @@
   <p:clrMapOvr>
     <a:masterClrMapping/>
   </p:clrMapOvr>
+  <p:timing>
+    <p:tnLst>
+      <p:par>
+        <p:cTn id="1" dur="indefinite" restart="never" nodeType="tmRoot"/>
+      </p:par>
+    </p:tnLst>
+  </p:timing>
 </p:sld>
 </file>
 
@@ -3428,7 +4270,7 @@
       </p:sp>
       <p:pic>
         <p:nvPicPr>
-          <p:cNvPr id="5122" name="Picture 2" descr="D:\用户目录\下载\1258519-20171101104826138-358742940.jpg"/>
+          <p:cNvPr id="4098" name="Picture 2" descr="D:\用户目录\下载\1258519-20171101104826998-2133273743.jpg"/>
           <p:cNvPicPr>
             <a:picLocks noGrp="1" noChangeAspect="1" noChangeArrowheads="1"/>
           </p:cNvPicPr>
@@ -3438,15 +4280,14 @@
         </p:nvPicPr>
         <p:blipFill>
           <a:blip r:embed="rId2" cstate="print"/>
-          <a:srcRect/>
           <a:stretch>
             <a:fillRect/>
           </a:stretch>
         </p:blipFill>
         <p:spPr bwMode="auto">
           <a:xfrm>
-            <a:off x="683568" y="1484784"/>
-            <a:ext cx="7776864" cy="4896544"/>
+            <a:off x="1409700" y="1981994"/>
+            <a:ext cx="6324600" cy="4295775"/>
           </a:xfrm>
           <a:prstGeom prst="rect">
             <a:avLst/>
@@ -3459,6 +4300,13 @@
   <p:clrMapOvr>
     <a:masterClrMapping/>
   </p:clrMapOvr>
+  <p:timing>
+    <p:tnLst>
+      <p:par>
+        <p:cTn id="1" dur="indefinite" restart="never" nodeType="tmRoot"/>
+      </p:par>
+    </p:tnLst>
+  </p:timing>
 </p:sld>
 </file>
 
@@ -3494,149 +4342,49 @@
           <a:bodyPr/>
           <a:lstStyle/>
           <a:p>
-            <a:r>
-              <a:rPr lang="zh-CN" altLang="en-US" dirty="0" smtClean="0"/>
-              <a:t>平衡二叉树</a:t>
-            </a:r>
             <a:endParaRPr lang="zh-CN" altLang="en-US" dirty="0"/>
           </a:p>
         </p:txBody>
       </p:sp>
-      <p:sp>
-        <p:nvSpPr>
-          <p:cNvPr id="3" name="内容占位符 2"/>
-          <p:cNvSpPr>
-            <a:spLocks noGrp="1"/>
-          </p:cNvSpPr>
+      <p:pic>
+        <p:nvPicPr>
+          <p:cNvPr id="5122" name="Picture 2" descr="D:\用户目录\下载\1258519-20171101104826138-358742940.jpg"/>
+          <p:cNvPicPr>
+            <a:picLocks noGrp="1" noChangeAspect="1" noChangeArrowheads="1"/>
+          </p:cNvPicPr>
           <p:nvPr>
             <p:ph idx="1"/>
           </p:nvPr>
-        </p:nvSpPr>
-        <p:spPr/>
-        <p:txBody>
-          <a:bodyPr>
-            <a:normAutofit fontScale="92500" lnSpcReduction="20000"/>
-          </a:bodyPr>
-          <a:lstStyle/>
-          <a:p>
-            <a:r>
-              <a:rPr lang="en-US" altLang="zh-CN" dirty="0" smtClean="0"/>
-              <a:t>1 AVL</a:t>
-            </a:r>
-          </a:p>
-          <a:p>
-            <a:r>
-              <a:rPr lang="en-US" altLang="zh-CN" dirty="0" smtClean="0"/>
-              <a:t>2 </a:t>
-            </a:r>
-            <a:r>
-              <a:rPr lang="en-US" altLang="zh-CN" dirty="0" smtClean="0">
-                <a:solidFill>
-                  <a:srgbClr val="FF0000"/>
-                </a:solidFill>
-              </a:rPr>
-              <a:t>RB</a:t>
-            </a:r>
-            <a:r>
-              <a:rPr lang="en-US" altLang="zh-CN" dirty="0" smtClean="0"/>
-              <a:t>-Tree</a:t>
-            </a:r>
-          </a:p>
-          <a:p>
-            <a:pPr>
-              <a:buNone/>
-            </a:pPr>
-            <a:r>
-              <a:rPr lang="zh-CN" altLang="en-US" sz="3000" dirty="0" smtClean="0"/>
-              <a:t>一个二叉查找树如满足下面的红黑性质，则为一颗红黑树：</a:t>
-            </a:r>
-            <a:endParaRPr lang="en-US" altLang="zh-CN" sz="3000" dirty="0" smtClean="0"/>
-          </a:p>
-          <a:p>
-            <a:pPr>
-              <a:buNone/>
-            </a:pPr>
-            <a:r>
-              <a:rPr lang="en-US" altLang="zh-CN" sz="3000" dirty="0" smtClean="0"/>
-              <a:t>1) </a:t>
-            </a:r>
-            <a:r>
-              <a:rPr lang="zh-CN" altLang="en-US" sz="3000" dirty="0" smtClean="0"/>
-              <a:t>每个结点非红即黑。</a:t>
-            </a:r>
-            <a:endParaRPr lang="en-US" altLang="zh-CN" sz="3000" dirty="0" smtClean="0"/>
-          </a:p>
-          <a:p>
-            <a:pPr>
-              <a:buNone/>
-            </a:pPr>
-            <a:r>
-              <a:rPr lang="en-US" altLang="zh-CN" sz="3000" dirty="0" smtClean="0"/>
-              <a:t>2) </a:t>
-            </a:r>
-            <a:r>
-              <a:rPr lang="zh-CN" altLang="en-US" sz="3000" dirty="0" smtClean="0"/>
-              <a:t>根节点是黑的。</a:t>
-            </a:r>
-            <a:endParaRPr lang="en-US" altLang="zh-CN" sz="3000" dirty="0" smtClean="0"/>
-          </a:p>
-          <a:p>
-            <a:pPr>
-              <a:buNone/>
-            </a:pPr>
-            <a:r>
-              <a:rPr lang="en-US" altLang="zh-CN" sz="3000" dirty="0" smtClean="0"/>
-              <a:t>3) </a:t>
-            </a:r>
-            <a:r>
-              <a:rPr lang="zh-CN" altLang="en-US" sz="3000" dirty="0" smtClean="0"/>
-              <a:t>每个叶结点</a:t>
-            </a:r>
-            <a:r>
-              <a:rPr lang="en-US" altLang="zh-CN" sz="3000" dirty="0" smtClean="0"/>
-              <a:t>(NIL)</a:t>
-            </a:r>
-            <a:r>
-              <a:rPr lang="zh-CN" altLang="en-US" sz="3000" dirty="0" smtClean="0"/>
-              <a:t>是黑的。</a:t>
-            </a:r>
-            <a:endParaRPr lang="en-US" altLang="zh-CN" sz="3000" dirty="0" smtClean="0"/>
-          </a:p>
-          <a:p>
-            <a:pPr>
-              <a:buNone/>
-            </a:pPr>
-            <a:r>
-              <a:rPr lang="en-US" altLang="zh-CN" sz="3000" dirty="0" smtClean="0"/>
-              <a:t>4) </a:t>
-            </a:r>
-            <a:r>
-              <a:rPr lang="zh-CN" altLang="en-US" sz="3000" dirty="0" smtClean="0"/>
-              <a:t>如果一个结点是红的，则它两个儿子都是黑的。</a:t>
-            </a:r>
-            <a:endParaRPr lang="en-US" altLang="zh-CN" sz="3000" dirty="0" smtClean="0"/>
-          </a:p>
-          <a:p>
-            <a:pPr>
-              <a:buNone/>
-            </a:pPr>
-            <a:r>
-              <a:rPr lang="en-US" altLang="zh-CN" sz="3000" dirty="0" smtClean="0"/>
-              <a:t>5) </a:t>
-            </a:r>
-            <a:r>
-              <a:rPr lang="zh-CN" altLang="en-US" sz="3000" dirty="0" smtClean="0"/>
-              <a:t>对每个结点，从该结点到其孙子结点的所有路径上包含相同数目的黑结点。</a:t>
-            </a:r>
-            <a:endParaRPr lang="zh-CN" altLang="en-US" sz="3000" dirty="0"/>
-          </a:p>
-        </p:txBody>
-      </p:sp>
+        </p:nvPicPr>
+        <p:blipFill>
+          <a:blip r:embed="rId2" cstate="print"/>
+          <a:stretch>
+            <a:fillRect/>
+          </a:stretch>
+        </p:blipFill>
+        <p:spPr bwMode="auto">
+          <a:xfrm>
+            <a:off x="1419225" y="2001044"/>
+            <a:ext cx="6305550" cy="4257675"/>
+          </a:xfrm>
+          <a:prstGeom prst="rect">
+            <a:avLst/>
+          </a:prstGeom>
+          <a:noFill/>
+        </p:spPr>
+      </p:pic>
     </p:spTree>
   </p:cSld>
   <p:clrMapOvr>
     <a:masterClrMapping/>
   </p:clrMapOvr>
+  <p:timing>
+    <p:tnLst>
+      <p:par>
+        <p:cTn id="1" dur="indefinite" restart="never" nodeType="tmRoot"/>
+      </p:par>
+    </p:tnLst>
+  </p:timing>
 </p:sld>
 </file>
 
@@ -3674,91 +4422,139 @@
           <a:p>
             <a:r>
               <a:rPr lang="zh-CN" altLang="en-US" dirty="0" smtClean="0"/>
-              <a:t>红黑树的相关操作</a:t>
-            </a:r>
+              <a:t>平衡二叉树</a:t>
+            </a:r>
+            <a:endParaRPr lang="zh-CN" altLang="en-US" dirty="0"/>
+          </a:p>
+        </p:txBody>
+      </p:sp>
+      <p:sp>
+        <p:nvSpPr>
+          <p:cNvPr id="3" name="内容占位符 2"/>
+          <p:cNvSpPr>
+            <a:spLocks noGrp="1"/>
+          </p:cNvSpPr>
+          <p:nvPr>
+            <p:ph idx="1"/>
+          </p:nvPr>
+        </p:nvSpPr>
+        <p:spPr/>
+        <p:txBody>
+          <a:bodyPr>
+            <a:normAutofit fontScale="92500" lnSpcReduction="20000"/>
+          </a:bodyPr>
+          <a:lstStyle/>
+          <a:p>
             <a:r>
               <a:rPr lang="en-US" altLang="zh-CN" dirty="0" smtClean="0"/>
-              <a:t>	</a:t>
-            </a:r>
-            <a:endParaRPr lang="zh-CN" altLang="en-US" dirty="0"/>
-          </a:p>
-        </p:txBody>
-      </p:sp>
-      <p:sp>
-        <p:nvSpPr>
-          <p:cNvPr id="3" name="内容占位符 2"/>
-          <p:cNvSpPr>
-            <a:spLocks noGrp="1"/>
-          </p:cNvSpPr>
-          <p:nvPr>
-            <p:ph idx="1"/>
-          </p:nvPr>
-        </p:nvSpPr>
-        <p:spPr/>
-        <p:txBody>
-          <a:bodyPr/>
-          <a:lstStyle/>
+              <a:t>1 AVL</a:t>
+            </a:r>
+          </a:p>
           <a:p>
             <a:r>
               <a:rPr lang="en-US" altLang="zh-CN" dirty="0" smtClean="0"/>
-              <a:t>0 </a:t>
-            </a:r>
-            <a:r>
-              <a:rPr lang="zh-CN" altLang="en-US" dirty="0" smtClean="0"/>
-              <a:t>先看树的初始化</a:t>
-            </a:r>
-            <a:endParaRPr lang="en-US" altLang="zh-CN" dirty="0" smtClean="0"/>
+              <a:t>2 </a:t>
+            </a:r>
+            <a:r>
+              <a:rPr lang="en-US" altLang="zh-CN" dirty="0" smtClean="0">
+                <a:solidFill>
+                  <a:srgbClr val="FF0000"/>
+                </a:solidFill>
+              </a:rPr>
+              <a:t>RB</a:t>
+            </a:r>
+            <a:r>
+              <a:rPr lang="en-US" altLang="zh-CN" dirty="0" smtClean="0"/>
+              <a:t>-Tree</a:t>
+            </a:r>
           </a:p>
           <a:p>
             <a:pPr>
               <a:buNone/>
             </a:pPr>
-            <a:endParaRPr lang="en-US" altLang="zh-CN" dirty="0" smtClean="0"/>
-          </a:p>
-          <a:p>
-            <a:r>
-              <a:rPr lang="en-US" altLang="zh-CN" dirty="0" smtClean="0"/>
-              <a:t>1 </a:t>
-            </a:r>
-            <a:r>
-              <a:rPr lang="zh-CN" altLang="en-US" dirty="0" smtClean="0"/>
-              <a:t>搜索</a:t>
-            </a:r>
-            <a:endParaRPr lang="en-US" altLang="zh-CN" dirty="0" smtClean="0"/>
-          </a:p>
-          <a:p>
-            <a:endParaRPr lang="en-US" altLang="zh-CN" dirty="0" smtClean="0"/>
-          </a:p>
-          <a:p>
-            <a:r>
-              <a:rPr lang="en-US" altLang="zh-CN" dirty="0" smtClean="0"/>
-              <a:t>2 </a:t>
-            </a:r>
-            <a:r>
-              <a:rPr lang="zh-CN" altLang="en-US" dirty="0" smtClean="0"/>
-              <a:t>插入</a:t>
-            </a:r>
-            <a:endParaRPr lang="en-US" altLang="zh-CN" dirty="0" smtClean="0"/>
-          </a:p>
-          <a:p>
-            <a:endParaRPr lang="en-US" altLang="zh-CN" dirty="0" smtClean="0"/>
-          </a:p>
-          <a:p>
-            <a:r>
-              <a:rPr lang="en-US" altLang="zh-CN" dirty="0" smtClean="0"/>
-              <a:t>3 </a:t>
-            </a:r>
-            <a:r>
-              <a:rPr lang="zh-CN" altLang="en-US" dirty="0" smtClean="0"/>
-              <a:t>删除</a:t>
-            </a:r>
-            <a:endParaRPr lang="en-US" altLang="zh-CN" dirty="0" smtClean="0"/>
+            <a:r>
+              <a:rPr lang="zh-CN" altLang="en-US" sz="3000" dirty="0" smtClean="0"/>
+              <a:t>一个二叉查找树如满足下面的红黑性质，则为一颗红黑树：</a:t>
+            </a:r>
+            <a:endParaRPr lang="en-US" altLang="zh-CN" sz="3000" dirty="0" smtClean="0"/>
           </a:p>
           <a:p>
             <a:pPr>
               <a:buNone/>
             </a:pPr>
-            <a:endParaRPr lang="zh-CN" altLang="en-US" dirty="0"/>
+            <a:r>
+              <a:rPr lang="en-US" altLang="zh-CN" sz="3000" dirty="0" smtClean="0"/>
+              <a:t>1) </a:t>
+            </a:r>
+            <a:r>
+              <a:rPr lang="zh-CN" altLang="en-US" sz="3000" dirty="0" smtClean="0"/>
+              <a:t>每个结点非红即黑。</a:t>
+            </a:r>
+            <a:endParaRPr lang="en-US" altLang="zh-CN" sz="3000" dirty="0" smtClean="0"/>
+          </a:p>
+          <a:p>
+            <a:pPr>
+              <a:buNone/>
+            </a:pPr>
+            <a:r>
+              <a:rPr lang="en-US" altLang="zh-CN" sz="3000" dirty="0" smtClean="0"/>
+              <a:t>2) </a:t>
+            </a:r>
+            <a:r>
+              <a:rPr lang="zh-CN" altLang="en-US" sz="3000" dirty="0" smtClean="0"/>
+              <a:t>根节点是黑的。</a:t>
+            </a:r>
+            <a:endParaRPr lang="en-US" altLang="zh-CN" sz="3000" dirty="0" smtClean="0"/>
+          </a:p>
+          <a:p>
+            <a:pPr>
+              <a:buNone/>
+            </a:pPr>
+            <a:r>
+              <a:rPr lang="en-US" altLang="zh-CN" sz="3000" dirty="0" smtClean="0"/>
+              <a:t>3) </a:t>
+            </a:r>
+            <a:r>
+              <a:rPr lang="zh-CN" altLang="en-US" sz="3000" dirty="0" smtClean="0"/>
+              <a:t>每个叶结点</a:t>
+            </a:r>
+            <a:r>
+              <a:rPr lang="en-US" altLang="zh-CN" sz="3000" dirty="0" smtClean="0"/>
+              <a:t>(NIL)</a:t>
+            </a:r>
+            <a:r>
+              <a:rPr lang="zh-CN" altLang="en-US" sz="3000" dirty="0" smtClean="0"/>
+              <a:t>是黑的。</a:t>
+            </a:r>
+            <a:endParaRPr lang="en-US" altLang="zh-CN" sz="3000" dirty="0" smtClean="0"/>
+          </a:p>
+          <a:p>
+            <a:pPr>
+              <a:buNone/>
+            </a:pPr>
+            <a:r>
+              <a:rPr lang="en-US" altLang="zh-CN" sz="3000" dirty="0" smtClean="0"/>
+              <a:t>4) </a:t>
+            </a:r>
+            <a:r>
+              <a:rPr lang="zh-CN" altLang="en-US" sz="3000" dirty="0" smtClean="0"/>
+              <a:t>如果一个结点是红的，则它两个儿子都是黑的。</a:t>
+            </a:r>
+            <a:endParaRPr lang="en-US" altLang="zh-CN" sz="3000" dirty="0" smtClean="0"/>
+          </a:p>
+          <a:p>
+            <a:pPr>
+              <a:buNone/>
+            </a:pPr>
+            <a:r>
+              <a:rPr lang="en-US" altLang="zh-CN" sz="3000" dirty="0" smtClean="0"/>
+              <a:t>5) </a:t>
+            </a:r>
+            <a:r>
+              <a:rPr lang="zh-CN" altLang="en-US" sz="3000" dirty="0" smtClean="0"/>
+              <a:t>对每个结点，从该结点到其孙子结点的所有路径上包含相同数目的黑结点。</a:t>
+            </a:r>
+            <a:endParaRPr lang="zh-CN" altLang="en-US" sz="3000" dirty="0"/>
           </a:p>
         </p:txBody>
       </p:sp>
@@ -3767,6 +4563,13 @@
   <p:clrMapOvr>
     <a:masterClrMapping/>
   </p:clrMapOvr>
+  <p:timing>
+    <p:tnLst>
+      <p:par>
+        <p:cTn id="1" dur="indefinite" restart="never" nodeType="tmRoot"/>
+      </p:par>
+    </p:tnLst>
+  </p:timing>
 </p:sld>
 </file>
 
@@ -3799,6 +4602,226 @@
         </p:nvSpPr>
         <p:spPr/>
         <p:txBody>
+          <a:bodyPr/>
+          <a:lstStyle/>
+          <a:p>
+            <a:r>
+              <a:rPr lang="zh-CN" altLang="en-US" dirty="0" smtClean="0"/>
+              <a:t>红黑树的相关操作</a:t>
+            </a:r>
+            <a:r>
+              <a:rPr lang="en-US" altLang="zh-CN" dirty="0" smtClean="0"/>
+              <a:t>	</a:t>
+            </a:r>
+            <a:endParaRPr lang="zh-CN" altLang="en-US" dirty="0"/>
+          </a:p>
+        </p:txBody>
+      </p:sp>
+      <p:sp>
+        <p:nvSpPr>
+          <p:cNvPr id="3" name="内容占位符 2"/>
+          <p:cNvSpPr>
+            <a:spLocks noGrp="1"/>
+          </p:cNvSpPr>
+          <p:nvPr>
+            <p:ph idx="1"/>
+          </p:nvPr>
+        </p:nvSpPr>
+        <p:spPr/>
+        <p:txBody>
+          <a:bodyPr/>
+          <a:lstStyle/>
+          <a:p>
+            <a:r>
+              <a:rPr lang="en-US" altLang="zh-CN" dirty="0" smtClean="0"/>
+              <a:t>0 </a:t>
+            </a:r>
+            <a:r>
+              <a:rPr lang="zh-CN" altLang="en-US" dirty="0" smtClean="0"/>
+              <a:t>先看树的初始化</a:t>
+            </a:r>
+            <a:endParaRPr lang="en-US" altLang="zh-CN" dirty="0" smtClean="0"/>
+          </a:p>
+          <a:p>
+            <a:pPr>
+              <a:buNone/>
+            </a:pPr>
+            <a:endParaRPr lang="en-US" altLang="zh-CN" dirty="0" smtClean="0"/>
+          </a:p>
+          <a:p>
+            <a:r>
+              <a:rPr lang="en-US" altLang="zh-CN" dirty="0" smtClean="0"/>
+              <a:t>1 </a:t>
+            </a:r>
+            <a:r>
+              <a:rPr lang="zh-CN" altLang="en-US" dirty="0" smtClean="0"/>
+              <a:t>搜索</a:t>
+            </a:r>
+            <a:endParaRPr lang="en-US" altLang="zh-CN" dirty="0" smtClean="0"/>
+          </a:p>
+          <a:p>
+            <a:endParaRPr lang="en-US" altLang="zh-CN" dirty="0" smtClean="0"/>
+          </a:p>
+          <a:p>
+            <a:r>
+              <a:rPr lang="en-US" altLang="zh-CN" dirty="0" smtClean="0"/>
+              <a:t>2 </a:t>
+            </a:r>
+            <a:r>
+              <a:rPr lang="zh-CN" altLang="en-US" dirty="0" smtClean="0"/>
+              <a:t>插入</a:t>
+            </a:r>
+            <a:endParaRPr lang="en-US" altLang="zh-CN" dirty="0" smtClean="0"/>
+          </a:p>
+          <a:p>
+            <a:endParaRPr lang="en-US" altLang="zh-CN" dirty="0" smtClean="0"/>
+          </a:p>
+          <a:p>
+            <a:r>
+              <a:rPr lang="en-US" altLang="zh-CN" dirty="0" smtClean="0"/>
+              <a:t>3 </a:t>
+            </a:r>
+            <a:r>
+              <a:rPr lang="zh-CN" altLang="en-US" dirty="0" smtClean="0"/>
+              <a:t>删除</a:t>
+            </a:r>
+            <a:endParaRPr lang="en-US" altLang="zh-CN" dirty="0" smtClean="0"/>
+          </a:p>
+          <a:p>
+            <a:pPr>
+              <a:buNone/>
+            </a:pPr>
+            <a:endParaRPr lang="zh-CN" altLang="en-US" dirty="0"/>
+          </a:p>
+        </p:txBody>
+      </p:sp>
+    </p:spTree>
+  </p:cSld>
+  <p:clrMapOvr>
+    <a:masterClrMapping/>
+  </p:clrMapOvr>
+  <p:timing>
+    <p:tnLst>
+      <p:par>
+        <p:cTn id="1" dur="indefinite" restart="never" nodeType="tmRoot"/>
+      </p:par>
+    </p:tnLst>
+  </p:timing>
+</p:sld>
+</file>
+
+<file path=ppt/slides/slide17.xml><?xml version="1.0" encoding="utf-8"?>
+<p:sld xmlns:a="http://schemas.openxmlformats.org/drawingml/2006/main" xmlns:r="http://schemas.openxmlformats.org/officeDocument/2006/relationships" xmlns:p="http://schemas.openxmlformats.org/presentationml/2006/main">
+  <p:cSld>
+    <p:spTree>
+      <p:nvGrpSpPr>
+        <p:cNvPr id="1" name=""/>
+        <p:cNvGrpSpPr/>
+        <p:nvPr/>
+      </p:nvGrpSpPr>
+      <p:grpSpPr>
+        <a:xfrm>
+          <a:off x="0" y="0"/>
+          <a:ext cx="0" cy="0"/>
+          <a:chOff x="0" y="0"/>
+          <a:chExt cx="0" cy="0"/>
+        </a:xfrm>
+      </p:grpSpPr>
+      <p:sp>
+        <p:nvSpPr>
+          <p:cNvPr id="2" name="标题 1"/>
+          <p:cNvSpPr>
+            <a:spLocks noGrp="1"/>
+          </p:cNvSpPr>
+          <p:nvPr>
+            <p:ph type="title"/>
+          </p:nvPr>
+        </p:nvSpPr>
+        <p:spPr/>
+        <p:txBody>
+          <a:bodyPr/>
+          <a:lstStyle/>
+          <a:p>
+            <a:endParaRPr lang="zh-CN" altLang="en-US"/>
+          </a:p>
+        </p:txBody>
+      </p:sp>
+      <p:pic>
+        <p:nvPicPr>
+          <p:cNvPr id="1026" name="Picture 2"/>
+          <p:cNvPicPr>
+            <a:picLocks noChangeAspect="1" noChangeArrowheads="1"/>
+          </p:cNvPicPr>
+          <p:nvPr/>
+        </p:nvPicPr>
+        <p:blipFill>
+          <a:blip r:embed="rId2" cstate="print"/>
+          <a:srcRect/>
+          <a:stretch>
+            <a:fillRect/>
+          </a:stretch>
+        </p:blipFill>
+        <p:spPr bwMode="auto">
+          <a:xfrm>
+            <a:off x="492789" y="1985964"/>
+            <a:ext cx="8183667" cy="3700972"/>
+          </a:xfrm>
+          <a:prstGeom prst="rect">
+            <a:avLst/>
+          </a:prstGeom>
+          <a:noFill/>
+          <a:ln w="9525">
+            <a:noFill/>
+            <a:miter lim="800000"/>
+            <a:headEnd/>
+            <a:tailEnd/>
+          </a:ln>
+        </p:spPr>
+      </p:pic>
+    </p:spTree>
+  </p:cSld>
+  <p:clrMapOvr>
+    <a:masterClrMapping/>
+  </p:clrMapOvr>
+  <p:timing>
+    <p:tnLst>
+      <p:par>
+        <p:cTn id="1" dur="indefinite" restart="never" nodeType="tmRoot"/>
+      </p:par>
+    </p:tnLst>
+  </p:timing>
+</p:sld>
+</file>
+
+<file path=ppt/slides/slide18.xml><?xml version="1.0" encoding="utf-8"?>
+<p:sld xmlns:a="http://schemas.openxmlformats.org/drawingml/2006/main" xmlns:r="http://schemas.openxmlformats.org/officeDocument/2006/relationships" xmlns:p="http://schemas.openxmlformats.org/presentationml/2006/main">
+  <p:cSld>
+    <p:spTree>
+      <p:nvGrpSpPr>
+        <p:cNvPr id="1" name=""/>
+        <p:cNvGrpSpPr/>
+        <p:nvPr/>
+      </p:nvGrpSpPr>
+      <p:grpSpPr>
+        <a:xfrm>
+          <a:off x="0" y="0"/>
+          <a:ext cx="0" cy="0"/>
+          <a:chOff x="0" y="0"/>
+          <a:chExt cx="0" cy="0"/>
+        </a:xfrm>
+      </p:grpSpPr>
+      <p:sp>
+        <p:nvSpPr>
+          <p:cNvPr id="2" name="标题 1"/>
+          <p:cNvSpPr>
+            <a:spLocks noGrp="1"/>
+          </p:cNvSpPr>
+          <p:nvPr>
+            <p:ph type="title"/>
+          </p:nvPr>
+        </p:nvSpPr>
+        <p:spPr/>
+        <p:txBody>
           <a:bodyPr>
             <a:normAutofit/>
           </a:bodyPr>
@@ -3810,19 +4833,11 @@
             </a:r>
             <a:r>
               <a:rPr lang="zh-CN" altLang="en-US" smtClean="0"/>
-              <a:t>操</a:t>
-            </a:r>
-            <a:r>
-              <a:rPr lang="zh-CN" altLang="en-US" smtClean="0"/>
-              <a:t>作的</a:t>
-            </a:r>
-            <a:r>
-              <a:rPr lang="zh-CN" altLang="en-US" dirty="0" smtClean="0"/>
-              <a:t>情</a:t>
-            </a:r>
-            <a:r>
-              <a:rPr lang="zh-CN" altLang="en-US" dirty="0" smtClean="0"/>
-              <a:t>况</a:t>
+              <a:t>操作的</a:t>
+            </a:r>
+            <a:r>
+              <a:rPr lang="zh-CN" altLang="en-US" dirty="0" smtClean="0"/>
+              <a:t>情况</a:t>
             </a:r>
             <a:endParaRPr lang="zh-CN" altLang="en-US" dirty="0"/>
           </a:p>
@@ -3906,10 +4921,17 @@
   <p:clrMapOvr>
     <a:masterClrMapping/>
   </p:clrMapOvr>
+  <p:timing>
+    <p:tnLst>
+      <p:par>
+        <p:cTn id="1" dur="indefinite" restart="never" nodeType="tmRoot"/>
+      </p:par>
+    </p:tnLst>
+  </p:timing>
 </p:sld>
 </file>
 
-<file path=ppt/slides/slide17.xml><?xml version="1.0" encoding="utf-8"?>
+<file path=ppt/slides/slide19.xml><?xml version="1.0" encoding="utf-8"?>
 <p:sld xmlns:a="http://schemas.openxmlformats.org/drawingml/2006/main" xmlns:r="http://schemas.openxmlformats.org/officeDocument/2006/relationships" xmlns:p="http://schemas.openxmlformats.org/presentationml/2006/main">
   <p:cSld>
     <p:spTree>
@@ -3943,15 +4965,7 @@
           <a:p>
             <a:r>
               <a:rPr lang="zh-CN" altLang="en-US" dirty="0" smtClean="0"/>
-              <a:t>插入操</a:t>
-            </a:r>
-            <a:r>
-              <a:rPr lang="zh-CN" altLang="en-US" dirty="0" smtClean="0"/>
-              <a:t>作的情</a:t>
-            </a:r>
-            <a:r>
-              <a:rPr lang="zh-CN" altLang="en-US" dirty="0" smtClean="0"/>
-              <a:t>况</a:t>
+              <a:t>插入操作的情况</a:t>
             </a:r>
             <a:endParaRPr lang="zh-CN" altLang="en-US" dirty="0"/>
           </a:p>
@@ -4074,11 +5088,7 @@
           <a:p>
             <a:r>
               <a:rPr lang="zh-CN" altLang="en-US" dirty="0" smtClean="0"/>
-              <a:t>标</a:t>
-            </a:r>
-            <a:r>
-              <a:rPr lang="zh-CN" altLang="en-US" dirty="0" smtClean="0"/>
-              <a:t>准库组件概览</a:t>
+              <a:t>标准库组件概览</a:t>
             </a:r>
             <a:endParaRPr lang="zh-CN" altLang="en-US" dirty="0"/>
           </a:p>
@@ -4101,8 +5111,8 @@
         </p:blipFill>
         <p:spPr bwMode="auto">
           <a:xfrm>
-            <a:off x="899592" y="1556792"/>
-            <a:ext cx="6840760" cy="4752528"/>
+            <a:off x="899592" y="1988840"/>
+            <a:ext cx="6840760" cy="4320480"/>
           </a:xfrm>
           <a:prstGeom prst="rect">
             <a:avLst/>
@@ -4116,6 +5126,129 @@
           </a:ln>
         </p:spPr>
       </p:pic>
+    </p:spTree>
+  </p:cSld>
+  <p:clrMapOvr>
+    <a:masterClrMapping/>
+  </p:clrMapOvr>
+  <p:timing>
+    <p:tnLst>
+      <p:par>
+        <p:cTn id="1" dur="indefinite" restart="never" nodeType="tmRoot"/>
+      </p:par>
+    </p:tnLst>
+  </p:timing>
+</p:sld>
+</file>
+
+<file path=ppt/slides/slide20.xml><?xml version="1.0" encoding="utf-8"?>
+<p:sld xmlns:a="http://schemas.openxmlformats.org/drawingml/2006/main" xmlns:r="http://schemas.openxmlformats.org/officeDocument/2006/relationships" xmlns:p="http://schemas.openxmlformats.org/presentationml/2006/main">
+  <p:cSld>
+    <p:spTree>
+      <p:nvGrpSpPr>
+        <p:cNvPr id="1" name=""/>
+        <p:cNvGrpSpPr/>
+        <p:nvPr/>
+      </p:nvGrpSpPr>
+      <p:grpSpPr>
+        <a:xfrm>
+          <a:off x="0" y="0"/>
+          <a:ext cx="0" cy="0"/>
+          <a:chOff x="0" y="0"/>
+          <a:chExt cx="0" cy="0"/>
+        </a:xfrm>
+      </p:grpSpPr>
+      <p:sp>
+        <p:nvSpPr>
+          <p:cNvPr id="2" name="标题 1"/>
+          <p:cNvSpPr>
+            <a:spLocks noGrp="1"/>
+          </p:cNvSpPr>
+          <p:nvPr>
+            <p:ph type="title"/>
+          </p:nvPr>
+        </p:nvSpPr>
+        <p:spPr/>
+        <p:txBody>
+          <a:bodyPr/>
+          <a:lstStyle/>
+          <a:p>
+            <a:r>
+              <a:rPr lang="zh-CN" altLang="en-US" dirty="0" smtClean="0"/>
+              <a:t>熟悉标准库的好处</a:t>
+            </a:r>
+            <a:endParaRPr lang="zh-CN" altLang="en-US" dirty="0"/>
+          </a:p>
+        </p:txBody>
+      </p:sp>
+      <p:sp>
+        <p:nvSpPr>
+          <p:cNvPr id="3" name="内容占位符 2"/>
+          <p:cNvSpPr>
+            <a:spLocks noGrp="1"/>
+          </p:cNvSpPr>
+          <p:nvPr>
+            <p:ph idx="1"/>
+          </p:nvPr>
+        </p:nvSpPr>
+        <p:spPr/>
+        <p:txBody>
+          <a:bodyPr/>
+          <a:lstStyle/>
+          <a:p>
+            <a:r>
+              <a:rPr lang="zh-CN" altLang="en-US" dirty="0" smtClean="0"/>
+              <a:t>容器的使用更加精</a:t>
+            </a:r>
+            <a:r>
+              <a:rPr lang="zh-CN" altLang="en-US" dirty="0" smtClean="0"/>
+              <a:t>准</a:t>
+            </a:r>
+            <a:endParaRPr lang="en-US" altLang="zh-CN" dirty="0" smtClean="0"/>
+          </a:p>
+          <a:p>
+            <a:endParaRPr lang="en-US" altLang="zh-CN" dirty="0" smtClean="0"/>
+          </a:p>
+          <a:p>
+            <a:r>
+              <a:rPr lang="zh-CN" altLang="en-US" dirty="0" smtClean="0"/>
+              <a:t>避免踩雷与制造雷区</a:t>
+            </a:r>
+            <a:r>
+              <a:rPr lang="zh-CN" altLang="en-US" dirty="0" smtClean="0"/>
+              <a:t>。</a:t>
+            </a:r>
+            <a:endParaRPr lang="en-US" altLang="zh-CN" dirty="0" smtClean="0"/>
+          </a:p>
+          <a:p>
+            <a:endParaRPr lang="en-US" altLang="zh-CN" dirty="0" smtClean="0"/>
+          </a:p>
+          <a:p>
+            <a:r>
+              <a:rPr lang="zh-CN" altLang="en-US" dirty="0" smtClean="0"/>
+              <a:t>山珍海味，偶尔一品还是比较补的</a:t>
+            </a:r>
+            <a:r>
+              <a:rPr lang="zh-CN" altLang="en-US" dirty="0" smtClean="0"/>
+              <a:t>。</a:t>
+            </a:r>
+            <a:endParaRPr lang="en-US" altLang="zh-CN" dirty="0" smtClean="0"/>
+          </a:p>
+          <a:p>
+            <a:endParaRPr lang="en-US" altLang="zh-CN" dirty="0" smtClean="0"/>
+          </a:p>
+          <a:p>
+            <a:r>
+              <a:rPr lang="zh-CN" altLang="en-US" dirty="0" smtClean="0"/>
+              <a:t>领悟思想，继往开来。</a:t>
+            </a:r>
+            <a:endParaRPr lang="en-US" altLang="zh-CN" dirty="0" smtClean="0"/>
+          </a:p>
+          <a:p>
+            <a:endParaRPr lang="zh-CN" altLang="en-US" dirty="0"/>
+          </a:p>
+        </p:txBody>
+      </p:sp>
     </p:spTree>
   </p:cSld>
   <p:clrMapOvr>
@@ -4165,7 +5298,23 @@
           <a:p>
             <a:r>
               <a:rPr lang="zh-CN" altLang="en-US" dirty="0" smtClean="0"/>
-              <a:t>树的概念</a:t>
+              <a:t>标准库中</a:t>
+            </a:r>
+            <a:r>
+              <a:rPr lang="zh-CN" altLang="en-US" dirty="0" smtClean="0"/>
+              <a:t>的</a:t>
+            </a:r>
+            <a:r>
+              <a:rPr lang="zh-CN" altLang="en-US" dirty="0" smtClean="0"/>
+              <a:t>关联</a:t>
+            </a:r>
+            <a:r>
+              <a:rPr lang="zh-CN" altLang="en-US" dirty="0" smtClean="0"/>
+              <a:t>容</a:t>
+            </a:r>
+            <a:r>
+              <a:rPr lang="zh-CN" altLang="en-US" dirty="0" smtClean="0"/>
+              <a:t>器</a:t>
             </a:r>
             <a:endParaRPr lang="zh-CN" altLang="en-US" dirty="0"/>
           </a:p>
@@ -4187,163 +5336,38 @@
           <a:lstStyle/>
           <a:p>
             <a:r>
-              <a:rPr lang="zh-CN" altLang="en-US" b="1" dirty="0" smtClean="0"/>
-              <a:t>树</a:t>
-            </a:r>
-            <a:r>
-              <a:rPr lang="zh-CN" altLang="en-US" dirty="0" smtClean="0"/>
-              <a:t>（</a:t>
-            </a:r>
-            <a:r>
               <a:rPr lang="en-US" altLang="zh-CN" dirty="0" smtClean="0"/>
-              <a:t>Tree</a:t>
-            </a:r>
-            <a:r>
-              <a:rPr lang="zh-CN" altLang="en-US" dirty="0" smtClean="0"/>
-              <a:t>）是</a:t>
-            </a:r>
+              <a:t>Set</a:t>
+            </a:r>
+          </a:p>
+          <a:p>
+            <a:endParaRPr lang="en-US" altLang="zh-CN" dirty="0" smtClean="0"/>
+          </a:p>
+          <a:p>
+            <a:r>
+              <a:rPr lang="en-US" altLang="zh-CN" dirty="0" err="1" smtClean="0"/>
+              <a:t>Multiset</a:t>
+            </a:r>
+            <a:endParaRPr lang="en-US" altLang="zh-CN" dirty="0" smtClean="0"/>
+          </a:p>
+          <a:p>
+            <a:endParaRPr lang="en-US" altLang="zh-CN" dirty="0" smtClean="0"/>
+          </a:p>
+          <a:p>
             <a:r>
               <a:rPr lang="en-US" altLang="zh-CN" dirty="0" smtClean="0"/>
-              <a:t>n</a:t>
-            </a:r>
-            <a:r>
-              <a:rPr lang="zh-CN" altLang="en-US" dirty="0" smtClean="0"/>
-              <a:t>（</a:t>
-            </a:r>
-            <a:r>
-              <a:rPr lang="en-US" altLang="zh-CN" dirty="0" smtClean="0"/>
-              <a:t>n&gt;=0</a:t>
-            </a:r>
-            <a:r>
-              <a:rPr lang="zh-CN" altLang="en-US" dirty="0" smtClean="0"/>
-              <a:t>）个结点的有限集。</a:t>
-            </a:r>
+              <a:t>Map</a:t>
+            </a:r>
+          </a:p>
+          <a:p>
             <a:endParaRPr lang="en-US" altLang="zh-CN" dirty="0" smtClean="0"/>
           </a:p>
           <a:p>
-            <a:pPr latinLnBrk="1"/>
-            <a:r>
-              <a:rPr lang="zh-CN" altLang="en-US" dirty="0" smtClean="0"/>
-              <a:t>在任意一棵非空树中：</a:t>
-            </a:r>
-          </a:p>
-          <a:p>
-            <a:pPr latinLnBrk="1"/>
-            <a:r>
-              <a:rPr lang="zh-CN" altLang="en-US" dirty="0" smtClean="0"/>
-              <a:t>（</a:t>
-            </a:r>
-            <a:r>
-              <a:rPr lang="en-US" altLang="zh-CN" dirty="0" smtClean="0"/>
-              <a:t>1</a:t>
-            </a:r>
-            <a:r>
-              <a:rPr lang="zh-CN" altLang="en-US" dirty="0" smtClean="0"/>
-              <a:t>）有且仅有一个特定的称为</a:t>
-            </a:r>
-            <a:r>
-              <a:rPr lang="zh-CN" altLang="en-US" b="1" dirty="0" smtClean="0"/>
-              <a:t>根</a:t>
-            </a:r>
-            <a:r>
-              <a:rPr lang="zh-CN" altLang="en-US" dirty="0" smtClean="0"/>
-              <a:t>（</a:t>
-            </a:r>
-            <a:r>
-              <a:rPr lang="en-US" altLang="zh-CN" dirty="0" smtClean="0"/>
-              <a:t>Root</a:t>
-            </a:r>
-            <a:r>
-              <a:rPr lang="zh-CN" altLang="en-US" dirty="0" smtClean="0"/>
-              <a:t>）的结点；</a:t>
-            </a:r>
-          </a:p>
-          <a:p>
-            <a:pPr latinLnBrk="1"/>
-            <a:r>
-              <a:rPr lang="zh-CN" altLang="en-US" dirty="0" smtClean="0"/>
-              <a:t>（</a:t>
-            </a:r>
-            <a:r>
-              <a:rPr lang="en-US" altLang="zh-CN" dirty="0" smtClean="0"/>
-              <a:t>2</a:t>
-            </a:r>
-            <a:r>
-              <a:rPr lang="zh-CN" altLang="en-US" dirty="0" smtClean="0"/>
-              <a:t>）当</a:t>
-            </a:r>
-            <a:r>
-              <a:rPr lang="en-US" altLang="zh-CN" dirty="0" smtClean="0"/>
-              <a:t>n&gt;1</a:t>
-            </a:r>
-            <a:r>
-              <a:rPr lang="zh-CN" altLang="en-US" dirty="0" smtClean="0"/>
-              <a:t>时，其余结点可分为</a:t>
-            </a:r>
-            <a:r>
-              <a:rPr lang="en-US" altLang="zh-CN" dirty="0" smtClean="0"/>
-              <a:t>m</a:t>
-            </a:r>
-            <a:r>
-              <a:rPr lang="zh-CN" altLang="en-US" dirty="0" smtClean="0"/>
-              <a:t>（</a:t>
-            </a:r>
-            <a:r>
-              <a:rPr lang="en-US" altLang="zh-CN" dirty="0" smtClean="0"/>
-              <a:t>m&gt;0</a:t>
-            </a:r>
-            <a:r>
-              <a:rPr lang="zh-CN" altLang="en-US" dirty="0" smtClean="0"/>
-              <a:t>）个互不相交的有限集</a:t>
-            </a:r>
-            <a:r>
-              <a:rPr lang="en-US" altLang="zh-CN" dirty="0" smtClean="0"/>
-              <a:t>T1</a:t>
-            </a:r>
-            <a:r>
-              <a:rPr lang="zh-CN" altLang="en-US" dirty="0" smtClean="0"/>
-              <a:t>，</a:t>
-            </a:r>
-            <a:r>
-              <a:rPr lang="en-US" altLang="zh-CN" dirty="0" smtClean="0"/>
-              <a:t>T2</a:t>
-            </a:r>
-            <a:r>
-              <a:rPr lang="zh-CN" altLang="en-US" dirty="0" smtClean="0"/>
-              <a:t>，</a:t>
-            </a:r>
-            <a:r>
-              <a:rPr lang="en-US" altLang="zh-CN" dirty="0" smtClean="0"/>
-              <a:t>...</a:t>
-            </a:r>
-            <a:r>
-              <a:rPr lang="zh-CN" altLang="en-US" dirty="0" smtClean="0"/>
-              <a:t>，</a:t>
-            </a:r>
             <a:r>
               <a:rPr lang="en-US" altLang="zh-CN" dirty="0" err="1" smtClean="0"/>
-              <a:t>Tn</a:t>
-            </a:r>
-            <a:r>
-              <a:rPr lang="zh-CN" altLang="en-US" dirty="0" smtClean="0"/>
-              <a:t>，其中每个集合本身又是一棵树，并称为根的</a:t>
-            </a:r>
-            <a:r>
-              <a:rPr lang="zh-CN" altLang="en-US" b="1" dirty="0" smtClean="0"/>
-              <a:t>子树</a:t>
-            </a:r>
-            <a:r>
-              <a:rPr lang="zh-CN" altLang="en-US" dirty="0" smtClean="0"/>
-              <a:t>（</a:t>
-            </a:r>
-            <a:r>
-              <a:rPr lang="en-US" altLang="zh-CN" dirty="0" err="1" smtClean="0"/>
-              <a:t>SubTree</a:t>
-            </a:r>
-            <a:r>
-              <a:rPr lang="zh-CN" altLang="en-US" dirty="0" smtClean="0"/>
-              <a:t>）</a:t>
-            </a:r>
+              <a:t>Multimap</a:t>
+            </a:r>
+            <a:endParaRPr lang="en-US" altLang="zh-CN" dirty="0" smtClean="0"/>
           </a:p>
           <a:p>
             <a:endParaRPr lang="zh-CN" altLang="en-US" dirty="0"/>
@@ -4399,7 +5423,7 @@
           <a:p>
             <a:r>
               <a:rPr lang="zh-CN" altLang="en-US" dirty="0" smtClean="0"/>
-              <a:t>基本概念及术语</a:t>
+              <a:t>树的概念</a:t>
             </a:r>
             <a:endParaRPr lang="zh-CN" altLang="en-US" dirty="0"/>
           </a:p>
@@ -4420,30 +5444,159 @@
           <a:bodyPr/>
           <a:lstStyle/>
           <a:p>
+            <a:r>
+              <a:rPr lang="zh-CN" altLang="en-US" b="1" dirty="0" smtClean="0"/>
+              <a:t>树</a:t>
+            </a:r>
+            <a:r>
+              <a:rPr lang="zh-CN" altLang="en-US" dirty="0" smtClean="0"/>
+              <a:t>（</a:t>
+            </a:r>
+            <a:r>
+              <a:rPr lang="en-US" altLang="zh-CN" dirty="0" smtClean="0"/>
+              <a:t>Tree</a:t>
+            </a:r>
+            <a:r>
+              <a:rPr lang="zh-CN" altLang="en-US" dirty="0" smtClean="0"/>
+              <a:t>）是</a:t>
+            </a:r>
+            <a:r>
+              <a:rPr lang="en-US" altLang="zh-CN" dirty="0" smtClean="0"/>
+              <a:t>n</a:t>
+            </a:r>
+            <a:r>
+              <a:rPr lang="zh-CN" altLang="en-US" dirty="0" smtClean="0"/>
+              <a:t>（</a:t>
+            </a:r>
+            <a:r>
+              <a:rPr lang="en-US" altLang="zh-CN" dirty="0" smtClean="0"/>
+              <a:t>n&gt;=0</a:t>
+            </a:r>
+            <a:r>
+              <a:rPr lang="zh-CN" altLang="en-US" dirty="0" smtClean="0"/>
+              <a:t>）个结点的有限集。</a:t>
+            </a:r>
+            <a:endParaRPr lang="en-US" altLang="zh-CN" dirty="0" smtClean="0"/>
+          </a:p>
+          <a:p>
             <a:pPr latinLnBrk="1"/>
             <a:r>
+              <a:rPr lang="zh-CN" altLang="en-US" dirty="0" smtClean="0"/>
+              <a:t>在任意一棵非空树中：</a:t>
+            </a:r>
+          </a:p>
+          <a:p>
+            <a:pPr latinLnBrk="1"/>
+            <a:r>
+              <a:rPr lang="zh-CN" altLang="en-US" dirty="0" smtClean="0"/>
+              <a:t>（</a:t>
+            </a:r>
+            <a:r>
+              <a:rPr lang="en-US" altLang="zh-CN" dirty="0" smtClean="0"/>
+              <a:t>1</a:t>
+            </a:r>
+            <a:r>
+              <a:rPr lang="zh-CN" altLang="en-US" dirty="0" smtClean="0"/>
+              <a:t>）有且仅有一个特定的称为</a:t>
+            </a:r>
+            <a:r>
               <a:rPr lang="zh-CN" altLang="en-US" b="1" dirty="0" smtClean="0"/>
-              <a:t>度</a:t>
-            </a:r>
-            <a:endParaRPr lang="zh-CN" altLang="en-US" dirty="0" smtClean="0"/>
+              <a:t>根</a:t>
+            </a:r>
+            <a:r>
+              <a:rPr lang="zh-CN" altLang="en-US" dirty="0" smtClean="0"/>
+              <a:t>（</a:t>
+            </a:r>
+            <a:r>
+              <a:rPr lang="en-US" altLang="zh-CN" dirty="0" smtClean="0"/>
+              <a:t>Root</a:t>
+            </a:r>
+            <a:r>
+              <a:rPr lang="zh-CN" altLang="en-US" dirty="0" smtClean="0"/>
+              <a:t>）的结点；</a:t>
+            </a:r>
           </a:p>
           <a:p>
             <a:pPr latinLnBrk="1"/>
             <a:r>
               <a:rPr lang="zh-CN" altLang="en-US" dirty="0" smtClean="0"/>
-              <a:t>结点拥有的子树数称为</a:t>
+              <a:t>（</a:t>
+            </a:r>
+            <a:r>
+              <a:rPr lang="en-US" altLang="zh-CN" dirty="0" smtClean="0"/>
+              <a:t>2</a:t>
+            </a:r>
+            <a:r>
+              <a:rPr lang="zh-CN" altLang="en-US" dirty="0" smtClean="0"/>
+              <a:t>）当</a:t>
+            </a:r>
+            <a:r>
+              <a:rPr lang="en-US" altLang="zh-CN" dirty="0" smtClean="0"/>
+              <a:t>n&gt;1</a:t>
+            </a:r>
+            <a:r>
+              <a:rPr lang="zh-CN" altLang="en-US" dirty="0" smtClean="0"/>
+              <a:t>时，其余结点可分为</a:t>
+            </a:r>
+            <a:r>
+              <a:rPr lang="en-US" altLang="zh-CN" dirty="0" smtClean="0"/>
+              <a:t>m</a:t>
+            </a:r>
+            <a:r>
+              <a:rPr lang="zh-CN" altLang="en-US" dirty="0" smtClean="0"/>
+              <a:t>（</a:t>
+            </a:r>
+            <a:r>
+              <a:rPr lang="en-US" altLang="zh-CN" dirty="0" smtClean="0"/>
+              <a:t>m&gt;0</a:t>
+            </a:r>
+            <a:r>
+              <a:rPr lang="zh-CN" altLang="en-US" dirty="0" smtClean="0"/>
+              <a:t>）个互不相交的有限集</a:t>
+            </a:r>
+            <a:r>
+              <a:rPr lang="en-US" altLang="zh-CN" dirty="0" smtClean="0"/>
+              <a:t>T1</a:t>
+            </a:r>
+            <a:r>
+              <a:rPr lang="zh-CN" altLang="en-US" dirty="0" smtClean="0"/>
+              <a:t>，</a:t>
+            </a:r>
+            <a:r>
+              <a:rPr lang="en-US" altLang="zh-CN" dirty="0" smtClean="0"/>
+              <a:t>T2</a:t>
+            </a:r>
+            <a:r>
+              <a:rPr lang="zh-CN" altLang="en-US" dirty="0" smtClean="0"/>
+              <a:t>，</a:t>
+            </a:r>
+            <a:r>
+              <a:rPr lang="en-US" altLang="zh-CN" dirty="0" smtClean="0"/>
+              <a:t>...</a:t>
+            </a:r>
+            <a:r>
+              <a:rPr lang="zh-CN" altLang="en-US" dirty="0" smtClean="0"/>
+              <a:t>，</a:t>
+            </a:r>
+            <a:r>
+              <a:rPr lang="en-US" altLang="zh-CN" dirty="0" err="1" smtClean="0"/>
+              <a:t>Tn</a:t>
+            </a:r>
+            <a:r>
+              <a:rPr lang="zh-CN" altLang="en-US" dirty="0" smtClean="0"/>
+              <a:t>，其中每个集合本身又是一棵树，并称为根的</a:t>
             </a:r>
             <a:r>
               <a:rPr lang="zh-CN" altLang="en-US" b="1" dirty="0" smtClean="0"/>
-              <a:t>结点的度</a:t>
+              <a:t>子树</a:t>
             </a:r>
             <a:r>
               <a:rPr lang="zh-CN" altLang="en-US" dirty="0" smtClean="0"/>
               <a:t>（</a:t>
             </a:r>
             <a:r>
-              <a:rPr lang="en-US" altLang="zh-CN" dirty="0" smtClean="0"/>
-              <a:t>Degree</a:t>
+              <a:rPr lang="en-US" altLang="zh-CN" dirty="0" err="1" smtClean="0"/>
+              <a:t>SubTree</a:t>
             </a:r>
             <a:r>
               <a:rPr lang="zh-CN" altLang="en-US" dirty="0" smtClean="0"/>
@@ -4451,99 +5604,6 @@
             </a:r>
           </a:p>
           <a:p>
-            <a:r>
-              <a:rPr lang="zh-CN" altLang="en-US" dirty="0" smtClean="0"/>
-              <a:t>度为</a:t>
-            </a:r>
-            <a:r>
-              <a:rPr lang="en-US" altLang="zh-CN" dirty="0" smtClean="0"/>
-              <a:t>0</a:t>
-            </a:r>
-            <a:r>
-              <a:rPr lang="zh-CN" altLang="en-US" dirty="0" smtClean="0"/>
-              <a:t>的结点称为</a:t>
-            </a:r>
-            <a:r>
-              <a:rPr lang="zh-CN" altLang="en-US" b="1" dirty="0" smtClean="0"/>
-              <a:t>叶子</a:t>
-            </a:r>
-            <a:r>
-              <a:rPr lang="zh-CN" altLang="en-US" dirty="0" smtClean="0"/>
-              <a:t>（</a:t>
-            </a:r>
-            <a:r>
-              <a:rPr lang="en-US" altLang="zh-CN" dirty="0" smtClean="0"/>
-              <a:t>Leaf</a:t>
-            </a:r>
-            <a:r>
-              <a:rPr lang="zh-CN" altLang="en-US" dirty="0" smtClean="0"/>
-              <a:t>）或</a:t>
-            </a:r>
-            <a:r>
-              <a:rPr lang="zh-CN" altLang="en-US" b="1" dirty="0" smtClean="0"/>
-              <a:t>终端结点</a:t>
-            </a:r>
-            <a:endParaRPr lang="en-US" altLang="zh-CN" b="1" dirty="0" smtClean="0"/>
-          </a:p>
-          <a:p>
-            <a:r>
-              <a:rPr lang="zh-CN" altLang="en-US" dirty="0" smtClean="0"/>
-              <a:t>度不为</a:t>
-            </a:r>
-            <a:r>
-              <a:rPr lang="en-US" altLang="zh-CN" dirty="0" smtClean="0"/>
-              <a:t>0</a:t>
-            </a:r>
-            <a:r>
-              <a:rPr lang="zh-CN" altLang="en-US" dirty="0" smtClean="0"/>
-              <a:t>的结点称为</a:t>
-            </a:r>
-            <a:r>
-              <a:rPr lang="zh-CN" altLang="en-US" b="1" dirty="0" smtClean="0"/>
-              <a:t>分支结点</a:t>
-            </a:r>
-            <a:r>
-              <a:rPr lang="zh-CN" altLang="en-US" dirty="0" smtClean="0"/>
-              <a:t>或</a:t>
-            </a:r>
-            <a:r>
-              <a:rPr lang="zh-CN" altLang="en-US" b="1" dirty="0" smtClean="0"/>
-              <a:t>非终端结点</a:t>
-            </a:r>
-            <a:endParaRPr lang="en-US" altLang="zh-CN" b="1" dirty="0" smtClean="0"/>
-          </a:p>
-          <a:p>
-            <a:pPr>
-              <a:buNone/>
-            </a:pPr>
-            <a:endParaRPr lang="en-US" altLang="zh-CN" dirty="0" smtClean="0"/>
-          </a:p>
-          <a:p>
-            <a:pPr>
-              <a:buNone/>
-            </a:pPr>
-            <a:r>
-              <a:rPr lang="zh-CN" altLang="en-US" b="1" dirty="0" smtClean="0"/>
-              <a:t>树的度</a:t>
-            </a:r>
-            <a:r>
-              <a:rPr lang="zh-CN" altLang="en-US" dirty="0" smtClean="0"/>
-              <a:t>是树内各节点的度的最大值。</a:t>
-            </a:r>
-            <a:endParaRPr lang="en-US" altLang="zh-CN" dirty="0" smtClean="0"/>
-          </a:p>
-          <a:p>
-            <a:pPr>
-              <a:buNone/>
-            </a:pPr>
-            <a:r>
-              <a:rPr lang="zh-CN" altLang="en-US" b="1" dirty="0" smtClean="0"/>
-              <a:t>孩子、双亲、祖先、叔伯</a:t>
-            </a:r>
-            <a:r>
-              <a:rPr lang="zh-CN" altLang="en-US" dirty="0" smtClean="0"/>
-              <a:t>节点。</a:t>
-            </a:r>
             <a:endParaRPr lang="zh-CN" altLang="en-US" dirty="0"/>
           </a:p>
         </p:txBody>
@@ -4553,6 +5613,13 @@
   <p:clrMapOvr>
     <a:masterClrMapping/>
   </p:clrMapOvr>
+  <p:timing>
+    <p:tnLst>
+      <p:par>
+        <p:cTn id="1" dur="indefinite" restart="never" nodeType="tmRoot"/>
+      </p:par>
+    </p:tnLst>
+  </p:timing>
 </p:sld>
 </file>
 
@@ -4590,115 +5657,151 @@
           <a:p>
             <a:r>
               <a:rPr lang="zh-CN" altLang="en-US" dirty="0" smtClean="0"/>
-              <a:t>二叉树</a:t>
+              <a:t>基本概念及术语</a:t>
+            </a:r>
+            <a:endParaRPr lang="zh-CN" altLang="en-US" dirty="0"/>
+          </a:p>
+        </p:txBody>
+      </p:sp>
+      <p:sp>
+        <p:nvSpPr>
+          <p:cNvPr id="3" name="内容占位符 2"/>
+          <p:cNvSpPr>
+            <a:spLocks noGrp="1"/>
+          </p:cNvSpPr>
+          <p:nvPr>
+            <p:ph idx="1"/>
+          </p:nvPr>
+        </p:nvSpPr>
+        <p:spPr/>
+        <p:txBody>
+          <a:bodyPr/>
+          <a:lstStyle/>
+          <a:p>
+            <a:pPr latinLnBrk="1"/>
+            <a:r>
+              <a:rPr lang="zh-CN" altLang="en-US" b="1" dirty="0" smtClean="0"/>
+              <a:t>度</a:t>
+            </a:r>
+            <a:endParaRPr lang="zh-CN" altLang="en-US" dirty="0" smtClean="0"/>
+          </a:p>
+          <a:p>
+            <a:pPr latinLnBrk="1"/>
+            <a:r>
+              <a:rPr lang="zh-CN" altLang="en-US" dirty="0" smtClean="0"/>
+              <a:t>结点拥有的子树数称为</a:t>
+            </a:r>
+            <a:r>
+              <a:rPr lang="zh-CN" altLang="en-US" b="1" dirty="0" smtClean="0"/>
+              <a:t>结点的度</a:t>
+            </a:r>
+            <a:r>
+              <a:rPr lang="zh-CN" altLang="en-US" dirty="0" smtClean="0"/>
+              <a:t>（</a:t>
             </a:r>
             <a:r>
               <a:rPr lang="en-US" altLang="zh-CN" dirty="0" smtClean="0"/>
-              <a:t>(Binary Tree)</a:t>
-            </a:r>
-            <a:endParaRPr lang="zh-CN" altLang="en-US" dirty="0"/>
-          </a:p>
-        </p:txBody>
-      </p:sp>
-      <p:sp>
-        <p:nvSpPr>
-          <p:cNvPr id="3" name="内容占位符 2"/>
-          <p:cNvSpPr>
-            <a:spLocks noGrp="1"/>
-          </p:cNvSpPr>
-          <p:nvPr>
-            <p:ph idx="1"/>
-          </p:nvPr>
-        </p:nvSpPr>
-        <p:spPr/>
-        <p:txBody>
-          <a:bodyPr/>
-          <a:lstStyle/>
-          <a:p>
-            <a:pPr latinLnBrk="1"/>
-            <a:r>
-              <a:rPr lang="zh-CN" altLang="en-US" dirty="0" smtClean="0"/>
-              <a:t>二叉树的</a:t>
+              <a:t>Degree</a:t>
+            </a:r>
+            <a:r>
+              <a:rPr lang="zh-CN" altLang="en-US" dirty="0" smtClean="0"/>
+              <a:t>）</a:t>
+            </a:r>
+          </a:p>
+          <a:p>
+            <a:r>
+              <a:rPr lang="zh-CN" altLang="en-US" dirty="0" smtClean="0"/>
+              <a:t>度为</a:t>
+            </a:r>
+            <a:r>
+              <a:rPr lang="en-US" altLang="zh-CN" dirty="0" smtClean="0"/>
+              <a:t>0</a:t>
+            </a:r>
+            <a:r>
+              <a:rPr lang="zh-CN" altLang="en-US" dirty="0" smtClean="0"/>
+              <a:t>的结点称为</a:t>
             </a:r>
             <a:r>
               <a:rPr lang="zh-CN" altLang="en-US" b="1" dirty="0" smtClean="0"/>
-              <a:t>特点</a:t>
-            </a:r>
-            <a:r>
-              <a:rPr lang="zh-CN" altLang="en-US" dirty="0" smtClean="0"/>
-              <a:t>是：</a:t>
-            </a:r>
-            <a:endParaRPr lang="en-US" altLang="zh-CN" dirty="0" smtClean="0"/>
-          </a:p>
-          <a:p>
-            <a:pPr latinLnBrk="1">
+              <a:t>叶子</a:t>
+            </a:r>
+            <a:r>
+              <a:rPr lang="zh-CN" altLang="en-US" dirty="0" smtClean="0"/>
+              <a:t>（</a:t>
+            </a:r>
+            <a:r>
+              <a:rPr lang="en-US" altLang="zh-CN" dirty="0" smtClean="0"/>
+              <a:t>Leaf</a:t>
+            </a:r>
+            <a:r>
+              <a:rPr lang="zh-CN" altLang="en-US" dirty="0" smtClean="0"/>
+              <a:t>）或</a:t>
+            </a:r>
+            <a:r>
+              <a:rPr lang="zh-CN" altLang="en-US" b="1" dirty="0" smtClean="0"/>
+              <a:t>终端结点</a:t>
+            </a:r>
+            <a:endParaRPr lang="en-US" altLang="zh-CN" b="1" dirty="0" smtClean="0"/>
+          </a:p>
+          <a:p>
+            <a:r>
+              <a:rPr lang="zh-CN" altLang="en-US" dirty="0" smtClean="0"/>
+              <a:t>度不为</a:t>
+            </a:r>
+            <a:r>
+              <a:rPr lang="en-US" altLang="zh-CN" dirty="0" smtClean="0"/>
+              <a:t>0</a:t>
+            </a:r>
+            <a:r>
+              <a:rPr lang="zh-CN" altLang="en-US" dirty="0" smtClean="0"/>
+              <a:t>的结点称为</a:t>
+            </a:r>
+            <a:r>
+              <a:rPr lang="zh-CN" altLang="en-US" b="1" dirty="0" smtClean="0"/>
+              <a:t>分支结点</a:t>
+            </a:r>
+            <a:r>
+              <a:rPr lang="zh-CN" altLang="en-US" dirty="0" smtClean="0"/>
+              <a:t>或</a:t>
+            </a:r>
+            <a:r>
+              <a:rPr lang="zh-CN" altLang="en-US" b="1" dirty="0" smtClean="0"/>
+              <a:t>非终端结点</a:t>
+            </a:r>
+            <a:endParaRPr lang="en-US" altLang="zh-CN" b="1" dirty="0" smtClean="0"/>
+          </a:p>
+          <a:p>
+            <a:pPr>
               <a:buNone/>
             </a:pPr>
-            <a:r>
-              <a:rPr lang="zh-CN" altLang="en-US" dirty="0" smtClean="0"/>
-              <a:t>（</a:t>
-            </a:r>
-            <a:r>
-              <a:rPr lang="en-US" altLang="zh-CN" dirty="0" smtClean="0"/>
-              <a:t>1</a:t>
-            </a:r>
-            <a:r>
-              <a:rPr lang="zh-CN" altLang="en-US" dirty="0" smtClean="0"/>
-              <a:t>）每个结点至多只有两棵子树（即二叉树中不存在度大于</a:t>
-            </a:r>
-            <a:r>
-              <a:rPr lang="en-US" altLang="zh-CN" dirty="0" smtClean="0"/>
-              <a:t>2</a:t>
-            </a:r>
-            <a:r>
-              <a:rPr lang="zh-CN" altLang="en-US" dirty="0" smtClean="0"/>
-              <a:t>的结点）。</a:t>
-            </a:r>
-          </a:p>
-          <a:p>
-            <a:pPr latinLnBrk="1">
+            <a:endParaRPr lang="en-US" altLang="zh-CN" dirty="0" smtClean="0"/>
+          </a:p>
+          <a:p>
+            <a:pPr>
               <a:buNone/>
             </a:pPr>
             <a:r>
-              <a:rPr lang="zh-CN" altLang="en-US" dirty="0" smtClean="0"/>
-              <a:t>（</a:t>
-            </a:r>
-            <a:r>
-              <a:rPr lang="en-US" altLang="zh-CN" dirty="0" smtClean="0"/>
-              <a:t>2</a:t>
-            </a:r>
-            <a:r>
-              <a:rPr lang="zh-CN" altLang="en-US" dirty="0" smtClean="0"/>
-              <a:t>）二叉树的子树有左右之分，其次序不能随意颠倒。</a:t>
+              <a:rPr lang="zh-CN" altLang="en-US" b="1" dirty="0" smtClean="0"/>
+              <a:t>树的度</a:t>
+            </a:r>
+            <a:r>
+              <a:rPr lang="zh-CN" altLang="en-US" dirty="0" smtClean="0"/>
+              <a:t>是树内各节点的度的最大值。</a:t>
             </a:r>
             <a:endParaRPr lang="en-US" altLang="zh-CN" dirty="0" smtClean="0"/>
           </a:p>
           <a:p>
-            <a:pPr latinLnBrk="1">
+            <a:pPr>
               <a:buNone/>
             </a:pPr>
             <a:r>
-              <a:rPr lang="zh-CN" altLang="en-US" dirty="0" smtClean="0"/>
-              <a:t>（</a:t>
-            </a:r>
-            <a:r>
-              <a:rPr lang="en-US" altLang="zh-CN" dirty="0" smtClean="0"/>
-              <a:t>3</a:t>
-            </a:r>
-            <a:r>
-              <a:rPr lang="zh-CN" altLang="en-US" dirty="0" smtClean="0"/>
-              <a:t>）二叉树可以为空。</a:t>
-            </a:r>
-            <a:r>
-              <a:rPr lang="en-US" altLang="zh-CN" dirty="0" smtClean="0"/>
-              <a:t>// -&gt; </a:t>
-            </a:r>
-            <a:r>
-              <a:rPr lang="zh-CN" altLang="en-US" dirty="0" smtClean="0"/>
-              <a:t>对象的性与质</a:t>
-            </a:r>
-          </a:p>
-          <a:p>
+              <a:rPr lang="zh-CN" altLang="en-US" b="1" dirty="0" smtClean="0"/>
+              <a:t>孩子、双亲、祖先、叔伯</a:t>
+            </a:r>
+            <a:r>
+              <a:rPr lang="zh-CN" altLang="en-US" dirty="0" smtClean="0"/>
+              <a:t>节点。</a:t>
+            </a:r>
             <a:endParaRPr lang="zh-CN" altLang="en-US" dirty="0"/>
           </a:p>
         </p:txBody>
@@ -4708,6 +5811,13 @@
   <p:clrMapOvr>
     <a:masterClrMapping/>
   </p:clrMapOvr>
+  <p:timing>
+    <p:tnLst>
+      <p:par>
+        <p:cTn id="1" dur="indefinite" restart="never" nodeType="tmRoot"/>
+      </p:par>
+    </p:tnLst>
+  </p:timing>
 </p:sld>
 </file>
 
@@ -4745,7 +5855,11 @@
           <a:p>
             <a:r>
               <a:rPr lang="zh-CN" altLang="en-US" dirty="0" smtClean="0"/>
-              <a:t>二叉排序树</a:t>
+              <a:t>二叉树</a:t>
+            </a:r>
+            <a:r>
+              <a:rPr lang="en-US" altLang="zh-CN" dirty="0" smtClean="0"/>
+              <a:t>(Binary Tree)</a:t>
             </a:r>
             <a:endParaRPr lang="zh-CN" altLang="en-US" dirty="0"/>
           </a:p>
@@ -4769,48 +5883,84 @@
             <a:pPr latinLnBrk="1"/>
             <a:r>
               <a:rPr lang="zh-CN" altLang="en-US" dirty="0" smtClean="0"/>
-              <a:t>二叉排序树又叫</a:t>
+              <a:t>二叉树的</a:t>
             </a:r>
             <a:r>
               <a:rPr lang="zh-CN" altLang="en-US" b="1" dirty="0" smtClean="0"/>
-              <a:t>二叉查找树或者二叉搜索树</a:t>
-            </a:r>
-            <a:r>
-              <a:rPr lang="zh-CN" altLang="en-US" dirty="0" smtClean="0"/>
-              <a:t>，它首先是一个二叉树，而且必须满足下面的条件：</a:t>
-            </a:r>
-          </a:p>
-          <a:p>
-            <a:pPr latinLnBrk="1"/>
+              <a:t>特点</a:t>
+            </a:r>
+            <a:r>
+              <a:rPr lang="zh-CN" altLang="en-US" dirty="0" smtClean="0"/>
+              <a:t>是：</a:t>
+            </a:r>
+            <a:endParaRPr lang="en-US" altLang="zh-CN" dirty="0" smtClean="0"/>
+          </a:p>
+          <a:p>
+            <a:pPr latinLnBrk="1">
+              <a:buNone/>
+            </a:pPr>
+            <a:r>
+              <a:rPr lang="zh-CN" altLang="en-US" dirty="0" smtClean="0"/>
+              <a:t>（</a:t>
+            </a:r>
             <a:r>
               <a:rPr lang="en-US" altLang="zh-CN" dirty="0" smtClean="0"/>
               <a:t>1</a:t>
             </a:r>
             <a:r>
               <a:rPr lang="zh-CN" altLang="en-US" dirty="0" smtClean="0"/>
-              <a:t>）若左子树不空，则左子树上所有结点的值均小于它的根节点的值；</a:t>
-            </a:r>
-          </a:p>
-          <a:p>
-            <a:pPr latinLnBrk="1"/>
+              <a:t>）每个结点至多只有两棵子树（即二叉树中不存在度大于</a:t>
+            </a:r>
             <a:r>
               <a:rPr lang="en-US" altLang="zh-CN" dirty="0" smtClean="0"/>
               <a:t>2</a:t>
             </a:r>
             <a:r>
               <a:rPr lang="zh-CN" altLang="en-US" dirty="0" smtClean="0"/>
-              <a:t>）若右子树不空，则右子树上所有结点的值均大于它的根结点的值</a:t>
-            </a:r>
-          </a:p>
-          <a:p>
-            <a:pPr latinLnBrk="1"/>
+              <a:t>的结点）。</a:t>
+            </a:r>
+          </a:p>
+          <a:p>
+            <a:pPr latinLnBrk="1">
+              <a:buNone/>
+            </a:pPr>
+            <a:r>
+              <a:rPr lang="zh-CN" altLang="en-US" dirty="0" smtClean="0"/>
+              <a:t>（</a:t>
+            </a:r>
+            <a:r>
+              <a:rPr lang="en-US" altLang="zh-CN" dirty="0" smtClean="0"/>
+              <a:t>2</a:t>
+            </a:r>
+            <a:r>
+              <a:rPr lang="zh-CN" altLang="en-US" dirty="0" smtClean="0"/>
+              <a:t>）二叉树的子树有左右之分，其次序不能随意颠倒。</a:t>
+            </a:r>
+            <a:endParaRPr lang="en-US" altLang="zh-CN" dirty="0" smtClean="0"/>
+          </a:p>
+          <a:p>
+            <a:pPr latinLnBrk="1">
+              <a:buNone/>
+            </a:pPr>
+            <a:r>
+              <a:rPr lang="zh-CN" altLang="en-US" dirty="0" smtClean="0"/>
+              <a:t>（</a:t>
+            </a:r>
             <a:r>
               <a:rPr lang="en-US" altLang="zh-CN" dirty="0" smtClean="0"/>
               <a:t>3</a:t>
             </a:r>
             <a:r>
               <a:rPr lang="zh-CN" altLang="en-US" dirty="0" smtClean="0"/>
-              <a:t>）左、右子树也分别为二叉排序树</a:t>
+              <a:t>）二叉树可以为空。</a:t>
+            </a:r>
+            <a:r>
+              <a:rPr lang="en-US" altLang="zh-CN" dirty="0" smtClean="0"/>
+              <a:t>// -&gt; </a:t>
+            </a:r>
+            <a:r>
+              <a:rPr lang="zh-CN" altLang="en-US" dirty="0" smtClean="0"/>
+              <a:t>对象的性与质</a:t>
             </a:r>
           </a:p>
           <a:p>
@@ -4823,6 +5973,13 @@
   <p:clrMapOvr>
     <a:masterClrMapping/>
   </p:clrMapOvr>
+  <p:timing>
+    <p:tnLst>
+      <p:par>
+        <p:cTn id="1" dur="indefinite" restart="never" nodeType="tmRoot"/>
+      </p:par>
+    </p:tnLst>
+  </p:timing>
 </p:sld>
 </file>
 
@@ -4855,15 +6012,14 @@
         </p:nvSpPr>
         <p:spPr/>
         <p:txBody>
-          <a:bodyPr>
-            <a:normAutofit/>
-          </a:bodyPr>
-          <a:lstStyle/>
-          <a:p>
-            <a:r>
-              <a:rPr lang="zh-CN" altLang="en-US" dirty="0" smtClean="0"/>
-              <a:t>满二叉树</a:t>
-            </a:r>
+          <a:bodyPr/>
+          <a:lstStyle/>
+          <a:p>
+            <a:r>
+              <a:rPr lang="zh-CN" altLang="en-US" dirty="0" smtClean="0"/>
+              <a:t>二叉排序树</a:t>
+            </a:r>
+            <a:endParaRPr lang="zh-CN" altLang="en-US" dirty="0"/>
           </a:p>
         </p:txBody>
       </p:sp>
@@ -4882,31 +6038,51 @@
           <a:bodyPr/>
           <a:lstStyle/>
           <a:p>
-            <a:r>
-              <a:rPr lang="zh-CN" altLang="en-US" dirty="0" smtClean="0"/>
-              <a:t>一棵深度为</a:t>
-            </a:r>
+            <a:pPr latinLnBrk="1"/>
+            <a:r>
+              <a:rPr lang="zh-CN" altLang="en-US" dirty="0" smtClean="0"/>
+              <a:t>二叉排序树又叫</a:t>
+            </a:r>
+            <a:r>
+              <a:rPr lang="zh-CN" altLang="en-US" b="1" dirty="0" smtClean="0"/>
+              <a:t>二叉查找树或者二叉搜索树</a:t>
+            </a:r>
+            <a:r>
+              <a:rPr lang="zh-CN" altLang="en-US" dirty="0" smtClean="0"/>
+              <a:t>，它首先是一个二叉树，而且必须满足下面的条件：</a:t>
+            </a:r>
+          </a:p>
+          <a:p>
+            <a:pPr latinLnBrk="1"/>
             <a:r>
               <a:rPr lang="en-US" altLang="zh-CN" dirty="0" smtClean="0"/>
-              <a:t>k</a:t>
-            </a:r>
-            <a:r>
-              <a:rPr lang="zh-CN" altLang="en-US" dirty="0" smtClean="0"/>
-              <a:t>，且有</a:t>
-            </a:r>
+              <a:t>1</a:t>
+            </a:r>
+            <a:r>
+              <a:rPr lang="zh-CN" altLang="en-US" dirty="0" smtClean="0"/>
+              <a:t>）若左子树不空，则左子树上所有结点的值均小于它的根节点的值；</a:t>
+            </a:r>
+          </a:p>
+          <a:p>
+            <a:pPr latinLnBrk="1"/>
             <a:r>
               <a:rPr lang="en-US" altLang="zh-CN" dirty="0" smtClean="0"/>
-              <a:t>2^k-1</a:t>
-            </a:r>
-            <a:r>
-              <a:rPr lang="zh-CN" altLang="en-US" dirty="0" smtClean="0"/>
-              <a:t>个节点的树是满二叉树。</a:t>
-            </a:r>
-          </a:p>
-          <a:p>
-            <a:r>
-              <a:rPr lang="zh-CN" altLang="en-US" dirty="0" smtClean="0"/>
-              <a:t>另一种定义：除了叶结点外每一个结点都有左右子叶且叶子结点都处在最底层的二叉树。</a:t>
+              <a:t>2</a:t>
+            </a:r>
+            <a:r>
+              <a:rPr lang="zh-CN" altLang="en-US" dirty="0" smtClean="0"/>
+              <a:t>）若右子树不空，则右子树上所有结点的值均大于它的根结点的值</a:t>
+            </a:r>
+          </a:p>
+          <a:p>
+            <a:pPr latinLnBrk="1"/>
+            <a:r>
+              <a:rPr lang="en-US" altLang="zh-CN" dirty="0" smtClean="0"/>
+              <a:t>3</a:t>
+            </a:r>
+            <a:r>
+              <a:rPr lang="zh-CN" altLang="en-US" dirty="0" smtClean="0"/>
+              <a:t>）左、右子树也分别为二叉排序树</a:t>
             </a:r>
           </a:p>
           <a:p>
@@ -4919,6 +6095,13 @@
   <p:clrMapOvr>
     <a:masterClrMapping/>
   </p:clrMapOvr>
+  <p:timing>
+    <p:tnLst>
+      <p:par>
+        <p:cTn id="1" dur="indefinite" restart="never" nodeType="tmRoot"/>
+      </p:par>
+    </p:tnLst>
+  </p:timing>
 </p:sld>
 </file>
 
@@ -4951,152 +6134,61 @@
         </p:nvSpPr>
         <p:spPr/>
         <p:txBody>
+          <a:bodyPr>
+            <a:normAutofit/>
+          </a:bodyPr>
+          <a:lstStyle/>
+          <a:p>
+            <a:r>
+              <a:rPr lang="zh-CN" altLang="en-US" dirty="0" smtClean="0"/>
+              <a:t>满二叉树</a:t>
+            </a:r>
+          </a:p>
+        </p:txBody>
+      </p:sp>
+      <p:sp>
+        <p:nvSpPr>
+          <p:cNvPr id="3" name="内容占位符 2"/>
+          <p:cNvSpPr>
+            <a:spLocks noGrp="1"/>
+          </p:cNvSpPr>
+          <p:nvPr>
+            <p:ph idx="1"/>
+          </p:nvPr>
+        </p:nvSpPr>
+        <p:spPr/>
+        <p:txBody>
           <a:bodyPr/>
           <a:lstStyle/>
           <a:p>
             <a:r>
               <a:rPr lang="zh-CN" altLang="en-US" dirty="0" smtClean="0"/>
-              <a:t>完全二叉树</a:t>
+              <a:t>一棵深度为</a:t>
             </a:r>
             <a:r>
               <a:rPr lang="en-US" altLang="zh-CN" dirty="0" smtClean="0"/>
-              <a:t>(Complete Binary Tree)</a:t>
-            </a:r>
-            <a:endParaRPr lang="zh-CN" altLang="en-US" dirty="0"/>
-          </a:p>
-        </p:txBody>
-      </p:sp>
-      <p:sp>
-        <p:nvSpPr>
-          <p:cNvPr id="3" name="内容占位符 2"/>
-          <p:cNvSpPr>
-            <a:spLocks noGrp="1"/>
-          </p:cNvSpPr>
-          <p:nvPr>
-            <p:ph idx="1"/>
-          </p:nvPr>
-        </p:nvSpPr>
-        <p:spPr/>
-        <p:txBody>
-          <a:bodyPr>
-            <a:normAutofit fontScale="85000" lnSpcReduction="10000"/>
-          </a:bodyPr>
-          <a:lstStyle/>
-          <a:p>
-            <a:r>
-              <a:rPr lang="zh-CN" altLang="en-US" dirty="0" smtClean="0"/>
-              <a:t>若设二叉树的深度为</a:t>
+              <a:t>k</a:t>
+            </a:r>
+            <a:r>
+              <a:rPr lang="zh-CN" altLang="en-US" dirty="0" smtClean="0"/>
+              <a:t>，且有</a:t>
             </a:r>
             <a:r>
               <a:rPr lang="en-US" altLang="zh-CN" dirty="0" smtClean="0"/>
-              <a:t>h</a:t>
-            </a:r>
-            <a:r>
-              <a:rPr lang="zh-CN" altLang="en-US" dirty="0" smtClean="0"/>
-              <a:t>，除第 </a:t>
-            </a:r>
-            <a:r>
-              <a:rPr lang="en-US" altLang="zh-CN" dirty="0" smtClean="0"/>
-              <a:t>h </a:t>
-            </a:r>
-            <a:r>
-              <a:rPr lang="zh-CN" altLang="en-US" dirty="0" smtClean="0"/>
-              <a:t>层外，其它各层 </a:t>
-            </a:r>
-            <a:r>
-              <a:rPr lang="en-US" altLang="zh-CN" dirty="0" smtClean="0"/>
-              <a:t>(1</a:t>
-            </a:r>
-            <a:r>
-              <a:rPr lang="zh-CN" altLang="en-US" dirty="0" smtClean="0"/>
-              <a:t>～</a:t>
-            </a:r>
-            <a:r>
-              <a:rPr lang="en-US" altLang="zh-CN" dirty="0" smtClean="0"/>
-              <a:t>h-1) </a:t>
-            </a:r>
-            <a:r>
-              <a:rPr lang="zh-CN" altLang="en-US" dirty="0" smtClean="0"/>
-              <a:t>的结点数都达到最大个数，第 </a:t>
-            </a:r>
-            <a:r>
-              <a:rPr lang="en-US" altLang="zh-CN" dirty="0" smtClean="0"/>
-              <a:t>h </a:t>
-            </a:r>
-            <a:r>
-              <a:rPr lang="zh-CN" altLang="en-US" dirty="0" smtClean="0"/>
-              <a:t>层所有的结点都连续集中在最左边，这就是完全二叉树。</a:t>
-            </a:r>
-          </a:p>
-          <a:p>
-            <a:r>
-              <a:rPr lang="zh-CN" altLang="en-US" dirty="0" smtClean="0"/>
-              <a:t>完全二叉树是由</a:t>
-            </a:r>
-            <a:r>
-              <a:rPr lang="zh-CN" altLang="en-US" dirty="0" smtClean="0">
-                <a:hlinkClick r:id="rId2"/>
-              </a:rPr>
-              <a:t>满二叉树</a:t>
-            </a:r>
-            <a:r>
-              <a:rPr lang="zh-CN" altLang="en-US" dirty="0" smtClean="0"/>
-              <a:t>而引出来的。对于深度为</a:t>
-            </a:r>
-            <a:r>
-              <a:rPr lang="en-US" altLang="zh-CN" dirty="0" smtClean="0"/>
-              <a:t>K</a:t>
-            </a:r>
-            <a:r>
-              <a:rPr lang="zh-CN" altLang="en-US" dirty="0" smtClean="0"/>
-              <a:t>的，有</a:t>
-            </a:r>
-            <a:r>
-              <a:rPr lang="en-US" altLang="zh-CN" dirty="0" smtClean="0"/>
-              <a:t>n</a:t>
-            </a:r>
-            <a:r>
-              <a:rPr lang="zh-CN" altLang="en-US" dirty="0" smtClean="0"/>
-              <a:t>个结点的二叉树，当且仅当其每一个结点都与深度为</a:t>
-            </a:r>
-            <a:r>
-              <a:rPr lang="en-US" altLang="zh-CN" dirty="0" smtClean="0"/>
-              <a:t>K</a:t>
-            </a:r>
-            <a:r>
-              <a:rPr lang="zh-CN" altLang="en-US" dirty="0" smtClean="0"/>
-              <a:t>的满二叉树中编号从</a:t>
-            </a:r>
-            <a:r>
-              <a:rPr lang="en-US" altLang="zh-CN" dirty="0" smtClean="0"/>
-              <a:t>1</a:t>
-            </a:r>
-            <a:r>
-              <a:rPr lang="zh-CN" altLang="en-US" dirty="0" smtClean="0"/>
-              <a:t>至</a:t>
-            </a:r>
-            <a:r>
-              <a:rPr lang="en-US" altLang="zh-CN" dirty="0" smtClean="0"/>
-              <a:t>n</a:t>
-            </a:r>
-            <a:r>
-              <a:rPr lang="zh-CN" altLang="en-US" dirty="0" smtClean="0"/>
-              <a:t>的结点一一对应时称之为完全二叉树。</a:t>
-            </a:r>
-          </a:p>
-          <a:p>
-            <a:r>
-              <a:rPr lang="zh-CN" altLang="en-US" dirty="0" smtClean="0"/>
-              <a:t>一棵二叉树至多只有最下面的一层上的结点的度数可以小于</a:t>
-            </a:r>
-            <a:r>
-              <a:rPr lang="en-US" altLang="zh-CN" dirty="0" smtClean="0"/>
-              <a:t>2</a:t>
-            </a:r>
-            <a:r>
-              <a:rPr lang="zh-CN" altLang="en-US" dirty="0" smtClean="0"/>
-              <a:t>，并且最下层上的结点都集中在该层最左边的若干位置上，而在最后一层上，右边的若干结点缺失的二叉树，则此二叉树成为完全二叉树。</a:t>
-            </a:r>
+              <a:t>2^k-1</a:t>
+            </a:r>
+            <a:r>
+              <a:rPr lang="zh-CN" altLang="en-US" dirty="0" smtClean="0"/>
+              <a:t>个节点的树是满二叉树。</a:t>
+            </a:r>
+          </a:p>
+          <a:p>
+            <a:r>
+              <a:rPr lang="zh-CN" altLang="en-US" dirty="0" smtClean="0"/>
+              <a:t>另一种定义：除了叶结点外每一个结点都有左右子叶且叶子结点都处在最底层的二叉树。</a:t>
+            </a:r>
+          </a:p>
+          <a:p>
             <a:endParaRPr lang="zh-CN" altLang="en-US" dirty="0"/>
           </a:p>
         </p:txBody>
@@ -5106,6 +6198,13 @@
   <p:clrMapOvr>
     <a:masterClrMapping/>
   </p:clrMapOvr>
+  <p:timing>
+    <p:tnLst>
+      <p:par>
+        <p:cTn id="1" dur="indefinite" restart="never" nodeType="tmRoot"/>
+      </p:par>
+    </p:tnLst>
+  </p:timing>
 </p:sld>
 </file>
 
@@ -5138,57 +6237,177 @@
         </p:nvSpPr>
         <p:spPr/>
         <p:txBody>
-          <a:bodyPr/>
-          <a:lstStyle/>
-          <a:p>
-            <a:r>
-              <a:rPr lang="zh-CN" altLang="en-US" dirty="0" smtClean="0"/>
-              <a:t>特殊形态的二叉树</a:t>
+          <a:bodyPr>
+            <a:normAutofit fontScale="90000"/>
+          </a:bodyPr>
+          <a:lstStyle/>
+          <a:p>
+            <a:r>
+              <a:rPr lang="zh-CN" altLang="en-US" dirty="0" smtClean="0"/>
+              <a:t>完全二叉树</a:t>
+            </a:r>
+            <a:r>
+              <a:rPr lang="en-US" altLang="zh-CN" dirty="0" smtClean="0"/>
+              <a:t>(Complete Binary Tree)</a:t>
             </a:r>
             <a:endParaRPr lang="zh-CN" altLang="en-US" dirty="0"/>
           </a:p>
         </p:txBody>
       </p:sp>
-      <p:pic>
-        <p:nvPicPr>
-          <p:cNvPr id="4" name="Picture 2" descr="D:\用户目录\下载\b03533fa828ba61e0a41f8d24b34970a314e599b.jpg"/>
-          <p:cNvPicPr>
-            <a:picLocks noGrp="1" noChangeAspect="1" noChangeArrowheads="1"/>
-          </p:cNvPicPr>
+      <p:sp>
+        <p:nvSpPr>
+          <p:cNvPr id="3" name="内容占位符 2"/>
+          <p:cNvSpPr>
+            <a:spLocks noGrp="1"/>
+          </p:cNvSpPr>
           <p:nvPr>
             <p:ph idx="1"/>
           </p:nvPr>
-        </p:nvPicPr>
-        <p:blipFill>
-          <a:blip r:embed="rId2" cstate="print"/>
-          <a:srcRect/>
-          <a:stretch>
-            <a:fillRect/>
-          </a:stretch>
-        </p:blipFill>
-        <p:spPr bwMode="auto">
-          <a:xfrm>
-            <a:off x="827584" y="1340768"/>
-            <a:ext cx="7272808" cy="5112568"/>
-          </a:xfrm>
-          <a:prstGeom prst="rect">
-            <a:avLst/>
-          </a:prstGeom>
-          <a:noFill/>
-        </p:spPr>
-      </p:pic>
+        </p:nvSpPr>
+        <p:spPr/>
+        <p:txBody>
+          <a:bodyPr>
+            <a:normAutofit lnSpcReduction="10000"/>
+          </a:bodyPr>
+          <a:lstStyle/>
+          <a:p>
+            <a:r>
+              <a:rPr lang="zh-CN" altLang="en-US" dirty="0" smtClean="0"/>
+              <a:t>若设二叉树的深度为</a:t>
+            </a:r>
+            <a:r>
+              <a:rPr lang="en-US" altLang="zh-CN" dirty="0" smtClean="0"/>
+              <a:t>h</a:t>
+            </a:r>
+            <a:r>
+              <a:rPr lang="zh-CN" altLang="en-US" dirty="0" smtClean="0"/>
+              <a:t>，除第 </a:t>
+            </a:r>
+            <a:r>
+              <a:rPr lang="en-US" altLang="zh-CN" dirty="0" smtClean="0"/>
+              <a:t>h </a:t>
+            </a:r>
+            <a:r>
+              <a:rPr lang="zh-CN" altLang="en-US" dirty="0" smtClean="0"/>
+              <a:t>层外，其它各层 </a:t>
+            </a:r>
+            <a:r>
+              <a:rPr lang="en-US" altLang="zh-CN" dirty="0" smtClean="0"/>
+              <a:t>(1</a:t>
+            </a:r>
+            <a:r>
+              <a:rPr lang="zh-CN" altLang="en-US" dirty="0" smtClean="0"/>
+              <a:t>～</a:t>
+            </a:r>
+            <a:r>
+              <a:rPr lang="en-US" altLang="zh-CN" dirty="0" smtClean="0"/>
+              <a:t>h-1) </a:t>
+            </a:r>
+            <a:r>
+              <a:rPr lang="zh-CN" altLang="en-US" dirty="0" smtClean="0"/>
+              <a:t>的结点数都达到最大个数，第 </a:t>
+            </a:r>
+            <a:r>
+              <a:rPr lang="en-US" altLang="zh-CN" dirty="0" smtClean="0"/>
+              <a:t>h </a:t>
+            </a:r>
+            <a:r>
+              <a:rPr lang="zh-CN" altLang="en-US" dirty="0" smtClean="0"/>
+              <a:t>层所有的结点都连续集中在最左边，这就是完全二叉树。</a:t>
+            </a:r>
+          </a:p>
+          <a:p>
+            <a:r>
+              <a:rPr lang="zh-CN" altLang="en-US" dirty="0" smtClean="0"/>
+              <a:t>完全二叉树是由</a:t>
+            </a:r>
+            <a:r>
+              <a:rPr lang="zh-CN" altLang="en-US" dirty="0" smtClean="0">
+                <a:hlinkClick r:id="rId2"/>
+              </a:rPr>
+              <a:t>满二叉树</a:t>
+            </a:r>
+            <a:r>
+              <a:rPr lang="zh-CN" altLang="en-US" dirty="0" smtClean="0"/>
+              <a:t>而引出来的。对于深度为</a:t>
+            </a:r>
+            <a:r>
+              <a:rPr lang="en-US" altLang="zh-CN" dirty="0" smtClean="0"/>
+              <a:t>K</a:t>
+            </a:r>
+            <a:r>
+              <a:rPr lang="zh-CN" altLang="en-US" dirty="0" smtClean="0"/>
+              <a:t>的，有</a:t>
+            </a:r>
+            <a:r>
+              <a:rPr lang="en-US" altLang="zh-CN" dirty="0" smtClean="0"/>
+              <a:t>n</a:t>
+            </a:r>
+            <a:r>
+              <a:rPr lang="zh-CN" altLang="en-US" dirty="0" smtClean="0"/>
+              <a:t>个结点的二叉树，当且仅当其每一个结点都与深度为</a:t>
+            </a:r>
+            <a:r>
+              <a:rPr lang="en-US" altLang="zh-CN" dirty="0" smtClean="0"/>
+              <a:t>K</a:t>
+            </a:r>
+            <a:r>
+              <a:rPr lang="zh-CN" altLang="en-US" dirty="0" smtClean="0"/>
+              <a:t>的满二叉树中编号从</a:t>
+            </a:r>
+            <a:r>
+              <a:rPr lang="en-US" altLang="zh-CN" dirty="0" smtClean="0"/>
+              <a:t>1</a:t>
+            </a:r>
+            <a:r>
+              <a:rPr lang="zh-CN" altLang="en-US" dirty="0" smtClean="0"/>
+              <a:t>至</a:t>
+            </a:r>
+            <a:r>
+              <a:rPr lang="en-US" altLang="zh-CN" dirty="0" smtClean="0"/>
+              <a:t>n</a:t>
+            </a:r>
+            <a:r>
+              <a:rPr lang="zh-CN" altLang="en-US" dirty="0" smtClean="0"/>
+              <a:t>的结点一一对应时称之为完全二叉树。</a:t>
+            </a:r>
+          </a:p>
+          <a:p>
+            <a:r>
+              <a:rPr lang="zh-CN" altLang="en-US" dirty="0" smtClean="0"/>
+              <a:t>一棵二叉树至多只有最下面的一层上的结点的度数可以小于</a:t>
+            </a:r>
+            <a:r>
+              <a:rPr lang="en-US" altLang="zh-CN" dirty="0" smtClean="0"/>
+              <a:t>2</a:t>
+            </a:r>
+            <a:r>
+              <a:rPr lang="zh-CN" altLang="en-US" dirty="0" smtClean="0"/>
+              <a:t>，并且最下层上的结点都集中在该层最左边的若干位置上，而在最后一层上，右边的若干结点缺失的二叉树，则此二叉树成为完全二叉树。</a:t>
+            </a:r>
+            <a:endParaRPr lang="zh-CN" altLang="en-US" dirty="0"/>
+          </a:p>
+        </p:txBody>
+      </p:sp>
     </p:spTree>
   </p:cSld>
   <p:clrMapOvr>
     <a:masterClrMapping/>
   </p:clrMapOvr>
+  <p:timing>
+    <p:tnLst>
+      <p:par>
+        <p:cTn id="1" dur="indefinite" restart="never" nodeType="tmRoot"/>
+      </p:par>
+    </p:tnLst>
+  </p:timing>
 </p:sld>
 </file>
 
 <file path=ppt/theme/theme1.xml><?xml version="1.0" encoding="utf-8"?>
-<a:theme xmlns:a="http://schemas.openxmlformats.org/drawingml/2006/main" name="Office 主题">
+<a:theme xmlns:a="http://schemas.openxmlformats.org/drawingml/2006/main" name="流畅">
   <a:themeElements>
-    <a:clrScheme name="Office">
+    <a:clrScheme name="流畅">
       <a:dk1>
         <a:sysClr val="windowText" lastClr="000000"/>
       </a:dk1>
@@ -5196,80 +6415,46 @@
         <a:sysClr val="window" lastClr="FFFFFF"/>
       </a:lt1>
       <a:dk2>
-        <a:srgbClr val="1F497D"/>
+        <a:srgbClr val="04617B"/>
       </a:dk2>
       <a:lt2>
-        <a:srgbClr val="EEECE1"/>
+        <a:srgbClr val="DBF5F9"/>
       </a:lt2>
       <a:accent1>
-        <a:srgbClr val="4F81BD"/>
+        <a:srgbClr val="0F6FC6"/>
       </a:accent1>
       <a:accent2>
-        <a:srgbClr val="C0504D"/>
+        <a:srgbClr val="009DD9"/>
       </a:accent2>
       <a:accent3>
-        <a:srgbClr val="9BBB59"/>
+        <a:srgbClr val="0BD0D9"/>
       </a:accent3>
       <a:accent4>
-        <a:srgbClr val="8064A2"/>
+        <a:srgbClr val="10CF9B"/>
       </a:accent4>
       <a:accent5>
-        <a:srgbClr val="4BACC6"/>
+        <a:srgbClr val="7CCA62"/>
       </a:accent5>
       <a:accent6>
-        <a:srgbClr val="F79646"/>
+        <a:srgbClr val="A5C249"/>
       </a:accent6>
       <a:hlink>
-        <a:srgbClr val="0000FF"/>
+        <a:srgbClr val="E2D700"/>
       </a:hlink>
       <a:folHlink>
-        <a:srgbClr val="800080"/>
+        <a:srgbClr val="85DFD0"/>
       </a:folHlink>
     </a:clrScheme>
-    <a:fontScheme name="Office">
+    <a:fontScheme name="流畅">
       <a:majorFont>
         <a:latin typeface="Calibri"/>
         <a:ea typeface=""/>
         <a:cs typeface=""/>
         <a:font script="Jpan" typeface="ＭＳ Ｐゴシック"/>
-        <a:font script="Hang" typeface="맑은 고딕"/>
-        <a:font script="Hans" typeface="宋体"/>
-        <a:font script="Hant" typeface="新細明體"/>
-        <a:font script="Arab" typeface="Times New Roman"/>
-        <a:font script="Hebr" typeface="Times New Roman"/>
-        <a:font script="Thai" typeface="Angsana New"/>
-        <a:font script="Ethi" typeface="Nyala"/>
-        <a:font script="Beng" typeface="Vrinda"/>
-        <a:font script="Gujr" typeface="Shruti"/>
-        <a:font script="Khmr" typeface="MoolBoran"/>
-        <a:font script="Knda" typeface="Tunga"/>
-        <a:font script="Guru" typeface="Raavi"/>
-        <a:font script="Cans" typeface="Euphemia"/>
-        <a:font script="Cher" typeface="Plantagenet Cherokee"/>
-        <a:font script="Yiii" typeface="Microsoft Yi Baiti"/>
-        <a:font script="Tibt" typeface="Microsoft Himalaya"/>
-        <a:font script="Thaa" typeface="MV Boli"/>
-        <a:font script="Deva" typeface="Mangal"/>
-        <a:font script="Telu" typeface="Gautami"/>
-        <a:font script="Taml" typeface="Latha"/>
-        <a:font script="Syrc" typeface="Estrangelo Edessa"/>
-        <a:font script="Orya" typeface="Kalinga"/>
-        <a:font script="Mlym" typeface="Kartika"/>
-        <a:font script="Laoo" typeface="DokChampa"/>
-        <a:font script="Sinh" typeface="Iskoola Pota"/>
-        <a:font script="Mong" typeface="Mongolian Baiti"/>
-        <a:font script="Viet" typeface="Times New Roman"/>
-        <a:font script="Uigh" typeface="Microsoft Uighur"/>
-      </a:majorFont>
-      <a:minorFont>
-        <a:latin typeface="Calibri"/>
-        <a:ea typeface=""/>
-        <a:cs typeface=""/>
-        <a:font script="Jpan" typeface="ＭＳ Ｐゴシック"/>
-        <a:font script="Hang" typeface="맑은 고딕"/>
-        <a:font script="Hans" typeface="宋体"/>
-        <a:font script="Hant" typeface="新細明體"/>
-        <a:font script="Arab" typeface="Arial"/>
+        <a:font script="Hang" typeface="HY중고딕"/>
+        <a:font script="Hans" typeface="隶书"/>
+        <a:font script="Hant" typeface="微軟正黑體"/>
+        <a:font script="Arab" typeface="Traditional Arabic"/>
         <a:font script="Hebr" typeface="Arial"/>
         <a:font script="Thai" typeface="Cordia New"/>
         <a:font script="Ethi" typeface="Nyala"/>
@@ -5294,9 +6479,43 @@
         <a:font script="Mong" typeface="Mongolian Baiti"/>
         <a:font script="Viet" typeface="Arial"/>
         <a:font script="Uigh" typeface="Microsoft Uighur"/>
+      </a:majorFont>
+      <a:minorFont>
+        <a:latin typeface="Constantia"/>
+        <a:ea typeface=""/>
+        <a:cs typeface=""/>
+        <a:font script="Jpan" typeface="HGP明朝E"/>
+        <a:font script="Hang" typeface="HY신명조"/>
+        <a:font script="Hans" typeface="宋体"/>
+        <a:font script="Hant" typeface="新細明體"/>
+        <a:font script="Arab" typeface="Majalla UI"/>
+        <a:font script="Hebr" typeface="David"/>
+        <a:font script="Thai" typeface="Browallia New"/>
+        <a:font script="Ethi" typeface="Nyala"/>
+        <a:font script="Beng" typeface="Vrinda"/>
+        <a:font script="Gujr" typeface="Shruti"/>
+        <a:font script="Khmr" typeface="MoolBoran"/>
+        <a:font script="Knda" typeface="Tunga"/>
+        <a:font script="Guru" typeface="Raavi"/>
+        <a:font script="Cans" typeface="Euphemia"/>
+        <a:font script="Cher" typeface="Plantagenet Cherokee"/>
+        <a:font script="Yiii" typeface="Microsoft Yi Baiti"/>
+        <a:font script="Tibt" typeface="Microsoft Himalaya"/>
+        <a:font script="Thaa" typeface="MV Boli"/>
+        <a:font script="Deva" typeface="Mangal"/>
+        <a:font script="Telu" typeface="Gautami"/>
+        <a:font script="Taml" typeface="Latha"/>
+        <a:font script="Syrc" typeface="Estrangelo Edessa"/>
+        <a:font script="Orya" typeface="Kalinga"/>
+        <a:font script="Mlym" typeface="Kartika"/>
+        <a:font script="Laoo" typeface="DokChampa"/>
+        <a:font script="Sinh" typeface="Iskoola Pota"/>
+        <a:font script="Mong" typeface="Mongolian Baiti"/>
+        <a:font script="Viet" typeface="Times New Roman"/>
+        <a:font script="Uigh" typeface="Microsoft Uighur"/>
       </a:minorFont>
     </a:fontScheme>
-    <a:fmtScheme name="Office">
+    <a:fmtScheme name="流畅">
       <a:fillStyleLst>
         <a:solidFill>
           <a:schemeClr val="phClr"/>
@@ -5305,55 +6524,66 @@
           <a:gsLst>
             <a:gs pos="0">
               <a:schemeClr val="phClr">
-                <a:tint val="50000"/>
-                <a:satMod val="300000"/>
+                <a:tint val="70000"/>
+                <a:satMod val="130000"/>
               </a:schemeClr>
             </a:gs>
-            <a:gs pos="35000">
+            <a:gs pos="43000">
               <a:schemeClr val="phClr">
-                <a:tint val="37000"/>
-                <a:satMod val="300000"/>
+                <a:tint val="44000"/>
+                <a:satMod val="165000"/>
+              </a:schemeClr>
+            </a:gs>
+            <a:gs pos="93000">
+              <a:schemeClr val="phClr">
+                <a:tint val="15000"/>
+                <a:satMod val="165000"/>
               </a:schemeClr>
             </a:gs>
             <a:gs pos="100000">
               <a:schemeClr val="phClr">
-                <a:tint val="15000"/>
-                <a:satMod val="350000"/>
+                <a:tint val="5000"/>
+                <a:satMod val="250000"/>
               </a:schemeClr>
             </a:gs>
           </a:gsLst>
-          <a:lin ang="16200000" scaled="1"/>
+          <a:path path="circle">
+            <a:fillToRect l="50000" t="130000" r="50000" b="-30000"/>
+          </a:path>
         </a:gradFill>
         <a:gradFill rotWithShape="1">
           <a:gsLst>
             <a:gs pos="0">
               <a:schemeClr val="phClr">
-                <a:shade val="51000"/>
-                <a:satMod val="130000"/>
+                <a:tint val="98000"/>
+                <a:shade val="25000"/>
+                <a:satMod val="250000"/>
               </a:schemeClr>
             </a:gs>
-            <a:gs pos="80000">
+            <a:gs pos="68000">
               <a:schemeClr val="phClr">
-                <a:shade val="93000"/>
-                <a:satMod val="130000"/>
+                <a:tint val="86000"/>
+                <a:satMod val="115000"/>
               </a:schemeClr>
             </a:gs>
             <a:gs pos="100000">
               <a:schemeClr val="phClr">
-                <a:shade val="94000"/>
-                <a:satMod val="135000"/>
+                <a:tint val="50000"/>
+                <a:satMod val="150000"/>
               </a:schemeClr>
             </a:gs>
           </a:gsLst>
-          <a:lin ang="16200000" scaled="0"/>
+          <a:path path="circle">
+            <a:fillToRect l="50000" t="130000" r="50000" b="-30000"/>
+          </a:path>
         </a:gradFill>
       </a:fillStyleLst>
       <a:lnStyleLst>
         <a:ln w="9525" cap="flat" cmpd="sng" algn="ctr">
           <a:solidFill>
             <a:schemeClr val="phClr">
-              <a:shade val="95000"/>
-              <a:satMod val="105000"/>
+              <a:shade val="50000"/>
+              <a:satMod val="103000"/>
             </a:schemeClr>
           </a:solidFill>
           <a:prstDash val="solid"/>
@@ -5374,40 +6604,46 @@
       <a:effectStyleLst>
         <a:effectStyle>
           <a:effectLst>
-            <a:outerShdw blurRad="40000" dist="20000" dir="5400000" rotWithShape="0">
-              <a:srgbClr val="000000">
-                <a:alpha val="38000"/>
-              </a:srgbClr>
+            <a:outerShdw blurRad="57150" dist="38100" dir="5400000" algn="ctr" rotWithShape="0">
+              <a:schemeClr val="phClr">
+                <a:shade val="9000"/>
+                <a:satMod val="105000"/>
+                <a:alpha val="48000"/>
+              </a:schemeClr>
             </a:outerShdw>
           </a:effectLst>
         </a:effectStyle>
         <a:effectStyle>
           <a:effectLst>
-            <a:outerShdw blurRad="40000" dist="23000" dir="5400000" rotWithShape="0">
-              <a:srgbClr val="000000">
-                <a:alpha val="35000"/>
-              </a:srgbClr>
+            <a:outerShdw blurRad="57150" dist="38100" dir="5400000" algn="ctr" rotWithShape="0">
+              <a:schemeClr val="phClr">
+                <a:shade val="9000"/>
+                <a:satMod val="105000"/>
+                <a:alpha val="48000"/>
+              </a:schemeClr>
             </a:outerShdw>
           </a:effectLst>
         </a:effectStyle>
         <a:effectStyle>
           <a:effectLst>
-            <a:outerShdw blurRad="40000" dist="23000" dir="5400000" rotWithShape="0">
-              <a:srgbClr val="000000">
-                <a:alpha val="35000"/>
-              </a:srgbClr>
+            <a:outerShdw blurRad="57150" dist="38100" dir="5400000" algn="ctr" rotWithShape="0">
+              <a:schemeClr val="phClr">
+                <a:shade val="9000"/>
+                <a:satMod val="105000"/>
+                <a:alpha val="48000"/>
+              </a:schemeClr>
             </a:outerShdw>
           </a:effectLst>
           <a:scene3d>
-            <a:camera prst="orthographicFront">
+            <a:camera prst="orthographicFront" fov="0">
               <a:rot lat="0" lon="0" rev="0"/>
             </a:camera>
-            <a:lightRig rig="threePt" dir="t">
-              <a:rot lat="0" lon="0" rev="1200000"/>
+            <a:lightRig rig="glow" dir="tl">
+              <a:rot lat="0" lon="0" rev="900000"/>
             </a:lightRig>
           </a:scene3d>
-          <a:sp3d>
-            <a:bevelT w="63500" h="25400"/>
+          <a:sp3d prstMaterial="powder">
+            <a:bevelT w="25400" h="38100"/>
           </a:sp3d>
         </a:effectStyle>
       </a:effectStyleLst>
@@ -5419,47 +6655,42 @@
           <a:gsLst>
             <a:gs pos="0">
               <a:schemeClr val="phClr">
-                <a:tint val="40000"/>
-                <a:satMod val="350000"/>
+                <a:tint val="80000"/>
+                <a:satMod val="400000"/>
               </a:schemeClr>
             </a:gs>
-            <a:gs pos="40000">
+            <a:gs pos="25000">
               <a:schemeClr val="phClr">
-                <a:tint val="45000"/>
-                <a:shade val="99000"/>
-                <a:satMod val="350000"/>
+                <a:tint val="83000"/>
+                <a:satMod val="320000"/>
               </a:schemeClr>
             </a:gs>
             <a:gs pos="100000">
               <a:schemeClr val="phClr">
-                <a:shade val="20000"/>
-                <a:satMod val="255000"/>
+                <a:shade val="15000"/>
+                <a:satMod val="320000"/>
               </a:schemeClr>
             </a:gs>
           </a:gsLst>
           <a:path path="circle">
-            <a:fillToRect l="50000" t="-80000" r="50000" b="180000"/>
+            <a:fillToRect l="10000" t="110000" r="10000" b="100000"/>
           </a:path>
         </a:gradFill>
-        <a:gradFill rotWithShape="1">
-          <a:gsLst>
-            <a:gs pos="0">
+        <a:blipFill>
+          <a:blip xmlns:r="http://schemas.openxmlformats.org/officeDocument/2006/relationships" r:embed="rId1">
+            <a:duotone>
               <a:schemeClr val="phClr">
-                <a:tint val="80000"/>
-                <a:satMod val="300000"/>
+                <a:shade val="90000"/>
+                <a:satMod val="150000"/>
               </a:schemeClr>
-            </a:gs>
-            <a:gs pos="100000">
               <a:schemeClr val="phClr">
-                <a:shade val="30000"/>
-                <a:satMod val="200000"/>
+                <a:tint val="88000"/>
+                <a:satMod val="150000"/>
               </a:schemeClr>
-            </a:gs>
-          </a:gsLst>
-          <a:path path="circle">
-            <a:fillToRect l="50000" t="50000" r="50000" b="50000"/>
-          </a:path>
-        </a:gradFill>
+            </a:duotone>
+          </a:blip>
+          <a:tile tx="0" ty="0" sx="65000" sy="65000" flip="none" algn="tl"/>
+        </a:blipFill>
       </a:bgFillStyleLst>
     </a:fmtScheme>
   </a:themeElements>

--- a/JoyCpp/rb_tree/rb_tree.pptx
+++ b/JoyCpp/rb_tree/rb_tree.pptx
@@ -4855,7 +4855,7 @@
         </p:nvSpPr>
         <p:spPr>
           <a:xfrm>
-            <a:off x="457200" y="1600201"/>
+            <a:off x="467544" y="1844824"/>
             <a:ext cx="8229600" cy="1180728"/>
           </a:xfrm>
         </p:spPr>
@@ -4983,7 +4983,7 @@
         </p:nvSpPr>
         <p:spPr>
           <a:xfrm>
-            <a:off x="457200" y="1600201"/>
+            <a:off x="467544" y="1844824"/>
             <a:ext cx="8229600" cy="1180728"/>
           </a:xfrm>
         </p:spPr>
@@ -5198,11 +5198,7 @@
           <a:p>
             <a:r>
               <a:rPr lang="zh-CN" altLang="en-US" dirty="0" smtClean="0"/>
-              <a:t>容器的使用更加精</a:t>
-            </a:r>
-            <a:r>
-              <a:rPr lang="zh-CN" altLang="en-US" dirty="0" smtClean="0"/>
-              <a:t>准</a:t>
+              <a:t>容器的使用更加精准</a:t>
             </a:r>
             <a:endParaRPr lang="en-US" altLang="zh-CN" dirty="0" smtClean="0"/>
           </a:p>
@@ -5212,11 +5208,7 @@
           <a:p>
             <a:r>
               <a:rPr lang="zh-CN" altLang="en-US" dirty="0" smtClean="0"/>
-              <a:t>避免踩雷与制造雷区</a:t>
-            </a:r>
-            <a:r>
-              <a:rPr lang="zh-CN" altLang="en-US" dirty="0" smtClean="0"/>
-              <a:t>。</a:t>
+              <a:t>避免踩雷与制造雷区。</a:t>
             </a:r>
             <a:endParaRPr lang="en-US" altLang="zh-CN" dirty="0" smtClean="0"/>
           </a:p>
@@ -5226,11 +5218,7 @@
           <a:p>
             <a:r>
               <a:rPr lang="zh-CN" altLang="en-US" dirty="0" smtClean="0"/>
-              <a:t>山珍海味，偶尔一品还是比较补的</a:t>
-            </a:r>
-            <a:r>
-              <a:rPr lang="zh-CN" altLang="en-US" dirty="0" smtClean="0"/>
-              <a:t>。</a:t>
+              <a:t>山珍海味，偶尔一品还是比较补的。</a:t>
             </a:r>
             <a:endParaRPr lang="en-US" altLang="zh-CN" dirty="0" smtClean="0"/>
           </a:p>
@@ -5298,23 +5286,7 @@
           <a:p>
             <a:r>
               <a:rPr lang="zh-CN" altLang="en-US" dirty="0" smtClean="0"/>
-              <a:t>标准库中</a:t>
-            </a:r>
-            <a:r>
-              <a:rPr lang="zh-CN" altLang="en-US" dirty="0" smtClean="0"/>
-              <a:t>的</a:t>
-            </a:r>
-            <a:r>
-              <a:rPr lang="zh-CN" altLang="en-US" dirty="0" smtClean="0"/>
-              <a:t>关联</a:t>
-            </a:r>
-            <a:r>
-              <a:rPr lang="zh-CN" altLang="en-US" dirty="0" smtClean="0"/>
-              <a:t>容</a:t>
-            </a:r>
-            <a:r>
-              <a:rPr lang="zh-CN" altLang="en-US" dirty="0" smtClean="0"/>
-              <a:t>器</a:t>
+              <a:t>标准库中的关联容器</a:t>
             </a:r>
             <a:endParaRPr lang="zh-CN" altLang="en-US" dirty="0"/>
           </a:p>
